--- a/P5_5_Presentation.pptx
+++ b/P5_5_Presentation.pptx
@@ -5,10 +5,10 @@
     <p:sldMasterId id="2147483672" r:id="rId1"/>
   </p:sldMasterIdLst>
   <p:notesMasterIdLst>
-    <p:notesMasterId r:id="rId15"/>
+    <p:notesMasterId r:id="rId17"/>
   </p:notesMasterIdLst>
   <p:handoutMasterIdLst>
-    <p:handoutMasterId r:id="rId16"/>
+    <p:handoutMasterId r:id="rId18"/>
   </p:handoutMasterIdLst>
   <p:sldIdLst>
     <p:sldId id="256" r:id="rId2"/>
@@ -22,8 +22,10 @@
     <p:sldId id="288" r:id="rId10"/>
     <p:sldId id="296" r:id="rId11"/>
     <p:sldId id="293" r:id="rId12"/>
-    <p:sldId id="289" r:id="rId13"/>
-    <p:sldId id="260" r:id="rId14"/>
+    <p:sldId id="298" r:id="rId13"/>
+    <p:sldId id="289" r:id="rId14"/>
+    <p:sldId id="297" r:id="rId15"/>
+    <p:sldId id="260" r:id="rId16"/>
   </p:sldIdLst>
   <p:sldSz cx="12192000" cy="6858000"/>
   <p:notesSz cx="6858000" cy="9144000"/>
@@ -4352,6 +4354,2247 @@
 </dgm:colorsDef>
 </file>
 
+<file path=ppt/diagrams/colors5.xml><?xml version="1.0" encoding="utf-8"?>
+<dgm:colorsDef xmlns:dgm="http://schemas.openxmlformats.org/drawingml/2006/diagram" xmlns:a="http://schemas.openxmlformats.org/drawingml/2006/main" uniqueId="urn:microsoft.com/office/officeart/2005/8/colors/accent1_2">
+  <dgm:title val=""/>
+  <dgm:desc val=""/>
+  <dgm:catLst>
+    <dgm:cat type="accent1" pri="11200"/>
+  </dgm:catLst>
+  <dgm:styleLbl name="node0">
+    <dgm:fillClrLst meth="repeat">
+      <a:schemeClr val="accent1"/>
+    </dgm:fillClrLst>
+    <dgm:linClrLst meth="repeat">
+      <a:schemeClr val="lt1"/>
+    </dgm:linClrLst>
+    <dgm:effectClrLst/>
+    <dgm:txLinClrLst/>
+    <dgm:txFillClrLst/>
+    <dgm:txEffectClrLst/>
+  </dgm:styleLbl>
+  <dgm:styleLbl name="alignNode1">
+    <dgm:fillClrLst meth="repeat">
+      <a:schemeClr val="accent1"/>
+    </dgm:fillClrLst>
+    <dgm:linClrLst meth="repeat">
+      <a:schemeClr val="accent1"/>
+    </dgm:linClrLst>
+    <dgm:effectClrLst/>
+    <dgm:txLinClrLst/>
+    <dgm:txFillClrLst/>
+    <dgm:txEffectClrLst/>
+  </dgm:styleLbl>
+  <dgm:styleLbl name="node1">
+    <dgm:fillClrLst meth="repeat">
+      <a:schemeClr val="accent1"/>
+    </dgm:fillClrLst>
+    <dgm:linClrLst meth="repeat">
+      <a:schemeClr val="lt1"/>
+    </dgm:linClrLst>
+    <dgm:effectClrLst/>
+    <dgm:txLinClrLst/>
+    <dgm:txFillClrLst/>
+    <dgm:txEffectClrLst/>
+  </dgm:styleLbl>
+  <dgm:styleLbl name="lnNode1">
+    <dgm:fillClrLst meth="repeat">
+      <a:schemeClr val="accent1"/>
+    </dgm:fillClrLst>
+    <dgm:linClrLst meth="repeat">
+      <a:schemeClr val="lt1"/>
+    </dgm:linClrLst>
+    <dgm:effectClrLst/>
+    <dgm:txLinClrLst/>
+    <dgm:txFillClrLst/>
+    <dgm:txEffectClrLst/>
+  </dgm:styleLbl>
+  <dgm:styleLbl name="vennNode1">
+    <dgm:fillClrLst meth="repeat">
+      <a:schemeClr val="accent1">
+        <a:alpha val="50000"/>
+      </a:schemeClr>
+    </dgm:fillClrLst>
+    <dgm:linClrLst meth="repeat">
+      <a:schemeClr val="lt1"/>
+    </dgm:linClrLst>
+    <dgm:effectClrLst/>
+    <dgm:txLinClrLst/>
+    <dgm:txFillClrLst/>
+    <dgm:txEffectClrLst/>
+  </dgm:styleLbl>
+  <dgm:styleLbl name="node2">
+    <dgm:fillClrLst meth="repeat">
+      <a:schemeClr val="accent1"/>
+    </dgm:fillClrLst>
+    <dgm:linClrLst meth="repeat">
+      <a:schemeClr val="lt1"/>
+    </dgm:linClrLst>
+    <dgm:effectClrLst/>
+    <dgm:txLinClrLst/>
+    <dgm:txFillClrLst/>
+    <dgm:txEffectClrLst/>
+  </dgm:styleLbl>
+  <dgm:styleLbl name="node3">
+    <dgm:fillClrLst meth="repeat">
+      <a:schemeClr val="accent1"/>
+    </dgm:fillClrLst>
+    <dgm:linClrLst meth="repeat">
+      <a:schemeClr val="lt1"/>
+    </dgm:linClrLst>
+    <dgm:effectClrLst/>
+    <dgm:txLinClrLst/>
+    <dgm:txFillClrLst/>
+    <dgm:txEffectClrLst/>
+  </dgm:styleLbl>
+  <dgm:styleLbl name="node4">
+    <dgm:fillClrLst meth="repeat">
+      <a:schemeClr val="accent1"/>
+    </dgm:fillClrLst>
+    <dgm:linClrLst meth="repeat">
+      <a:schemeClr val="lt1"/>
+    </dgm:linClrLst>
+    <dgm:effectClrLst/>
+    <dgm:txLinClrLst/>
+    <dgm:txFillClrLst/>
+    <dgm:txEffectClrLst/>
+  </dgm:styleLbl>
+  <dgm:styleLbl name="fgImgPlace1">
+    <dgm:fillClrLst meth="repeat">
+      <a:schemeClr val="accent1">
+        <a:tint val="50000"/>
+      </a:schemeClr>
+    </dgm:fillClrLst>
+    <dgm:linClrLst meth="repeat">
+      <a:schemeClr val="lt1"/>
+    </dgm:linClrLst>
+    <dgm:effectClrLst/>
+    <dgm:txLinClrLst/>
+    <dgm:txFillClrLst meth="repeat">
+      <a:schemeClr val="lt1"/>
+    </dgm:txFillClrLst>
+    <dgm:txEffectClrLst/>
+  </dgm:styleLbl>
+  <dgm:styleLbl name="alignImgPlace1">
+    <dgm:fillClrLst meth="repeat">
+      <a:schemeClr val="accent1">
+        <a:tint val="50000"/>
+      </a:schemeClr>
+    </dgm:fillClrLst>
+    <dgm:linClrLst meth="repeat">
+      <a:schemeClr val="lt1"/>
+    </dgm:linClrLst>
+    <dgm:effectClrLst/>
+    <dgm:txLinClrLst/>
+    <dgm:txFillClrLst meth="repeat">
+      <a:schemeClr val="lt1"/>
+    </dgm:txFillClrLst>
+    <dgm:txEffectClrLst/>
+  </dgm:styleLbl>
+  <dgm:styleLbl name="bgImgPlace1">
+    <dgm:fillClrLst meth="repeat">
+      <a:schemeClr val="accent1">
+        <a:tint val="50000"/>
+      </a:schemeClr>
+    </dgm:fillClrLst>
+    <dgm:linClrLst meth="repeat">
+      <a:schemeClr val="lt1"/>
+    </dgm:linClrLst>
+    <dgm:effectClrLst/>
+    <dgm:txLinClrLst/>
+    <dgm:txFillClrLst meth="repeat">
+      <a:schemeClr val="lt1"/>
+    </dgm:txFillClrLst>
+    <dgm:txEffectClrLst/>
+  </dgm:styleLbl>
+  <dgm:styleLbl name="sibTrans2D1">
+    <dgm:fillClrLst meth="repeat">
+      <a:schemeClr val="accent1">
+        <a:tint val="60000"/>
+      </a:schemeClr>
+    </dgm:fillClrLst>
+    <dgm:linClrLst meth="repeat">
+      <a:schemeClr val="accent1">
+        <a:tint val="60000"/>
+      </a:schemeClr>
+    </dgm:linClrLst>
+    <dgm:effectClrLst/>
+    <dgm:txLinClrLst/>
+    <dgm:txFillClrLst/>
+    <dgm:txEffectClrLst/>
+  </dgm:styleLbl>
+  <dgm:styleLbl name="fgSibTrans2D1">
+    <dgm:fillClrLst meth="repeat">
+      <a:schemeClr val="accent1">
+        <a:tint val="60000"/>
+      </a:schemeClr>
+    </dgm:fillClrLst>
+    <dgm:linClrLst meth="repeat">
+      <a:schemeClr val="accent1">
+        <a:tint val="60000"/>
+      </a:schemeClr>
+    </dgm:linClrLst>
+    <dgm:effectClrLst/>
+    <dgm:txLinClrLst/>
+    <dgm:txFillClrLst/>
+    <dgm:txEffectClrLst/>
+  </dgm:styleLbl>
+  <dgm:styleLbl name="bgSibTrans2D1">
+    <dgm:fillClrLst meth="repeat">
+      <a:schemeClr val="accent1">
+        <a:tint val="60000"/>
+      </a:schemeClr>
+    </dgm:fillClrLst>
+    <dgm:linClrLst meth="repeat">
+      <a:schemeClr val="accent1">
+        <a:tint val="60000"/>
+      </a:schemeClr>
+    </dgm:linClrLst>
+    <dgm:effectClrLst/>
+    <dgm:txLinClrLst/>
+    <dgm:txFillClrLst/>
+    <dgm:txEffectClrLst/>
+  </dgm:styleLbl>
+  <dgm:styleLbl name="sibTrans1D1">
+    <dgm:fillClrLst meth="repeat">
+      <a:schemeClr val="accent1"/>
+    </dgm:fillClrLst>
+    <dgm:linClrLst meth="repeat">
+      <a:schemeClr val="accent1"/>
+    </dgm:linClrLst>
+    <dgm:effectClrLst/>
+    <dgm:txLinClrLst/>
+    <dgm:txFillClrLst meth="repeat">
+      <a:schemeClr val="tx1"/>
+    </dgm:txFillClrLst>
+    <dgm:txEffectClrLst/>
+  </dgm:styleLbl>
+  <dgm:styleLbl name="callout">
+    <dgm:fillClrLst meth="repeat">
+      <a:schemeClr val="accent1"/>
+    </dgm:fillClrLst>
+    <dgm:linClrLst meth="repeat">
+      <a:schemeClr val="accent1">
+        <a:tint val="50000"/>
+      </a:schemeClr>
+    </dgm:linClrLst>
+    <dgm:effectClrLst/>
+    <dgm:txLinClrLst/>
+    <dgm:txFillClrLst meth="repeat">
+      <a:schemeClr val="tx1"/>
+    </dgm:txFillClrLst>
+    <dgm:txEffectClrLst/>
+  </dgm:styleLbl>
+  <dgm:styleLbl name="asst0">
+    <dgm:fillClrLst meth="repeat">
+      <a:schemeClr val="accent1"/>
+    </dgm:fillClrLst>
+    <dgm:linClrLst meth="repeat">
+      <a:schemeClr val="lt1"/>
+    </dgm:linClrLst>
+    <dgm:effectClrLst/>
+    <dgm:txLinClrLst/>
+    <dgm:txFillClrLst/>
+    <dgm:txEffectClrLst/>
+  </dgm:styleLbl>
+  <dgm:styleLbl name="asst1">
+    <dgm:fillClrLst meth="repeat">
+      <a:schemeClr val="accent1"/>
+    </dgm:fillClrLst>
+    <dgm:linClrLst meth="repeat">
+      <a:schemeClr val="lt1"/>
+    </dgm:linClrLst>
+    <dgm:effectClrLst/>
+    <dgm:txLinClrLst/>
+    <dgm:txFillClrLst/>
+    <dgm:txEffectClrLst/>
+  </dgm:styleLbl>
+  <dgm:styleLbl name="asst2">
+    <dgm:fillClrLst meth="repeat">
+      <a:schemeClr val="accent1"/>
+    </dgm:fillClrLst>
+    <dgm:linClrLst meth="repeat">
+      <a:schemeClr val="lt1"/>
+    </dgm:linClrLst>
+    <dgm:effectClrLst/>
+    <dgm:txLinClrLst/>
+    <dgm:txFillClrLst/>
+    <dgm:txEffectClrLst/>
+  </dgm:styleLbl>
+  <dgm:styleLbl name="asst3">
+    <dgm:fillClrLst meth="repeat">
+      <a:schemeClr val="accent1"/>
+    </dgm:fillClrLst>
+    <dgm:linClrLst meth="repeat">
+      <a:schemeClr val="lt1"/>
+    </dgm:linClrLst>
+    <dgm:effectClrLst/>
+    <dgm:txLinClrLst/>
+    <dgm:txFillClrLst/>
+    <dgm:txEffectClrLst/>
+  </dgm:styleLbl>
+  <dgm:styleLbl name="asst4">
+    <dgm:fillClrLst meth="repeat">
+      <a:schemeClr val="accent1"/>
+    </dgm:fillClrLst>
+    <dgm:linClrLst meth="repeat">
+      <a:schemeClr val="lt1"/>
+    </dgm:linClrLst>
+    <dgm:effectClrLst/>
+    <dgm:txLinClrLst/>
+    <dgm:txFillClrLst/>
+    <dgm:txEffectClrLst/>
+  </dgm:styleLbl>
+  <dgm:styleLbl name="parChTrans2D1">
+    <dgm:fillClrLst meth="repeat">
+      <a:schemeClr val="accent1">
+        <a:tint val="60000"/>
+      </a:schemeClr>
+    </dgm:fillClrLst>
+    <dgm:linClrLst meth="repeat">
+      <a:schemeClr val="accent1">
+        <a:tint val="60000"/>
+      </a:schemeClr>
+    </dgm:linClrLst>
+    <dgm:effectClrLst/>
+    <dgm:txLinClrLst/>
+    <dgm:txFillClrLst meth="repeat">
+      <a:schemeClr val="lt1"/>
+    </dgm:txFillClrLst>
+    <dgm:txEffectClrLst/>
+  </dgm:styleLbl>
+  <dgm:styleLbl name="parChTrans2D2">
+    <dgm:fillClrLst meth="repeat">
+      <a:schemeClr val="accent1"/>
+    </dgm:fillClrLst>
+    <dgm:linClrLst meth="repeat">
+      <a:schemeClr val="accent1"/>
+    </dgm:linClrLst>
+    <dgm:effectClrLst/>
+    <dgm:txLinClrLst/>
+    <dgm:txFillClrLst meth="repeat">
+      <a:schemeClr val="lt1"/>
+    </dgm:txFillClrLst>
+    <dgm:txEffectClrLst/>
+  </dgm:styleLbl>
+  <dgm:styleLbl name="parChTrans2D3">
+    <dgm:fillClrLst meth="repeat">
+      <a:schemeClr val="accent1"/>
+    </dgm:fillClrLst>
+    <dgm:linClrLst meth="repeat">
+      <a:schemeClr val="accent1"/>
+    </dgm:linClrLst>
+    <dgm:effectClrLst/>
+    <dgm:txLinClrLst/>
+    <dgm:txFillClrLst meth="repeat">
+      <a:schemeClr val="lt1"/>
+    </dgm:txFillClrLst>
+    <dgm:txEffectClrLst/>
+  </dgm:styleLbl>
+  <dgm:styleLbl name="parChTrans2D4">
+    <dgm:fillClrLst meth="repeat">
+      <a:schemeClr val="accent1"/>
+    </dgm:fillClrLst>
+    <dgm:linClrLst meth="repeat">
+      <a:schemeClr val="accent1"/>
+    </dgm:linClrLst>
+    <dgm:effectClrLst/>
+    <dgm:txLinClrLst/>
+    <dgm:txFillClrLst meth="repeat">
+      <a:schemeClr val="lt1"/>
+    </dgm:txFillClrLst>
+    <dgm:txEffectClrLst/>
+  </dgm:styleLbl>
+  <dgm:styleLbl name="parChTrans1D1">
+    <dgm:fillClrLst meth="repeat">
+      <a:schemeClr val="accent1"/>
+    </dgm:fillClrLst>
+    <dgm:linClrLst meth="repeat">
+      <a:schemeClr val="accent1">
+        <a:shade val="60000"/>
+      </a:schemeClr>
+    </dgm:linClrLst>
+    <dgm:effectClrLst/>
+    <dgm:txLinClrLst/>
+    <dgm:txFillClrLst meth="repeat">
+      <a:schemeClr val="tx1"/>
+    </dgm:txFillClrLst>
+    <dgm:txEffectClrLst/>
+  </dgm:styleLbl>
+  <dgm:styleLbl name="parChTrans1D2">
+    <dgm:fillClrLst meth="repeat">
+      <a:schemeClr val="accent1"/>
+    </dgm:fillClrLst>
+    <dgm:linClrLst meth="repeat">
+      <a:schemeClr val="accent1">
+        <a:shade val="60000"/>
+      </a:schemeClr>
+    </dgm:linClrLst>
+    <dgm:effectClrLst/>
+    <dgm:txLinClrLst/>
+    <dgm:txFillClrLst meth="repeat">
+      <a:schemeClr val="tx1"/>
+    </dgm:txFillClrLst>
+    <dgm:txEffectClrLst/>
+  </dgm:styleLbl>
+  <dgm:styleLbl name="parChTrans1D3">
+    <dgm:fillClrLst meth="repeat">
+      <a:schemeClr val="accent1"/>
+    </dgm:fillClrLst>
+    <dgm:linClrLst meth="repeat">
+      <a:schemeClr val="accent1">
+        <a:shade val="80000"/>
+      </a:schemeClr>
+    </dgm:linClrLst>
+    <dgm:effectClrLst/>
+    <dgm:txLinClrLst/>
+    <dgm:txFillClrLst meth="repeat">
+      <a:schemeClr val="tx1"/>
+    </dgm:txFillClrLst>
+    <dgm:txEffectClrLst/>
+  </dgm:styleLbl>
+  <dgm:styleLbl name="parChTrans1D4">
+    <dgm:fillClrLst meth="repeat">
+      <a:schemeClr val="accent1"/>
+    </dgm:fillClrLst>
+    <dgm:linClrLst meth="repeat">
+      <a:schemeClr val="accent1">
+        <a:shade val="80000"/>
+      </a:schemeClr>
+    </dgm:linClrLst>
+    <dgm:effectClrLst/>
+    <dgm:txLinClrLst/>
+    <dgm:txFillClrLst meth="repeat">
+      <a:schemeClr val="tx1"/>
+    </dgm:txFillClrLst>
+    <dgm:txEffectClrLst/>
+  </dgm:styleLbl>
+  <dgm:styleLbl name="fgAcc1">
+    <dgm:fillClrLst meth="repeat">
+      <a:schemeClr val="lt1">
+        <a:alpha val="90000"/>
+      </a:schemeClr>
+    </dgm:fillClrLst>
+    <dgm:linClrLst meth="repeat">
+      <a:schemeClr val="accent1"/>
+    </dgm:linClrLst>
+    <dgm:effectClrLst/>
+    <dgm:txLinClrLst/>
+    <dgm:txFillClrLst meth="repeat">
+      <a:schemeClr val="dk1"/>
+    </dgm:txFillClrLst>
+    <dgm:txEffectClrLst/>
+  </dgm:styleLbl>
+  <dgm:styleLbl name="conFgAcc1">
+    <dgm:fillClrLst meth="repeat">
+      <a:schemeClr val="lt1">
+        <a:alpha val="90000"/>
+      </a:schemeClr>
+    </dgm:fillClrLst>
+    <dgm:linClrLst meth="repeat">
+      <a:schemeClr val="accent1"/>
+    </dgm:linClrLst>
+    <dgm:effectClrLst/>
+    <dgm:txLinClrLst/>
+    <dgm:txFillClrLst meth="repeat">
+      <a:schemeClr val="dk1"/>
+    </dgm:txFillClrLst>
+    <dgm:txEffectClrLst/>
+  </dgm:styleLbl>
+  <dgm:styleLbl name="alignAcc1">
+    <dgm:fillClrLst meth="repeat">
+      <a:schemeClr val="lt1">
+        <a:alpha val="90000"/>
+      </a:schemeClr>
+    </dgm:fillClrLst>
+    <dgm:linClrLst meth="repeat">
+      <a:schemeClr val="accent1"/>
+    </dgm:linClrLst>
+    <dgm:effectClrLst/>
+    <dgm:txLinClrLst/>
+    <dgm:txFillClrLst meth="repeat">
+      <a:schemeClr val="dk1"/>
+    </dgm:txFillClrLst>
+    <dgm:txEffectClrLst/>
+  </dgm:styleLbl>
+  <dgm:styleLbl name="trAlignAcc1">
+    <dgm:fillClrLst meth="repeat">
+      <a:schemeClr val="lt1">
+        <a:alpha val="40000"/>
+      </a:schemeClr>
+    </dgm:fillClrLst>
+    <dgm:linClrLst meth="repeat">
+      <a:schemeClr val="accent1"/>
+    </dgm:linClrLst>
+    <dgm:effectClrLst/>
+    <dgm:txLinClrLst/>
+    <dgm:txFillClrLst meth="repeat">
+      <a:schemeClr val="dk1"/>
+    </dgm:txFillClrLst>
+    <dgm:txEffectClrLst/>
+  </dgm:styleLbl>
+  <dgm:styleLbl name="bgAcc1">
+    <dgm:fillClrLst meth="repeat">
+      <a:schemeClr val="lt1">
+        <a:alpha val="90000"/>
+      </a:schemeClr>
+    </dgm:fillClrLst>
+    <dgm:linClrLst meth="repeat">
+      <a:schemeClr val="accent1"/>
+    </dgm:linClrLst>
+    <dgm:effectClrLst/>
+    <dgm:txLinClrLst/>
+    <dgm:txFillClrLst meth="repeat">
+      <a:schemeClr val="dk1"/>
+    </dgm:txFillClrLst>
+    <dgm:txEffectClrLst/>
+  </dgm:styleLbl>
+  <dgm:styleLbl name="solidFgAcc1">
+    <dgm:fillClrLst meth="repeat">
+      <a:schemeClr val="lt1"/>
+    </dgm:fillClrLst>
+    <dgm:linClrLst meth="repeat">
+      <a:schemeClr val="accent1"/>
+    </dgm:linClrLst>
+    <dgm:effectClrLst/>
+    <dgm:txLinClrLst/>
+    <dgm:txFillClrLst meth="repeat">
+      <a:schemeClr val="dk1"/>
+    </dgm:txFillClrLst>
+    <dgm:txEffectClrLst/>
+  </dgm:styleLbl>
+  <dgm:styleLbl name="solidAlignAcc1">
+    <dgm:fillClrLst meth="repeat">
+      <a:schemeClr val="lt1"/>
+    </dgm:fillClrLst>
+    <dgm:linClrLst meth="repeat">
+      <a:schemeClr val="accent1"/>
+    </dgm:linClrLst>
+    <dgm:effectClrLst/>
+    <dgm:txLinClrLst/>
+    <dgm:txFillClrLst meth="repeat">
+      <a:schemeClr val="dk1"/>
+    </dgm:txFillClrLst>
+    <dgm:txEffectClrLst/>
+  </dgm:styleLbl>
+  <dgm:styleLbl name="solidBgAcc1">
+    <dgm:fillClrLst meth="repeat">
+      <a:schemeClr val="lt1"/>
+    </dgm:fillClrLst>
+    <dgm:linClrLst meth="repeat">
+      <a:schemeClr val="accent1"/>
+    </dgm:linClrLst>
+    <dgm:effectClrLst/>
+    <dgm:txLinClrLst/>
+    <dgm:txFillClrLst meth="repeat">
+      <a:schemeClr val="dk1"/>
+    </dgm:txFillClrLst>
+    <dgm:txEffectClrLst/>
+  </dgm:styleLbl>
+  <dgm:styleLbl name="fgAccFollowNode1">
+    <dgm:fillClrLst meth="repeat">
+      <a:schemeClr val="accent1">
+        <a:alpha val="90000"/>
+        <a:tint val="40000"/>
+      </a:schemeClr>
+    </dgm:fillClrLst>
+    <dgm:linClrLst meth="repeat">
+      <a:schemeClr val="accent1">
+        <a:alpha val="90000"/>
+        <a:tint val="40000"/>
+      </a:schemeClr>
+    </dgm:linClrLst>
+    <dgm:effectClrLst/>
+    <dgm:txLinClrLst/>
+    <dgm:txFillClrLst meth="repeat">
+      <a:schemeClr val="dk1"/>
+    </dgm:txFillClrLst>
+    <dgm:txEffectClrLst/>
+  </dgm:styleLbl>
+  <dgm:styleLbl name="alignAccFollowNode1">
+    <dgm:fillClrLst meth="repeat">
+      <a:schemeClr val="accent1">
+        <a:alpha val="90000"/>
+        <a:tint val="40000"/>
+      </a:schemeClr>
+    </dgm:fillClrLst>
+    <dgm:linClrLst meth="repeat">
+      <a:schemeClr val="accent1">
+        <a:alpha val="90000"/>
+        <a:tint val="40000"/>
+      </a:schemeClr>
+    </dgm:linClrLst>
+    <dgm:effectClrLst/>
+    <dgm:txLinClrLst/>
+    <dgm:txFillClrLst meth="repeat">
+      <a:schemeClr val="dk1"/>
+    </dgm:txFillClrLst>
+    <dgm:txEffectClrLst/>
+  </dgm:styleLbl>
+  <dgm:styleLbl name="bgAccFollowNode1">
+    <dgm:fillClrLst meth="repeat">
+      <a:schemeClr val="accent1">
+        <a:alpha val="90000"/>
+        <a:tint val="40000"/>
+      </a:schemeClr>
+    </dgm:fillClrLst>
+    <dgm:linClrLst meth="repeat">
+      <a:schemeClr val="accent1">
+        <a:alpha val="90000"/>
+        <a:tint val="40000"/>
+      </a:schemeClr>
+    </dgm:linClrLst>
+    <dgm:effectClrLst/>
+    <dgm:txLinClrLst/>
+    <dgm:txFillClrLst meth="repeat">
+      <a:schemeClr val="dk1"/>
+    </dgm:txFillClrLst>
+    <dgm:txEffectClrLst/>
+  </dgm:styleLbl>
+  <dgm:styleLbl name="fgAcc0">
+    <dgm:fillClrLst meth="repeat">
+      <a:schemeClr val="lt1">
+        <a:alpha val="90000"/>
+      </a:schemeClr>
+    </dgm:fillClrLst>
+    <dgm:linClrLst meth="repeat">
+      <a:schemeClr val="accent1"/>
+    </dgm:linClrLst>
+    <dgm:effectClrLst/>
+    <dgm:txLinClrLst/>
+    <dgm:txFillClrLst meth="repeat">
+      <a:schemeClr val="dk1"/>
+    </dgm:txFillClrLst>
+    <dgm:txEffectClrLst/>
+  </dgm:styleLbl>
+  <dgm:styleLbl name="fgAcc2">
+    <dgm:fillClrLst meth="repeat">
+      <a:schemeClr val="lt1">
+        <a:alpha val="90000"/>
+      </a:schemeClr>
+    </dgm:fillClrLst>
+    <dgm:linClrLst meth="repeat">
+      <a:schemeClr val="accent1"/>
+    </dgm:linClrLst>
+    <dgm:effectClrLst/>
+    <dgm:txLinClrLst/>
+    <dgm:txFillClrLst meth="repeat">
+      <a:schemeClr val="dk1"/>
+    </dgm:txFillClrLst>
+    <dgm:txEffectClrLst/>
+  </dgm:styleLbl>
+  <dgm:styleLbl name="fgAcc3">
+    <dgm:fillClrLst meth="repeat">
+      <a:schemeClr val="lt1">
+        <a:alpha val="90000"/>
+      </a:schemeClr>
+    </dgm:fillClrLst>
+    <dgm:linClrLst meth="repeat">
+      <a:schemeClr val="accent1"/>
+    </dgm:linClrLst>
+    <dgm:effectClrLst/>
+    <dgm:txLinClrLst/>
+    <dgm:txFillClrLst meth="repeat">
+      <a:schemeClr val="dk1"/>
+    </dgm:txFillClrLst>
+    <dgm:txEffectClrLst/>
+  </dgm:styleLbl>
+  <dgm:styleLbl name="fgAcc4">
+    <dgm:fillClrLst meth="repeat">
+      <a:schemeClr val="lt1">
+        <a:alpha val="90000"/>
+      </a:schemeClr>
+    </dgm:fillClrLst>
+    <dgm:linClrLst meth="repeat">
+      <a:schemeClr val="accent1"/>
+    </dgm:linClrLst>
+    <dgm:effectClrLst/>
+    <dgm:txLinClrLst/>
+    <dgm:txFillClrLst meth="repeat">
+      <a:schemeClr val="dk1"/>
+    </dgm:txFillClrLst>
+    <dgm:txEffectClrLst/>
+  </dgm:styleLbl>
+  <dgm:styleLbl name="bgShp">
+    <dgm:fillClrLst meth="repeat">
+      <a:schemeClr val="accent1">
+        <a:tint val="40000"/>
+      </a:schemeClr>
+    </dgm:fillClrLst>
+    <dgm:linClrLst meth="repeat">
+      <a:schemeClr val="accent1"/>
+    </dgm:linClrLst>
+    <dgm:effectClrLst/>
+    <dgm:txLinClrLst/>
+    <dgm:txFillClrLst meth="repeat">
+      <a:schemeClr val="dk1"/>
+    </dgm:txFillClrLst>
+    <dgm:txEffectClrLst/>
+  </dgm:styleLbl>
+  <dgm:styleLbl name="dkBgShp">
+    <dgm:fillClrLst meth="repeat">
+      <a:schemeClr val="accent1">
+        <a:shade val="80000"/>
+      </a:schemeClr>
+    </dgm:fillClrLst>
+    <dgm:linClrLst meth="repeat">
+      <a:schemeClr val="accent1"/>
+    </dgm:linClrLst>
+    <dgm:effectClrLst/>
+    <dgm:txLinClrLst/>
+    <dgm:txFillClrLst meth="repeat">
+      <a:schemeClr val="lt1"/>
+    </dgm:txFillClrLst>
+    <dgm:txEffectClrLst/>
+  </dgm:styleLbl>
+  <dgm:styleLbl name="trBgShp">
+    <dgm:fillClrLst meth="repeat">
+      <a:schemeClr val="accent1">
+        <a:tint val="50000"/>
+        <a:alpha val="40000"/>
+      </a:schemeClr>
+    </dgm:fillClrLst>
+    <dgm:linClrLst meth="repeat">
+      <a:schemeClr val="accent1"/>
+    </dgm:linClrLst>
+    <dgm:effectClrLst/>
+    <dgm:txLinClrLst/>
+    <dgm:txFillClrLst meth="repeat">
+      <a:schemeClr val="lt1"/>
+    </dgm:txFillClrLst>
+    <dgm:txEffectClrLst/>
+  </dgm:styleLbl>
+  <dgm:styleLbl name="fgShp">
+    <dgm:fillClrLst meth="repeat">
+      <a:schemeClr val="accent1">
+        <a:tint val="60000"/>
+      </a:schemeClr>
+    </dgm:fillClrLst>
+    <dgm:linClrLst meth="repeat">
+      <a:schemeClr val="lt1"/>
+    </dgm:linClrLst>
+    <dgm:effectClrLst/>
+    <dgm:txLinClrLst/>
+    <dgm:txFillClrLst meth="repeat">
+      <a:schemeClr val="dk1"/>
+    </dgm:txFillClrLst>
+    <dgm:txEffectClrLst/>
+  </dgm:styleLbl>
+  <dgm:styleLbl name="revTx">
+    <dgm:fillClrLst meth="repeat">
+      <a:schemeClr val="lt1">
+        <a:alpha val="0"/>
+      </a:schemeClr>
+    </dgm:fillClrLst>
+    <dgm:linClrLst meth="repeat">
+      <a:schemeClr val="dk1">
+        <a:alpha val="0"/>
+      </a:schemeClr>
+    </dgm:linClrLst>
+    <dgm:effectClrLst/>
+    <dgm:txLinClrLst/>
+    <dgm:txFillClrLst meth="repeat">
+      <a:schemeClr val="tx1"/>
+    </dgm:txFillClrLst>
+    <dgm:txEffectClrLst/>
+  </dgm:styleLbl>
+</dgm:colorsDef>
+</file>
+
+<file path=ppt/diagrams/colors6.xml><?xml version="1.0" encoding="utf-8"?>
+<dgm:colorsDef xmlns:dgm="http://schemas.openxmlformats.org/drawingml/2006/diagram" xmlns:a="http://schemas.openxmlformats.org/drawingml/2006/main" uniqueId="urn:microsoft.com/office/officeart/2005/8/colors/accent1_2">
+  <dgm:title val=""/>
+  <dgm:desc val=""/>
+  <dgm:catLst>
+    <dgm:cat type="accent1" pri="11200"/>
+  </dgm:catLst>
+  <dgm:styleLbl name="node0">
+    <dgm:fillClrLst meth="repeat">
+      <a:schemeClr val="accent1"/>
+    </dgm:fillClrLst>
+    <dgm:linClrLst meth="repeat">
+      <a:schemeClr val="lt1"/>
+    </dgm:linClrLst>
+    <dgm:effectClrLst/>
+    <dgm:txLinClrLst/>
+    <dgm:txFillClrLst/>
+    <dgm:txEffectClrLst/>
+  </dgm:styleLbl>
+  <dgm:styleLbl name="alignNode1">
+    <dgm:fillClrLst meth="repeat">
+      <a:schemeClr val="accent1"/>
+    </dgm:fillClrLst>
+    <dgm:linClrLst meth="repeat">
+      <a:schemeClr val="accent1"/>
+    </dgm:linClrLst>
+    <dgm:effectClrLst/>
+    <dgm:txLinClrLst/>
+    <dgm:txFillClrLst/>
+    <dgm:txEffectClrLst/>
+  </dgm:styleLbl>
+  <dgm:styleLbl name="node1">
+    <dgm:fillClrLst meth="repeat">
+      <a:schemeClr val="accent1"/>
+    </dgm:fillClrLst>
+    <dgm:linClrLst meth="repeat">
+      <a:schemeClr val="lt1"/>
+    </dgm:linClrLst>
+    <dgm:effectClrLst/>
+    <dgm:txLinClrLst/>
+    <dgm:txFillClrLst/>
+    <dgm:txEffectClrLst/>
+  </dgm:styleLbl>
+  <dgm:styleLbl name="lnNode1">
+    <dgm:fillClrLst meth="repeat">
+      <a:schemeClr val="accent1"/>
+    </dgm:fillClrLst>
+    <dgm:linClrLst meth="repeat">
+      <a:schemeClr val="lt1"/>
+    </dgm:linClrLst>
+    <dgm:effectClrLst/>
+    <dgm:txLinClrLst/>
+    <dgm:txFillClrLst/>
+    <dgm:txEffectClrLst/>
+  </dgm:styleLbl>
+  <dgm:styleLbl name="vennNode1">
+    <dgm:fillClrLst meth="repeat">
+      <a:schemeClr val="accent1">
+        <a:alpha val="50000"/>
+      </a:schemeClr>
+    </dgm:fillClrLst>
+    <dgm:linClrLst meth="repeat">
+      <a:schemeClr val="lt1"/>
+    </dgm:linClrLst>
+    <dgm:effectClrLst/>
+    <dgm:txLinClrLst/>
+    <dgm:txFillClrLst/>
+    <dgm:txEffectClrLst/>
+  </dgm:styleLbl>
+  <dgm:styleLbl name="node2">
+    <dgm:fillClrLst meth="repeat">
+      <a:schemeClr val="accent1"/>
+    </dgm:fillClrLst>
+    <dgm:linClrLst meth="repeat">
+      <a:schemeClr val="lt1"/>
+    </dgm:linClrLst>
+    <dgm:effectClrLst/>
+    <dgm:txLinClrLst/>
+    <dgm:txFillClrLst/>
+    <dgm:txEffectClrLst/>
+  </dgm:styleLbl>
+  <dgm:styleLbl name="node3">
+    <dgm:fillClrLst meth="repeat">
+      <a:schemeClr val="accent1"/>
+    </dgm:fillClrLst>
+    <dgm:linClrLst meth="repeat">
+      <a:schemeClr val="lt1"/>
+    </dgm:linClrLst>
+    <dgm:effectClrLst/>
+    <dgm:txLinClrLst/>
+    <dgm:txFillClrLst/>
+    <dgm:txEffectClrLst/>
+  </dgm:styleLbl>
+  <dgm:styleLbl name="node4">
+    <dgm:fillClrLst meth="repeat">
+      <a:schemeClr val="accent1"/>
+    </dgm:fillClrLst>
+    <dgm:linClrLst meth="repeat">
+      <a:schemeClr val="lt1"/>
+    </dgm:linClrLst>
+    <dgm:effectClrLst/>
+    <dgm:txLinClrLst/>
+    <dgm:txFillClrLst/>
+    <dgm:txEffectClrLst/>
+  </dgm:styleLbl>
+  <dgm:styleLbl name="fgImgPlace1">
+    <dgm:fillClrLst meth="repeat">
+      <a:schemeClr val="accent1">
+        <a:tint val="50000"/>
+      </a:schemeClr>
+    </dgm:fillClrLst>
+    <dgm:linClrLst meth="repeat">
+      <a:schemeClr val="lt1"/>
+    </dgm:linClrLst>
+    <dgm:effectClrLst/>
+    <dgm:txLinClrLst/>
+    <dgm:txFillClrLst meth="repeat">
+      <a:schemeClr val="lt1"/>
+    </dgm:txFillClrLst>
+    <dgm:txEffectClrLst/>
+  </dgm:styleLbl>
+  <dgm:styleLbl name="alignImgPlace1">
+    <dgm:fillClrLst meth="repeat">
+      <a:schemeClr val="accent1">
+        <a:tint val="50000"/>
+      </a:schemeClr>
+    </dgm:fillClrLst>
+    <dgm:linClrLst meth="repeat">
+      <a:schemeClr val="lt1"/>
+    </dgm:linClrLst>
+    <dgm:effectClrLst/>
+    <dgm:txLinClrLst/>
+    <dgm:txFillClrLst meth="repeat">
+      <a:schemeClr val="lt1"/>
+    </dgm:txFillClrLst>
+    <dgm:txEffectClrLst/>
+  </dgm:styleLbl>
+  <dgm:styleLbl name="bgImgPlace1">
+    <dgm:fillClrLst meth="repeat">
+      <a:schemeClr val="accent1">
+        <a:tint val="50000"/>
+      </a:schemeClr>
+    </dgm:fillClrLst>
+    <dgm:linClrLst meth="repeat">
+      <a:schemeClr val="lt1"/>
+    </dgm:linClrLst>
+    <dgm:effectClrLst/>
+    <dgm:txLinClrLst/>
+    <dgm:txFillClrLst meth="repeat">
+      <a:schemeClr val="lt1"/>
+    </dgm:txFillClrLst>
+    <dgm:txEffectClrLst/>
+  </dgm:styleLbl>
+  <dgm:styleLbl name="sibTrans2D1">
+    <dgm:fillClrLst meth="repeat">
+      <a:schemeClr val="accent1">
+        <a:tint val="60000"/>
+      </a:schemeClr>
+    </dgm:fillClrLst>
+    <dgm:linClrLst meth="repeat">
+      <a:schemeClr val="accent1">
+        <a:tint val="60000"/>
+      </a:schemeClr>
+    </dgm:linClrLst>
+    <dgm:effectClrLst/>
+    <dgm:txLinClrLst/>
+    <dgm:txFillClrLst/>
+    <dgm:txEffectClrLst/>
+  </dgm:styleLbl>
+  <dgm:styleLbl name="fgSibTrans2D1">
+    <dgm:fillClrLst meth="repeat">
+      <a:schemeClr val="accent1">
+        <a:tint val="60000"/>
+      </a:schemeClr>
+    </dgm:fillClrLst>
+    <dgm:linClrLst meth="repeat">
+      <a:schemeClr val="accent1">
+        <a:tint val="60000"/>
+      </a:schemeClr>
+    </dgm:linClrLst>
+    <dgm:effectClrLst/>
+    <dgm:txLinClrLst/>
+    <dgm:txFillClrLst/>
+    <dgm:txEffectClrLst/>
+  </dgm:styleLbl>
+  <dgm:styleLbl name="bgSibTrans2D1">
+    <dgm:fillClrLst meth="repeat">
+      <a:schemeClr val="accent1">
+        <a:tint val="60000"/>
+      </a:schemeClr>
+    </dgm:fillClrLst>
+    <dgm:linClrLst meth="repeat">
+      <a:schemeClr val="accent1">
+        <a:tint val="60000"/>
+      </a:schemeClr>
+    </dgm:linClrLst>
+    <dgm:effectClrLst/>
+    <dgm:txLinClrLst/>
+    <dgm:txFillClrLst/>
+    <dgm:txEffectClrLst/>
+  </dgm:styleLbl>
+  <dgm:styleLbl name="sibTrans1D1">
+    <dgm:fillClrLst meth="repeat">
+      <a:schemeClr val="accent1"/>
+    </dgm:fillClrLst>
+    <dgm:linClrLst meth="repeat">
+      <a:schemeClr val="accent1"/>
+    </dgm:linClrLst>
+    <dgm:effectClrLst/>
+    <dgm:txLinClrLst/>
+    <dgm:txFillClrLst meth="repeat">
+      <a:schemeClr val="tx1"/>
+    </dgm:txFillClrLst>
+    <dgm:txEffectClrLst/>
+  </dgm:styleLbl>
+  <dgm:styleLbl name="callout">
+    <dgm:fillClrLst meth="repeat">
+      <a:schemeClr val="accent1"/>
+    </dgm:fillClrLst>
+    <dgm:linClrLst meth="repeat">
+      <a:schemeClr val="accent1">
+        <a:tint val="50000"/>
+      </a:schemeClr>
+    </dgm:linClrLst>
+    <dgm:effectClrLst/>
+    <dgm:txLinClrLst/>
+    <dgm:txFillClrLst meth="repeat">
+      <a:schemeClr val="tx1"/>
+    </dgm:txFillClrLst>
+    <dgm:txEffectClrLst/>
+  </dgm:styleLbl>
+  <dgm:styleLbl name="asst0">
+    <dgm:fillClrLst meth="repeat">
+      <a:schemeClr val="accent1"/>
+    </dgm:fillClrLst>
+    <dgm:linClrLst meth="repeat">
+      <a:schemeClr val="lt1"/>
+    </dgm:linClrLst>
+    <dgm:effectClrLst/>
+    <dgm:txLinClrLst/>
+    <dgm:txFillClrLst/>
+    <dgm:txEffectClrLst/>
+  </dgm:styleLbl>
+  <dgm:styleLbl name="asst1">
+    <dgm:fillClrLst meth="repeat">
+      <a:schemeClr val="accent1"/>
+    </dgm:fillClrLst>
+    <dgm:linClrLst meth="repeat">
+      <a:schemeClr val="lt1"/>
+    </dgm:linClrLst>
+    <dgm:effectClrLst/>
+    <dgm:txLinClrLst/>
+    <dgm:txFillClrLst/>
+    <dgm:txEffectClrLst/>
+  </dgm:styleLbl>
+  <dgm:styleLbl name="asst2">
+    <dgm:fillClrLst meth="repeat">
+      <a:schemeClr val="accent1"/>
+    </dgm:fillClrLst>
+    <dgm:linClrLst meth="repeat">
+      <a:schemeClr val="lt1"/>
+    </dgm:linClrLst>
+    <dgm:effectClrLst/>
+    <dgm:txLinClrLst/>
+    <dgm:txFillClrLst/>
+    <dgm:txEffectClrLst/>
+  </dgm:styleLbl>
+  <dgm:styleLbl name="asst3">
+    <dgm:fillClrLst meth="repeat">
+      <a:schemeClr val="accent1"/>
+    </dgm:fillClrLst>
+    <dgm:linClrLst meth="repeat">
+      <a:schemeClr val="lt1"/>
+    </dgm:linClrLst>
+    <dgm:effectClrLst/>
+    <dgm:txLinClrLst/>
+    <dgm:txFillClrLst/>
+    <dgm:txEffectClrLst/>
+  </dgm:styleLbl>
+  <dgm:styleLbl name="asst4">
+    <dgm:fillClrLst meth="repeat">
+      <a:schemeClr val="accent1"/>
+    </dgm:fillClrLst>
+    <dgm:linClrLst meth="repeat">
+      <a:schemeClr val="lt1"/>
+    </dgm:linClrLst>
+    <dgm:effectClrLst/>
+    <dgm:txLinClrLst/>
+    <dgm:txFillClrLst/>
+    <dgm:txEffectClrLst/>
+  </dgm:styleLbl>
+  <dgm:styleLbl name="parChTrans2D1">
+    <dgm:fillClrLst meth="repeat">
+      <a:schemeClr val="accent1">
+        <a:tint val="60000"/>
+      </a:schemeClr>
+    </dgm:fillClrLst>
+    <dgm:linClrLst meth="repeat">
+      <a:schemeClr val="accent1">
+        <a:tint val="60000"/>
+      </a:schemeClr>
+    </dgm:linClrLst>
+    <dgm:effectClrLst/>
+    <dgm:txLinClrLst/>
+    <dgm:txFillClrLst meth="repeat">
+      <a:schemeClr val="lt1"/>
+    </dgm:txFillClrLst>
+    <dgm:txEffectClrLst/>
+  </dgm:styleLbl>
+  <dgm:styleLbl name="parChTrans2D2">
+    <dgm:fillClrLst meth="repeat">
+      <a:schemeClr val="accent1"/>
+    </dgm:fillClrLst>
+    <dgm:linClrLst meth="repeat">
+      <a:schemeClr val="accent1"/>
+    </dgm:linClrLst>
+    <dgm:effectClrLst/>
+    <dgm:txLinClrLst/>
+    <dgm:txFillClrLst meth="repeat">
+      <a:schemeClr val="lt1"/>
+    </dgm:txFillClrLst>
+    <dgm:txEffectClrLst/>
+  </dgm:styleLbl>
+  <dgm:styleLbl name="parChTrans2D3">
+    <dgm:fillClrLst meth="repeat">
+      <a:schemeClr val="accent1"/>
+    </dgm:fillClrLst>
+    <dgm:linClrLst meth="repeat">
+      <a:schemeClr val="accent1"/>
+    </dgm:linClrLst>
+    <dgm:effectClrLst/>
+    <dgm:txLinClrLst/>
+    <dgm:txFillClrLst meth="repeat">
+      <a:schemeClr val="lt1"/>
+    </dgm:txFillClrLst>
+    <dgm:txEffectClrLst/>
+  </dgm:styleLbl>
+  <dgm:styleLbl name="parChTrans2D4">
+    <dgm:fillClrLst meth="repeat">
+      <a:schemeClr val="accent1"/>
+    </dgm:fillClrLst>
+    <dgm:linClrLst meth="repeat">
+      <a:schemeClr val="accent1"/>
+    </dgm:linClrLst>
+    <dgm:effectClrLst/>
+    <dgm:txLinClrLst/>
+    <dgm:txFillClrLst meth="repeat">
+      <a:schemeClr val="lt1"/>
+    </dgm:txFillClrLst>
+    <dgm:txEffectClrLst/>
+  </dgm:styleLbl>
+  <dgm:styleLbl name="parChTrans1D1">
+    <dgm:fillClrLst meth="repeat">
+      <a:schemeClr val="accent1"/>
+    </dgm:fillClrLst>
+    <dgm:linClrLst meth="repeat">
+      <a:schemeClr val="accent1">
+        <a:shade val="60000"/>
+      </a:schemeClr>
+    </dgm:linClrLst>
+    <dgm:effectClrLst/>
+    <dgm:txLinClrLst/>
+    <dgm:txFillClrLst meth="repeat">
+      <a:schemeClr val="tx1"/>
+    </dgm:txFillClrLst>
+    <dgm:txEffectClrLst/>
+  </dgm:styleLbl>
+  <dgm:styleLbl name="parChTrans1D2">
+    <dgm:fillClrLst meth="repeat">
+      <a:schemeClr val="accent1"/>
+    </dgm:fillClrLst>
+    <dgm:linClrLst meth="repeat">
+      <a:schemeClr val="accent1">
+        <a:shade val="60000"/>
+      </a:schemeClr>
+    </dgm:linClrLst>
+    <dgm:effectClrLst/>
+    <dgm:txLinClrLst/>
+    <dgm:txFillClrLst meth="repeat">
+      <a:schemeClr val="tx1"/>
+    </dgm:txFillClrLst>
+    <dgm:txEffectClrLst/>
+  </dgm:styleLbl>
+  <dgm:styleLbl name="parChTrans1D3">
+    <dgm:fillClrLst meth="repeat">
+      <a:schemeClr val="accent1"/>
+    </dgm:fillClrLst>
+    <dgm:linClrLst meth="repeat">
+      <a:schemeClr val="accent1">
+        <a:shade val="80000"/>
+      </a:schemeClr>
+    </dgm:linClrLst>
+    <dgm:effectClrLst/>
+    <dgm:txLinClrLst/>
+    <dgm:txFillClrLst meth="repeat">
+      <a:schemeClr val="tx1"/>
+    </dgm:txFillClrLst>
+    <dgm:txEffectClrLst/>
+  </dgm:styleLbl>
+  <dgm:styleLbl name="parChTrans1D4">
+    <dgm:fillClrLst meth="repeat">
+      <a:schemeClr val="accent1"/>
+    </dgm:fillClrLst>
+    <dgm:linClrLst meth="repeat">
+      <a:schemeClr val="accent1">
+        <a:shade val="80000"/>
+      </a:schemeClr>
+    </dgm:linClrLst>
+    <dgm:effectClrLst/>
+    <dgm:txLinClrLst/>
+    <dgm:txFillClrLst meth="repeat">
+      <a:schemeClr val="tx1"/>
+    </dgm:txFillClrLst>
+    <dgm:txEffectClrLst/>
+  </dgm:styleLbl>
+  <dgm:styleLbl name="fgAcc1">
+    <dgm:fillClrLst meth="repeat">
+      <a:schemeClr val="lt1">
+        <a:alpha val="90000"/>
+      </a:schemeClr>
+    </dgm:fillClrLst>
+    <dgm:linClrLst meth="repeat">
+      <a:schemeClr val="accent1"/>
+    </dgm:linClrLst>
+    <dgm:effectClrLst/>
+    <dgm:txLinClrLst/>
+    <dgm:txFillClrLst meth="repeat">
+      <a:schemeClr val="dk1"/>
+    </dgm:txFillClrLst>
+    <dgm:txEffectClrLst/>
+  </dgm:styleLbl>
+  <dgm:styleLbl name="conFgAcc1">
+    <dgm:fillClrLst meth="repeat">
+      <a:schemeClr val="lt1">
+        <a:alpha val="90000"/>
+      </a:schemeClr>
+    </dgm:fillClrLst>
+    <dgm:linClrLst meth="repeat">
+      <a:schemeClr val="accent1"/>
+    </dgm:linClrLst>
+    <dgm:effectClrLst/>
+    <dgm:txLinClrLst/>
+    <dgm:txFillClrLst meth="repeat">
+      <a:schemeClr val="dk1"/>
+    </dgm:txFillClrLst>
+    <dgm:txEffectClrLst/>
+  </dgm:styleLbl>
+  <dgm:styleLbl name="alignAcc1">
+    <dgm:fillClrLst meth="repeat">
+      <a:schemeClr val="lt1">
+        <a:alpha val="90000"/>
+      </a:schemeClr>
+    </dgm:fillClrLst>
+    <dgm:linClrLst meth="repeat">
+      <a:schemeClr val="accent1"/>
+    </dgm:linClrLst>
+    <dgm:effectClrLst/>
+    <dgm:txLinClrLst/>
+    <dgm:txFillClrLst meth="repeat">
+      <a:schemeClr val="dk1"/>
+    </dgm:txFillClrLst>
+    <dgm:txEffectClrLst/>
+  </dgm:styleLbl>
+  <dgm:styleLbl name="trAlignAcc1">
+    <dgm:fillClrLst meth="repeat">
+      <a:schemeClr val="lt1">
+        <a:alpha val="40000"/>
+      </a:schemeClr>
+    </dgm:fillClrLst>
+    <dgm:linClrLst meth="repeat">
+      <a:schemeClr val="accent1"/>
+    </dgm:linClrLst>
+    <dgm:effectClrLst/>
+    <dgm:txLinClrLst/>
+    <dgm:txFillClrLst meth="repeat">
+      <a:schemeClr val="dk1"/>
+    </dgm:txFillClrLst>
+    <dgm:txEffectClrLst/>
+  </dgm:styleLbl>
+  <dgm:styleLbl name="bgAcc1">
+    <dgm:fillClrLst meth="repeat">
+      <a:schemeClr val="lt1">
+        <a:alpha val="90000"/>
+      </a:schemeClr>
+    </dgm:fillClrLst>
+    <dgm:linClrLst meth="repeat">
+      <a:schemeClr val="accent1"/>
+    </dgm:linClrLst>
+    <dgm:effectClrLst/>
+    <dgm:txLinClrLst/>
+    <dgm:txFillClrLst meth="repeat">
+      <a:schemeClr val="dk1"/>
+    </dgm:txFillClrLst>
+    <dgm:txEffectClrLst/>
+  </dgm:styleLbl>
+  <dgm:styleLbl name="solidFgAcc1">
+    <dgm:fillClrLst meth="repeat">
+      <a:schemeClr val="lt1"/>
+    </dgm:fillClrLst>
+    <dgm:linClrLst meth="repeat">
+      <a:schemeClr val="accent1"/>
+    </dgm:linClrLst>
+    <dgm:effectClrLst/>
+    <dgm:txLinClrLst/>
+    <dgm:txFillClrLst meth="repeat">
+      <a:schemeClr val="dk1"/>
+    </dgm:txFillClrLst>
+    <dgm:txEffectClrLst/>
+  </dgm:styleLbl>
+  <dgm:styleLbl name="solidAlignAcc1">
+    <dgm:fillClrLst meth="repeat">
+      <a:schemeClr val="lt1"/>
+    </dgm:fillClrLst>
+    <dgm:linClrLst meth="repeat">
+      <a:schemeClr val="accent1"/>
+    </dgm:linClrLst>
+    <dgm:effectClrLst/>
+    <dgm:txLinClrLst/>
+    <dgm:txFillClrLst meth="repeat">
+      <a:schemeClr val="dk1"/>
+    </dgm:txFillClrLst>
+    <dgm:txEffectClrLst/>
+  </dgm:styleLbl>
+  <dgm:styleLbl name="solidBgAcc1">
+    <dgm:fillClrLst meth="repeat">
+      <a:schemeClr val="lt1"/>
+    </dgm:fillClrLst>
+    <dgm:linClrLst meth="repeat">
+      <a:schemeClr val="accent1"/>
+    </dgm:linClrLst>
+    <dgm:effectClrLst/>
+    <dgm:txLinClrLst/>
+    <dgm:txFillClrLst meth="repeat">
+      <a:schemeClr val="dk1"/>
+    </dgm:txFillClrLst>
+    <dgm:txEffectClrLst/>
+  </dgm:styleLbl>
+  <dgm:styleLbl name="fgAccFollowNode1">
+    <dgm:fillClrLst meth="repeat">
+      <a:schemeClr val="accent1">
+        <a:alpha val="90000"/>
+        <a:tint val="40000"/>
+      </a:schemeClr>
+    </dgm:fillClrLst>
+    <dgm:linClrLst meth="repeat">
+      <a:schemeClr val="accent1">
+        <a:alpha val="90000"/>
+        <a:tint val="40000"/>
+      </a:schemeClr>
+    </dgm:linClrLst>
+    <dgm:effectClrLst/>
+    <dgm:txLinClrLst/>
+    <dgm:txFillClrLst meth="repeat">
+      <a:schemeClr val="dk1"/>
+    </dgm:txFillClrLst>
+    <dgm:txEffectClrLst/>
+  </dgm:styleLbl>
+  <dgm:styleLbl name="alignAccFollowNode1">
+    <dgm:fillClrLst meth="repeat">
+      <a:schemeClr val="accent1">
+        <a:alpha val="90000"/>
+        <a:tint val="40000"/>
+      </a:schemeClr>
+    </dgm:fillClrLst>
+    <dgm:linClrLst meth="repeat">
+      <a:schemeClr val="accent1">
+        <a:alpha val="90000"/>
+        <a:tint val="40000"/>
+      </a:schemeClr>
+    </dgm:linClrLst>
+    <dgm:effectClrLst/>
+    <dgm:txLinClrLst/>
+    <dgm:txFillClrLst meth="repeat">
+      <a:schemeClr val="dk1"/>
+    </dgm:txFillClrLst>
+    <dgm:txEffectClrLst/>
+  </dgm:styleLbl>
+  <dgm:styleLbl name="bgAccFollowNode1">
+    <dgm:fillClrLst meth="repeat">
+      <a:schemeClr val="accent1">
+        <a:alpha val="90000"/>
+        <a:tint val="40000"/>
+      </a:schemeClr>
+    </dgm:fillClrLst>
+    <dgm:linClrLst meth="repeat">
+      <a:schemeClr val="accent1">
+        <a:alpha val="90000"/>
+        <a:tint val="40000"/>
+      </a:schemeClr>
+    </dgm:linClrLst>
+    <dgm:effectClrLst/>
+    <dgm:txLinClrLst/>
+    <dgm:txFillClrLst meth="repeat">
+      <a:schemeClr val="dk1"/>
+    </dgm:txFillClrLst>
+    <dgm:txEffectClrLst/>
+  </dgm:styleLbl>
+  <dgm:styleLbl name="fgAcc0">
+    <dgm:fillClrLst meth="repeat">
+      <a:schemeClr val="lt1">
+        <a:alpha val="90000"/>
+      </a:schemeClr>
+    </dgm:fillClrLst>
+    <dgm:linClrLst meth="repeat">
+      <a:schemeClr val="accent1"/>
+    </dgm:linClrLst>
+    <dgm:effectClrLst/>
+    <dgm:txLinClrLst/>
+    <dgm:txFillClrLst meth="repeat">
+      <a:schemeClr val="dk1"/>
+    </dgm:txFillClrLst>
+    <dgm:txEffectClrLst/>
+  </dgm:styleLbl>
+  <dgm:styleLbl name="fgAcc2">
+    <dgm:fillClrLst meth="repeat">
+      <a:schemeClr val="lt1">
+        <a:alpha val="90000"/>
+      </a:schemeClr>
+    </dgm:fillClrLst>
+    <dgm:linClrLst meth="repeat">
+      <a:schemeClr val="accent1"/>
+    </dgm:linClrLst>
+    <dgm:effectClrLst/>
+    <dgm:txLinClrLst/>
+    <dgm:txFillClrLst meth="repeat">
+      <a:schemeClr val="dk1"/>
+    </dgm:txFillClrLst>
+    <dgm:txEffectClrLst/>
+  </dgm:styleLbl>
+  <dgm:styleLbl name="fgAcc3">
+    <dgm:fillClrLst meth="repeat">
+      <a:schemeClr val="lt1">
+        <a:alpha val="90000"/>
+      </a:schemeClr>
+    </dgm:fillClrLst>
+    <dgm:linClrLst meth="repeat">
+      <a:schemeClr val="accent1"/>
+    </dgm:linClrLst>
+    <dgm:effectClrLst/>
+    <dgm:txLinClrLst/>
+    <dgm:txFillClrLst meth="repeat">
+      <a:schemeClr val="dk1"/>
+    </dgm:txFillClrLst>
+    <dgm:txEffectClrLst/>
+  </dgm:styleLbl>
+  <dgm:styleLbl name="fgAcc4">
+    <dgm:fillClrLst meth="repeat">
+      <a:schemeClr val="lt1">
+        <a:alpha val="90000"/>
+      </a:schemeClr>
+    </dgm:fillClrLst>
+    <dgm:linClrLst meth="repeat">
+      <a:schemeClr val="accent1"/>
+    </dgm:linClrLst>
+    <dgm:effectClrLst/>
+    <dgm:txLinClrLst/>
+    <dgm:txFillClrLst meth="repeat">
+      <a:schemeClr val="dk1"/>
+    </dgm:txFillClrLst>
+    <dgm:txEffectClrLst/>
+  </dgm:styleLbl>
+  <dgm:styleLbl name="bgShp">
+    <dgm:fillClrLst meth="repeat">
+      <a:schemeClr val="accent1">
+        <a:tint val="40000"/>
+      </a:schemeClr>
+    </dgm:fillClrLst>
+    <dgm:linClrLst meth="repeat">
+      <a:schemeClr val="accent1"/>
+    </dgm:linClrLst>
+    <dgm:effectClrLst/>
+    <dgm:txLinClrLst/>
+    <dgm:txFillClrLst meth="repeat">
+      <a:schemeClr val="dk1"/>
+    </dgm:txFillClrLst>
+    <dgm:txEffectClrLst/>
+  </dgm:styleLbl>
+  <dgm:styleLbl name="dkBgShp">
+    <dgm:fillClrLst meth="repeat">
+      <a:schemeClr val="accent1">
+        <a:shade val="80000"/>
+      </a:schemeClr>
+    </dgm:fillClrLst>
+    <dgm:linClrLst meth="repeat">
+      <a:schemeClr val="accent1"/>
+    </dgm:linClrLst>
+    <dgm:effectClrLst/>
+    <dgm:txLinClrLst/>
+    <dgm:txFillClrLst meth="repeat">
+      <a:schemeClr val="lt1"/>
+    </dgm:txFillClrLst>
+    <dgm:txEffectClrLst/>
+  </dgm:styleLbl>
+  <dgm:styleLbl name="trBgShp">
+    <dgm:fillClrLst meth="repeat">
+      <a:schemeClr val="accent1">
+        <a:tint val="50000"/>
+        <a:alpha val="40000"/>
+      </a:schemeClr>
+    </dgm:fillClrLst>
+    <dgm:linClrLst meth="repeat">
+      <a:schemeClr val="accent1"/>
+    </dgm:linClrLst>
+    <dgm:effectClrLst/>
+    <dgm:txLinClrLst/>
+    <dgm:txFillClrLst meth="repeat">
+      <a:schemeClr val="lt1"/>
+    </dgm:txFillClrLst>
+    <dgm:txEffectClrLst/>
+  </dgm:styleLbl>
+  <dgm:styleLbl name="fgShp">
+    <dgm:fillClrLst meth="repeat">
+      <a:schemeClr val="accent1">
+        <a:tint val="60000"/>
+      </a:schemeClr>
+    </dgm:fillClrLst>
+    <dgm:linClrLst meth="repeat">
+      <a:schemeClr val="lt1"/>
+    </dgm:linClrLst>
+    <dgm:effectClrLst/>
+    <dgm:txLinClrLst/>
+    <dgm:txFillClrLst meth="repeat">
+      <a:schemeClr val="dk1"/>
+    </dgm:txFillClrLst>
+    <dgm:txEffectClrLst/>
+  </dgm:styleLbl>
+  <dgm:styleLbl name="revTx">
+    <dgm:fillClrLst meth="repeat">
+      <a:schemeClr val="lt1">
+        <a:alpha val="0"/>
+      </a:schemeClr>
+    </dgm:fillClrLst>
+    <dgm:linClrLst meth="repeat">
+      <a:schemeClr val="dk1">
+        <a:alpha val="0"/>
+      </a:schemeClr>
+    </dgm:linClrLst>
+    <dgm:effectClrLst/>
+    <dgm:txLinClrLst/>
+    <dgm:txFillClrLst meth="repeat">
+      <a:schemeClr val="tx1"/>
+    </dgm:txFillClrLst>
+    <dgm:txEffectClrLst/>
+  </dgm:styleLbl>
+</dgm:colorsDef>
+</file>
+
+<file path=ppt/diagrams/colors7.xml><?xml version="1.0" encoding="utf-8"?>
+<dgm:colorsDef xmlns:dgm="http://schemas.openxmlformats.org/drawingml/2006/diagram" xmlns:a="http://schemas.openxmlformats.org/drawingml/2006/main" uniqueId="urn:microsoft.com/office/officeart/2005/8/colors/accent1_2">
+  <dgm:title val=""/>
+  <dgm:desc val=""/>
+  <dgm:catLst>
+    <dgm:cat type="accent1" pri="11200"/>
+  </dgm:catLst>
+  <dgm:styleLbl name="node0">
+    <dgm:fillClrLst meth="repeat">
+      <a:schemeClr val="accent1"/>
+    </dgm:fillClrLst>
+    <dgm:linClrLst meth="repeat">
+      <a:schemeClr val="lt1"/>
+    </dgm:linClrLst>
+    <dgm:effectClrLst/>
+    <dgm:txLinClrLst/>
+    <dgm:txFillClrLst/>
+    <dgm:txEffectClrLst/>
+  </dgm:styleLbl>
+  <dgm:styleLbl name="alignNode1">
+    <dgm:fillClrLst meth="repeat">
+      <a:schemeClr val="accent1"/>
+    </dgm:fillClrLst>
+    <dgm:linClrLst meth="repeat">
+      <a:schemeClr val="accent1"/>
+    </dgm:linClrLst>
+    <dgm:effectClrLst/>
+    <dgm:txLinClrLst/>
+    <dgm:txFillClrLst/>
+    <dgm:txEffectClrLst/>
+  </dgm:styleLbl>
+  <dgm:styleLbl name="node1">
+    <dgm:fillClrLst meth="repeat">
+      <a:schemeClr val="accent1"/>
+    </dgm:fillClrLst>
+    <dgm:linClrLst meth="repeat">
+      <a:schemeClr val="lt1"/>
+    </dgm:linClrLst>
+    <dgm:effectClrLst/>
+    <dgm:txLinClrLst/>
+    <dgm:txFillClrLst/>
+    <dgm:txEffectClrLst/>
+  </dgm:styleLbl>
+  <dgm:styleLbl name="lnNode1">
+    <dgm:fillClrLst meth="repeat">
+      <a:schemeClr val="accent1"/>
+    </dgm:fillClrLst>
+    <dgm:linClrLst meth="repeat">
+      <a:schemeClr val="lt1"/>
+    </dgm:linClrLst>
+    <dgm:effectClrLst/>
+    <dgm:txLinClrLst/>
+    <dgm:txFillClrLst/>
+    <dgm:txEffectClrLst/>
+  </dgm:styleLbl>
+  <dgm:styleLbl name="vennNode1">
+    <dgm:fillClrLst meth="repeat">
+      <a:schemeClr val="accent1">
+        <a:alpha val="50000"/>
+      </a:schemeClr>
+    </dgm:fillClrLst>
+    <dgm:linClrLst meth="repeat">
+      <a:schemeClr val="lt1"/>
+    </dgm:linClrLst>
+    <dgm:effectClrLst/>
+    <dgm:txLinClrLst/>
+    <dgm:txFillClrLst/>
+    <dgm:txEffectClrLst/>
+  </dgm:styleLbl>
+  <dgm:styleLbl name="node2">
+    <dgm:fillClrLst meth="repeat">
+      <a:schemeClr val="accent1"/>
+    </dgm:fillClrLst>
+    <dgm:linClrLst meth="repeat">
+      <a:schemeClr val="lt1"/>
+    </dgm:linClrLst>
+    <dgm:effectClrLst/>
+    <dgm:txLinClrLst/>
+    <dgm:txFillClrLst/>
+    <dgm:txEffectClrLst/>
+  </dgm:styleLbl>
+  <dgm:styleLbl name="node3">
+    <dgm:fillClrLst meth="repeat">
+      <a:schemeClr val="accent1"/>
+    </dgm:fillClrLst>
+    <dgm:linClrLst meth="repeat">
+      <a:schemeClr val="lt1"/>
+    </dgm:linClrLst>
+    <dgm:effectClrLst/>
+    <dgm:txLinClrLst/>
+    <dgm:txFillClrLst/>
+    <dgm:txEffectClrLst/>
+  </dgm:styleLbl>
+  <dgm:styleLbl name="node4">
+    <dgm:fillClrLst meth="repeat">
+      <a:schemeClr val="accent1"/>
+    </dgm:fillClrLst>
+    <dgm:linClrLst meth="repeat">
+      <a:schemeClr val="lt1"/>
+    </dgm:linClrLst>
+    <dgm:effectClrLst/>
+    <dgm:txLinClrLst/>
+    <dgm:txFillClrLst/>
+    <dgm:txEffectClrLst/>
+  </dgm:styleLbl>
+  <dgm:styleLbl name="fgImgPlace1">
+    <dgm:fillClrLst meth="repeat">
+      <a:schemeClr val="accent1">
+        <a:tint val="50000"/>
+      </a:schemeClr>
+    </dgm:fillClrLst>
+    <dgm:linClrLst meth="repeat">
+      <a:schemeClr val="lt1"/>
+    </dgm:linClrLst>
+    <dgm:effectClrLst/>
+    <dgm:txLinClrLst/>
+    <dgm:txFillClrLst meth="repeat">
+      <a:schemeClr val="lt1"/>
+    </dgm:txFillClrLst>
+    <dgm:txEffectClrLst/>
+  </dgm:styleLbl>
+  <dgm:styleLbl name="alignImgPlace1">
+    <dgm:fillClrLst meth="repeat">
+      <a:schemeClr val="accent1">
+        <a:tint val="50000"/>
+      </a:schemeClr>
+    </dgm:fillClrLst>
+    <dgm:linClrLst meth="repeat">
+      <a:schemeClr val="lt1"/>
+    </dgm:linClrLst>
+    <dgm:effectClrLst/>
+    <dgm:txLinClrLst/>
+    <dgm:txFillClrLst meth="repeat">
+      <a:schemeClr val="lt1"/>
+    </dgm:txFillClrLst>
+    <dgm:txEffectClrLst/>
+  </dgm:styleLbl>
+  <dgm:styleLbl name="bgImgPlace1">
+    <dgm:fillClrLst meth="repeat">
+      <a:schemeClr val="accent1">
+        <a:tint val="50000"/>
+      </a:schemeClr>
+    </dgm:fillClrLst>
+    <dgm:linClrLst meth="repeat">
+      <a:schemeClr val="lt1"/>
+    </dgm:linClrLst>
+    <dgm:effectClrLst/>
+    <dgm:txLinClrLst/>
+    <dgm:txFillClrLst meth="repeat">
+      <a:schemeClr val="lt1"/>
+    </dgm:txFillClrLst>
+    <dgm:txEffectClrLst/>
+  </dgm:styleLbl>
+  <dgm:styleLbl name="sibTrans2D1">
+    <dgm:fillClrLst meth="repeat">
+      <a:schemeClr val="accent1">
+        <a:tint val="60000"/>
+      </a:schemeClr>
+    </dgm:fillClrLst>
+    <dgm:linClrLst meth="repeat">
+      <a:schemeClr val="accent1">
+        <a:tint val="60000"/>
+      </a:schemeClr>
+    </dgm:linClrLst>
+    <dgm:effectClrLst/>
+    <dgm:txLinClrLst/>
+    <dgm:txFillClrLst/>
+    <dgm:txEffectClrLst/>
+  </dgm:styleLbl>
+  <dgm:styleLbl name="fgSibTrans2D1">
+    <dgm:fillClrLst meth="repeat">
+      <a:schemeClr val="accent1">
+        <a:tint val="60000"/>
+      </a:schemeClr>
+    </dgm:fillClrLst>
+    <dgm:linClrLst meth="repeat">
+      <a:schemeClr val="accent1">
+        <a:tint val="60000"/>
+      </a:schemeClr>
+    </dgm:linClrLst>
+    <dgm:effectClrLst/>
+    <dgm:txLinClrLst/>
+    <dgm:txFillClrLst/>
+    <dgm:txEffectClrLst/>
+  </dgm:styleLbl>
+  <dgm:styleLbl name="bgSibTrans2D1">
+    <dgm:fillClrLst meth="repeat">
+      <a:schemeClr val="accent1">
+        <a:tint val="60000"/>
+      </a:schemeClr>
+    </dgm:fillClrLst>
+    <dgm:linClrLst meth="repeat">
+      <a:schemeClr val="accent1">
+        <a:tint val="60000"/>
+      </a:schemeClr>
+    </dgm:linClrLst>
+    <dgm:effectClrLst/>
+    <dgm:txLinClrLst/>
+    <dgm:txFillClrLst/>
+    <dgm:txEffectClrLst/>
+  </dgm:styleLbl>
+  <dgm:styleLbl name="sibTrans1D1">
+    <dgm:fillClrLst meth="repeat">
+      <a:schemeClr val="accent1"/>
+    </dgm:fillClrLst>
+    <dgm:linClrLst meth="repeat">
+      <a:schemeClr val="accent1"/>
+    </dgm:linClrLst>
+    <dgm:effectClrLst/>
+    <dgm:txLinClrLst/>
+    <dgm:txFillClrLst meth="repeat">
+      <a:schemeClr val="tx1"/>
+    </dgm:txFillClrLst>
+    <dgm:txEffectClrLst/>
+  </dgm:styleLbl>
+  <dgm:styleLbl name="callout">
+    <dgm:fillClrLst meth="repeat">
+      <a:schemeClr val="accent1"/>
+    </dgm:fillClrLst>
+    <dgm:linClrLst meth="repeat">
+      <a:schemeClr val="accent1">
+        <a:tint val="50000"/>
+      </a:schemeClr>
+    </dgm:linClrLst>
+    <dgm:effectClrLst/>
+    <dgm:txLinClrLst/>
+    <dgm:txFillClrLst meth="repeat">
+      <a:schemeClr val="tx1"/>
+    </dgm:txFillClrLst>
+    <dgm:txEffectClrLst/>
+  </dgm:styleLbl>
+  <dgm:styleLbl name="asst0">
+    <dgm:fillClrLst meth="repeat">
+      <a:schemeClr val="accent1"/>
+    </dgm:fillClrLst>
+    <dgm:linClrLst meth="repeat">
+      <a:schemeClr val="lt1"/>
+    </dgm:linClrLst>
+    <dgm:effectClrLst/>
+    <dgm:txLinClrLst/>
+    <dgm:txFillClrLst/>
+    <dgm:txEffectClrLst/>
+  </dgm:styleLbl>
+  <dgm:styleLbl name="asst1">
+    <dgm:fillClrLst meth="repeat">
+      <a:schemeClr val="accent1"/>
+    </dgm:fillClrLst>
+    <dgm:linClrLst meth="repeat">
+      <a:schemeClr val="lt1"/>
+    </dgm:linClrLst>
+    <dgm:effectClrLst/>
+    <dgm:txLinClrLst/>
+    <dgm:txFillClrLst/>
+    <dgm:txEffectClrLst/>
+  </dgm:styleLbl>
+  <dgm:styleLbl name="asst2">
+    <dgm:fillClrLst meth="repeat">
+      <a:schemeClr val="accent1"/>
+    </dgm:fillClrLst>
+    <dgm:linClrLst meth="repeat">
+      <a:schemeClr val="lt1"/>
+    </dgm:linClrLst>
+    <dgm:effectClrLst/>
+    <dgm:txLinClrLst/>
+    <dgm:txFillClrLst/>
+    <dgm:txEffectClrLst/>
+  </dgm:styleLbl>
+  <dgm:styleLbl name="asst3">
+    <dgm:fillClrLst meth="repeat">
+      <a:schemeClr val="accent1"/>
+    </dgm:fillClrLst>
+    <dgm:linClrLst meth="repeat">
+      <a:schemeClr val="lt1"/>
+    </dgm:linClrLst>
+    <dgm:effectClrLst/>
+    <dgm:txLinClrLst/>
+    <dgm:txFillClrLst/>
+    <dgm:txEffectClrLst/>
+  </dgm:styleLbl>
+  <dgm:styleLbl name="asst4">
+    <dgm:fillClrLst meth="repeat">
+      <a:schemeClr val="accent1"/>
+    </dgm:fillClrLst>
+    <dgm:linClrLst meth="repeat">
+      <a:schemeClr val="lt1"/>
+    </dgm:linClrLst>
+    <dgm:effectClrLst/>
+    <dgm:txLinClrLst/>
+    <dgm:txFillClrLst/>
+    <dgm:txEffectClrLst/>
+  </dgm:styleLbl>
+  <dgm:styleLbl name="parChTrans2D1">
+    <dgm:fillClrLst meth="repeat">
+      <a:schemeClr val="accent1">
+        <a:tint val="60000"/>
+      </a:schemeClr>
+    </dgm:fillClrLst>
+    <dgm:linClrLst meth="repeat">
+      <a:schemeClr val="accent1">
+        <a:tint val="60000"/>
+      </a:schemeClr>
+    </dgm:linClrLst>
+    <dgm:effectClrLst/>
+    <dgm:txLinClrLst/>
+    <dgm:txFillClrLst meth="repeat">
+      <a:schemeClr val="lt1"/>
+    </dgm:txFillClrLst>
+    <dgm:txEffectClrLst/>
+  </dgm:styleLbl>
+  <dgm:styleLbl name="parChTrans2D2">
+    <dgm:fillClrLst meth="repeat">
+      <a:schemeClr val="accent1"/>
+    </dgm:fillClrLst>
+    <dgm:linClrLst meth="repeat">
+      <a:schemeClr val="accent1"/>
+    </dgm:linClrLst>
+    <dgm:effectClrLst/>
+    <dgm:txLinClrLst/>
+    <dgm:txFillClrLst meth="repeat">
+      <a:schemeClr val="lt1"/>
+    </dgm:txFillClrLst>
+    <dgm:txEffectClrLst/>
+  </dgm:styleLbl>
+  <dgm:styleLbl name="parChTrans2D3">
+    <dgm:fillClrLst meth="repeat">
+      <a:schemeClr val="accent1"/>
+    </dgm:fillClrLst>
+    <dgm:linClrLst meth="repeat">
+      <a:schemeClr val="accent1"/>
+    </dgm:linClrLst>
+    <dgm:effectClrLst/>
+    <dgm:txLinClrLst/>
+    <dgm:txFillClrLst meth="repeat">
+      <a:schemeClr val="lt1"/>
+    </dgm:txFillClrLst>
+    <dgm:txEffectClrLst/>
+  </dgm:styleLbl>
+  <dgm:styleLbl name="parChTrans2D4">
+    <dgm:fillClrLst meth="repeat">
+      <a:schemeClr val="accent1"/>
+    </dgm:fillClrLst>
+    <dgm:linClrLst meth="repeat">
+      <a:schemeClr val="accent1"/>
+    </dgm:linClrLst>
+    <dgm:effectClrLst/>
+    <dgm:txLinClrLst/>
+    <dgm:txFillClrLst meth="repeat">
+      <a:schemeClr val="lt1"/>
+    </dgm:txFillClrLst>
+    <dgm:txEffectClrLst/>
+  </dgm:styleLbl>
+  <dgm:styleLbl name="parChTrans1D1">
+    <dgm:fillClrLst meth="repeat">
+      <a:schemeClr val="accent1"/>
+    </dgm:fillClrLst>
+    <dgm:linClrLst meth="repeat">
+      <a:schemeClr val="accent1">
+        <a:shade val="60000"/>
+      </a:schemeClr>
+    </dgm:linClrLst>
+    <dgm:effectClrLst/>
+    <dgm:txLinClrLst/>
+    <dgm:txFillClrLst meth="repeat">
+      <a:schemeClr val="tx1"/>
+    </dgm:txFillClrLst>
+    <dgm:txEffectClrLst/>
+  </dgm:styleLbl>
+  <dgm:styleLbl name="parChTrans1D2">
+    <dgm:fillClrLst meth="repeat">
+      <a:schemeClr val="accent1"/>
+    </dgm:fillClrLst>
+    <dgm:linClrLst meth="repeat">
+      <a:schemeClr val="accent1">
+        <a:shade val="60000"/>
+      </a:schemeClr>
+    </dgm:linClrLst>
+    <dgm:effectClrLst/>
+    <dgm:txLinClrLst/>
+    <dgm:txFillClrLst meth="repeat">
+      <a:schemeClr val="tx1"/>
+    </dgm:txFillClrLst>
+    <dgm:txEffectClrLst/>
+  </dgm:styleLbl>
+  <dgm:styleLbl name="parChTrans1D3">
+    <dgm:fillClrLst meth="repeat">
+      <a:schemeClr val="accent1"/>
+    </dgm:fillClrLst>
+    <dgm:linClrLst meth="repeat">
+      <a:schemeClr val="accent1">
+        <a:shade val="80000"/>
+      </a:schemeClr>
+    </dgm:linClrLst>
+    <dgm:effectClrLst/>
+    <dgm:txLinClrLst/>
+    <dgm:txFillClrLst meth="repeat">
+      <a:schemeClr val="tx1"/>
+    </dgm:txFillClrLst>
+    <dgm:txEffectClrLst/>
+  </dgm:styleLbl>
+  <dgm:styleLbl name="parChTrans1D4">
+    <dgm:fillClrLst meth="repeat">
+      <a:schemeClr val="accent1"/>
+    </dgm:fillClrLst>
+    <dgm:linClrLst meth="repeat">
+      <a:schemeClr val="accent1">
+        <a:shade val="80000"/>
+      </a:schemeClr>
+    </dgm:linClrLst>
+    <dgm:effectClrLst/>
+    <dgm:txLinClrLst/>
+    <dgm:txFillClrLst meth="repeat">
+      <a:schemeClr val="tx1"/>
+    </dgm:txFillClrLst>
+    <dgm:txEffectClrLst/>
+  </dgm:styleLbl>
+  <dgm:styleLbl name="fgAcc1">
+    <dgm:fillClrLst meth="repeat">
+      <a:schemeClr val="lt1">
+        <a:alpha val="90000"/>
+      </a:schemeClr>
+    </dgm:fillClrLst>
+    <dgm:linClrLst meth="repeat">
+      <a:schemeClr val="accent1"/>
+    </dgm:linClrLst>
+    <dgm:effectClrLst/>
+    <dgm:txLinClrLst/>
+    <dgm:txFillClrLst meth="repeat">
+      <a:schemeClr val="dk1"/>
+    </dgm:txFillClrLst>
+    <dgm:txEffectClrLst/>
+  </dgm:styleLbl>
+  <dgm:styleLbl name="conFgAcc1">
+    <dgm:fillClrLst meth="repeat">
+      <a:schemeClr val="lt1">
+        <a:alpha val="90000"/>
+      </a:schemeClr>
+    </dgm:fillClrLst>
+    <dgm:linClrLst meth="repeat">
+      <a:schemeClr val="accent1"/>
+    </dgm:linClrLst>
+    <dgm:effectClrLst/>
+    <dgm:txLinClrLst/>
+    <dgm:txFillClrLst meth="repeat">
+      <a:schemeClr val="dk1"/>
+    </dgm:txFillClrLst>
+    <dgm:txEffectClrLst/>
+  </dgm:styleLbl>
+  <dgm:styleLbl name="alignAcc1">
+    <dgm:fillClrLst meth="repeat">
+      <a:schemeClr val="lt1">
+        <a:alpha val="90000"/>
+      </a:schemeClr>
+    </dgm:fillClrLst>
+    <dgm:linClrLst meth="repeat">
+      <a:schemeClr val="accent1"/>
+    </dgm:linClrLst>
+    <dgm:effectClrLst/>
+    <dgm:txLinClrLst/>
+    <dgm:txFillClrLst meth="repeat">
+      <a:schemeClr val="dk1"/>
+    </dgm:txFillClrLst>
+    <dgm:txEffectClrLst/>
+  </dgm:styleLbl>
+  <dgm:styleLbl name="trAlignAcc1">
+    <dgm:fillClrLst meth="repeat">
+      <a:schemeClr val="lt1">
+        <a:alpha val="40000"/>
+      </a:schemeClr>
+    </dgm:fillClrLst>
+    <dgm:linClrLst meth="repeat">
+      <a:schemeClr val="accent1"/>
+    </dgm:linClrLst>
+    <dgm:effectClrLst/>
+    <dgm:txLinClrLst/>
+    <dgm:txFillClrLst meth="repeat">
+      <a:schemeClr val="dk1"/>
+    </dgm:txFillClrLst>
+    <dgm:txEffectClrLst/>
+  </dgm:styleLbl>
+  <dgm:styleLbl name="bgAcc1">
+    <dgm:fillClrLst meth="repeat">
+      <a:schemeClr val="lt1">
+        <a:alpha val="90000"/>
+      </a:schemeClr>
+    </dgm:fillClrLst>
+    <dgm:linClrLst meth="repeat">
+      <a:schemeClr val="accent1"/>
+    </dgm:linClrLst>
+    <dgm:effectClrLst/>
+    <dgm:txLinClrLst/>
+    <dgm:txFillClrLst meth="repeat">
+      <a:schemeClr val="dk1"/>
+    </dgm:txFillClrLst>
+    <dgm:txEffectClrLst/>
+  </dgm:styleLbl>
+  <dgm:styleLbl name="solidFgAcc1">
+    <dgm:fillClrLst meth="repeat">
+      <a:schemeClr val="lt1"/>
+    </dgm:fillClrLst>
+    <dgm:linClrLst meth="repeat">
+      <a:schemeClr val="accent1"/>
+    </dgm:linClrLst>
+    <dgm:effectClrLst/>
+    <dgm:txLinClrLst/>
+    <dgm:txFillClrLst meth="repeat">
+      <a:schemeClr val="dk1"/>
+    </dgm:txFillClrLst>
+    <dgm:txEffectClrLst/>
+  </dgm:styleLbl>
+  <dgm:styleLbl name="solidAlignAcc1">
+    <dgm:fillClrLst meth="repeat">
+      <a:schemeClr val="lt1"/>
+    </dgm:fillClrLst>
+    <dgm:linClrLst meth="repeat">
+      <a:schemeClr val="accent1"/>
+    </dgm:linClrLst>
+    <dgm:effectClrLst/>
+    <dgm:txLinClrLst/>
+    <dgm:txFillClrLst meth="repeat">
+      <a:schemeClr val="dk1"/>
+    </dgm:txFillClrLst>
+    <dgm:txEffectClrLst/>
+  </dgm:styleLbl>
+  <dgm:styleLbl name="solidBgAcc1">
+    <dgm:fillClrLst meth="repeat">
+      <a:schemeClr val="lt1"/>
+    </dgm:fillClrLst>
+    <dgm:linClrLst meth="repeat">
+      <a:schemeClr val="accent1"/>
+    </dgm:linClrLst>
+    <dgm:effectClrLst/>
+    <dgm:txLinClrLst/>
+    <dgm:txFillClrLst meth="repeat">
+      <a:schemeClr val="dk1"/>
+    </dgm:txFillClrLst>
+    <dgm:txEffectClrLst/>
+  </dgm:styleLbl>
+  <dgm:styleLbl name="fgAccFollowNode1">
+    <dgm:fillClrLst meth="repeat">
+      <a:schemeClr val="accent1">
+        <a:alpha val="90000"/>
+        <a:tint val="40000"/>
+      </a:schemeClr>
+    </dgm:fillClrLst>
+    <dgm:linClrLst meth="repeat">
+      <a:schemeClr val="accent1">
+        <a:alpha val="90000"/>
+        <a:tint val="40000"/>
+      </a:schemeClr>
+    </dgm:linClrLst>
+    <dgm:effectClrLst/>
+    <dgm:txLinClrLst/>
+    <dgm:txFillClrLst meth="repeat">
+      <a:schemeClr val="dk1"/>
+    </dgm:txFillClrLst>
+    <dgm:txEffectClrLst/>
+  </dgm:styleLbl>
+  <dgm:styleLbl name="alignAccFollowNode1">
+    <dgm:fillClrLst meth="repeat">
+      <a:schemeClr val="accent1">
+        <a:alpha val="90000"/>
+        <a:tint val="40000"/>
+      </a:schemeClr>
+    </dgm:fillClrLst>
+    <dgm:linClrLst meth="repeat">
+      <a:schemeClr val="accent1">
+        <a:alpha val="90000"/>
+        <a:tint val="40000"/>
+      </a:schemeClr>
+    </dgm:linClrLst>
+    <dgm:effectClrLst/>
+    <dgm:txLinClrLst/>
+    <dgm:txFillClrLst meth="repeat">
+      <a:schemeClr val="dk1"/>
+    </dgm:txFillClrLst>
+    <dgm:txEffectClrLst/>
+  </dgm:styleLbl>
+  <dgm:styleLbl name="bgAccFollowNode1">
+    <dgm:fillClrLst meth="repeat">
+      <a:schemeClr val="accent1">
+        <a:alpha val="90000"/>
+        <a:tint val="40000"/>
+      </a:schemeClr>
+    </dgm:fillClrLst>
+    <dgm:linClrLst meth="repeat">
+      <a:schemeClr val="accent1">
+        <a:alpha val="90000"/>
+        <a:tint val="40000"/>
+      </a:schemeClr>
+    </dgm:linClrLst>
+    <dgm:effectClrLst/>
+    <dgm:txLinClrLst/>
+    <dgm:txFillClrLst meth="repeat">
+      <a:schemeClr val="dk1"/>
+    </dgm:txFillClrLst>
+    <dgm:txEffectClrLst/>
+  </dgm:styleLbl>
+  <dgm:styleLbl name="fgAcc0">
+    <dgm:fillClrLst meth="repeat">
+      <a:schemeClr val="lt1">
+        <a:alpha val="90000"/>
+      </a:schemeClr>
+    </dgm:fillClrLst>
+    <dgm:linClrLst meth="repeat">
+      <a:schemeClr val="accent1"/>
+    </dgm:linClrLst>
+    <dgm:effectClrLst/>
+    <dgm:txLinClrLst/>
+    <dgm:txFillClrLst meth="repeat">
+      <a:schemeClr val="dk1"/>
+    </dgm:txFillClrLst>
+    <dgm:txEffectClrLst/>
+  </dgm:styleLbl>
+  <dgm:styleLbl name="fgAcc2">
+    <dgm:fillClrLst meth="repeat">
+      <a:schemeClr val="lt1">
+        <a:alpha val="90000"/>
+      </a:schemeClr>
+    </dgm:fillClrLst>
+    <dgm:linClrLst meth="repeat">
+      <a:schemeClr val="accent1"/>
+    </dgm:linClrLst>
+    <dgm:effectClrLst/>
+    <dgm:txLinClrLst/>
+    <dgm:txFillClrLst meth="repeat">
+      <a:schemeClr val="dk1"/>
+    </dgm:txFillClrLst>
+    <dgm:txEffectClrLst/>
+  </dgm:styleLbl>
+  <dgm:styleLbl name="fgAcc3">
+    <dgm:fillClrLst meth="repeat">
+      <a:schemeClr val="lt1">
+        <a:alpha val="90000"/>
+      </a:schemeClr>
+    </dgm:fillClrLst>
+    <dgm:linClrLst meth="repeat">
+      <a:schemeClr val="accent1"/>
+    </dgm:linClrLst>
+    <dgm:effectClrLst/>
+    <dgm:txLinClrLst/>
+    <dgm:txFillClrLst meth="repeat">
+      <a:schemeClr val="dk1"/>
+    </dgm:txFillClrLst>
+    <dgm:txEffectClrLst/>
+  </dgm:styleLbl>
+  <dgm:styleLbl name="fgAcc4">
+    <dgm:fillClrLst meth="repeat">
+      <a:schemeClr val="lt1">
+        <a:alpha val="90000"/>
+      </a:schemeClr>
+    </dgm:fillClrLst>
+    <dgm:linClrLst meth="repeat">
+      <a:schemeClr val="accent1"/>
+    </dgm:linClrLst>
+    <dgm:effectClrLst/>
+    <dgm:txLinClrLst/>
+    <dgm:txFillClrLst meth="repeat">
+      <a:schemeClr val="dk1"/>
+    </dgm:txFillClrLst>
+    <dgm:txEffectClrLst/>
+  </dgm:styleLbl>
+  <dgm:styleLbl name="bgShp">
+    <dgm:fillClrLst meth="repeat">
+      <a:schemeClr val="accent1">
+        <a:tint val="40000"/>
+      </a:schemeClr>
+    </dgm:fillClrLst>
+    <dgm:linClrLst meth="repeat">
+      <a:schemeClr val="accent1"/>
+    </dgm:linClrLst>
+    <dgm:effectClrLst/>
+    <dgm:txLinClrLst/>
+    <dgm:txFillClrLst meth="repeat">
+      <a:schemeClr val="dk1"/>
+    </dgm:txFillClrLst>
+    <dgm:txEffectClrLst/>
+  </dgm:styleLbl>
+  <dgm:styleLbl name="dkBgShp">
+    <dgm:fillClrLst meth="repeat">
+      <a:schemeClr val="accent1">
+        <a:shade val="80000"/>
+      </a:schemeClr>
+    </dgm:fillClrLst>
+    <dgm:linClrLst meth="repeat">
+      <a:schemeClr val="accent1"/>
+    </dgm:linClrLst>
+    <dgm:effectClrLst/>
+    <dgm:txLinClrLst/>
+    <dgm:txFillClrLst meth="repeat">
+      <a:schemeClr val="lt1"/>
+    </dgm:txFillClrLst>
+    <dgm:txEffectClrLst/>
+  </dgm:styleLbl>
+  <dgm:styleLbl name="trBgShp">
+    <dgm:fillClrLst meth="repeat">
+      <a:schemeClr val="accent1">
+        <a:tint val="50000"/>
+        <a:alpha val="40000"/>
+      </a:schemeClr>
+    </dgm:fillClrLst>
+    <dgm:linClrLst meth="repeat">
+      <a:schemeClr val="accent1"/>
+    </dgm:linClrLst>
+    <dgm:effectClrLst/>
+    <dgm:txLinClrLst/>
+    <dgm:txFillClrLst meth="repeat">
+      <a:schemeClr val="lt1"/>
+    </dgm:txFillClrLst>
+    <dgm:txEffectClrLst/>
+  </dgm:styleLbl>
+  <dgm:styleLbl name="fgShp">
+    <dgm:fillClrLst meth="repeat">
+      <a:schemeClr val="accent1">
+        <a:tint val="60000"/>
+      </a:schemeClr>
+    </dgm:fillClrLst>
+    <dgm:linClrLst meth="repeat">
+      <a:schemeClr val="lt1"/>
+    </dgm:linClrLst>
+    <dgm:effectClrLst/>
+    <dgm:txLinClrLst/>
+    <dgm:txFillClrLst meth="repeat">
+      <a:schemeClr val="dk1"/>
+    </dgm:txFillClrLst>
+    <dgm:txEffectClrLst/>
+  </dgm:styleLbl>
+  <dgm:styleLbl name="revTx">
+    <dgm:fillClrLst meth="repeat">
+      <a:schemeClr val="lt1">
+        <a:alpha val="0"/>
+      </a:schemeClr>
+    </dgm:fillClrLst>
+    <dgm:linClrLst meth="repeat">
+      <a:schemeClr val="dk1">
+        <a:alpha val="0"/>
+      </a:schemeClr>
+    </dgm:linClrLst>
+    <dgm:effectClrLst/>
+    <dgm:txLinClrLst/>
+    <dgm:txFillClrLst meth="repeat">
+      <a:schemeClr val="tx1"/>
+    </dgm:txFillClrLst>
+    <dgm:txEffectClrLst/>
+  </dgm:styleLbl>
+</dgm:colorsDef>
+</file>
+
 <file path=ppt/diagrams/data1.xml><?xml version="1.0" encoding="utf-8"?>
 <dgm:dataModel xmlns:dgm="http://schemas.openxmlformats.org/drawingml/2006/diagram" xmlns:a="http://schemas.openxmlformats.org/drawingml/2006/main">
   <dgm:ptLst>
@@ -4474,78 +6717,6 @@
         </a:p>
       </dgm:t>
     </dgm:pt>
-    <dgm:pt modelId="{E835A0B2-9500-44F1-9067-CD391522C849}">
-      <dgm:prSet/>
-      <dgm:spPr/>
-      <dgm:t>
-        <a:bodyPr/>
-        <a:lstStyle/>
-        <a:p>
-          <a:r>
-            <a:rPr lang="fr-FR" dirty="0"/>
-            <a:t>Présentation de la Base de Donnée</a:t>
-          </a:r>
-        </a:p>
-      </dgm:t>
-    </dgm:pt>
-    <dgm:pt modelId="{34D21ED1-CBC1-4F02-BFFC-CD412ECA65B5}" type="parTrans" cxnId="{B66C90A9-9050-494C-947F-F50D7446B7A1}">
-      <dgm:prSet/>
-      <dgm:spPr/>
-      <dgm:t>
-        <a:bodyPr/>
-        <a:lstStyle/>
-        <a:p>
-          <a:endParaRPr lang="fr-FR"/>
-        </a:p>
-      </dgm:t>
-    </dgm:pt>
-    <dgm:pt modelId="{A77954CF-E6B8-4C42-A6D3-ED364E67901A}" type="sibTrans" cxnId="{B66C90A9-9050-494C-947F-F50D7446B7A1}">
-      <dgm:prSet/>
-      <dgm:spPr/>
-      <dgm:t>
-        <a:bodyPr/>
-        <a:lstStyle/>
-        <a:p>
-          <a:endParaRPr lang="fr-FR"/>
-        </a:p>
-      </dgm:t>
-    </dgm:pt>
-    <dgm:pt modelId="{26B2D2B3-BA00-4CD4-B19B-DACCADFB5F3D}">
-      <dgm:prSet/>
-      <dgm:spPr/>
-      <dgm:t>
-        <a:bodyPr/>
-        <a:lstStyle/>
-        <a:p>
-          <a:r>
-            <a:rPr lang="fr-FR" dirty="0"/>
-            <a:t>Nettoyage des données</a:t>
-          </a:r>
-        </a:p>
-      </dgm:t>
-    </dgm:pt>
-    <dgm:pt modelId="{6F0F0882-B0DB-4D68-82AB-BEBD30801F5C}" type="parTrans" cxnId="{08C9B013-7344-484D-A6FA-55BA4CE63DBD}">
-      <dgm:prSet/>
-      <dgm:spPr/>
-      <dgm:t>
-        <a:bodyPr/>
-        <a:lstStyle/>
-        <a:p>
-          <a:endParaRPr lang="fr-FR"/>
-        </a:p>
-      </dgm:t>
-    </dgm:pt>
-    <dgm:pt modelId="{F5619D44-099C-44A7-A9D6-71C50631B02D}" type="sibTrans" cxnId="{08C9B013-7344-484D-A6FA-55BA4CE63DBD}">
-      <dgm:prSet/>
-      <dgm:spPr/>
-      <dgm:t>
-        <a:bodyPr/>
-        <a:lstStyle/>
-        <a:p>
-          <a:endParaRPr lang="fr-FR"/>
-        </a:p>
-      </dgm:t>
-    </dgm:pt>
     <dgm:pt modelId="{043210D8-ABCC-4CB1-AC38-20DF237B0538}">
       <dgm:prSet/>
       <dgm:spPr/>
@@ -4621,6 +6792,16 @@
     <dgm:pt modelId="{0A32D54E-3B11-45DA-BB34-C07EC469721E}">
       <dgm:prSet/>
       <dgm:spPr/>
+      <dgm:t>
+        <a:bodyPr/>
+        <a:lstStyle/>
+        <a:p>
+          <a:r>
+            <a:rPr lang="fr-FR" dirty="0"/>
+            <a:t>API de prédiction</a:t>
+          </a:r>
+        </a:p>
+      </dgm:t>
     </dgm:pt>
     <dgm:pt modelId="{A55C4F82-8B4F-4CA9-A0CB-F9AE3925A6C8}" type="parTrans" cxnId="{CA22C0E6-5B0B-4481-AFAC-E98D070311F5}">
       <dgm:prSet/>
@@ -4634,6 +6815,42 @@
       </dgm:t>
     </dgm:pt>
     <dgm:pt modelId="{E3426A44-067A-461A-AE4C-438165EE7BFA}" type="sibTrans" cxnId="{CA22C0E6-5B0B-4481-AFAC-E98D070311F5}">
+      <dgm:prSet/>
+      <dgm:spPr/>
+      <dgm:t>
+        <a:bodyPr/>
+        <a:lstStyle/>
+        <a:p>
+          <a:endParaRPr lang="fr-FR"/>
+        </a:p>
+      </dgm:t>
+    </dgm:pt>
+    <dgm:pt modelId="{26B2D2B3-BA00-4CD4-B19B-DACCADFB5F3D}">
+      <dgm:prSet/>
+      <dgm:spPr/>
+      <dgm:t>
+        <a:bodyPr/>
+        <a:lstStyle/>
+        <a:p>
+          <a:r>
+            <a:rPr lang="fr-FR" dirty="0"/>
+            <a:t>Nettoyage des données</a:t>
+          </a:r>
+        </a:p>
+      </dgm:t>
+    </dgm:pt>
+    <dgm:pt modelId="{F5619D44-099C-44A7-A9D6-71C50631B02D}" type="sibTrans" cxnId="{08C9B013-7344-484D-A6FA-55BA4CE63DBD}">
+      <dgm:prSet/>
+      <dgm:spPr/>
+      <dgm:t>
+        <a:bodyPr/>
+        <a:lstStyle/>
+        <a:p>
+          <a:endParaRPr lang="fr-FR"/>
+        </a:p>
+      </dgm:t>
+    </dgm:pt>
+    <dgm:pt modelId="{6F0F0882-B0DB-4D68-82AB-BEBD30801F5C}" type="parTrans" cxnId="{08C9B013-7344-484D-A6FA-55BA4CE63DBD}">
       <dgm:prSet/>
       <dgm:spPr/>
       <dgm:t>
@@ -4694,121 +6911,120 @@
       <dgm:prSet presAssocID="{824A186D-3381-4613-BB73-5C940A05F075}" presName="accentRepeatNode" presStyleLbl="solidFgAcc1" presStyleIdx="0" presStyleCnt="7"/>
       <dgm:spPr/>
     </dgm:pt>
-    <dgm:pt modelId="{B2855198-B079-4B58-92A8-C0727A867D70}" type="pres">
-      <dgm:prSet presAssocID="{E835A0B2-9500-44F1-9067-CD391522C849}" presName="text_2" presStyleLbl="node1" presStyleIdx="1" presStyleCnt="7">
+    <dgm:pt modelId="{21862603-DA17-4987-89E1-753B3B7B5802}" type="pres">
+      <dgm:prSet presAssocID="{26B2D2B3-BA00-4CD4-B19B-DACCADFB5F3D}" presName="text_2" presStyleLbl="node1" presStyleIdx="1" presStyleCnt="7">
         <dgm:presLayoutVars>
           <dgm:bulletEnabled val="1"/>
         </dgm:presLayoutVars>
       </dgm:prSet>
       <dgm:spPr/>
     </dgm:pt>
-    <dgm:pt modelId="{8863DA76-7DC7-4774-B0CA-70A829E48F17}" type="pres">
-      <dgm:prSet presAssocID="{E835A0B2-9500-44F1-9067-CD391522C849}" presName="accent_2" presStyleCnt="0"/>
+    <dgm:pt modelId="{832ACAD2-B8DD-4D3E-8B7F-56B06924FDCD}" type="pres">
+      <dgm:prSet presAssocID="{26B2D2B3-BA00-4CD4-B19B-DACCADFB5F3D}" presName="accent_2" presStyleCnt="0"/>
       <dgm:spPr/>
     </dgm:pt>
-    <dgm:pt modelId="{ADE0CB94-463F-4695-B494-2C5D9B270441}" type="pres">
-      <dgm:prSet presAssocID="{E835A0B2-9500-44F1-9067-CD391522C849}" presName="accentRepeatNode" presStyleLbl="solidFgAcc1" presStyleIdx="1" presStyleCnt="7"/>
+    <dgm:pt modelId="{CC790B0F-3DE7-443F-983E-5A6DFCBF3996}" type="pres">
+      <dgm:prSet presAssocID="{26B2D2B3-BA00-4CD4-B19B-DACCADFB5F3D}" presName="accentRepeatNode" presStyleLbl="solidFgAcc1" presStyleIdx="1" presStyleCnt="7"/>
       <dgm:spPr/>
     </dgm:pt>
-    <dgm:pt modelId="{37C453F7-DA26-43A3-A819-D91EF7B42130}" type="pres">
-      <dgm:prSet presAssocID="{26B2D2B3-BA00-4CD4-B19B-DACCADFB5F3D}" presName="text_3" presStyleLbl="node1" presStyleIdx="2" presStyleCnt="7">
+    <dgm:pt modelId="{F3C9FD81-7FC9-4D6C-B9AF-215C25098206}" type="pres">
+      <dgm:prSet presAssocID="{043210D8-ABCC-4CB1-AC38-20DF237B0538}" presName="text_3" presStyleLbl="node1" presStyleIdx="2" presStyleCnt="7">
         <dgm:presLayoutVars>
           <dgm:bulletEnabled val="1"/>
         </dgm:presLayoutVars>
       </dgm:prSet>
       <dgm:spPr/>
     </dgm:pt>
-    <dgm:pt modelId="{BF644803-99ED-4121-920E-71D6BAD0B6FD}" type="pres">
-      <dgm:prSet presAssocID="{26B2D2B3-BA00-4CD4-B19B-DACCADFB5F3D}" presName="accent_3" presStyleCnt="0"/>
+    <dgm:pt modelId="{79B8D799-5375-4D5A-AAFD-9055D81C5243}" type="pres">
+      <dgm:prSet presAssocID="{043210D8-ABCC-4CB1-AC38-20DF237B0538}" presName="accent_3" presStyleCnt="0"/>
       <dgm:spPr/>
     </dgm:pt>
-    <dgm:pt modelId="{CC790B0F-3DE7-443F-983E-5A6DFCBF3996}" type="pres">
-      <dgm:prSet presAssocID="{26B2D2B3-BA00-4CD4-B19B-DACCADFB5F3D}" presName="accentRepeatNode" presStyleLbl="solidFgAcc1" presStyleIdx="2" presStyleCnt="7"/>
+    <dgm:pt modelId="{DEF74C7E-B4E9-4CB9-8EEE-DAFA616F2C06}" type="pres">
+      <dgm:prSet presAssocID="{043210D8-ABCC-4CB1-AC38-20DF237B0538}" presName="accentRepeatNode" presStyleLbl="solidFgAcc1" presStyleIdx="2" presStyleCnt="7"/>
       <dgm:spPr/>
     </dgm:pt>
-    <dgm:pt modelId="{7ADB1615-B68E-40CF-A7D5-B683ACD070EF}" type="pres">
-      <dgm:prSet presAssocID="{043210D8-ABCC-4CB1-AC38-20DF237B0538}" presName="text_4" presStyleLbl="node1" presStyleIdx="3" presStyleCnt="7">
+    <dgm:pt modelId="{63180E8E-A1B3-45EC-B3AF-37D5BCCC6073}" type="pres">
+      <dgm:prSet presAssocID="{8AC5807D-8DFD-462F-93BE-107CA1AA2AE6}" presName="text_4" presStyleLbl="node1" presStyleIdx="3" presStyleCnt="7">
         <dgm:presLayoutVars>
           <dgm:bulletEnabled val="1"/>
         </dgm:presLayoutVars>
       </dgm:prSet>
       <dgm:spPr/>
     </dgm:pt>
-    <dgm:pt modelId="{7AC2E308-D347-42D9-87F8-A877F589BC51}" type="pres">
-      <dgm:prSet presAssocID="{043210D8-ABCC-4CB1-AC38-20DF237B0538}" presName="accent_4" presStyleCnt="0"/>
+    <dgm:pt modelId="{1800A291-154D-4C18-815A-C44EBEFA769F}" type="pres">
+      <dgm:prSet presAssocID="{8AC5807D-8DFD-462F-93BE-107CA1AA2AE6}" presName="accent_4" presStyleCnt="0"/>
       <dgm:spPr/>
     </dgm:pt>
-    <dgm:pt modelId="{DEF74C7E-B4E9-4CB9-8EEE-DAFA616F2C06}" type="pres">
-      <dgm:prSet presAssocID="{043210D8-ABCC-4CB1-AC38-20DF237B0538}" presName="accentRepeatNode" presStyleLbl="solidFgAcc1" presStyleIdx="3" presStyleCnt="7"/>
+    <dgm:pt modelId="{EB36370B-7C28-40B8-97E4-A9DA7239DEC4}" type="pres">
+      <dgm:prSet presAssocID="{8AC5807D-8DFD-462F-93BE-107CA1AA2AE6}" presName="accentRepeatNode" presStyleLbl="solidFgAcc1" presStyleIdx="3" presStyleCnt="7"/>
       <dgm:spPr/>
     </dgm:pt>
-    <dgm:pt modelId="{8B3A1F05-3665-466D-A61F-1A2D177464C2}" type="pres">
-      <dgm:prSet presAssocID="{8AC5807D-8DFD-462F-93BE-107CA1AA2AE6}" presName="text_5" presStyleLbl="node1" presStyleIdx="4" presStyleCnt="7">
+    <dgm:pt modelId="{2663037C-84C0-4556-A65D-D39BEE16647E}" type="pres">
+      <dgm:prSet presAssocID="{D75EB764-AB54-4043-B9C2-2673EFA0CA5F}" presName="text_5" presStyleLbl="node1" presStyleIdx="4" presStyleCnt="7">
         <dgm:presLayoutVars>
           <dgm:bulletEnabled val="1"/>
         </dgm:presLayoutVars>
       </dgm:prSet>
       <dgm:spPr/>
     </dgm:pt>
-    <dgm:pt modelId="{4B91C1CE-763F-435F-AD13-8A90020BB7F2}" type="pres">
-      <dgm:prSet presAssocID="{8AC5807D-8DFD-462F-93BE-107CA1AA2AE6}" presName="accent_5" presStyleCnt="0"/>
+    <dgm:pt modelId="{01FAAD80-2014-4923-8EF9-2BD4F28D6AF6}" type="pres">
+      <dgm:prSet presAssocID="{D75EB764-AB54-4043-B9C2-2673EFA0CA5F}" presName="accent_5" presStyleCnt="0"/>
       <dgm:spPr/>
     </dgm:pt>
-    <dgm:pt modelId="{EB36370B-7C28-40B8-97E4-A9DA7239DEC4}" type="pres">
-      <dgm:prSet presAssocID="{8AC5807D-8DFD-462F-93BE-107CA1AA2AE6}" presName="accentRepeatNode" presStyleLbl="solidFgAcc1" presStyleIdx="4" presStyleCnt="7"/>
+    <dgm:pt modelId="{73487EB2-6F66-4516-A39C-0BC39BFFB417}" type="pres">
+      <dgm:prSet presAssocID="{D75EB764-AB54-4043-B9C2-2673EFA0CA5F}" presName="accentRepeatNode" presStyleLbl="solidFgAcc1" presStyleIdx="4" presStyleCnt="7"/>
       <dgm:spPr/>
     </dgm:pt>
-    <dgm:pt modelId="{D7DBEF30-D83E-48FE-B375-A5959E4DC547}" type="pres">
-      <dgm:prSet presAssocID="{D75EB764-AB54-4043-B9C2-2673EFA0CA5F}" presName="text_6" presStyleLbl="node1" presStyleIdx="5" presStyleCnt="7">
+    <dgm:pt modelId="{89419673-760B-45AF-8AC0-44EB25D9B4DF}" type="pres">
+      <dgm:prSet presAssocID="{1AE91FB2-9C54-4165-8600-D5FB33BB522D}" presName="text_6" presStyleLbl="node1" presStyleIdx="5" presStyleCnt="7">
         <dgm:presLayoutVars>
           <dgm:bulletEnabled val="1"/>
         </dgm:presLayoutVars>
       </dgm:prSet>
       <dgm:spPr/>
     </dgm:pt>
-    <dgm:pt modelId="{3A52E2A9-3BF0-4DA2-A2BC-EBE6E65916D3}" type="pres">
-      <dgm:prSet presAssocID="{D75EB764-AB54-4043-B9C2-2673EFA0CA5F}" presName="accent_6" presStyleCnt="0"/>
+    <dgm:pt modelId="{B2785D1F-CFBE-431D-88CF-21A6EF5DF0FA}" type="pres">
+      <dgm:prSet presAssocID="{1AE91FB2-9C54-4165-8600-D5FB33BB522D}" presName="accent_6" presStyleCnt="0"/>
       <dgm:spPr/>
     </dgm:pt>
-    <dgm:pt modelId="{73487EB2-6F66-4516-A39C-0BC39BFFB417}" type="pres">
-      <dgm:prSet presAssocID="{D75EB764-AB54-4043-B9C2-2673EFA0CA5F}" presName="accentRepeatNode" presStyleLbl="solidFgAcc1" presStyleIdx="5" presStyleCnt="7"/>
+    <dgm:pt modelId="{7219E365-C05A-4762-BD55-CE07120884ED}" type="pres">
+      <dgm:prSet presAssocID="{1AE91FB2-9C54-4165-8600-D5FB33BB522D}" presName="accentRepeatNode" presStyleLbl="solidFgAcc1" presStyleIdx="5" presStyleCnt="7"/>
       <dgm:spPr/>
     </dgm:pt>
-    <dgm:pt modelId="{B136C157-529F-48C5-B0EF-77CAA71B5CDD}" type="pres">
-      <dgm:prSet presAssocID="{1AE91FB2-9C54-4165-8600-D5FB33BB522D}" presName="text_7" presStyleLbl="node1" presStyleIdx="6" presStyleCnt="7">
+    <dgm:pt modelId="{D07CB37D-915A-4236-8D4A-86228A4D66AE}" type="pres">
+      <dgm:prSet presAssocID="{0A32D54E-3B11-45DA-BB34-C07EC469721E}" presName="text_7" presStyleLbl="node1" presStyleIdx="6" presStyleCnt="7">
         <dgm:presLayoutVars>
           <dgm:bulletEnabled val="1"/>
         </dgm:presLayoutVars>
       </dgm:prSet>
       <dgm:spPr/>
     </dgm:pt>
-    <dgm:pt modelId="{BD0CAECC-1FAC-48AC-A27D-5591F63D4A66}" type="pres">
-      <dgm:prSet presAssocID="{1AE91FB2-9C54-4165-8600-D5FB33BB522D}" presName="accent_7" presStyleCnt="0"/>
+    <dgm:pt modelId="{67806BD4-1DFD-4177-8B0D-14417D360A03}" type="pres">
+      <dgm:prSet presAssocID="{0A32D54E-3B11-45DA-BB34-C07EC469721E}" presName="accent_7" presStyleCnt="0"/>
       <dgm:spPr/>
     </dgm:pt>
-    <dgm:pt modelId="{7219E365-C05A-4762-BD55-CE07120884ED}" type="pres">
-      <dgm:prSet presAssocID="{1AE91FB2-9C54-4165-8600-D5FB33BB522D}" presName="accentRepeatNode" presStyleLbl="solidFgAcc1" presStyleIdx="6" presStyleCnt="7"/>
+    <dgm:pt modelId="{86EBD7AD-FA81-49E2-8546-6D63605722C4}" type="pres">
+      <dgm:prSet presAssocID="{0A32D54E-3B11-45DA-BB34-C07EC469721E}" presName="accentRepeatNode" presStyleLbl="solidFgAcc1" presStyleIdx="6" presStyleCnt="7"/>
       <dgm:spPr/>
     </dgm:pt>
   </dgm:ptLst>
   <dgm:cxnLst>
-    <dgm:cxn modelId="{08C9B013-7344-484D-A6FA-55BA4CE63DBD}" srcId="{323DB5CE-75EE-4390-A86C-F4B3E28B0F94}" destId="{26B2D2B3-BA00-4CD4-B19B-DACCADFB5F3D}" srcOrd="2" destOrd="0" parTransId="{6F0F0882-B0DB-4D68-82AB-BEBD30801F5C}" sibTransId="{F5619D44-099C-44A7-A9D6-71C50631B02D}"/>
-    <dgm:cxn modelId="{7306EA17-2F93-4A1A-AE37-FA218A6E5C89}" srcId="{323DB5CE-75EE-4390-A86C-F4B3E28B0F94}" destId="{1AE91FB2-9C54-4165-8600-D5FB33BB522D}" srcOrd="6" destOrd="0" parTransId="{49AD675E-1515-47FC-9F18-940D0A733B39}" sibTransId="{50BB31F0-1834-4D3B-9FB2-6C551138C381}"/>
-    <dgm:cxn modelId="{E9408B68-28E7-45F8-8635-C67EFAA802F0}" srcId="{323DB5CE-75EE-4390-A86C-F4B3E28B0F94}" destId="{043210D8-ABCC-4CB1-AC38-20DF237B0538}" srcOrd="3" destOrd="0" parTransId="{658E2CF4-66FA-4C9D-ADCB-24932A686EAA}" sibTransId="{EC36A367-4880-436E-B305-6EAFAE7B21D8}"/>
-    <dgm:cxn modelId="{C9A50754-C737-4929-B31F-71111DA94529}" type="presOf" srcId="{E835A0B2-9500-44F1-9067-CD391522C849}" destId="{B2855198-B079-4B58-92A8-C0727A867D70}" srcOrd="0" destOrd="0" presId="urn:microsoft.com/office/officeart/2008/layout/VerticalCurvedList"/>
+    <dgm:cxn modelId="{08C9B013-7344-484D-A6FA-55BA4CE63DBD}" srcId="{323DB5CE-75EE-4390-A86C-F4B3E28B0F94}" destId="{26B2D2B3-BA00-4CD4-B19B-DACCADFB5F3D}" srcOrd="1" destOrd="0" parTransId="{6F0F0882-B0DB-4D68-82AB-BEBD30801F5C}" sibTransId="{F5619D44-099C-44A7-A9D6-71C50631B02D}"/>
+    <dgm:cxn modelId="{7306EA17-2F93-4A1A-AE37-FA218A6E5C89}" srcId="{323DB5CE-75EE-4390-A86C-F4B3E28B0F94}" destId="{1AE91FB2-9C54-4165-8600-D5FB33BB522D}" srcOrd="5" destOrd="0" parTransId="{49AD675E-1515-47FC-9F18-940D0A733B39}" sibTransId="{50BB31F0-1834-4D3B-9FB2-6C551138C381}"/>
+    <dgm:cxn modelId="{E45A3925-9479-4D72-95B3-FC199A8EFDE4}" type="presOf" srcId="{0A32D54E-3B11-45DA-BB34-C07EC469721E}" destId="{D07CB37D-915A-4236-8D4A-86228A4D66AE}" srcOrd="0" destOrd="0" presId="urn:microsoft.com/office/officeart/2008/layout/VerticalCurvedList"/>
+    <dgm:cxn modelId="{0649B639-8484-4BFC-B654-2BC9D55BC67B}" type="presOf" srcId="{043210D8-ABCC-4CB1-AC38-20DF237B0538}" destId="{F3C9FD81-7FC9-4D6C-B9AF-215C25098206}" srcOrd="0" destOrd="0" presId="urn:microsoft.com/office/officeart/2008/layout/VerticalCurvedList"/>
+    <dgm:cxn modelId="{E401D33A-6097-497C-BE44-CF00A5DDA29D}" type="presOf" srcId="{26B2D2B3-BA00-4CD4-B19B-DACCADFB5F3D}" destId="{21862603-DA17-4987-89E1-753B3B7B5802}" srcOrd="0" destOrd="0" presId="urn:microsoft.com/office/officeart/2008/layout/VerticalCurvedList"/>
+    <dgm:cxn modelId="{E9408B68-28E7-45F8-8635-C67EFAA802F0}" srcId="{323DB5CE-75EE-4390-A86C-F4B3E28B0F94}" destId="{043210D8-ABCC-4CB1-AC38-20DF237B0538}" srcOrd="2" destOrd="0" parTransId="{658E2CF4-66FA-4C9D-ADCB-24932A686EAA}" sibTransId="{EC36A367-4880-436E-B305-6EAFAE7B21D8}"/>
+    <dgm:cxn modelId="{DF5FF748-61D2-4AAB-B0DB-0CC458824725}" type="presOf" srcId="{1AE91FB2-9C54-4165-8600-D5FB33BB522D}" destId="{89419673-760B-45AF-8AC0-44EB25D9B4DF}" srcOrd="0" destOrd="0" presId="urn:microsoft.com/office/officeart/2008/layout/VerticalCurvedList"/>
     <dgm:cxn modelId="{84D8D580-ABC8-4E25-A154-CA99484EBFE6}" type="presOf" srcId="{67B5A22A-22C4-4A2A-854B-91B9DAF0CCC1}" destId="{5C97DD9A-FE4E-422E-84AB-33565C1050E3}" srcOrd="0" destOrd="0" presId="urn:microsoft.com/office/officeart/2008/layout/VerticalCurvedList"/>
-    <dgm:cxn modelId="{36BB4E89-BEB8-40A4-9482-BD72847D1FAE}" type="presOf" srcId="{26B2D2B3-BA00-4CD4-B19B-DACCADFB5F3D}" destId="{37C453F7-DA26-43A3-A819-D91EF7B42130}" srcOrd="0" destOrd="0" presId="urn:microsoft.com/office/officeart/2008/layout/VerticalCurvedList"/>
-    <dgm:cxn modelId="{9D411790-EF17-446E-ADBE-FCF2706F6EBB}" type="presOf" srcId="{D75EB764-AB54-4043-B9C2-2673EFA0CA5F}" destId="{D7DBEF30-D83E-48FE-B375-A5959E4DC547}" srcOrd="0" destOrd="0" presId="urn:microsoft.com/office/officeart/2008/layout/VerticalCurvedList"/>
+    <dgm:cxn modelId="{7C62DA97-888D-4D01-9D22-2A160B6E08B4}" type="presOf" srcId="{8AC5807D-8DFD-462F-93BE-107CA1AA2AE6}" destId="{63180E8E-A1B3-45EC-B3AF-37D5BCCC6073}" srcOrd="0" destOrd="0" presId="urn:microsoft.com/office/officeart/2008/layout/VerticalCurvedList"/>
+    <dgm:cxn modelId="{970B1699-4298-44A3-AE3D-E0A6CBF05F11}" type="presOf" srcId="{D75EB764-AB54-4043-B9C2-2673EFA0CA5F}" destId="{2663037C-84C0-4556-A65D-D39BEE16647E}" srcOrd="0" destOrd="0" presId="urn:microsoft.com/office/officeart/2008/layout/VerticalCurvedList"/>
     <dgm:cxn modelId="{A9B245A0-FC49-417E-85A2-EF6CC4EC7EC6}" srcId="{323DB5CE-75EE-4390-A86C-F4B3E28B0F94}" destId="{824A186D-3381-4613-BB73-5C940A05F075}" srcOrd="0" destOrd="0" parTransId="{BE340E14-00CF-40D1-9650-FF3986898ABF}" sibTransId="{67B5A22A-22C4-4A2A-854B-91B9DAF0CCC1}"/>
-    <dgm:cxn modelId="{B66C90A9-9050-494C-947F-F50D7446B7A1}" srcId="{323DB5CE-75EE-4390-A86C-F4B3E28B0F94}" destId="{E835A0B2-9500-44F1-9067-CD391522C849}" srcOrd="1" destOrd="0" parTransId="{34D21ED1-CBC1-4F02-BFFC-CD412ECA65B5}" sibTransId="{A77954CF-E6B8-4C42-A6D3-ED364E67901A}"/>
-    <dgm:cxn modelId="{AE5878B2-0835-4F2A-B6BD-61EA3651EDDB}" type="presOf" srcId="{8AC5807D-8DFD-462F-93BE-107CA1AA2AE6}" destId="{8B3A1F05-3665-466D-A61F-1A2D177464C2}" srcOrd="0" destOrd="0" presId="urn:microsoft.com/office/officeart/2008/layout/VerticalCurvedList"/>
-    <dgm:cxn modelId="{12BAF1C1-DBB0-4483-B988-5B04B140D230}" srcId="{323DB5CE-75EE-4390-A86C-F4B3E28B0F94}" destId="{8AC5807D-8DFD-462F-93BE-107CA1AA2AE6}" srcOrd="4" destOrd="0" parTransId="{D627EFBA-90FD-4056-88E4-112AF2037962}" sibTransId="{64C529DE-DDF1-4808-A1B7-977FE8388A15}"/>
+    <dgm:cxn modelId="{12BAF1C1-DBB0-4483-B988-5B04B140D230}" srcId="{323DB5CE-75EE-4390-A86C-F4B3E28B0F94}" destId="{8AC5807D-8DFD-462F-93BE-107CA1AA2AE6}" srcOrd="3" destOrd="0" parTransId="{D627EFBA-90FD-4056-88E4-112AF2037962}" sibTransId="{64C529DE-DDF1-4808-A1B7-977FE8388A15}"/>
     <dgm:cxn modelId="{5ABC0CC5-7F3B-4B65-B7BA-75585F6F8531}" type="presOf" srcId="{323DB5CE-75EE-4390-A86C-F4B3E28B0F94}" destId="{314BE75D-7A76-43DA-8383-C76DECF70897}" srcOrd="0" destOrd="0" presId="urn:microsoft.com/office/officeart/2008/layout/VerticalCurvedList"/>
-    <dgm:cxn modelId="{7A1DE3C8-58CC-4090-B8ED-8F5E06A16EB2}" srcId="{323DB5CE-75EE-4390-A86C-F4B3E28B0F94}" destId="{D75EB764-AB54-4043-B9C2-2673EFA0CA5F}" srcOrd="5" destOrd="0" parTransId="{6977CEAB-3703-40D9-8FFE-E9B7B263F0D7}" sibTransId="{7F7D4E28-81BD-4C40-B4BC-44E7D560AE29}"/>
+    <dgm:cxn modelId="{7A1DE3C8-58CC-4090-B8ED-8F5E06A16EB2}" srcId="{323DB5CE-75EE-4390-A86C-F4B3E28B0F94}" destId="{D75EB764-AB54-4043-B9C2-2673EFA0CA5F}" srcOrd="4" destOrd="0" parTransId="{6977CEAB-3703-40D9-8FFE-E9B7B263F0D7}" sibTransId="{7F7D4E28-81BD-4C40-B4BC-44E7D560AE29}"/>
     <dgm:cxn modelId="{92D89DD4-8D24-4B32-858F-EF67115888B2}" type="presOf" srcId="{824A186D-3381-4613-BB73-5C940A05F075}" destId="{B24C48D5-6FED-441D-AD49-2A30A8B967B9}" srcOrd="0" destOrd="0" presId="urn:microsoft.com/office/officeart/2008/layout/VerticalCurvedList"/>
-    <dgm:cxn modelId="{C67512D8-FCD7-4DE2-954B-644C342AA3E0}" type="presOf" srcId="{1AE91FB2-9C54-4165-8600-D5FB33BB522D}" destId="{B136C157-529F-48C5-B0EF-77CAA71B5CDD}" srcOrd="0" destOrd="0" presId="urn:microsoft.com/office/officeart/2008/layout/VerticalCurvedList"/>
-    <dgm:cxn modelId="{37B4DADC-9855-4815-891A-1D092266ECA8}" type="presOf" srcId="{043210D8-ABCC-4CB1-AC38-20DF237B0538}" destId="{7ADB1615-B68E-40CF-A7D5-B683ACD070EF}" srcOrd="0" destOrd="0" presId="urn:microsoft.com/office/officeart/2008/layout/VerticalCurvedList"/>
-    <dgm:cxn modelId="{CA22C0E6-5B0B-4481-AFAC-E98D070311F5}" srcId="{323DB5CE-75EE-4390-A86C-F4B3E28B0F94}" destId="{0A32D54E-3B11-45DA-BB34-C07EC469721E}" srcOrd="7" destOrd="0" parTransId="{A55C4F82-8B4F-4CA9-A0CB-F9AE3925A6C8}" sibTransId="{E3426A44-067A-461A-AE4C-438165EE7BFA}"/>
+    <dgm:cxn modelId="{CA22C0E6-5B0B-4481-AFAC-E98D070311F5}" srcId="{323DB5CE-75EE-4390-A86C-F4B3E28B0F94}" destId="{0A32D54E-3B11-45DA-BB34-C07EC469721E}" srcOrd="6" destOrd="0" parTransId="{A55C4F82-8B4F-4CA9-A0CB-F9AE3925A6C8}" sibTransId="{E3426A44-067A-461A-AE4C-438165EE7BFA}"/>
     <dgm:cxn modelId="{9CA660D0-E26E-408B-81D7-D155AED6EFAE}" type="presParOf" srcId="{314BE75D-7A76-43DA-8383-C76DECF70897}" destId="{9DDF175A-38DB-448C-9852-0E2EFA148A2A}" srcOrd="0" destOrd="0" presId="urn:microsoft.com/office/officeart/2008/layout/VerticalCurvedList"/>
     <dgm:cxn modelId="{215B4B69-1C8B-4126-ACB9-033F37D2096A}" type="presParOf" srcId="{9DDF175A-38DB-448C-9852-0E2EFA148A2A}" destId="{E32D3515-74D6-4029-87D2-43F4FCAA261A}" srcOrd="0" destOrd="0" presId="urn:microsoft.com/office/officeart/2008/layout/VerticalCurvedList"/>
     <dgm:cxn modelId="{263C03EF-6D26-4BC5-B8E0-CC5AB5D00DA9}" type="presParOf" srcId="{E32D3515-74D6-4029-87D2-43F4FCAA261A}" destId="{84D5C9EB-C361-426A-AD63-8725470C6C59}" srcOrd="0" destOrd="0" presId="urn:microsoft.com/office/officeart/2008/layout/VerticalCurvedList"/>
@@ -4818,24 +7034,24 @@
     <dgm:cxn modelId="{1EBE5E6F-BEC8-434E-B530-066C152E6144}" type="presParOf" srcId="{9DDF175A-38DB-448C-9852-0E2EFA148A2A}" destId="{B24C48D5-6FED-441D-AD49-2A30A8B967B9}" srcOrd="1" destOrd="0" presId="urn:microsoft.com/office/officeart/2008/layout/VerticalCurvedList"/>
     <dgm:cxn modelId="{4C5B5158-13A3-49E7-A85A-6A79202F8108}" type="presParOf" srcId="{9DDF175A-38DB-448C-9852-0E2EFA148A2A}" destId="{D4B26BE4-D52E-422D-98E7-D3C2F74694CC}" srcOrd="2" destOrd="0" presId="urn:microsoft.com/office/officeart/2008/layout/VerticalCurvedList"/>
     <dgm:cxn modelId="{0A878973-DCCE-4E5C-81B4-55024CE86A30}" type="presParOf" srcId="{D4B26BE4-D52E-422D-98E7-D3C2F74694CC}" destId="{673B8E29-D016-4880-9029-88CEEAEC55DF}" srcOrd="0" destOrd="0" presId="urn:microsoft.com/office/officeart/2008/layout/VerticalCurvedList"/>
-    <dgm:cxn modelId="{90B04B14-F8F6-46EE-BC71-8D282179378F}" type="presParOf" srcId="{9DDF175A-38DB-448C-9852-0E2EFA148A2A}" destId="{B2855198-B079-4B58-92A8-C0727A867D70}" srcOrd="3" destOrd="0" presId="urn:microsoft.com/office/officeart/2008/layout/VerticalCurvedList"/>
-    <dgm:cxn modelId="{A56040B1-0C58-4FA3-9BE4-439C2245C330}" type="presParOf" srcId="{9DDF175A-38DB-448C-9852-0E2EFA148A2A}" destId="{8863DA76-7DC7-4774-B0CA-70A829E48F17}" srcOrd="4" destOrd="0" presId="urn:microsoft.com/office/officeart/2008/layout/VerticalCurvedList"/>
-    <dgm:cxn modelId="{D18064E8-F280-4FFF-A3B5-097CAD0ED051}" type="presParOf" srcId="{8863DA76-7DC7-4774-B0CA-70A829E48F17}" destId="{ADE0CB94-463F-4695-B494-2C5D9B270441}" srcOrd="0" destOrd="0" presId="urn:microsoft.com/office/officeart/2008/layout/VerticalCurvedList"/>
-    <dgm:cxn modelId="{058E35B6-AFEA-4E1A-8E3D-48E72A603D6A}" type="presParOf" srcId="{9DDF175A-38DB-448C-9852-0E2EFA148A2A}" destId="{37C453F7-DA26-43A3-A819-D91EF7B42130}" srcOrd="5" destOrd="0" presId="urn:microsoft.com/office/officeart/2008/layout/VerticalCurvedList"/>
-    <dgm:cxn modelId="{6B73D69D-6557-4E07-9A93-F39C2E09BAE4}" type="presParOf" srcId="{9DDF175A-38DB-448C-9852-0E2EFA148A2A}" destId="{BF644803-99ED-4121-920E-71D6BAD0B6FD}" srcOrd="6" destOrd="0" presId="urn:microsoft.com/office/officeart/2008/layout/VerticalCurvedList"/>
-    <dgm:cxn modelId="{995078F7-C016-452F-9ED8-B01615E93C86}" type="presParOf" srcId="{BF644803-99ED-4121-920E-71D6BAD0B6FD}" destId="{CC790B0F-3DE7-443F-983E-5A6DFCBF3996}" srcOrd="0" destOrd="0" presId="urn:microsoft.com/office/officeart/2008/layout/VerticalCurvedList"/>
-    <dgm:cxn modelId="{64C4784A-9F71-4455-A7CB-0D7A597BAA75}" type="presParOf" srcId="{9DDF175A-38DB-448C-9852-0E2EFA148A2A}" destId="{7ADB1615-B68E-40CF-A7D5-B683ACD070EF}" srcOrd="7" destOrd="0" presId="urn:microsoft.com/office/officeart/2008/layout/VerticalCurvedList"/>
-    <dgm:cxn modelId="{67DD8C64-7C0A-4335-9B90-6F2D893AA5F1}" type="presParOf" srcId="{9DDF175A-38DB-448C-9852-0E2EFA148A2A}" destId="{7AC2E308-D347-42D9-87F8-A877F589BC51}" srcOrd="8" destOrd="0" presId="urn:microsoft.com/office/officeart/2008/layout/VerticalCurvedList"/>
-    <dgm:cxn modelId="{DE6DB3D3-C22B-4D92-9AAF-E8B991C2F794}" type="presParOf" srcId="{7AC2E308-D347-42D9-87F8-A877F589BC51}" destId="{DEF74C7E-B4E9-4CB9-8EEE-DAFA616F2C06}" srcOrd="0" destOrd="0" presId="urn:microsoft.com/office/officeart/2008/layout/VerticalCurvedList"/>
-    <dgm:cxn modelId="{DA9B52E1-B97B-4CF7-951D-4438FFF7772D}" type="presParOf" srcId="{9DDF175A-38DB-448C-9852-0E2EFA148A2A}" destId="{8B3A1F05-3665-466D-A61F-1A2D177464C2}" srcOrd="9" destOrd="0" presId="urn:microsoft.com/office/officeart/2008/layout/VerticalCurvedList"/>
-    <dgm:cxn modelId="{C4651B43-34A7-4657-9665-F8FA7D36E73D}" type="presParOf" srcId="{9DDF175A-38DB-448C-9852-0E2EFA148A2A}" destId="{4B91C1CE-763F-435F-AD13-8A90020BB7F2}" srcOrd="10" destOrd="0" presId="urn:microsoft.com/office/officeart/2008/layout/VerticalCurvedList"/>
-    <dgm:cxn modelId="{3DFE306D-9F27-4FE4-B567-D5C334C6BE55}" type="presParOf" srcId="{4B91C1CE-763F-435F-AD13-8A90020BB7F2}" destId="{EB36370B-7C28-40B8-97E4-A9DA7239DEC4}" srcOrd="0" destOrd="0" presId="urn:microsoft.com/office/officeart/2008/layout/VerticalCurvedList"/>
-    <dgm:cxn modelId="{442E3C08-4BCC-425B-9423-EB0BA3BFF724}" type="presParOf" srcId="{9DDF175A-38DB-448C-9852-0E2EFA148A2A}" destId="{D7DBEF30-D83E-48FE-B375-A5959E4DC547}" srcOrd="11" destOrd="0" presId="urn:microsoft.com/office/officeart/2008/layout/VerticalCurvedList"/>
-    <dgm:cxn modelId="{273ED14F-063F-4635-B9E9-2045EF9276EA}" type="presParOf" srcId="{9DDF175A-38DB-448C-9852-0E2EFA148A2A}" destId="{3A52E2A9-3BF0-4DA2-A2BC-EBE6E65916D3}" srcOrd="12" destOrd="0" presId="urn:microsoft.com/office/officeart/2008/layout/VerticalCurvedList"/>
-    <dgm:cxn modelId="{6251F063-5ECF-4197-9B6C-4C19924BA753}" type="presParOf" srcId="{3A52E2A9-3BF0-4DA2-A2BC-EBE6E65916D3}" destId="{73487EB2-6F66-4516-A39C-0BC39BFFB417}" srcOrd="0" destOrd="0" presId="urn:microsoft.com/office/officeart/2008/layout/VerticalCurvedList"/>
-    <dgm:cxn modelId="{6472117E-C3F2-45D1-8A2F-89F6D150EF04}" type="presParOf" srcId="{9DDF175A-38DB-448C-9852-0E2EFA148A2A}" destId="{B136C157-529F-48C5-B0EF-77CAA71B5CDD}" srcOrd="13" destOrd="0" presId="urn:microsoft.com/office/officeart/2008/layout/VerticalCurvedList"/>
-    <dgm:cxn modelId="{2174BFEE-5F5D-4448-8171-CDF099DF134D}" type="presParOf" srcId="{9DDF175A-38DB-448C-9852-0E2EFA148A2A}" destId="{BD0CAECC-1FAC-48AC-A27D-5591F63D4A66}" srcOrd="14" destOrd="0" presId="urn:microsoft.com/office/officeart/2008/layout/VerticalCurvedList"/>
-    <dgm:cxn modelId="{A26F7531-A12E-4B22-B4A1-851E71DF4631}" type="presParOf" srcId="{BD0CAECC-1FAC-48AC-A27D-5591F63D4A66}" destId="{7219E365-C05A-4762-BD55-CE07120884ED}" srcOrd="0" destOrd="0" presId="urn:microsoft.com/office/officeart/2008/layout/VerticalCurvedList"/>
+    <dgm:cxn modelId="{29E2DF83-3A15-4C45-BE22-177CA30E42C0}" type="presParOf" srcId="{9DDF175A-38DB-448C-9852-0E2EFA148A2A}" destId="{21862603-DA17-4987-89E1-753B3B7B5802}" srcOrd="3" destOrd="0" presId="urn:microsoft.com/office/officeart/2008/layout/VerticalCurvedList"/>
+    <dgm:cxn modelId="{522F6D8E-F7CB-42E8-84E8-BFC16D2FE7C0}" type="presParOf" srcId="{9DDF175A-38DB-448C-9852-0E2EFA148A2A}" destId="{832ACAD2-B8DD-4D3E-8B7F-56B06924FDCD}" srcOrd="4" destOrd="0" presId="urn:microsoft.com/office/officeart/2008/layout/VerticalCurvedList"/>
+    <dgm:cxn modelId="{FF893E19-4F21-4A5B-A0C2-163E895B5B27}" type="presParOf" srcId="{832ACAD2-B8DD-4D3E-8B7F-56B06924FDCD}" destId="{CC790B0F-3DE7-443F-983E-5A6DFCBF3996}" srcOrd="0" destOrd="0" presId="urn:microsoft.com/office/officeart/2008/layout/VerticalCurvedList"/>
+    <dgm:cxn modelId="{F54B657C-3B83-4759-9B89-0F807ADE055E}" type="presParOf" srcId="{9DDF175A-38DB-448C-9852-0E2EFA148A2A}" destId="{F3C9FD81-7FC9-4D6C-B9AF-215C25098206}" srcOrd="5" destOrd="0" presId="urn:microsoft.com/office/officeart/2008/layout/VerticalCurvedList"/>
+    <dgm:cxn modelId="{6EA37901-733F-4EBB-A428-2EEED0CF00A3}" type="presParOf" srcId="{9DDF175A-38DB-448C-9852-0E2EFA148A2A}" destId="{79B8D799-5375-4D5A-AAFD-9055D81C5243}" srcOrd="6" destOrd="0" presId="urn:microsoft.com/office/officeart/2008/layout/VerticalCurvedList"/>
+    <dgm:cxn modelId="{68875418-D9E0-4201-B410-7629108BECCC}" type="presParOf" srcId="{79B8D799-5375-4D5A-AAFD-9055D81C5243}" destId="{DEF74C7E-B4E9-4CB9-8EEE-DAFA616F2C06}" srcOrd="0" destOrd="0" presId="urn:microsoft.com/office/officeart/2008/layout/VerticalCurvedList"/>
+    <dgm:cxn modelId="{27CB27CD-91C4-4C45-BDE7-F967D1CD816B}" type="presParOf" srcId="{9DDF175A-38DB-448C-9852-0E2EFA148A2A}" destId="{63180E8E-A1B3-45EC-B3AF-37D5BCCC6073}" srcOrd="7" destOrd="0" presId="urn:microsoft.com/office/officeart/2008/layout/VerticalCurvedList"/>
+    <dgm:cxn modelId="{2A3E65CC-4C43-431C-AE22-516B5A50D4CC}" type="presParOf" srcId="{9DDF175A-38DB-448C-9852-0E2EFA148A2A}" destId="{1800A291-154D-4C18-815A-C44EBEFA769F}" srcOrd="8" destOrd="0" presId="urn:microsoft.com/office/officeart/2008/layout/VerticalCurvedList"/>
+    <dgm:cxn modelId="{07A94CC4-5467-47DB-95DE-4CA08ADB6FC4}" type="presParOf" srcId="{1800A291-154D-4C18-815A-C44EBEFA769F}" destId="{EB36370B-7C28-40B8-97E4-A9DA7239DEC4}" srcOrd="0" destOrd="0" presId="urn:microsoft.com/office/officeart/2008/layout/VerticalCurvedList"/>
+    <dgm:cxn modelId="{ACFA7D6C-AD37-442D-8AD3-C2D216419738}" type="presParOf" srcId="{9DDF175A-38DB-448C-9852-0E2EFA148A2A}" destId="{2663037C-84C0-4556-A65D-D39BEE16647E}" srcOrd="9" destOrd="0" presId="urn:microsoft.com/office/officeart/2008/layout/VerticalCurvedList"/>
+    <dgm:cxn modelId="{C492CC41-F0F4-4586-98D1-6A0B857E451B}" type="presParOf" srcId="{9DDF175A-38DB-448C-9852-0E2EFA148A2A}" destId="{01FAAD80-2014-4923-8EF9-2BD4F28D6AF6}" srcOrd="10" destOrd="0" presId="urn:microsoft.com/office/officeart/2008/layout/VerticalCurvedList"/>
+    <dgm:cxn modelId="{4A40E372-9DB9-431E-ABE6-A46B072E8FEA}" type="presParOf" srcId="{01FAAD80-2014-4923-8EF9-2BD4F28D6AF6}" destId="{73487EB2-6F66-4516-A39C-0BC39BFFB417}" srcOrd="0" destOrd="0" presId="urn:microsoft.com/office/officeart/2008/layout/VerticalCurvedList"/>
+    <dgm:cxn modelId="{43CA3E0F-8330-48FA-9EAB-405CB28C35A1}" type="presParOf" srcId="{9DDF175A-38DB-448C-9852-0E2EFA148A2A}" destId="{89419673-760B-45AF-8AC0-44EB25D9B4DF}" srcOrd="11" destOrd="0" presId="urn:microsoft.com/office/officeart/2008/layout/VerticalCurvedList"/>
+    <dgm:cxn modelId="{53578052-974A-4834-A9E7-C4E9012743F0}" type="presParOf" srcId="{9DDF175A-38DB-448C-9852-0E2EFA148A2A}" destId="{B2785D1F-CFBE-431D-88CF-21A6EF5DF0FA}" srcOrd="12" destOrd="0" presId="urn:microsoft.com/office/officeart/2008/layout/VerticalCurvedList"/>
+    <dgm:cxn modelId="{6EF40E0E-E0E0-4678-ADCB-02FA0CC67559}" type="presParOf" srcId="{B2785D1F-CFBE-431D-88CF-21A6EF5DF0FA}" destId="{7219E365-C05A-4762-BD55-CE07120884ED}" srcOrd="0" destOrd="0" presId="urn:microsoft.com/office/officeart/2008/layout/VerticalCurvedList"/>
+    <dgm:cxn modelId="{8EBB4CA0-BF83-4324-B353-C601D111ECFD}" type="presParOf" srcId="{9DDF175A-38DB-448C-9852-0E2EFA148A2A}" destId="{D07CB37D-915A-4236-8D4A-86228A4D66AE}" srcOrd="13" destOrd="0" presId="urn:microsoft.com/office/officeart/2008/layout/VerticalCurvedList"/>
+    <dgm:cxn modelId="{910E67C1-7386-4691-AE50-A8234E2DA460}" type="presParOf" srcId="{9DDF175A-38DB-448C-9852-0E2EFA148A2A}" destId="{67806BD4-1DFD-4177-8B0D-14417D360A03}" srcOrd="14" destOrd="0" presId="urn:microsoft.com/office/officeart/2008/layout/VerticalCurvedList"/>
+    <dgm:cxn modelId="{FE7BAD84-CBB1-4268-9036-0438C2F36165}" type="presParOf" srcId="{67806BD4-1DFD-4177-8B0D-14417D360A03}" destId="{86EBD7AD-FA81-49E2-8546-6D63605722C4}" srcOrd="0" destOrd="0" presId="urn:microsoft.com/office/officeart/2008/layout/VerticalCurvedList"/>
   </dgm:cxnLst>
   <dgm:bg/>
   <dgm:whole/>
@@ -5366,6 +7582,695 @@
 </dgm:dataModel>
 </file>
 
+<file path=ppt/diagrams/data5.xml><?xml version="1.0" encoding="utf-8"?>
+<dgm:dataModel xmlns:dgm="http://schemas.openxmlformats.org/drawingml/2006/diagram" xmlns:a="http://schemas.openxmlformats.org/drawingml/2006/main">
+  <dgm:ptLst>
+    <dgm:pt modelId="{A8215F9B-30BB-4DAF-B200-D7C75680EBAB}" type="doc">
+      <dgm:prSet loTypeId="urn:microsoft.com/office/officeart/2005/8/layout/hierarchy2" loCatId="hierarchy" qsTypeId="urn:microsoft.com/office/officeart/2005/8/quickstyle/simple1" qsCatId="simple" csTypeId="urn:microsoft.com/office/officeart/2005/8/colors/accent1_2" csCatId="accent1" phldr="1"/>
+      <dgm:spPr/>
+      <dgm:t>
+        <a:bodyPr/>
+        <a:lstStyle/>
+        <a:p>
+          <a:endParaRPr lang="fr-FR"/>
+        </a:p>
+      </dgm:t>
+    </dgm:pt>
+    <dgm:pt modelId="{288889C3-520C-4D8C-BC7A-A6CF594DC799}">
+      <dgm:prSet phldrT="[Texte]" custT="1"/>
+      <dgm:spPr/>
+      <dgm:t>
+        <a:bodyPr/>
+        <a:lstStyle/>
+        <a:p>
+          <a:r>
+            <a:rPr lang="fr-FR" sz="2500" dirty="0"/>
+            <a:t>Apprentissage multi-label : </a:t>
+          </a:r>
+        </a:p>
+        <a:p>
+          <a:r>
+            <a:rPr lang="fr-FR" sz="2500" dirty="0" err="1"/>
+            <a:t>OneVsRestClassifier</a:t>
+          </a:r>
+          <a:endParaRPr lang="fr-FR" sz="2500" dirty="0"/>
+        </a:p>
+      </dgm:t>
+    </dgm:pt>
+    <dgm:pt modelId="{197A44DC-DA28-41E7-9947-513E069D4393}" type="parTrans" cxnId="{33DD7DC2-D3B4-41E1-A590-1A28240D7CF4}">
+      <dgm:prSet/>
+      <dgm:spPr/>
+      <dgm:t>
+        <a:bodyPr/>
+        <a:lstStyle/>
+        <a:p>
+          <a:endParaRPr lang="fr-FR"/>
+        </a:p>
+      </dgm:t>
+    </dgm:pt>
+    <dgm:pt modelId="{B86D78E5-569A-4725-902E-0E4680E487C1}" type="sibTrans" cxnId="{33DD7DC2-D3B4-41E1-A590-1A28240D7CF4}">
+      <dgm:prSet/>
+      <dgm:spPr/>
+      <dgm:t>
+        <a:bodyPr/>
+        <a:lstStyle/>
+        <a:p>
+          <a:endParaRPr lang="fr-FR"/>
+        </a:p>
+      </dgm:t>
+    </dgm:pt>
+    <dgm:pt modelId="{32FD0C95-7A46-435C-A12F-C4EFE6B2D780}">
+      <dgm:prSet phldrT="[Texte]" custT="1"/>
+      <dgm:spPr/>
+      <dgm:t>
+        <a:bodyPr/>
+        <a:lstStyle/>
+        <a:p>
+          <a:r>
+            <a:rPr lang="fr-FR" sz="2500" dirty="0"/>
+            <a:t>Régression logistique </a:t>
+          </a:r>
+        </a:p>
+      </dgm:t>
+    </dgm:pt>
+    <dgm:pt modelId="{D0E7D4E6-EDEE-4814-9655-6431FD790E00}" type="parTrans" cxnId="{6DFC75C4-F598-4DFD-AE3A-B30467B23227}">
+      <dgm:prSet/>
+      <dgm:spPr/>
+      <dgm:t>
+        <a:bodyPr/>
+        <a:lstStyle/>
+        <a:p>
+          <a:endParaRPr lang="fr-FR"/>
+        </a:p>
+      </dgm:t>
+    </dgm:pt>
+    <dgm:pt modelId="{B4C3A743-35A9-4874-8E7A-FB674D3A77AE}" type="sibTrans" cxnId="{6DFC75C4-F598-4DFD-AE3A-B30467B23227}">
+      <dgm:prSet/>
+      <dgm:spPr/>
+      <dgm:t>
+        <a:bodyPr/>
+        <a:lstStyle/>
+        <a:p>
+          <a:endParaRPr lang="fr-FR"/>
+        </a:p>
+      </dgm:t>
+    </dgm:pt>
+    <dgm:pt modelId="{B86D61C2-DAA0-4C5D-B6CA-7D470A9915C8}">
+      <dgm:prSet phldrT="[Texte]" custT="1"/>
+      <dgm:spPr/>
+      <dgm:t>
+        <a:bodyPr/>
+        <a:lstStyle/>
+        <a:p>
+          <a:r>
+            <a:rPr lang="fr-FR" sz="2500" dirty="0" err="1"/>
+            <a:t>Random</a:t>
+          </a:r>
+          <a:r>
+            <a:rPr lang="fr-FR" sz="2500" dirty="0"/>
+            <a:t> Forest</a:t>
+          </a:r>
+        </a:p>
+      </dgm:t>
+    </dgm:pt>
+    <dgm:pt modelId="{1EBAD1A6-5809-4204-8235-4BEEB485AA68}" type="parTrans" cxnId="{4C41A83F-A335-4684-85F2-E87A7788DAE6}">
+      <dgm:prSet/>
+      <dgm:spPr/>
+      <dgm:t>
+        <a:bodyPr/>
+        <a:lstStyle/>
+        <a:p>
+          <a:endParaRPr lang="fr-FR"/>
+        </a:p>
+      </dgm:t>
+    </dgm:pt>
+    <dgm:pt modelId="{26EAAE65-4471-4C6C-9119-A01C74F53F85}" type="sibTrans" cxnId="{4C41A83F-A335-4684-85F2-E87A7788DAE6}">
+      <dgm:prSet/>
+      <dgm:spPr/>
+      <dgm:t>
+        <a:bodyPr/>
+        <a:lstStyle/>
+        <a:p>
+          <a:endParaRPr lang="fr-FR"/>
+        </a:p>
+      </dgm:t>
+    </dgm:pt>
+    <dgm:pt modelId="{084FB9E4-5E29-4EA6-AF24-EC4DCDB80B3A}" type="pres">
+      <dgm:prSet presAssocID="{A8215F9B-30BB-4DAF-B200-D7C75680EBAB}" presName="diagram" presStyleCnt="0">
+        <dgm:presLayoutVars>
+          <dgm:chPref val="1"/>
+          <dgm:dir/>
+          <dgm:animOne val="branch"/>
+          <dgm:animLvl val="lvl"/>
+          <dgm:resizeHandles val="exact"/>
+        </dgm:presLayoutVars>
+      </dgm:prSet>
+      <dgm:spPr/>
+    </dgm:pt>
+    <dgm:pt modelId="{11950057-3E5B-41B9-A78C-257A6FAC02A3}" type="pres">
+      <dgm:prSet presAssocID="{288889C3-520C-4D8C-BC7A-A6CF594DC799}" presName="root1" presStyleCnt="0"/>
+      <dgm:spPr/>
+    </dgm:pt>
+    <dgm:pt modelId="{C984D80B-A970-442F-ADD3-2B9E2523CBF6}" type="pres">
+      <dgm:prSet presAssocID="{288889C3-520C-4D8C-BC7A-A6CF594DC799}" presName="LevelOneTextNode" presStyleLbl="node0" presStyleIdx="0" presStyleCnt="1" custScaleX="138656" custScaleY="107735" custLinFactNeighborY="-3416">
+        <dgm:presLayoutVars>
+          <dgm:chPref val="3"/>
+        </dgm:presLayoutVars>
+      </dgm:prSet>
+      <dgm:spPr/>
+    </dgm:pt>
+    <dgm:pt modelId="{A667C28F-67EE-4460-B796-E2F77AF7A6A4}" type="pres">
+      <dgm:prSet presAssocID="{288889C3-520C-4D8C-BC7A-A6CF594DC799}" presName="level2hierChild" presStyleCnt="0"/>
+      <dgm:spPr/>
+    </dgm:pt>
+    <dgm:pt modelId="{8074143A-7D59-4EE6-9F41-199AD0AB7CB7}" type="pres">
+      <dgm:prSet presAssocID="{D0E7D4E6-EDEE-4814-9655-6431FD790E00}" presName="conn2-1" presStyleLbl="parChTrans1D2" presStyleIdx="0" presStyleCnt="2"/>
+      <dgm:spPr/>
+    </dgm:pt>
+    <dgm:pt modelId="{D539DBAA-0E11-4536-8084-72DCC3FF8F59}" type="pres">
+      <dgm:prSet presAssocID="{D0E7D4E6-EDEE-4814-9655-6431FD790E00}" presName="connTx" presStyleLbl="parChTrans1D2" presStyleIdx="0" presStyleCnt="2"/>
+      <dgm:spPr/>
+    </dgm:pt>
+    <dgm:pt modelId="{FE953CDA-EA35-4D8C-8C0B-4420E8FD8871}" type="pres">
+      <dgm:prSet presAssocID="{32FD0C95-7A46-435C-A12F-C4EFE6B2D780}" presName="root2" presStyleCnt="0"/>
+      <dgm:spPr/>
+    </dgm:pt>
+    <dgm:pt modelId="{C23F3C27-11A8-48EC-B9C2-FC049999C2FA}" type="pres">
+      <dgm:prSet presAssocID="{32FD0C95-7A46-435C-A12F-C4EFE6B2D780}" presName="LevelTwoTextNode" presStyleLbl="node2" presStyleIdx="0" presStyleCnt="2" custScaleY="80367">
+        <dgm:presLayoutVars>
+          <dgm:chPref val="3"/>
+        </dgm:presLayoutVars>
+      </dgm:prSet>
+      <dgm:spPr/>
+    </dgm:pt>
+    <dgm:pt modelId="{AE2DBE6B-E176-4CD5-ACBD-DA89B631527C}" type="pres">
+      <dgm:prSet presAssocID="{32FD0C95-7A46-435C-A12F-C4EFE6B2D780}" presName="level3hierChild" presStyleCnt="0"/>
+      <dgm:spPr/>
+    </dgm:pt>
+    <dgm:pt modelId="{A6CD3936-4D93-46D5-A696-5DCA91061EA5}" type="pres">
+      <dgm:prSet presAssocID="{1EBAD1A6-5809-4204-8235-4BEEB485AA68}" presName="conn2-1" presStyleLbl="parChTrans1D2" presStyleIdx="1" presStyleCnt="2"/>
+      <dgm:spPr/>
+    </dgm:pt>
+    <dgm:pt modelId="{07CA5390-F8B2-436E-B9C5-283522F9CB58}" type="pres">
+      <dgm:prSet presAssocID="{1EBAD1A6-5809-4204-8235-4BEEB485AA68}" presName="connTx" presStyleLbl="parChTrans1D2" presStyleIdx="1" presStyleCnt="2"/>
+      <dgm:spPr/>
+    </dgm:pt>
+    <dgm:pt modelId="{E116056B-39FF-4C75-914D-D4CDEFF07B1B}" type="pres">
+      <dgm:prSet presAssocID="{B86D61C2-DAA0-4C5D-B6CA-7D470A9915C8}" presName="root2" presStyleCnt="0"/>
+      <dgm:spPr/>
+    </dgm:pt>
+    <dgm:pt modelId="{08E939DE-39BC-4F89-B005-E316B8ACCB6D}" type="pres">
+      <dgm:prSet presAssocID="{B86D61C2-DAA0-4C5D-B6CA-7D470A9915C8}" presName="LevelTwoTextNode" presStyleLbl="node2" presStyleIdx="1" presStyleCnt="2" custScaleY="81057">
+        <dgm:presLayoutVars>
+          <dgm:chPref val="3"/>
+        </dgm:presLayoutVars>
+      </dgm:prSet>
+      <dgm:spPr/>
+    </dgm:pt>
+    <dgm:pt modelId="{B78AE9E7-BCD5-463A-8376-226B33A975C8}" type="pres">
+      <dgm:prSet presAssocID="{B86D61C2-DAA0-4C5D-B6CA-7D470A9915C8}" presName="level3hierChild" presStyleCnt="0"/>
+      <dgm:spPr/>
+    </dgm:pt>
+  </dgm:ptLst>
+  <dgm:cxnLst>
+    <dgm:cxn modelId="{4C41A83F-A335-4684-85F2-E87A7788DAE6}" srcId="{288889C3-520C-4D8C-BC7A-A6CF594DC799}" destId="{B86D61C2-DAA0-4C5D-B6CA-7D470A9915C8}" srcOrd="1" destOrd="0" parTransId="{1EBAD1A6-5809-4204-8235-4BEEB485AA68}" sibTransId="{26EAAE65-4471-4C6C-9119-A01C74F53F85}"/>
+    <dgm:cxn modelId="{F8C47B6F-3675-4819-B364-01D0859A8890}" type="presOf" srcId="{32FD0C95-7A46-435C-A12F-C4EFE6B2D780}" destId="{C23F3C27-11A8-48EC-B9C2-FC049999C2FA}" srcOrd="0" destOrd="0" presId="urn:microsoft.com/office/officeart/2005/8/layout/hierarchy2"/>
+    <dgm:cxn modelId="{354E1A70-6F80-4AB1-9386-7E8C7A03779D}" type="presOf" srcId="{D0E7D4E6-EDEE-4814-9655-6431FD790E00}" destId="{8074143A-7D59-4EE6-9F41-199AD0AB7CB7}" srcOrd="0" destOrd="0" presId="urn:microsoft.com/office/officeart/2005/8/layout/hierarchy2"/>
+    <dgm:cxn modelId="{F8923B7E-684E-45C3-A33C-75FD5F3F4B93}" type="presOf" srcId="{288889C3-520C-4D8C-BC7A-A6CF594DC799}" destId="{C984D80B-A970-442F-ADD3-2B9E2523CBF6}" srcOrd="0" destOrd="0" presId="urn:microsoft.com/office/officeart/2005/8/layout/hierarchy2"/>
+    <dgm:cxn modelId="{D36142B3-585E-4B3B-99B7-394C37D9C0F6}" type="presOf" srcId="{1EBAD1A6-5809-4204-8235-4BEEB485AA68}" destId="{07CA5390-F8B2-436E-B9C5-283522F9CB58}" srcOrd="1" destOrd="0" presId="urn:microsoft.com/office/officeart/2005/8/layout/hierarchy2"/>
+    <dgm:cxn modelId="{33DD7DC2-D3B4-41E1-A590-1A28240D7CF4}" srcId="{A8215F9B-30BB-4DAF-B200-D7C75680EBAB}" destId="{288889C3-520C-4D8C-BC7A-A6CF594DC799}" srcOrd="0" destOrd="0" parTransId="{197A44DC-DA28-41E7-9947-513E069D4393}" sibTransId="{B86D78E5-569A-4725-902E-0E4680E487C1}"/>
+    <dgm:cxn modelId="{6DFC75C4-F598-4DFD-AE3A-B30467B23227}" srcId="{288889C3-520C-4D8C-BC7A-A6CF594DC799}" destId="{32FD0C95-7A46-435C-A12F-C4EFE6B2D780}" srcOrd="0" destOrd="0" parTransId="{D0E7D4E6-EDEE-4814-9655-6431FD790E00}" sibTransId="{B4C3A743-35A9-4874-8E7A-FB674D3A77AE}"/>
+    <dgm:cxn modelId="{7A3E3ACC-9788-4223-B43E-EC87B47C1D4B}" type="presOf" srcId="{A8215F9B-30BB-4DAF-B200-D7C75680EBAB}" destId="{084FB9E4-5E29-4EA6-AF24-EC4DCDB80B3A}" srcOrd="0" destOrd="0" presId="urn:microsoft.com/office/officeart/2005/8/layout/hierarchy2"/>
+    <dgm:cxn modelId="{C1A320CE-1F23-411E-A64F-6072FD4D262D}" type="presOf" srcId="{B86D61C2-DAA0-4C5D-B6CA-7D470A9915C8}" destId="{08E939DE-39BC-4F89-B005-E316B8ACCB6D}" srcOrd="0" destOrd="0" presId="urn:microsoft.com/office/officeart/2005/8/layout/hierarchy2"/>
+    <dgm:cxn modelId="{748F62DC-F4E7-439A-88A4-2E3D49E0DC16}" type="presOf" srcId="{D0E7D4E6-EDEE-4814-9655-6431FD790E00}" destId="{D539DBAA-0E11-4536-8084-72DCC3FF8F59}" srcOrd="1" destOrd="0" presId="urn:microsoft.com/office/officeart/2005/8/layout/hierarchy2"/>
+    <dgm:cxn modelId="{9FA706F7-1CED-4421-B7C8-00CC04DCBF2C}" type="presOf" srcId="{1EBAD1A6-5809-4204-8235-4BEEB485AA68}" destId="{A6CD3936-4D93-46D5-A696-5DCA91061EA5}" srcOrd="0" destOrd="0" presId="urn:microsoft.com/office/officeart/2005/8/layout/hierarchy2"/>
+    <dgm:cxn modelId="{28DBAE5C-5498-42D4-AF1F-EF09A618FE55}" type="presParOf" srcId="{084FB9E4-5E29-4EA6-AF24-EC4DCDB80B3A}" destId="{11950057-3E5B-41B9-A78C-257A6FAC02A3}" srcOrd="0" destOrd="0" presId="urn:microsoft.com/office/officeart/2005/8/layout/hierarchy2"/>
+    <dgm:cxn modelId="{B69018E6-BB71-4D93-BBCF-DBFE122D4838}" type="presParOf" srcId="{11950057-3E5B-41B9-A78C-257A6FAC02A3}" destId="{C984D80B-A970-442F-ADD3-2B9E2523CBF6}" srcOrd="0" destOrd="0" presId="urn:microsoft.com/office/officeart/2005/8/layout/hierarchy2"/>
+    <dgm:cxn modelId="{2DC2D97F-373F-4502-B221-6D6303CB734E}" type="presParOf" srcId="{11950057-3E5B-41B9-A78C-257A6FAC02A3}" destId="{A667C28F-67EE-4460-B796-E2F77AF7A6A4}" srcOrd="1" destOrd="0" presId="urn:microsoft.com/office/officeart/2005/8/layout/hierarchy2"/>
+    <dgm:cxn modelId="{D7D2D169-998C-480D-87F9-18545AE65534}" type="presParOf" srcId="{A667C28F-67EE-4460-B796-E2F77AF7A6A4}" destId="{8074143A-7D59-4EE6-9F41-199AD0AB7CB7}" srcOrd="0" destOrd="0" presId="urn:microsoft.com/office/officeart/2005/8/layout/hierarchy2"/>
+    <dgm:cxn modelId="{A1DBE95A-702D-421C-9CEF-EA9B61DAF8B5}" type="presParOf" srcId="{8074143A-7D59-4EE6-9F41-199AD0AB7CB7}" destId="{D539DBAA-0E11-4536-8084-72DCC3FF8F59}" srcOrd="0" destOrd="0" presId="urn:microsoft.com/office/officeart/2005/8/layout/hierarchy2"/>
+    <dgm:cxn modelId="{2A80C6D6-5257-4DCE-B758-D70C2AC0B5AC}" type="presParOf" srcId="{A667C28F-67EE-4460-B796-E2F77AF7A6A4}" destId="{FE953CDA-EA35-4D8C-8C0B-4420E8FD8871}" srcOrd="1" destOrd="0" presId="urn:microsoft.com/office/officeart/2005/8/layout/hierarchy2"/>
+    <dgm:cxn modelId="{867A4033-F142-4552-A74C-C1B2CE5248CA}" type="presParOf" srcId="{FE953CDA-EA35-4D8C-8C0B-4420E8FD8871}" destId="{C23F3C27-11A8-48EC-B9C2-FC049999C2FA}" srcOrd="0" destOrd="0" presId="urn:microsoft.com/office/officeart/2005/8/layout/hierarchy2"/>
+    <dgm:cxn modelId="{36F4F675-573C-4D59-936F-0A50A87F1BBA}" type="presParOf" srcId="{FE953CDA-EA35-4D8C-8C0B-4420E8FD8871}" destId="{AE2DBE6B-E176-4CD5-ACBD-DA89B631527C}" srcOrd="1" destOrd="0" presId="urn:microsoft.com/office/officeart/2005/8/layout/hierarchy2"/>
+    <dgm:cxn modelId="{3B9F2E35-9E41-4172-B5F8-864422413F6E}" type="presParOf" srcId="{A667C28F-67EE-4460-B796-E2F77AF7A6A4}" destId="{A6CD3936-4D93-46D5-A696-5DCA91061EA5}" srcOrd="2" destOrd="0" presId="urn:microsoft.com/office/officeart/2005/8/layout/hierarchy2"/>
+    <dgm:cxn modelId="{5CFDEF44-AF7B-473A-AF34-C10E8730E1DF}" type="presParOf" srcId="{A6CD3936-4D93-46D5-A696-5DCA91061EA5}" destId="{07CA5390-F8B2-436E-B9C5-283522F9CB58}" srcOrd="0" destOrd="0" presId="urn:microsoft.com/office/officeart/2005/8/layout/hierarchy2"/>
+    <dgm:cxn modelId="{85DCE90C-975E-40EE-8B8D-E9CA40E97BDD}" type="presParOf" srcId="{A667C28F-67EE-4460-B796-E2F77AF7A6A4}" destId="{E116056B-39FF-4C75-914D-D4CDEFF07B1B}" srcOrd="3" destOrd="0" presId="urn:microsoft.com/office/officeart/2005/8/layout/hierarchy2"/>
+    <dgm:cxn modelId="{1C61FD96-504B-4B3C-B9E5-98C0F00B8AEC}" type="presParOf" srcId="{E116056B-39FF-4C75-914D-D4CDEFF07B1B}" destId="{08E939DE-39BC-4F89-B005-E316B8ACCB6D}" srcOrd="0" destOrd="0" presId="urn:microsoft.com/office/officeart/2005/8/layout/hierarchy2"/>
+    <dgm:cxn modelId="{4D51EE42-40F9-442B-B6BF-BB0EA5D2F1C6}" type="presParOf" srcId="{E116056B-39FF-4C75-914D-D4CDEFF07B1B}" destId="{B78AE9E7-BCD5-463A-8376-226B33A975C8}" srcOrd="1" destOrd="0" presId="urn:microsoft.com/office/officeart/2005/8/layout/hierarchy2"/>
+  </dgm:cxnLst>
+  <dgm:bg/>
+  <dgm:whole/>
+  <dgm:extLst>
+    <a:ext uri="http://schemas.microsoft.com/office/drawing/2008/diagram">
+      <dsp:dataModelExt xmlns:dsp="http://schemas.microsoft.com/office/drawing/2008/diagram" relId="rId7" minVer="http://schemas.openxmlformats.org/drawingml/2006/diagram"/>
+    </a:ext>
+  </dgm:extLst>
+</dgm:dataModel>
+</file>
+
+<file path=ppt/diagrams/data6.xml><?xml version="1.0" encoding="utf-8"?>
+<dgm:dataModel xmlns:dgm="http://schemas.openxmlformats.org/drawingml/2006/diagram" xmlns:a="http://schemas.openxmlformats.org/drawingml/2006/main">
+  <dgm:ptLst>
+    <dgm:pt modelId="{3CFCEC0B-FA23-490E-A054-A3EACCEC5DD0}" type="doc">
+      <dgm:prSet loTypeId="urn:microsoft.com/office/officeart/2005/8/layout/default" loCatId="list" qsTypeId="urn:microsoft.com/office/officeart/2005/8/quickstyle/simple1" qsCatId="simple" csTypeId="urn:microsoft.com/office/officeart/2005/8/colors/accent1_2" csCatId="accent1" phldr="1"/>
+      <dgm:spPr/>
+      <dgm:t>
+        <a:bodyPr/>
+        <a:lstStyle/>
+        <a:p>
+          <a:endParaRPr lang="fr-FR"/>
+        </a:p>
+      </dgm:t>
+    </dgm:pt>
+    <dgm:pt modelId="{1AE7AF3C-0581-4043-8F4C-0E187DB78F08}">
+      <dgm:prSet phldrT="[Texte]"/>
+      <dgm:spPr/>
+      <dgm:t>
+        <a:bodyPr/>
+        <a:lstStyle/>
+        <a:p>
+          <a:r>
+            <a:rPr lang="fr-FR" dirty="0"/>
+            <a:t>TF-IDF</a:t>
+          </a:r>
+        </a:p>
+      </dgm:t>
+    </dgm:pt>
+    <dgm:pt modelId="{9E7B9740-2172-4F4E-B64F-845E9EED0C85}" type="parTrans" cxnId="{68B39E11-C7F0-429F-AA5D-9FF57035E5FE}">
+      <dgm:prSet/>
+      <dgm:spPr/>
+      <dgm:t>
+        <a:bodyPr/>
+        <a:lstStyle/>
+        <a:p>
+          <a:endParaRPr lang="fr-FR"/>
+        </a:p>
+      </dgm:t>
+    </dgm:pt>
+    <dgm:pt modelId="{F859FCD2-7BDF-423F-AE86-E6B84365BF7E}" type="sibTrans" cxnId="{68B39E11-C7F0-429F-AA5D-9FF57035E5FE}">
+      <dgm:prSet/>
+      <dgm:spPr/>
+      <dgm:t>
+        <a:bodyPr/>
+        <a:lstStyle/>
+        <a:p>
+          <a:endParaRPr lang="fr-FR"/>
+        </a:p>
+      </dgm:t>
+    </dgm:pt>
+    <dgm:pt modelId="{B7EB0A1A-58DC-4EB9-A67A-C04486DD70E2}">
+      <dgm:prSet phldrT="[Texte]"/>
+      <dgm:spPr/>
+      <dgm:t>
+        <a:bodyPr/>
+        <a:lstStyle/>
+        <a:p>
+          <a:r>
+            <a:rPr lang="fr-FR" dirty="0"/>
+            <a:t>Word2Vec</a:t>
+          </a:r>
+        </a:p>
+      </dgm:t>
+    </dgm:pt>
+    <dgm:pt modelId="{65DAE385-BD2E-4853-B08E-A7AB714F99D1}" type="parTrans" cxnId="{52329C40-332E-461E-ABD1-933D8725F960}">
+      <dgm:prSet/>
+      <dgm:spPr/>
+      <dgm:t>
+        <a:bodyPr/>
+        <a:lstStyle/>
+        <a:p>
+          <a:endParaRPr lang="fr-FR"/>
+        </a:p>
+      </dgm:t>
+    </dgm:pt>
+    <dgm:pt modelId="{6DD08961-2745-4409-BF59-DD1CC3506A98}" type="sibTrans" cxnId="{52329C40-332E-461E-ABD1-933D8725F960}">
+      <dgm:prSet/>
+      <dgm:spPr/>
+      <dgm:t>
+        <a:bodyPr/>
+        <a:lstStyle/>
+        <a:p>
+          <a:endParaRPr lang="fr-FR"/>
+        </a:p>
+      </dgm:t>
+    </dgm:pt>
+    <dgm:pt modelId="{61F0ABED-8BCC-4D36-ADC8-150AD769D9F0}">
+      <dgm:prSet phldrT="[Texte]"/>
+      <dgm:spPr/>
+      <dgm:t>
+        <a:bodyPr/>
+        <a:lstStyle/>
+        <a:p>
+          <a:r>
+            <a:rPr lang="fr-FR" dirty="0"/>
+            <a:t>BERT</a:t>
+          </a:r>
+        </a:p>
+      </dgm:t>
+    </dgm:pt>
+    <dgm:pt modelId="{600DE24F-2E23-4D6E-8AD0-AA12C920F15F}" type="parTrans" cxnId="{15F7C46B-CBE9-45B4-8F3A-B1250B96DA6C}">
+      <dgm:prSet/>
+      <dgm:spPr/>
+      <dgm:t>
+        <a:bodyPr/>
+        <a:lstStyle/>
+        <a:p>
+          <a:endParaRPr lang="fr-FR"/>
+        </a:p>
+      </dgm:t>
+    </dgm:pt>
+    <dgm:pt modelId="{F5EB9B5F-4C0E-41A1-96FF-94D435A17DFA}" type="sibTrans" cxnId="{15F7C46B-CBE9-45B4-8F3A-B1250B96DA6C}">
+      <dgm:prSet/>
+      <dgm:spPr/>
+      <dgm:t>
+        <a:bodyPr/>
+        <a:lstStyle/>
+        <a:p>
+          <a:endParaRPr lang="fr-FR"/>
+        </a:p>
+      </dgm:t>
+    </dgm:pt>
+    <dgm:pt modelId="{63A2FE8E-FE1F-4AF9-8F20-419A96CAAD4C}">
+      <dgm:prSet phldrT="[Texte]"/>
+      <dgm:spPr/>
+      <dgm:t>
+        <a:bodyPr/>
+        <a:lstStyle/>
+        <a:p>
+          <a:r>
+            <a:rPr lang="fr-FR" dirty="0"/>
+            <a:t>USE</a:t>
+          </a:r>
+        </a:p>
+      </dgm:t>
+    </dgm:pt>
+    <dgm:pt modelId="{C7949B9E-4C15-4381-AA63-A0B4AB6D7347}" type="parTrans" cxnId="{15265038-DCD0-46F7-93D3-8900C5829373}">
+      <dgm:prSet/>
+      <dgm:spPr/>
+      <dgm:t>
+        <a:bodyPr/>
+        <a:lstStyle/>
+        <a:p>
+          <a:endParaRPr lang="fr-FR"/>
+        </a:p>
+      </dgm:t>
+    </dgm:pt>
+    <dgm:pt modelId="{E6BDEE7E-6607-47D0-9080-BBC14E93C925}" type="sibTrans" cxnId="{15265038-DCD0-46F7-93D3-8900C5829373}">
+      <dgm:prSet/>
+      <dgm:spPr/>
+      <dgm:t>
+        <a:bodyPr/>
+        <a:lstStyle/>
+        <a:p>
+          <a:endParaRPr lang="fr-FR"/>
+        </a:p>
+      </dgm:t>
+    </dgm:pt>
+    <dgm:pt modelId="{A03F6BF0-BDB3-445F-8268-5B7CF37AC392}" type="pres">
+      <dgm:prSet presAssocID="{3CFCEC0B-FA23-490E-A054-A3EACCEC5DD0}" presName="diagram" presStyleCnt="0">
+        <dgm:presLayoutVars>
+          <dgm:dir/>
+          <dgm:resizeHandles val="exact"/>
+        </dgm:presLayoutVars>
+      </dgm:prSet>
+      <dgm:spPr/>
+    </dgm:pt>
+    <dgm:pt modelId="{3588C9B1-1AB5-4A6F-9A9D-C934BE5A3AFA}" type="pres">
+      <dgm:prSet presAssocID="{1AE7AF3C-0581-4043-8F4C-0E187DB78F08}" presName="node" presStyleLbl="node1" presStyleIdx="0" presStyleCnt="4">
+        <dgm:presLayoutVars>
+          <dgm:bulletEnabled val="1"/>
+        </dgm:presLayoutVars>
+      </dgm:prSet>
+      <dgm:spPr/>
+    </dgm:pt>
+    <dgm:pt modelId="{3504B756-E697-45D8-80B0-89F1A901BF24}" type="pres">
+      <dgm:prSet presAssocID="{F859FCD2-7BDF-423F-AE86-E6B84365BF7E}" presName="sibTrans" presStyleCnt="0"/>
+      <dgm:spPr/>
+    </dgm:pt>
+    <dgm:pt modelId="{88766FAF-CCCB-47A8-9EBB-F06D2A2A3EFF}" type="pres">
+      <dgm:prSet presAssocID="{B7EB0A1A-58DC-4EB9-A67A-C04486DD70E2}" presName="node" presStyleLbl="node1" presStyleIdx="1" presStyleCnt="4">
+        <dgm:presLayoutVars>
+          <dgm:bulletEnabled val="1"/>
+        </dgm:presLayoutVars>
+      </dgm:prSet>
+      <dgm:spPr/>
+    </dgm:pt>
+    <dgm:pt modelId="{1DEB72DB-C1EA-483D-B248-1C7AC2999AB4}" type="pres">
+      <dgm:prSet presAssocID="{6DD08961-2745-4409-BF59-DD1CC3506A98}" presName="sibTrans" presStyleCnt="0"/>
+      <dgm:spPr/>
+    </dgm:pt>
+    <dgm:pt modelId="{FCEDBCD9-E18E-4E7B-B635-221A3054F859}" type="pres">
+      <dgm:prSet presAssocID="{61F0ABED-8BCC-4D36-ADC8-150AD769D9F0}" presName="node" presStyleLbl="node1" presStyleIdx="2" presStyleCnt="4">
+        <dgm:presLayoutVars>
+          <dgm:bulletEnabled val="1"/>
+        </dgm:presLayoutVars>
+      </dgm:prSet>
+      <dgm:spPr/>
+    </dgm:pt>
+    <dgm:pt modelId="{8615FB82-E290-4BDA-A16E-DE14DE93A165}" type="pres">
+      <dgm:prSet presAssocID="{F5EB9B5F-4C0E-41A1-96FF-94D435A17DFA}" presName="sibTrans" presStyleCnt="0"/>
+      <dgm:spPr/>
+    </dgm:pt>
+    <dgm:pt modelId="{33874293-93DE-4607-AE33-C922FD12E583}" type="pres">
+      <dgm:prSet presAssocID="{63A2FE8E-FE1F-4AF9-8F20-419A96CAAD4C}" presName="node" presStyleLbl="node1" presStyleIdx="3" presStyleCnt="4">
+        <dgm:presLayoutVars>
+          <dgm:bulletEnabled val="1"/>
+        </dgm:presLayoutVars>
+      </dgm:prSet>
+      <dgm:spPr/>
+    </dgm:pt>
+  </dgm:ptLst>
+  <dgm:cxnLst>
+    <dgm:cxn modelId="{A452C000-B97A-400D-BDF3-9DA3045FC21F}" type="presOf" srcId="{B7EB0A1A-58DC-4EB9-A67A-C04486DD70E2}" destId="{88766FAF-CCCB-47A8-9EBB-F06D2A2A3EFF}" srcOrd="0" destOrd="0" presId="urn:microsoft.com/office/officeart/2005/8/layout/default"/>
+    <dgm:cxn modelId="{26ACE608-8B90-4B85-8E76-5DA484A5CC3A}" type="presOf" srcId="{1AE7AF3C-0581-4043-8F4C-0E187DB78F08}" destId="{3588C9B1-1AB5-4A6F-9A9D-C934BE5A3AFA}" srcOrd="0" destOrd="0" presId="urn:microsoft.com/office/officeart/2005/8/layout/default"/>
+    <dgm:cxn modelId="{514C5A0A-8199-4D9B-84AC-8D89A5FA5635}" type="presOf" srcId="{63A2FE8E-FE1F-4AF9-8F20-419A96CAAD4C}" destId="{33874293-93DE-4607-AE33-C922FD12E583}" srcOrd="0" destOrd="0" presId="urn:microsoft.com/office/officeart/2005/8/layout/default"/>
+    <dgm:cxn modelId="{68B39E11-C7F0-429F-AA5D-9FF57035E5FE}" srcId="{3CFCEC0B-FA23-490E-A054-A3EACCEC5DD0}" destId="{1AE7AF3C-0581-4043-8F4C-0E187DB78F08}" srcOrd="0" destOrd="0" parTransId="{9E7B9740-2172-4F4E-B64F-845E9EED0C85}" sibTransId="{F859FCD2-7BDF-423F-AE86-E6B84365BF7E}"/>
+    <dgm:cxn modelId="{00686C1D-E043-44AD-B9E5-350D20B0034D}" type="presOf" srcId="{61F0ABED-8BCC-4D36-ADC8-150AD769D9F0}" destId="{FCEDBCD9-E18E-4E7B-B635-221A3054F859}" srcOrd="0" destOrd="0" presId="urn:microsoft.com/office/officeart/2005/8/layout/default"/>
+    <dgm:cxn modelId="{15265038-DCD0-46F7-93D3-8900C5829373}" srcId="{3CFCEC0B-FA23-490E-A054-A3EACCEC5DD0}" destId="{63A2FE8E-FE1F-4AF9-8F20-419A96CAAD4C}" srcOrd="3" destOrd="0" parTransId="{C7949B9E-4C15-4381-AA63-A0B4AB6D7347}" sibTransId="{E6BDEE7E-6607-47D0-9080-BBC14E93C925}"/>
+    <dgm:cxn modelId="{52329C40-332E-461E-ABD1-933D8725F960}" srcId="{3CFCEC0B-FA23-490E-A054-A3EACCEC5DD0}" destId="{B7EB0A1A-58DC-4EB9-A67A-C04486DD70E2}" srcOrd="1" destOrd="0" parTransId="{65DAE385-BD2E-4853-B08E-A7AB714F99D1}" sibTransId="{6DD08961-2745-4409-BF59-DD1CC3506A98}"/>
+    <dgm:cxn modelId="{15F7C46B-CBE9-45B4-8F3A-B1250B96DA6C}" srcId="{3CFCEC0B-FA23-490E-A054-A3EACCEC5DD0}" destId="{61F0ABED-8BCC-4D36-ADC8-150AD769D9F0}" srcOrd="2" destOrd="0" parTransId="{600DE24F-2E23-4D6E-8AD0-AA12C920F15F}" sibTransId="{F5EB9B5F-4C0E-41A1-96FF-94D435A17DFA}"/>
+    <dgm:cxn modelId="{68026AB2-2675-47FC-BBB0-7FBCEE6B2DD6}" type="presOf" srcId="{3CFCEC0B-FA23-490E-A054-A3EACCEC5DD0}" destId="{A03F6BF0-BDB3-445F-8268-5B7CF37AC392}" srcOrd="0" destOrd="0" presId="urn:microsoft.com/office/officeart/2005/8/layout/default"/>
+    <dgm:cxn modelId="{9DDA98CC-D271-4D8F-BB12-8AD0D5FC070E}" type="presParOf" srcId="{A03F6BF0-BDB3-445F-8268-5B7CF37AC392}" destId="{3588C9B1-1AB5-4A6F-9A9D-C934BE5A3AFA}" srcOrd="0" destOrd="0" presId="urn:microsoft.com/office/officeart/2005/8/layout/default"/>
+    <dgm:cxn modelId="{C94D7D42-95E0-4EFD-BED8-E56FA4413586}" type="presParOf" srcId="{A03F6BF0-BDB3-445F-8268-5B7CF37AC392}" destId="{3504B756-E697-45D8-80B0-89F1A901BF24}" srcOrd="1" destOrd="0" presId="urn:microsoft.com/office/officeart/2005/8/layout/default"/>
+    <dgm:cxn modelId="{9F1704CA-7DA8-46F2-A757-DCEDAAD9D069}" type="presParOf" srcId="{A03F6BF0-BDB3-445F-8268-5B7CF37AC392}" destId="{88766FAF-CCCB-47A8-9EBB-F06D2A2A3EFF}" srcOrd="2" destOrd="0" presId="urn:microsoft.com/office/officeart/2005/8/layout/default"/>
+    <dgm:cxn modelId="{6454EF52-26EA-4995-9735-6129E9C22781}" type="presParOf" srcId="{A03F6BF0-BDB3-445F-8268-5B7CF37AC392}" destId="{1DEB72DB-C1EA-483D-B248-1C7AC2999AB4}" srcOrd="3" destOrd="0" presId="urn:microsoft.com/office/officeart/2005/8/layout/default"/>
+    <dgm:cxn modelId="{E3D032B3-737E-4F86-9FB3-75CFAF8E00BC}" type="presParOf" srcId="{A03F6BF0-BDB3-445F-8268-5B7CF37AC392}" destId="{FCEDBCD9-E18E-4E7B-B635-221A3054F859}" srcOrd="4" destOrd="0" presId="urn:microsoft.com/office/officeart/2005/8/layout/default"/>
+    <dgm:cxn modelId="{4375E35C-28E9-4363-9FC5-EC5EB0EDA90A}" type="presParOf" srcId="{A03F6BF0-BDB3-445F-8268-5B7CF37AC392}" destId="{8615FB82-E290-4BDA-A16E-DE14DE93A165}" srcOrd="5" destOrd="0" presId="urn:microsoft.com/office/officeart/2005/8/layout/default"/>
+    <dgm:cxn modelId="{BF99BD80-2FBB-46DB-869D-E2C903B82D16}" type="presParOf" srcId="{A03F6BF0-BDB3-445F-8268-5B7CF37AC392}" destId="{33874293-93DE-4607-AE33-C922FD12E583}" srcOrd="6" destOrd="0" presId="urn:microsoft.com/office/officeart/2005/8/layout/default"/>
+  </dgm:cxnLst>
+  <dgm:bg/>
+  <dgm:whole/>
+  <dgm:extLst>
+    <a:ext uri="http://schemas.microsoft.com/office/drawing/2008/diagram">
+      <dsp:dataModelExt xmlns:dsp="http://schemas.microsoft.com/office/drawing/2008/diagram" relId="rId12" minVer="http://schemas.openxmlformats.org/drawingml/2006/diagram"/>
+    </a:ext>
+  </dgm:extLst>
+</dgm:dataModel>
+</file>
+
+<file path=ppt/diagrams/data7.xml><?xml version="1.0" encoding="utf-8"?>
+<dgm:dataModel xmlns:dgm="http://schemas.openxmlformats.org/drawingml/2006/diagram" xmlns:a="http://schemas.openxmlformats.org/drawingml/2006/main">
+  <dgm:ptLst>
+    <dgm:pt modelId="{578ECD05-9877-4B5D-9C98-1F699861986E}" type="doc">
+      <dgm:prSet loTypeId="urn:microsoft.com/office/officeart/2005/8/layout/default" loCatId="list" qsTypeId="urn:microsoft.com/office/officeart/2005/8/quickstyle/simple1" qsCatId="simple" csTypeId="urn:microsoft.com/office/officeart/2005/8/colors/accent1_2" csCatId="accent1" phldr="1"/>
+      <dgm:spPr/>
+      <dgm:t>
+        <a:bodyPr/>
+        <a:lstStyle/>
+        <a:p>
+          <a:endParaRPr lang="fr-FR"/>
+        </a:p>
+      </dgm:t>
+    </dgm:pt>
+    <dgm:pt modelId="{165330A7-B8EB-40B8-BE2D-DF7844D939E9}">
+      <dgm:prSet phldrT="[Texte]" custT="1"/>
+      <dgm:spPr/>
+      <dgm:t>
+        <a:bodyPr/>
+        <a:lstStyle/>
+        <a:p>
+          <a:pPr>
+            <a:buFont typeface="Arial" panose="020B0604020202020204" pitchFamily="34" charset="0"/>
+            <a:buChar char="•"/>
+          </a:pPr>
+          <a:r>
+            <a:rPr lang="fr-FR" sz="2500" b="0" i="0" dirty="0" err="1"/>
+            <a:t>FastAPI</a:t>
+          </a:r>
+          <a:endParaRPr lang="fr-FR" sz="2500" b="0" i="0" dirty="0"/>
+        </a:p>
+      </dgm:t>
+    </dgm:pt>
+    <dgm:pt modelId="{931939CB-398A-4B8B-BA02-4F674FA709D7}" type="parTrans" cxnId="{A1D911D2-AE24-47B6-94C4-E9465D23FE0F}">
+      <dgm:prSet/>
+      <dgm:spPr/>
+      <dgm:t>
+        <a:bodyPr/>
+        <a:lstStyle/>
+        <a:p>
+          <a:endParaRPr lang="fr-FR"/>
+        </a:p>
+      </dgm:t>
+    </dgm:pt>
+    <dgm:pt modelId="{A7FEDCFD-856E-45CC-A2D5-A96F8A5F31FC}" type="sibTrans" cxnId="{A1D911D2-AE24-47B6-94C4-E9465D23FE0F}">
+      <dgm:prSet/>
+      <dgm:spPr/>
+      <dgm:t>
+        <a:bodyPr/>
+        <a:lstStyle/>
+        <a:p>
+          <a:endParaRPr lang="fr-FR"/>
+        </a:p>
+      </dgm:t>
+    </dgm:pt>
+    <dgm:pt modelId="{4F4C6B27-C607-4A34-8E7B-8CDC98EC6F5F}">
+      <dgm:prSet phldrT="[Texte]" custT="1"/>
+      <dgm:spPr/>
+      <dgm:t>
+        <a:bodyPr/>
+        <a:lstStyle/>
+        <a:p>
+          <a:pPr>
+            <a:buFont typeface="Arial" panose="020B0604020202020204" pitchFamily="34" charset="0"/>
+            <a:buChar char="•"/>
+          </a:pPr>
+          <a:r>
+            <a:rPr lang="fr-FR" sz="2500" b="0" i="0" dirty="0" err="1"/>
+            <a:t>Uvicorn</a:t>
+          </a:r>
+          <a:endParaRPr lang="fr-FR" sz="2500" b="0" i="0" dirty="0"/>
+        </a:p>
+      </dgm:t>
+    </dgm:pt>
+    <dgm:pt modelId="{F5EF7B84-003F-4C15-89D6-5AFE57B9EF3A}" type="parTrans" cxnId="{A8025EA1-E386-4091-BE32-BB947D06D9B1}">
+      <dgm:prSet/>
+      <dgm:spPr/>
+      <dgm:t>
+        <a:bodyPr/>
+        <a:lstStyle/>
+        <a:p>
+          <a:endParaRPr lang="fr-FR"/>
+        </a:p>
+      </dgm:t>
+    </dgm:pt>
+    <dgm:pt modelId="{4086DB28-5554-4D16-AA15-433C6A6AEC3E}" type="sibTrans" cxnId="{A8025EA1-E386-4091-BE32-BB947D06D9B1}">
+      <dgm:prSet/>
+      <dgm:spPr/>
+      <dgm:t>
+        <a:bodyPr/>
+        <a:lstStyle/>
+        <a:p>
+          <a:endParaRPr lang="fr-FR"/>
+        </a:p>
+      </dgm:t>
+    </dgm:pt>
+    <dgm:pt modelId="{44DA024A-4823-4D3F-B1FA-26A4C5436516}">
+      <dgm:prSet phldrT="[Texte]" custT="1"/>
+      <dgm:spPr/>
+      <dgm:t>
+        <a:bodyPr/>
+        <a:lstStyle/>
+        <a:p>
+          <a:pPr>
+            <a:buFont typeface="Arial" panose="020B0604020202020204" pitchFamily="34" charset="0"/>
+            <a:buChar char="•"/>
+          </a:pPr>
+          <a:r>
+            <a:rPr lang="fr-FR" sz="2500" b="0" i="0" dirty="0" err="1"/>
+            <a:t>Heroku</a:t>
+          </a:r>
+          <a:endParaRPr lang="fr-FR" sz="2500" dirty="0"/>
+        </a:p>
+      </dgm:t>
+    </dgm:pt>
+    <dgm:pt modelId="{21AF22A3-223B-46C0-BA4D-85F6D0E3495B}" type="parTrans" cxnId="{9261444D-3586-46B0-A023-E8953E67B9DE}">
+      <dgm:prSet/>
+      <dgm:spPr/>
+      <dgm:t>
+        <a:bodyPr/>
+        <a:lstStyle/>
+        <a:p>
+          <a:endParaRPr lang="fr-FR"/>
+        </a:p>
+      </dgm:t>
+    </dgm:pt>
+    <dgm:pt modelId="{D882870C-73DA-47A7-B0B7-B9775790FF53}" type="sibTrans" cxnId="{9261444D-3586-46B0-A023-E8953E67B9DE}">
+      <dgm:prSet/>
+      <dgm:spPr/>
+      <dgm:t>
+        <a:bodyPr/>
+        <a:lstStyle/>
+        <a:p>
+          <a:endParaRPr lang="fr-FR"/>
+        </a:p>
+      </dgm:t>
+    </dgm:pt>
+    <dgm:pt modelId="{E96E063E-AC4A-4C4B-906C-357AC6984360}" type="pres">
+      <dgm:prSet presAssocID="{578ECD05-9877-4B5D-9C98-1F699861986E}" presName="diagram" presStyleCnt="0">
+        <dgm:presLayoutVars>
+          <dgm:dir/>
+          <dgm:resizeHandles val="exact"/>
+        </dgm:presLayoutVars>
+      </dgm:prSet>
+      <dgm:spPr/>
+    </dgm:pt>
+    <dgm:pt modelId="{857FFB08-3E9B-46E3-BEC9-9FA215B9B138}" type="pres">
+      <dgm:prSet presAssocID="{165330A7-B8EB-40B8-BE2D-DF7844D939E9}" presName="node" presStyleLbl="node1" presStyleIdx="0" presStyleCnt="3">
+        <dgm:presLayoutVars>
+          <dgm:bulletEnabled val="1"/>
+        </dgm:presLayoutVars>
+      </dgm:prSet>
+      <dgm:spPr/>
+    </dgm:pt>
+    <dgm:pt modelId="{C3C874DE-C991-4396-B60A-FB677CA471D8}" type="pres">
+      <dgm:prSet presAssocID="{A7FEDCFD-856E-45CC-A2D5-A96F8A5F31FC}" presName="sibTrans" presStyleCnt="0"/>
+      <dgm:spPr/>
+    </dgm:pt>
+    <dgm:pt modelId="{F6BA4303-ECC7-4399-B249-8A8A03CD7A95}" type="pres">
+      <dgm:prSet presAssocID="{4F4C6B27-C607-4A34-8E7B-8CDC98EC6F5F}" presName="node" presStyleLbl="node1" presStyleIdx="1" presStyleCnt="3">
+        <dgm:presLayoutVars>
+          <dgm:bulletEnabled val="1"/>
+        </dgm:presLayoutVars>
+      </dgm:prSet>
+      <dgm:spPr/>
+    </dgm:pt>
+    <dgm:pt modelId="{3DF2D340-6B3A-444F-81D3-84171888E20D}" type="pres">
+      <dgm:prSet presAssocID="{4086DB28-5554-4D16-AA15-433C6A6AEC3E}" presName="sibTrans" presStyleCnt="0"/>
+      <dgm:spPr/>
+    </dgm:pt>
+    <dgm:pt modelId="{BE1FB37C-E031-44F1-AB38-791AD4A8E76F}" type="pres">
+      <dgm:prSet presAssocID="{44DA024A-4823-4D3F-B1FA-26A4C5436516}" presName="node" presStyleLbl="node1" presStyleIdx="2" presStyleCnt="3" custLinFactNeighborX="667" custLinFactNeighborY="-3557">
+        <dgm:presLayoutVars>
+          <dgm:bulletEnabled val="1"/>
+        </dgm:presLayoutVars>
+      </dgm:prSet>
+      <dgm:spPr/>
+    </dgm:pt>
+  </dgm:ptLst>
+  <dgm:cxnLst>
+    <dgm:cxn modelId="{03423424-A6E9-45F6-9C7B-F0894DDD537F}" type="presOf" srcId="{44DA024A-4823-4D3F-B1FA-26A4C5436516}" destId="{BE1FB37C-E031-44F1-AB38-791AD4A8E76F}" srcOrd="0" destOrd="0" presId="urn:microsoft.com/office/officeart/2005/8/layout/default"/>
+    <dgm:cxn modelId="{39AF2E2E-2800-4ECE-B178-32BBF838F1B5}" type="presOf" srcId="{4F4C6B27-C607-4A34-8E7B-8CDC98EC6F5F}" destId="{F6BA4303-ECC7-4399-B249-8A8A03CD7A95}" srcOrd="0" destOrd="0" presId="urn:microsoft.com/office/officeart/2005/8/layout/default"/>
+    <dgm:cxn modelId="{9261444D-3586-46B0-A023-E8953E67B9DE}" srcId="{578ECD05-9877-4B5D-9C98-1F699861986E}" destId="{44DA024A-4823-4D3F-B1FA-26A4C5436516}" srcOrd="2" destOrd="0" parTransId="{21AF22A3-223B-46C0-BA4D-85F6D0E3495B}" sibTransId="{D882870C-73DA-47A7-B0B7-B9775790FF53}"/>
+    <dgm:cxn modelId="{D0DF848B-41BD-444B-A118-93B3EADC22B7}" type="presOf" srcId="{578ECD05-9877-4B5D-9C98-1F699861986E}" destId="{E96E063E-AC4A-4C4B-906C-357AC6984360}" srcOrd="0" destOrd="0" presId="urn:microsoft.com/office/officeart/2005/8/layout/default"/>
+    <dgm:cxn modelId="{A8025EA1-E386-4091-BE32-BB947D06D9B1}" srcId="{578ECD05-9877-4B5D-9C98-1F699861986E}" destId="{4F4C6B27-C607-4A34-8E7B-8CDC98EC6F5F}" srcOrd="1" destOrd="0" parTransId="{F5EF7B84-003F-4C15-89D6-5AFE57B9EF3A}" sibTransId="{4086DB28-5554-4D16-AA15-433C6A6AEC3E}"/>
+    <dgm:cxn modelId="{2E26AFBE-B6FA-4E01-B66E-4FCFA8F44453}" type="presOf" srcId="{165330A7-B8EB-40B8-BE2D-DF7844D939E9}" destId="{857FFB08-3E9B-46E3-BEC9-9FA215B9B138}" srcOrd="0" destOrd="0" presId="urn:microsoft.com/office/officeart/2005/8/layout/default"/>
+    <dgm:cxn modelId="{A1D911D2-AE24-47B6-94C4-E9465D23FE0F}" srcId="{578ECD05-9877-4B5D-9C98-1F699861986E}" destId="{165330A7-B8EB-40B8-BE2D-DF7844D939E9}" srcOrd="0" destOrd="0" parTransId="{931939CB-398A-4B8B-BA02-4F674FA709D7}" sibTransId="{A7FEDCFD-856E-45CC-A2D5-A96F8A5F31FC}"/>
+    <dgm:cxn modelId="{771CDBFA-D215-4D2C-BC37-BB5EFC0ADEBE}" type="presParOf" srcId="{E96E063E-AC4A-4C4B-906C-357AC6984360}" destId="{857FFB08-3E9B-46E3-BEC9-9FA215B9B138}" srcOrd="0" destOrd="0" presId="urn:microsoft.com/office/officeart/2005/8/layout/default"/>
+    <dgm:cxn modelId="{D433BF25-5A48-4252-83AD-B936669BBB40}" type="presParOf" srcId="{E96E063E-AC4A-4C4B-906C-357AC6984360}" destId="{C3C874DE-C991-4396-B60A-FB677CA471D8}" srcOrd="1" destOrd="0" presId="urn:microsoft.com/office/officeart/2005/8/layout/default"/>
+    <dgm:cxn modelId="{4D821FC7-E1AC-4A59-8AF2-1A12E733E064}" type="presParOf" srcId="{E96E063E-AC4A-4C4B-906C-357AC6984360}" destId="{F6BA4303-ECC7-4399-B249-8A8A03CD7A95}" srcOrd="2" destOrd="0" presId="urn:microsoft.com/office/officeart/2005/8/layout/default"/>
+    <dgm:cxn modelId="{4E84E507-7977-42E4-9274-27DD90A31586}" type="presParOf" srcId="{E96E063E-AC4A-4C4B-906C-357AC6984360}" destId="{3DF2D340-6B3A-444F-81D3-84171888E20D}" srcOrd="3" destOrd="0" presId="urn:microsoft.com/office/officeart/2005/8/layout/default"/>
+    <dgm:cxn modelId="{327B9E63-C22F-4D2A-A19F-8F382B24CE4C}" type="presParOf" srcId="{E96E063E-AC4A-4C4B-906C-357AC6984360}" destId="{BE1FB37C-E031-44F1-AB38-791AD4A8E76F}" srcOrd="4" destOrd="0" presId="urn:microsoft.com/office/officeart/2005/8/layout/default"/>
+  </dgm:cxnLst>
+  <dgm:bg/>
+  <dgm:whole/>
+  <dgm:extLst>
+    <a:ext uri="http://schemas.microsoft.com/office/drawing/2008/diagram">
+      <dsp:dataModelExt xmlns:dsp="http://schemas.microsoft.com/office/drawing/2008/diagram" relId="rId9" minVer="http://schemas.openxmlformats.org/drawingml/2006/diagram"/>
+    </a:ext>
+  </dgm:extLst>
+</dgm:dataModel>
+</file>
+
 <file path=ppt/diagrams/drawing1.xml><?xml version="1.0" encoding="utf-8"?>
 <dsp:drawing xmlns:dgm="http://schemas.openxmlformats.org/drawingml/2006/diagram" xmlns:dsp="http://schemas.microsoft.com/office/drawing/2008/diagram" xmlns:a="http://schemas.openxmlformats.org/drawingml/2006/main">
   <dsp:spTree>
@@ -5543,7 +8448,7 @@
         <a:fontRef idx="minor"/>
       </dsp:style>
     </dsp:sp>
-    <dsp:sp modelId="{B2855198-B079-4B58-92A8-C0727A867D70}">
+    <dsp:sp modelId="{21862603-DA17-4987-89E1-753B3B7B5802}">
       <dsp:nvSpPr>
         <dsp:cNvPr id="0" name=""/>
         <dsp:cNvSpPr/>
@@ -5611,7 +8516,7 @@
           </a:pPr>
           <a:r>
             <a:rPr lang="fr-FR" sz="2400" kern="1200" dirty="0"/>
-            <a:t>Présentation de la Base de Donnée</a:t>
+            <a:t>Nettoyage des données</a:t>
           </a:r>
         </a:p>
       </dsp:txBody>
@@ -5620,7 +8525,7 @@
         <a:ext cx="9852116" cy="444986"/>
       </dsp:txXfrm>
     </dsp:sp>
-    <dsp:sp modelId="{ADE0CB94-463F-4695-B494-2C5D9B270441}">
+    <dsp:sp modelId="{CC790B0F-3DE7-443F-983E-5A6DFCBF3996}">
       <dsp:nvSpPr>
         <dsp:cNvPr id="0" name=""/>
         <dsp:cNvSpPr/>
@@ -5667,7 +8572,7 @@
         <a:fontRef idx="minor"/>
       </dsp:style>
     </dsp:sp>
-    <dsp:sp modelId="{37C453F7-DA26-43A3-A819-D91EF7B42130}">
+    <dsp:sp modelId="{F3C9FD81-7FC9-4D6C-B9AF-215C25098206}">
       <dsp:nvSpPr>
         <dsp:cNvPr id="0" name=""/>
         <dsp:cNvSpPr/>
@@ -5735,7 +8640,7 @@
           </a:pPr>
           <a:r>
             <a:rPr lang="fr-FR" sz="2400" kern="1200" dirty="0"/>
-            <a:t>Nettoyage des données</a:t>
+            <a:t>Analyse des données</a:t>
           </a:r>
         </a:p>
       </dsp:txBody>
@@ -5744,7 +8649,7 @@
         <a:ext cx="9631288" cy="444986"/>
       </dsp:txXfrm>
     </dsp:sp>
-    <dsp:sp modelId="{CC790B0F-3DE7-443F-983E-5A6DFCBF3996}">
+    <dsp:sp modelId="{DEF74C7E-B4E9-4CB9-8EEE-DAFA616F2C06}">
       <dsp:nvSpPr>
         <dsp:cNvPr id="0" name=""/>
         <dsp:cNvSpPr/>
@@ -5791,7 +8696,7 @@
         <a:fontRef idx="minor"/>
       </dsp:style>
     </dsp:sp>
-    <dsp:sp modelId="{7ADB1615-B68E-40CF-A7D5-B683ACD070EF}">
+    <dsp:sp modelId="{63180E8E-A1B3-45EC-B3AF-37D5BCCC6073}">
       <dsp:nvSpPr>
         <dsp:cNvPr id="0" name=""/>
         <dsp:cNvSpPr/>
@@ -5859,7 +8764,7 @@
           </a:pPr>
           <a:r>
             <a:rPr lang="fr-FR" sz="2400" kern="1200" dirty="0"/>
-            <a:t>Analyse des données</a:t>
+            <a:t>Vectorisation</a:t>
           </a:r>
         </a:p>
       </dsp:txBody>
@@ -5868,7 +8773,7 @@
         <a:ext cx="9560779" cy="444986"/>
       </dsp:txXfrm>
     </dsp:sp>
-    <dsp:sp modelId="{DEF74C7E-B4E9-4CB9-8EEE-DAFA616F2C06}">
+    <dsp:sp modelId="{EB36370B-7C28-40B8-97E4-A9DA7239DEC4}">
       <dsp:nvSpPr>
         <dsp:cNvPr id="0" name=""/>
         <dsp:cNvSpPr/>
@@ -5915,7 +8820,7 @@
         <a:fontRef idx="minor"/>
       </dsp:style>
     </dsp:sp>
-    <dsp:sp modelId="{8B3A1F05-3665-466D-A61F-1A2D177464C2}">
+    <dsp:sp modelId="{2663037C-84C0-4556-A65D-D39BEE16647E}">
       <dsp:nvSpPr>
         <dsp:cNvPr id="0" name=""/>
         <dsp:cNvSpPr/>
@@ -5983,7 +8888,7 @@
           </a:pPr>
           <a:r>
             <a:rPr lang="fr-FR" sz="2400" kern="1200" dirty="0"/>
-            <a:t>Vectorisation</a:t>
+            <a:t>Approches non supervisées</a:t>
           </a:r>
         </a:p>
       </dsp:txBody>
@@ -5992,7 +8897,7 @@
         <a:ext cx="9631288" cy="444986"/>
       </dsp:txXfrm>
     </dsp:sp>
-    <dsp:sp modelId="{EB36370B-7C28-40B8-97E4-A9DA7239DEC4}">
+    <dsp:sp modelId="{73487EB2-6F66-4516-A39C-0BC39BFFB417}">
       <dsp:nvSpPr>
         <dsp:cNvPr id="0" name=""/>
         <dsp:cNvSpPr/>
@@ -6039,7 +8944,7 @@
         <a:fontRef idx="minor"/>
       </dsp:style>
     </dsp:sp>
-    <dsp:sp modelId="{D7DBEF30-D83E-48FE-B375-A5959E4DC547}">
+    <dsp:sp modelId="{89419673-760B-45AF-8AC0-44EB25D9B4DF}">
       <dsp:nvSpPr>
         <dsp:cNvPr id="0" name=""/>
         <dsp:cNvSpPr/>
@@ -6107,7 +9012,7 @@
           </a:pPr>
           <a:r>
             <a:rPr lang="fr-FR" sz="2400" kern="1200" dirty="0"/>
-            <a:t>Approches non supervisées</a:t>
+            <a:t>Approches supervisées</a:t>
           </a:r>
         </a:p>
       </dsp:txBody>
@@ -6116,7 +9021,7 @@
         <a:ext cx="9852116" cy="444986"/>
       </dsp:txXfrm>
     </dsp:sp>
-    <dsp:sp modelId="{73487EB2-6F66-4516-A39C-0BC39BFFB417}">
+    <dsp:sp modelId="{7219E365-C05A-4762-BD55-CE07120884ED}">
       <dsp:nvSpPr>
         <dsp:cNvPr id="0" name=""/>
         <dsp:cNvSpPr/>
@@ -6163,7 +9068,7 @@
         <a:fontRef idx="minor"/>
       </dsp:style>
     </dsp:sp>
-    <dsp:sp modelId="{B136C157-529F-48C5-B0EF-77CAA71B5CDD}">
+    <dsp:sp modelId="{D07CB37D-915A-4236-8D4A-86228A4D66AE}">
       <dsp:nvSpPr>
         <dsp:cNvPr id="0" name=""/>
         <dsp:cNvSpPr/>
@@ -6231,7 +9136,7 @@
           </a:pPr>
           <a:r>
             <a:rPr lang="fr-FR" sz="2400" kern="1200" dirty="0"/>
-            <a:t>Approches supervisées</a:t>
+            <a:t>API de prédiction</a:t>
           </a:r>
         </a:p>
       </dsp:txBody>
@@ -6240,7 +9145,7 @@
         <a:ext cx="10255091" cy="444986"/>
       </dsp:txXfrm>
     </dsp:sp>
-    <dsp:sp modelId="{7219E365-C05A-4762-BD55-CE07120884ED}">
+    <dsp:sp modelId="{86EBD7AD-FA81-49E2-8546-6D63605722C4}">
       <dsp:nvSpPr>
         <dsp:cNvPr id="0" name=""/>
         <dsp:cNvSpPr/>
@@ -6944,6 +9849,1007 @@
       <dsp:txXfrm rot="5400000">
         <a:off x="9231080" y="243793"/>
         <a:ext cx="2145341" cy="731380"/>
+      </dsp:txXfrm>
+    </dsp:sp>
+  </dsp:spTree>
+</dsp:drawing>
+</file>
+
+<file path=ppt/diagrams/drawing5.xml><?xml version="1.0" encoding="utf-8"?>
+<dsp:drawing xmlns:dgm="http://schemas.openxmlformats.org/drawingml/2006/diagram" xmlns:dsp="http://schemas.microsoft.com/office/drawing/2008/diagram" xmlns:a="http://schemas.openxmlformats.org/drawingml/2006/main">
+  <dsp:spTree>
+    <dsp:nvGrpSpPr>
+      <dsp:cNvPr id="0" name=""/>
+      <dsp:cNvGrpSpPr/>
+    </dsp:nvGrpSpPr>
+    <dsp:grpSpPr/>
+    <dsp:sp modelId="{C984D80B-A970-442F-ADD3-2B9E2523CBF6}">
+      <dsp:nvSpPr>
+        <dsp:cNvPr id="0" name=""/>
+        <dsp:cNvSpPr/>
+      </dsp:nvSpPr>
+      <dsp:spPr>
+        <a:xfrm>
+          <a:off x="3441" y="516380"/>
+          <a:ext cx="4213935" cy="1637103"/>
+        </a:xfrm>
+        <a:prstGeom prst="roundRect">
+          <a:avLst>
+            <a:gd name="adj" fmla="val 10000"/>
+          </a:avLst>
+        </a:prstGeom>
+        <a:solidFill>
+          <a:schemeClr val="accent1">
+            <a:hueOff val="0"/>
+            <a:satOff val="0"/>
+            <a:lumOff val="0"/>
+            <a:alphaOff val="0"/>
+          </a:schemeClr>
+        </a:solidFill>
+        <a:ln w="22225" cap="rnd" cmpd="sng" algn="ctr">
+          <a:solidFill>
+            <a:schemeClr val="lt1">
+              <a:hueOff val="0"/>
+              <a:satOff val="0"/>
+              <a:lumOff val="0"/>
+              <a:alphaOff val="0"/>
+            </a:schemeClr>
+          </a:solidFill>
+          <a:prstDash val="solid"/>
+        </a:ln>
+        <a:effectLst/>
+      </dsp:spPr>
+      <dsp:style>
+        <a:lnRef idx="2">
+          <a:scrgbClr r="0" g="0" b="0"/>
+        </a:lnRef>
+        <a:fillRef idx="1">
+          <a:scrgbClr r="0" g="0" b="0"/>
+        </a:fillRef>
+        <a:effectRef idx="0">
+          <a:scrgbClr r="0" g="0" b="0"/>
+        </a:effectRef>
+        <a:fontRef idx="minor">
+          <a:schemeClr val="lt1"/>
+        </a:fontRef>
+      </dsp:style>
+      <dsp:txBody>
+        <a:bodyPr spcFirstLastPara="0" vert="horz" wrap="square" lIns="15875" tIns="15875" rIns="15875" bIns="15875" numCol="1" spcCol="1270" anchor="ctr" anchorCtr="0">
+          <a:noAutofit/>
+        </a:bodyPr>
+        <a:lstStyle/>
+        <a:p>
+          <a:pPr marL="0" lvl="0" indent="0" algn="ctr" defTabSz="1111250">
+            <a:lnSpc>
+              <a:spcPct val="90000"/>
+            </a:lnSpc>
+            <a:spcBef>
+              <a:spcPct val="0"/>
+            </a:spcBef>
+            <a:spcAft>
+              <a:spcPct val="35000"/>
+            </a:spcAft>
+            <a:buNone/>
+          </a:pPr>
+          <a:r>
+            <a:rPr lang="fr-FR" sz="2500" kern="1200" dirty="0"/>
+            <a:t>Apprentissage multi-label : </a:t>
+          </a:r>
+        </a:p>
+        <a:p>
+          <a:pPr marL="0" lvl="0" indent="0" algn="ctr" defTabSz="1111250">
+            <a:lnSpc>
+              <a:spcPct val="90000"/>
+            </a:lnSpc>
+            <a:spcBef>
+              <a:spcPct val="0"/>
+            </a:spcBef>
+            <a:spcAft>
+              <a:spcPct val="35000"/>
+            </a:spcAft>
+            <a:buNone/>
+          </a:pPr>
+          <a:r>
+            <a:rPr lang="fr-FR" sz="2500" kern="1200" dirty="0" err="1"/>
+            <a:t>OneVsRestClassifier</a:t>
+          </a:r>
+          <a:endParaRPr lang="fr-FR" sz="2500" kern="1200" dirty="0"/>
+        </a:p>
+      </dsp:txBody>
+      <dsp:txXfrm>
+        <a:off x="51390" y="564329"/>
+        <a:ext cx="4118037" cy="1541205"/>
+      </dsp:txXfrm>
+    </dsp:sp>
+    <dsp:sp modelId="{8074143A-7D59-4EE6-9F41-199AD0AB7CB7}">
+      <dsp:nvSpPr>
+        <dsp:cNvPr id="0" name=""/>
+        <dsp:cNvSpPr/>
+      </dsp:nvSpPr>
+      <dsp:spPr>
+        <a:xfrm rot="19851210">
+          <a:off x="4129254" y="946667"/>
+          <a:ext cx="1391897" cy="98613"/>
+        </a:xfrm>
+        <a:custGeom>
+          <a:avLst/>
+          <a:gdLst/>
+          <a:ahLst/>
+          <a:cxnLst/>
+          <a:rect l="0" t="0" r="0" b="0"/>
+          <a:pathLst>
+            <a:path>
+              <a:moveTo>
+                <a:pt x="0" y="49306"/>
+              </a:moveTo>
+              <a:lnTo>
+                <a:pt x="1391897" y="49306"/>
+              </a:lnTo>
+            </a:path>
+          </a:pathLst>
+        </a:custGeom>
+        <a:noFill/>
+        <a:ln w="22225" cap="rnd" cmpd="sng" algn="ctr">
+          <a:solidFill>
+            <a:schemeClr val="accent1">
+              <a:shade val="60000"/>
+              <a:hueOff val="0"/>
+              <a:satOff val="0"/>
+              <a:lumOff val="0"/>
+              <a:alphaOff val="0"/>
+            </a:schemeClr>
+          </a:solidFill>
+          <a:prstDash val="solid"/>
+        </a:ln>
+        <a:effectLst/>
+      </dsp:spPr>
+      <dsp:style>
+        <a:lnRef idx="2">
+          <a:scrgbClr r="0" g="0" b="0"/>
+        </a:lnRef>
+        <a:fillRef idx="0">
+          <a:scrgbClr r="0" g="0" b="0"/>
+        </a:fillRef>
+        <a:effectRef idx="0">
+          <a:scrgbClr r="0" g="0" b="0"/>
+        </a:effectRef>
+        <a:fontRef idx="minor"/>
+      </dsp:style>
+      <dsp:txBody>
+        <a:bodyPr spcFirstLastPara="0" vert="horz" wrap="square" lIns="12700" tIns="0" rIns="12700" bIns="0" numCol="1" spcCol="1270" anchor="ctr" anchorCtr="0">
+          <a:noAutofit/>
+        </a:bodyPr>
+        <a:lstStyle/>
+        <a:p>
+          <a:pPr marL="0" lvl="0" indent="0" algn="ctr" defTabSz="222250">
+            <a:lnSpc>
+              <a:spcPct val="90000"/>
+            </a:lnSpc>
+            <a:spcBef>
+              <a:spcPct val="0"/>
+            </a:spcBef>
+            <a:spcAft>
+              <a:spcPct val="35000"/>
+            </a:spcAft>
+            <a:buNone/>
+          </a:pPr>
+          <a:endParaRPr lang="fr-FR" sz="500" kern="1200"/>
+        </a:p>
+      </dsp:txBody>
+      <dsp:txXfrm>
+        <a:off x="4790406" y="961176"/>
+        <a:ext cx="69594" cy="69594"/>
+      </dsp:txXfrm>
+    </dsp:sp>
+    <dsp:sp modelId="{C23F3C27-11A8-48EC-B9C2-FC049999C2FA}">
+      <dsp:nvSpPr>
+        <dsp:cNvPr id="0" name=""/>
+        <dsp:cNvSpPr/>
+      </dsp:nvSpPr>
+      <dsp:spPr>
+        <a:xfrm>
+          <a:off x="5433029" y="46401"/>
+          <a:ext cx="3039129" cy="1221228"/>
+        </a:xfrm>
+        <a:prstGeom prst="roundRect">
+          <a:avLst>
+            <a:gd name="adj" fmla="val 10000"/>
+          </a:avLst>
+        </a:prstGeom>
+        <a:solidFill>
+          <a:schemeClr val="accent1">
+            <a:hueOff val="0"/>
+            <a:satOff val="0"/>
+            <a:lumOff val="0"/>
+            <a:alphaOff val="0"/>
+          </a:schemeClr>
+        </a:solidFill>
+        <a:ln w="22225" cap="rnd" cmpd="sng" algn="ctr">
+          <a:solidFill>
+            <a:schemeClr val="lt1">
+              <a:hueOff val="0"/>
+              <a:satOff val="0"/>
+              <a:lumOff val="0"/>
+              <a:alphaOff val="0"/>
+            </a:schemeClr>
+          </a:solidFill>
+          <a:prstDash val="solid"/>
+        </a:ln>
+        <a:effectLst/>
+      </dsp:spPr>
+      <dsp:style>
+        <a:lnRef idx="2">
+          <a:scrgbClr r="0" g="0" b="0"/>
+        </a:lnRef>
+        <a:fillRef idx="1">
+          <a:scrgbClr r="0" g="0" b="0"/>
+        </a:fillRef>
+        <a:effectRef idx="0">
+          <a:scrgbClr r="0" g="0" b="0"/>
+        </a:effectRef>
+        <a:fontRef idx="minor">
+          <a:schemeClr val="lt1"/>
+        </a:fontRef>
+      </dsp:style>
+      <dsp:txBody>
+        <a:bodyPr spcFirstLastPara="0" vert="horz" wrap="square" lIns="15875" tIns="15875" rIns="15875" bIns="15875" numCol="1" spcCol="1270" anchor="ctr" anchorCtr="0">
+          <a:noAutofit/>
+        </a:bodyPr>
+        <a:lstStyle/>
+        <a:p>
+          <a:pPr marL="0" lvl="0" indent="0" algn="ctr" defTabSz="1111250">
+            <a:lnSpc>
+              <a:spcPct val="90000"/>
+            </a:lnSpc>
+            <a:spcBef>
+              <a:spcPct val="0"/>
+            </a:spcBef>
+            <a:spcAft>
+              <a:spcPct val="35000"/>
+            </a:spcAft>
+            <a:buNone/>
+          </a:pPr>
+          <a:r>
+            <a:rPr lang="fr-FR" sz="2500" kern="1200" dirty="0"/>
+            <a:t>Régression logistique </a:t>
+          </a:r>
+        </a:p>
+      </dsp:txBody>
+      <dsp:txXfrm>
+        <a:off x="5468798" y="82170"/>
+        <a:ext cx="2967591" cy="1149690"/>
+      </dsp:txXfrm>
+    </dsp:sp>
+    <dsp:sp modelId="{A6CD3936-4D93-46D5-A696-5DCA91061EA5}">
+      <dsp:nvSpPr>
+        <dsp:cNvPr id="0" name=""/>
+        <dsp:cNvSpPr/>
+      </dsp:nvSpPr>
+      <dsp:spPr>
+        <a:xfrm rot="1954089">
+          <a:off x="4103963" y="1673870"/>
+          <a:ext cx="1442479" cy="98613"/>
+        </a:xfrm>
+        <a:custGeom>
+          <a:avLst/>
+          <a:gdLst/>
+          <a:ahLst/>
+          <a:cxnLst/>
+          <a:rect l="0" t="0" r="0" b="0"/>
+          <a:pathLst>
+            <a:path>
+              <a:moveTo>
+                <a:pt x="0" y="49306"/>
+              </a:moveTo>
+              <a:lnTo>
+                <a:pt x="1442479" y="49306"/>
+              </a:lnTo>
+            </a:path>
+          </a:pathLst>
+        </a:custGeom>
+        <a:noFill/>
+        <a:ln w="22225" cap="rnd" cmpd="sng" algn="ctr">
+          <a:solidFill>
+            <a:schemeClr val="accent1">
+              <a:shade val="60000"/>
+              <a:hueOff val="0"/>
+              <a:satOff val="0"/>
+              <a:lumOff val="0"/>
+              <a:alphaOff val="0"/>
+            </a:schemeClr>
+          </a:solidFill>
+          <a:prstDash val="solid"/>
+        </a:ln>
+        <a:effectLst/>
+      </dsp:spPr>
+      <dsp:style>
+        <a:lnRef idx="2">
+          <a:scrgbClr r="0" g="0" b="0"/>
+        </a:lnRef>
+        <a:fillRef idx="0">
+          <a:scrgbClr r="0" g="0" b="0"/>
+        </a:fillRef>
+        <a:effectRef idx="0">
+          <a:scrgbClr r="0" g="0" b="0"/>
+        </a:effectRef>
+        <a:fontRef idx="minor"/>
+      </dsp:style>
+      <dsp:txBody>
+        <a:bodyPr spcFirstLastPara="0" vert="horz" wrap="square" lIns="12700" tIns="0" rIns="12700" bIns="0" numCol="1" spcCol="1270" anchor="ctr" anchorCtr="0">
+          <a:noAutofit/>
+        </a:bodyPr>
+        <a:lstStyle/>
+        <a:p>
+          <a:pPr marL="0" lvl="0" indent="0" algn="ctr" defTabSz="222250">
+            <a:lnSpc>
+              <a:spcPct val="90000"/>
+            </a:lnSpc>
+            <a:spcBef>
+              <a:spcPct val="0"/>
+            </a:spcBef>
+            <a:spcAft>
+              <a:spcPct val="35000"/>
+            </a:spcAft>
+            <a:buNone/>
+          </a:pPr>
+          <a:endParaRPr lang="fr-FR" sz="500" kern="1200"/>
+        </a:p>
+      </dsp:txBody>
+      <dsp:txXfrm>
+        <a:off x="4789141" y="1687114"/>
+        <a:ext cx="72123" cy="72123"/>
+      </dsp:txXfrm>
+    </dsp:sp>
+    <dsp:sp modelId="{08E939DE-39BC-4F89-B005-E316B8ACCB6D}">
+      <dsp:nvSpPr>
+        <dsp:cNvPr id="0" name=""/>
+        <dsp:cNvSpPr/>
+      </dsp:nvSpPr>
+      <dsp:spPr>
+        <a:xfrm>
+          <a:off x="5433029" y="1495564"/>
+          <a:ext cx="3039129" cy="1231713"/>
+        </a:xfrm>
+        <a:prstGeom prst="roundRect">
+          <a:avLst>
+            <a:gd name="adj" fmla="val 10000"/>
+          </a:avLst>
+        </a:prstGeom>
+        <a:solidFill>
+          <a:schemeClr val="accent1">
+            <a:hueOff val="0"/>
+            <a:satOff val="0"/>
+            <a:lumOff val="0"/>
+            <a:alphaOff val="0"/>
+          </a:schemeClr>
+        </a:solidFill>
+        <a:ln w="22225" cap="rnd" cmpd="sng" algn="ctr">
+          <a:solidFill>
+            <a:schemeClr val="lt1">
+              <a:hueOff val="0"/>
+              <a:satOff val="0"/>
+              <a:lumOff val="0"/>
+              <a:alphaOff val="0"/>
+            </a:schemeClr>
+          </a:solidFill>
+          <a:prstDash val="solid"/>
+        </a:ln>
+        <a:effectLst/>
+      </dsp:spPr>
+      <dsp:style>
+        <a:lnRef idx="2">
+          <a:scrgbClr r="0" g="0" b="0"/>
+        </a:lnRef>
+        <a:fillRef idx="1">
+          <a:scrgbClr r="0" g="0" b="0"/>
+        </a:fillRef>
+        <a:effectRef idx="0">
+          <a:scrgbClr r="0" g="0" b="0"/>
+        </a:effectRef>
+        <a:fontRef idx="minor">
+          <a:schemeClr val="lt1"/>
+        </a:fontRef>
+      </dsp:style>
+      <dsp:txBody>
+        <a:bodyPr spcFirstLastPara="0" vert="horz" wrap="square" lIns="15875" tIns="15875" rIns="15875" bIns="15875" numCol="1" spcCol="1270" anchor="ctr" anchorCtr="0">
+          <a:noAutofit/>
+        </a:bodyPr>
+        <a:lstStyle/>
+        <a:p>
+          <a:pPr marL="0" lvl="0" indent="0" algn="ctr" defTabSz="1111250">
+            <a:lnSpc>
+              <a:spcPct val="90000"/>
+            </a:lnSpc>
+            <a:spcBef>
+              <a:spcPct val="0"/>
+            </a:spcBef>
+            <a:spcAft>
+              <a:spcPct val="35000"/>
+            </a:spcAft>
+            <a:buNone/>
+          </a:pPr>
+          <a:r>
+            <a:rPr lang="fr-FR" sz="2500" kern="1200" dirty="0" err="1"/>
+            <a:t>Random</a:t>
+          </a:r>
+          <a:r>
+            <a:rPr lang="fr-FR" sz="2500" kern="1200" dirty="0"/>
+            <a:t> Forest</a:t>
+          </a:r>
+        </a:p>
+      </dsp:txBody>
+      <dsp:txXfrm>
+        <a:off x="5469105" y="1531640"/>
+        <a:ext cx="2966977" cy="1159561"/>
+      </dsp:txXfrm>
+    </dsp:sp>
+  </dsp:spTree>
+</dsp:drawing>
+</file>
+
+<file path=ppt/diagrams/drawing6.xml><?xml version="1.0" encoding="utf-8"?>
+<dsp:drawing xmlns:dgm="http://schemas.openxmlformats.org/drawingml/2006/diagram" xmlns:dsp="http://schemas.microsoft.com/office/drawing/2008/diagram" xmlns:a="http://schemas.openxmlformats.org/drawingml/2006/main">
+  <dsp:spTree>
+    <dsp:nvGrpSpPr>
+      <dsp:cNvPr id="0" name=""/>
+      <dsp:cNvGrpSpPr/>
+    </dsp:nvGrpSpPr>
+    <dsp:grpSpPr/>
+    <dsp:sp modelId="{3588C9B1-1AB5-4A6F-9A9D-C934BE5A3AFA}">
+      <dsp:nvSpPr>
+        <dsp:cNvPr id="0" name=""/>
+        <dsp:cNvSpPr/>
+      </dsp:nvSpPr>
+      <dsp:spPr>
+        <a:xfrm>
+          <a:off x="181060" y="159"/>
+          <a:ext cx="1620830" cy="972498"/>
+        </a:xfrm>
+        <a:prstGeom prst="rect">
+          <a:avLst/>
+        </a:prstGeom>
+        <a:solidFill>
+          <a:schemeClr val="accent1">
+            <a:hueOff val="0"/>
+            <a:satOff val="0"/>
+            <a:lumOff val="0"/>
+            <a:alphaOff val="0"/>
+          </a:schemeClr>
+        </a:solidFill>
+        <a:ln w="22225" cap="rnd" cmpd="sng" algn="ctr">
+          <a:solidFill>
+            <a:schemeClr val="lt1">
+              <a:hueOff val="0"/>
+              <a:satOff val="0"/>
+              <a:lumOff val="0"/>
+              <a:alphaOff val="0"/>
+            </a:schemeClr>
+          </a:solidFill>
+          <a:prstDash val="solid"/>
+        </a:ln>
+        <a:effectLst/>
+      </dsp:spPr>
+      <dsp:style>
+        <a:lnRef idx="2">
+          <a:scrgbClr r="0" g="0" b="0"/>
+        </a:lnRef>
+        <a:fillRef idx="1">
+          <a:scrgbClr r="0" g="0" b="0"/>
+        </a:fillRef>
+        <a:effectRef idx="0">
+          <a:scrgbClr r="0" g="0" b="0"/>
+        </a:effectRef>
+        <a:fontRef idx="minor">
+          <a:schemeClr val="lt1"/>
+        </a:fontRef>
+      </dsp:style>
+      <dsp:txBody>
+        <a:bodyPr spcFirstLastPara="0" vert="horz" wrap="square" lIns="95250" tIns="95250" rIns="95250" bIns="95250" numCol="1" spcCol="1270" anchor="ctr" anchorCtr="0">
+          <a:noAutofit/>
+        </a:bodyPr>
+        <a:lstStyle/>
+        <a:p>
+          <a:pPr marL="0" lvl="0" indent="0" algn="ctr" defTabSz="1111250">
+            <a:lnSpc>
+              <a:spcPct val="90000"/>
+            </a:lnSpc>
+            <a:spcBef>
+              <a:spcPct val="0"/>
+            </a:spcBef>
+            <a:spcAft>
+              <a:spcPct val="35000"/>
+            </a:spcAft>
+            <a:buNone/>
+          </a:pPr>
+          <a:r>
+            <a:rPr lang="fr-FR" sz="2500" kern="1200" dirty="0"/>
+            <a:t>TF-IDF</a:t>
+          </a:r>
+        </a:p>
+      </dsp:txBody>
+      <dsp:txXfrm>
+        <a:off x="181060" y="159"/>
+        <a:ext cx="1620830" cy="972498"/>
+      </dsp:txXfrm>
+    </dsp:sp>
+    <dsp:sp modelId="{88766FAF-CCCB-47A8-9EBB-F06D2A2A3EFF}">
+      <dsp:nvSpPr>
+        <dsp:cNvPr id="0" name=""/>
+        <dsp:cNvSpPr/>
+      </dsp:nvSpPr>
+      <dsp:spPr>
+        <a:xfrm>
+          <a:off x="181060" y="1134740"/>
+          <a:ext cx="1620830" cy="972498"/>
+        </a:xfrm>
+        <a:prstGeom prst="rect">
+          <a:avLst/>
+        </a:prstGeom>
+        <a:solidFill>
+          <a:schemeClr val="accent1">
+            <a:hueOff val="0"/>
+            <a:satOff val="0"/>
+            <a:lumOff val="0"/>
+            <a:alphaOff val="0"/>
+          </a:schemeClr>
+        </a:solidFill>
+        <a:ln w="22225" cap="rnd" cmpd="sng" algn="ctr">
+          <a:solidFill>
+            <a:schemeClr val="lt1">
+              <a:hueOff val="0"/>
+              <a:satOff val="0"/>
+              <a:lumOff val="0"/>
+              <a:alphaOff val="0"/>
+            </a:schemeClr>
+          </a:solidFill>
+          <a:prstDash val="solid"/>
+        </a:ln>
+        <a:effectLst/>
+      </dsp:spPr>
+      <dsp:style>
+        <a:lnRef idx="2">
+          <a:scrgbClr r="0" g="0" b="0"/>
+        </a:lnRef>
+        <a:fillRef idx="1">
+          <a:scrgbClr r="0" g="0" b="0"/>
+        </a:fillRef>
+        <a:effectRef idx="0">
+          <a:scrgbClr r="0" g="0" b="0"/>
+        </a:effectRef>
+        <a:fontRef idx="minor">
+          <a:schemeClr val="lt1"/>
+        </a:fontRef>
+      </dsp:style>
+      <dsp:txBody>
+        <a:bodyPr spcFirstLastPara="0" vert="horz" wrap="square" lIns="95250" tIns="95250" rIns="95250" bIns="95250" numCol="1" spcCol="1270" anchor="ctr" anchorCtr="0">
+          <a:noAutofit/>
+        </a:bodyPr>
+        <a:lstStyle/>
+        <a:p>
+          <a:pPr marL="0" lvl="0" indent="0" algn="ctr" defTabSz="1111250">
+            <a:lnSpc>
+              <a:spcPct val="90000"/>
+            </a:lnSpc>
+            <a:spcBef>
+              <a:spcPct val="0"/>
+            </a:spcBef>
+            <a:spcAft>
+              <a:spcPct val="35000"/>
+            </a:spcAft>
+            <a:buNone/>
+          </a:pPr>
+          <a:r>
+            <a:rPr lang="fr-FR" sz="2500" kern="1200" dirty="0"/>
+            <a:t>Word2Vec</a:t>
+          </a:r>
+        </a:p>
+      </dsp:txBody>
+      <dsp:txXfrm>
+        <a:off x="181060" y="1134740"/>
+        <a:ext cx="1620830" cy="972498"/>
+      </dsp:txXfrm>
+    </dsp:sp>
+    <dsp:sp modelId="{FCEDBCD9-E18E-4E7B-B635-221A3054F859}">
+      <dsp:nvSpPr>
+        <dsp:cNvPr id="0" name=""/>
+        <dsp:cNvSpPr/>
+      </dsp:nvSpPr>
+      <dsp:spPr>
+        <a:xfrm>
+          <a:off x="181060" y="2269322"/>
+          <a:ext cx="1620830" cy="972498"/>
+        </a:xfrm>
+        <a:prstGeom prst="rect">
+          <a:avLst/>
+        </a:prstGeom>
+        <a:solidFill>
+          <a:schemeClr val="accent1">
+            <a:hueOff val="0"/>
+            <a:satOff val="0"/>
+            <a:lumOff val="0"/>
+            <a:alphaOff val="0"/>
+          </a:schemeClr>
+        </a:solidFill>
+        <a:ln w="22225" cap="rnd" cmpd="sng" algn="ctr">
+          <a:solidFill>
+            <a:schemeClr val="lt1">
+              <a:hueOff val="0"/>
+              <a:satOff val="0"/>
+              <a:lumOff val="0"/>
+              <a:alphaOff val="0"/>
+            </a:schemeClr>
+          </a:solidFill>
+          <a:prstDash val="solid"/>
+        </a:ln>
+        <a:effectLst/>
+      </dsp:spPr>
+      <dsp:style>
+        <a:lnRef idx="2">
+          <a:scrgbClr r="0" g="0" b="0"/>
+        </a:lnRef>
+        <a:fillRef idx="1">
+          <a:scrgbClr r="0" g="0" b="0"/>
+        </a:fillRef>
+        <a:effectRef idx="0">
+          <a:scrgbClr r="0" g="0" b="0"/>
+        </a:effectRef>
+        <a:fontRef idx="minor">
+          <a:schemeClr val="lt1"/>
+        </a:fontRef>
+      </dsp:style>
+      <dsp:txBody>
+        <a:bodyPr spcFirstLastPara="0" vert="horz" wrap="square" lIns="95250" tIns="95250" rIns="95250" bIns="95250" numCol="1" spcCol="1270" anchor="ctr" anchorCtr="0">
+          <a:noAutofit/>
+        </a:bodyPr>
+        <a:lstStyle/>
+        <a:p>
+          <a:pPr marL="0" lvl="0" indent="0" algn="ctr" defTabSz="1111250">
+            <a:lnSpc>
+              <a:spcPct val="90000"/>
+            </a:lnSpc>
+            <a:spcBef>
+              <a:spcPct val="0"/>
+            </a:spcBef>
+            <a:spcAft>
+              <a:spcPct val="35000"/>
+            </a:spcAft>
+            <a:buNone/>
+          </a:pPr>
+          <a:r>
+            <a:rPr lang="fr-FR" sz="2500" kern="1200" dirty="0"/>
+            <a:t>BERT</a:t>
+          </a:r>
+        </a:p>
+      </dsp:txBody>
+      <dsp:txXfrm>
+        <a:off x="181060" y="2269322"/>
+        <a:ext cx="1620830" cy="972498"/>
+      </dsp:txXfrm>
+    </dsp:sp>
+    <dsp:sp modelId="{33874293-93DE-4607-AE33-C922FD12E583}">
+      <dsp:nvSpPr>
+        <dsp:cNvPr id="0" name=""/>
+        <dsp:cNvSpPr/>
+      </dsp:nvSpPr>
+      <dsp:spPr>
+        <a:xfrm>
+          <a:off x="181060" y="3403904"/>
+          <a:ext cx="1620830" cy="972498"/>
+        </a:xfrm>
+        <a:prstGeom prst="rect">
+          <a:avLst/>
+        </a:prstGeom>
+        <a:solidFill>
+          <a:schemeClr val="accent1">
+            <a:hueOff val="0"/>
+            <a:satOff val="0"/>
+            <a:lumOff val="0"/>
+            <a:alphaOff val="0"/>
+          </a:schemeClr>
+        </a:solidFill>
+        <a:ln w="22225" cap="rnd" cmpd="sng" algn="ctr">
+          <a:solidFill>
+            <a:schemeClr val="lt1">
+              <a:hueOff val="0"/>
+              <a:satOff val="0"/>
+              <a:lumOff val="0"/>
+              <a:alphaOff val="0"/>
+            </a:schemeClr>
+          </a:solidFill>
+          <a:prstDash val="solid"/>
+        </a:ln>
+        <a:effectLst/>
+      </dsp:spPr>
+      <dsp:style>
+        <a:lnRef idx="2">
+          <a:scrgbClr r="0" g="0" b="0"/>
+        </a:lnRef>
+        <a:fillRef idx="1">
+          <a:scrgbClr r="0" g="0" b="0"/>
+        </a:fillRef>
+        <a:effectRef idx="0">
+          <a:scrgbClr r="0" g="0" b="0"/>
+        </a:effectRef>
+        <a:fontRef idx="minor">
+          <a:schemeClr val="lt1"/>
+        </a:fontRef>
+      </dsp:style>
+      <dsp:txBody>
+        <a:bodyPr spcFirstLastPara="0" vert="horz" wrap="square" lIns="95250" tIns="95250" rIns="95250" bIns="95250" numCol="1" spcCol="1270" anchor="ctr" anchorCtr="0">
+          <a:noAutofit/>
+        </a:bodyPr>
+        <a:lstStyle/>
+        <a:p>
+          <a:pPr marL="0" lvl="0" indent="0" algn="ctr" defTabSz="1111250">
+            <a:lnSpc>
+              <a:spcPct val="90000"/>
+            </a:lnSpc>
+            <a:spcBef>
+              <a:spcPct val="0"/>
+            </a:spcBef>
+            <a:spcAft>
+              <a:spcPct val="35000"/>
+            </a:spcAft>
+            <a:buNone/>
+          </a:pPr>
+          <a:r>
+            <a:rPr lang="fr-FR" sz="2500" kern="1200" dirty="0"/>
+            <a:t>USE</a:t>
+          </a:r>
+        </a:p>
+      </dsp:txBody>
+      <dsp:txXfrm>
+        <a:off x="181060" y="3403904"/>
+        <a:ext cx="1620830" cy="972498"/>
+      </dsp:txXfrm>
+    </dsp:sp>
+  </dsp:spTree>
+</dsp:drawing>
+</file>
+
+<file path=ppt/diagrams/drawing7.xml><?xml version="1.0" encoding="utf-8"?>
+<dsp:drawing xmlns:dgm="http://schemas.openxmlformats.org/drawingml/2006/diagram" xmlns:dsp="http://schemas.microsoft.com/office/drawing/2008/diagram" xmlns:a="http://schemas.openxmlformats.org/drawingml/2006/main">
+  <dsp:spTree>
+    <dsp:nvGrpSpPr>
+      <dsp:cNvPr id="0" name=""/>
+      <dsp:cNvGrpSpPr/>
+    </dsp:nvGrpSpPr>
+    <dsp:grpSpPr/>
+    <dsp:sp modelId="{857FFB08-3E9B-46E3-BEC9-9FA215B9B138}">
+      <dsp:nvSpPr>
+        <dsp:cNvPr id="0" name=""/>
+        <dsp:cNvSpPr/>
+      </dsp:nvSpPr>
+      <dsp:spPr>
+        <a:xfrm>
+          <a:off x="728676" y="2281"/>
+          <a:ext cx="1765819" cy="1059491"/>
+        </a:xfrm>
+        <a:prstGeom prst="rect">
+          <a:avLst/>
+        </a:prstGeom>
+        <a:solidFill>
+          <a:schemeClr val="accent1">
+            <a:hueOff val="0"/>
+            <a:satOff val="0"/>
+            <a:lumOff val="0"/>
+            <a:alphaOff val="0"/>
+          </a:schemeClr>
+        </a:solidFill>
+        <a:ln w="22225" cap="rnd" cmpd="sng" algn="ctr">
+          <a:solidFill>
+            <a:schemeClr val="lt1">
+              <a:hueOff val="0"/>
+              <a:satOff val="0"/>
+              <a:lumOff val="0"/>
+              <a:alphaOff val="0"/>
+            </a:schemeClr>
+          </a:solidFill>
+          <a:prstDash val="solid"/>
+        </a:ln>
+        <a:effectLst/>
+      </dsp:spPr>
+      <dsp:style>
+        <a:lnRef idx="2">
+          <a:scrgbClr r="0" g="0" b="0"/>
+        </a:lnRef>
+        <a:fillRef idx="1">
+          <a:scrgbClr r="0" g="0" b="0"/>
+        </a:fillRef>
+        <a:effectRef idx="0">
+          <a:scrgbClr r="0" g="0" b="0"/>
+        </a:effectRef>
+        <a:fontRef idx="minor">
+          <a:schemeClr val="lt1"/>
+        </a:fontRef>
+      </dsp:style>
+      <dsp:txBody>
+        <a:bodyPr spcFirstLastPara="0" vert="horz" wrap="square" lIns="95250" tIns="95250" rIns="95250" bIns="95250" numCol="1" spcCol="1270" anchor="ctr" anchorCtr="0">
+          <a:noAutofit/>
+        </a:bodyPr>
+        <a:lstStyle/>
+        <a:p>
+          <a:pPr marL="0" lvl="0" indent="0" algn="ctr" defTabSz="1111250">
+            <a:lnSpc>
+              <a:spcPct val="90000"/>
+            </a:lnSpc>
+            <a:spcBef>
+              <a:spcPct val="0"/>
+            </a:spcBef>
+            <a:spcAft>
+              <a:spcPct val="35000"/>
+            </a:spcAft>
+            <a:buFont typeface="Arial" panose="020B0604020202020204" pitchFamily="34" charset="0"/>
+            <a:buNone/>
+          </a:pPr>
+          <a:r>
+            <a:rPr lang="fr-FR" sz="2500" b="0" i="0" kern="1200" dirty="0" err="1"/>
+            <a:t>FastAPI</a:t>
+          </a:r>
+          <a:endParaRPr lang="fr-FR" sz="2500" b="0" i="0" kern="1200" dirty="0"/>
+        </a:p>
+      </dsp:txBody>
+      <dsp:txXfrm>
+        <a:off x="728676" y="2281"/>
+        <a:ext cx="1765819" cy="1059491"/>
+      </dsp:txXfrm>
+    </dsp:sp>
+    <dsp:sp modelId="{F6BA4303-ECC7-4399-B249-8A8A03CD7A95}">
+      <dsp:nvSpPr>
+        <dsp:cNvPr id="0" name=""/>
+        <dsp:cNvSpPr/>
+      </dsp:nvSpPr>
+      <dsp:spPr>
+        <a:xfrm>
+          <a:off x="728676" y="1238355"/>
+          <a:ext cx="1765819" cy="1059491"/>
+        </a:xfrm>
+        <a:prstGeom prst="rect">
+          <a:avLst/>
+        </a:prstGeom>
+        <a:solidFill>
+          <a:schemeClr val="accent1">
+            <a:hueOff val="0"/>
+            <a:satOff val="0"/>
+            <a:lumOff val="0"/>
+            <a:alphaOff val="0"/>
+          </a:schemeClr>
+        </a:solidFill>
+        <a:ln w="22225" cap="rnd" cmpd="sng" algn="ctr">
+          <a:solidFill>
+            <a:schemeClr val="lt1">
+              <a:hueOff val="0"/>
+              <a:satOff val="0"/>
+              <a:lumOff val="0"/>
+              <a:alphaOff val="0"/>
+            </a:schemeClr>
+          </a:solidFill>
+          <a:prstDash val="solid"/>
+        </a:ln>
+        <a:effectLst/>
+      </dsp:spPr>
+      <dsp:style>
+        <a:lnRef idx="2">
+          <a:scrgbClr r="0" g="0" b="0"/>
+        </a:lnRef>
+        <a:fillRef idx="1">
+          <a:scrgbClr r="0" g="0" b="0"/>
+        </a:fillRef>
+        <a:effectRef idx="0">
+          <a:scrgbClr r="0" g="0" b="0"/>
+        </a:effectRef>
+        <a:fontRef idx="minor">
+          <a:schemeClr val="lt1"/>
+        </a:fontRef>
+      </dsp:style>
+      <dsp:txBody>
+        <a:bodyPr spcFirstLastPara="0" vert="horz" wrap="square" lIns="95250" tIns="95250" rIns="95250" bIns="95250" numCol="1" spcCol="1270" anchor="ctr" anchorCtr="0">
+          <a:noAutofit/>
+        </a:bodyPr>
+        <a:lstStyle/>
+        <a:p>
+          <a:pPr marL="0" lvl="0" indent="0" algn="ctr" defTabSz="1111250">
+            <a:lnSpc>
+              <a:spcPct val="90000"/>
+            </a:lnSpc>
+            <a:spcBef>
+              <a:spcPct val="0"/>
+            </a:spcBef>
+            <a:spcAft>
+              <a:spcPct val="35000"/>
+            </a:spcAft>
+            <a:buFont typeface="Arial" panose="020B0604020202020204" pitchFamily="34" charset="0"/>
+            <a:buNone/>
+          </a:pPr>
+          <a:r>
+            <a:rPr lang="fr-FR" sz="2500" b="0" i="0" kern="1200" dirty="0" err="1"/>
+            <a:t>Uvicorn</a:t>
+          </a:r>
+          <a:endParaRPr lang="fr-FR" sz="2500" b="0" i="0" kern="1200" dirty="0"/>
+        </a:p>
+      </dsp:txBody>
+      <dsp:txXfrm>
+        <a:off x="728676" y="1238355"/>
+        <a:ext cx="1765819" cy="1059491"/>
+      </dsp:txXfrm>
+    </dsp:sp>
+    <dsp:sp modelId="{BE1FB37C-E031-44F1-AB38-791AD4A8E76F}">
+      <dsp:nvSpPr>
+        <dsp:cNvPr id="0" name=""/>
+        <dsp:cNvSpPr/>
+      </dsp:nvSpPr>
+      <dsp:spPr>
+        <a:xfrm>
+          <a:off x="740454" y="2436743"/>
+          <a:ext cx="1765819" cy="1059491"/>
+        </a:xfrm>
+        <a:prstGeom prst="rect">
+          <a:avLst/>
+        </a:prstGeom>
+        <a:solidFill>
+          <a:schemeClr val="accent1">
+            <a:hueOff val="0"/>
+            <a:satOff val="0"/>
+            <a:lumOff val="0"/>
+            <a:alphaOff val="0"/>
+          </a:schemeClr>
+        </a:solidFill>
+        <a:ln w="22225" cap="rnd" cmpd="sng" algn="ctr">
+          <a:solidFill>
+            <a:schemeClr val="lt1">
+              <a:hueOff val="0"/>
+              <a:satOff val="0"/>
+              <a:lumOff val="0"/>
+              <a:alphaOff val="0"/>
+            </a:schemeClr>
+          </a:solidFill>
+          <a:prstDash val="solid"/>
+        </a:ln>
+        <a:effectLst/>
+      </dsp:spPr>
+      <dsp:style>
+        <a:lnRef idx="2">
+          <a:scrgbClr r="0" g="0" b="0"/>
+        </a:lnRef>
+        <a:fillRef idx="1">
+          <a:scrgbClr r="0" g="0" b="0"/>
+        </a:fillRef>
+        <a:effectRef idx="0">
+          <a:scrgbClr r="0" g="0" b="0"/>
+        </a:effectRef>
+        <a:fontRef idx="minor">
+          <a:schemeClr val="lt1"/>
+        </a:fontRef>
+      </dsp:style>
+      <dsp:txBody>
+        <a:bodyPr spcFirstLastPara="0" vert="horz" wrap="square" lIns="95250" tIns="95250" rIns="95250" bIns="95250" numCol="1" spcCol="1270" anchor="ctr" anchorCtr="0">
+          <a:noAutofit/>
+        </a:bodyPr>
+        <a:lstStyle/>
+        <a:p>
+          <a:pPr marL="0" lvl="0" indent="0" algn="ctr" defTabSz="1111250">
+            <a:lnSpc>
+              <a:spcPct val="90000"/>
+            </a:lnSpc>
+            <a:spcBef>
+              <a:spcPct val="0"/>
+            </a:spcBef>
+            <a:spcAft>
+              <a:spcPct val="35000"/>
+            </a:spcAft>
+            <a:buFont typeface="Arial" panose="020B0604020202020204" pitchFamily="34" charset="0"/>
+            <a:buNone/>
+          </a:pPr>
+          <a:r>
+            <a:rPr lang="fr-FR" sz="2500" b="0" i="0" kern="1200" dirty="0" err="1"/>
+            <a:t>Heroku</a:t>
+          </a:r>
+          <a:endParaRPr lang="fr-FR" sz="2500" kern="1200" dirty="0"/>
+        </a:p>
+      </dsp:txBody>
+      <dsp:txXfrm>
+        <a:off x="740454" y="2436743"/>
+        <a:ext cx="1765819" cy="1059491"/>
       </dsp:txXfrm>
     </dsp:sp>
   </dsp:spTree>
@@ -8694,6 +12600,620 @@
 </dgm:layoutDef>
 </file>
 
+<file path=ppt/diagrams/layout5.xml><?xml version="1.0" encoding="utf-8"?>
+<dgm:layoutDef xmlns:dgm="http://schemas.openxmlformats.org/drawingml/2006/diagram" xmlns:a="http://schemas.openxmlformats.org/drawingml/2006/main" uniqueId="urn:microsoft.com/office/officeart/2005/8/layout/hierarchy2">
+  <dgm:title val=""/>
+  <dgm:desc val=""/>
+  <dgm:catLst>
+    <dgm:cat type="hierarchy" pri="5000"/>
+  </dgm:catLst>
+  <dgm:sampData>
+    <dgm:dataModel>
+      <dgm:ptLst>
+        <dgm:pt modelId="0" type="doc"/>
+        <dgm:pt modelId="1">
+          <dgm:prSet phldr="1"/>
+        </dgm:pt>
+        <dgm:pt modelId="2">
+          <dgm:prSet phldr="1"/>
+        </dgm:pt>
+        <dgm:pt modelId="21">
+          <dgm:prSet phldr="1"/>
+        </dgm:pt>
+        <dgm:pt modelId="22">
+          <dgm:prSet phldr="1"/>
+        </dgm:pt>
+        <dgm:pt modelId="3">
+          <dgm:prSet phldr="1"/>
+        </dgm:pt>
+        <dgm:pt modelId="31">
+          <dgm:prSet phldr="1"/>
+        </dgm:pt>
+      </dgm:ptLst>
+      <dgm:cxnLst>
+        <dgm:cxn modelId="4" srcId="0" destId="1" srcOrd="0" destOrd="0"/>
+        <dgm:cxn modelId="5" srcId="1" destId="2" srcOrd="0" destOrd="0"/>
+        <dgm:cxn modelId="6" srcId="1" destId="3" srcOrd="1" destOrd="0"/>
+        <dgm:cxn modelId="23" srcId="2" destId="21" srcOrd="0" destOrd="0"/>
+        <dgm:cxn modelId="24" srcId="2" destId="22" srcOrd="1" destOrd="0"/>
+        <dgm:cxn modelId="33" srcId="3" destId="31" srcOrd="0" destOrd="0"/>
+      </dgm:cxnLst>
+      <dgm:bg/>
+      <dgm:whole/>
+    </dgm:dataModel>
+  </dgm:sampData>
+  <dgm:styleData>
+    <dgm:dataModel>
+      <dgm:ptLst>
+        <dgm:pt modelId="0" type="doc"/>
+        <dgm:pt modelId="1"/>
+        <dgm:pt modelId="11"/>
+        <dgm:pt modelId="12"/>
+      </dgm:ptLst>
+      <dgm:cxnLst>
+        <dgm:cxn modelId="2" srcId="0" destId="1" srcOrd="0" destOrd="0"/>
+        <dgm:cxn modelId="13" srcId="1" destId="11" srcOrd="0" destOrd="0"/>
+        <dgm:cxn modelId="14" srcId="1" destId="12" srcOrd="1" destOrd="0"/>
+      </dgm:cxnLst>
+      <dgm:bg/>
+      <dgm:whole/>
+    </dgm:dataModel>
+  </dgm:styleData>
+  <dgm:clrData>
+    <dgm:dataModel>
+      <dgm:ptLst>
+        <dgm:pt modelId="0" type="doc"/>
+        <dgm:pt modelId="1"/>
+        <dgm:pt modelId="2"/>
+        <dgm:pt modelId="21"/>
+        <dgm:pt modelId="211"/>
+        <dgm:pt modelId="3"/>
+        <dgm:pt modelId="31"/>
+        <dgm:pt modelId="311"/>
+      </dgm:ptLst>
+      <dgm:cxnLst>
+        <dgm:cxn modelId="4" srcId="0" destId="1" srcOrd="0" destOrd="0"/>
+        <dgm:cxn modelId="5" srcId="1" destId="2" srcOrd="0" destOrd="0"/>
+        <dgm:cxn modelId="6" srcId="1" destId="3" srcOrd="1" destOrd="0"/>
+        <dgm:cxn modelId="23" srcId="2" destId="21" srcOrd="0" destOrd="0"/>
+        <dgm:cxn modelId="24" srcId="21" destId="211" srcOrd="0" destOrd="0"/>
+        <dgm:cxn modelId="33" srcId="3" destId="31" srcOrd="0" destOrd="0"/>
+        <dgm:cxn modelId="34" srcId="31" destId="311" srcOrd="0" destOrd="0"/>
+      </dgm:cxnLst>
+      <dgm:bg/>
+      <dgm:whole/>
+    </dgm:dataModel>
+  </dgm:clrData>
+  <dgm:layoutNode name="diagram">
+    <dgm:varLst>
+      <dgm:chPref val="1"/>
+      <dgm:dir/>
+      <dgm:animOne val="branch"/>
+      <dgm:animLvl val="lvl"/>
+      <dgm:resizeHandles val="exact"/>
+    </dgm:varLst>
+    <dgm:choose name="Name0">
+      <dgm:if name="Name1" func="var" arg="dir" op="equ" val="norm">
+        <dgm:alg type="hierChild">
+          <dgm:param type="linDir" val="fromT"/>
+          <dgm:param type="chAlign" val="l"/>
+        </dgm:alg>
+      </dgm:if>
+      <dgm:else name="Name2">
+        <dgm:alg type="hierChild">
+          <dgm:param type="linDir" val="fromT"/>
+          <dgm:param type="chAlign" val="r"/>
+        </dgm:alg>
+      </dgm:else>
+    </dgm:choose>
+    <dgm:shape xmlns:r="http://schemas.openxmlformats.org/officeDocument/2006/relationships" r:blip="">
+      <dgm:adjLst/>
+    </dgm:shape>
+    <dgm:presOf/>
+    <dgm:constrLst>
+      <dgm:constr type="h" for="des" ptType="node" refType="h"/>
+      <dgm:constr type="w" for="des" ptType="node" refType="h" refFor="des" refPtType="node" fact="2"/>
+      <dgm:constr type="sibSp" refType="h" refFor="des" refPtType="node" op="equ" fact="0.15"/>
+      <dgm:constr type="sibSp" for="des" forName="level2hierChild" refType="h" refFor="des" refPtType="node" op="equ" fact="0.15"/>
+      <dgm:constr type="sibSp" for="des" forName="level3hierChild" refType="h" refFor="des" refPtType="node" op="equ" fact="0.15"/>
+      <dgm:constr type="sp" for="des" forName="root1" refType="w" refFor="des" refPtType="node" fact="0.4"/>
+      <dgm:constr type="sp" for="des" forName="root2" refType="sp" refFor="des" refForName="root1" op="equ"/>
+      <dgm:constr type="primFontSz" for="des" ptType="node" op="equ" val="65"/>
+      <dgm:constr type="primFontSz" for="des" forName="connTx" op="equ" val="55"/>
+      <dgm:constr type="primFontSz" for="des" forName="connTx" refType="primFontSz" refFor="des" refPtType="node" op="lte" fact="0.8"/>
+    </dgm:constrLst>
+    <dgm:ruleLst/>
+    <dgm:forEach name="Name3" axis="ch">
+      <dgm:forEach name="Name4" axis="self" ptType="node">
+        <dgm:layoutNode name="root1">
+          <dgm:choose name="Name5">
+            <dgm:if name="Name6" func="var" arg="dir" op="equ" val="norm">
+              <dgm:alg type="hierRoot">
+                <dgm:param type="hierAlign" val="lCtrCh"/>
+              </dgm:alg>
+            </dgm:if>
+            <dgm:else name="Name7">
+              <dgm:alg type="hierRoot">
+                <dgm:param type="hierAlign" val="rCtrCh"/>
+              </dgm:alg>
+            </dgm:else>
+          </dgm:choose>
+          <dgm:shape xmlns:r="http://schemas.openxmlformats.org/officeDocument/2006/relationships" r:blip="">
+            <dgm:adjLst/>
+          </dgm:shape>
+          <dgm:presOf/>
+          <dgm:constrLst/>
+          <dgm:ruleLst/>
+          <dgm:layoutNode name="LevelOneTextNode" styleLbl="node0">
+            <dgm:varLst>
+              <dgm:chPref val="3"/>
+            </dgm:varLst>
+            <dgm:alg type="tx"/>
+            <dgm:shape xmlns:r="http://schemas.openxmlformats.org/officeDocument/2006/relationships" type="roundRect" r:blip="">
+              <dgm:adjLst>
+                <dgm:adj idx="1" val="0.1"/>
+              </dgm:adjLst>
+            </dgm:shape>
+            <dgm:presOf axis="self"/>
+            <dgm:constrLst>
+              <dgm:constr type="tMarg" refType="primFontSz" fact="0.05"/>
+              <dgm:constr type="bMarg" refType="primFontSz" fact="0.05"/>
+              <dgm:constr type="lMarg" refType="primFontSz" fact="0.05"/>
+              <dgm:constr type="rMarg" refType="primFontSz" fact="0.05"/>
+            </dgm:constrLst>
+            <dgm:ruleLst>
+              <dgm:rule type="primFontSz" val="5" fact="NaN" max="NaN"/>
+            </dgm:ruleLst>
+          </dgm:layoutNode>
+          <dgm:layoutNode name="level2hierChild">
+            <dgm:choose name="Name8">
+              <dgm:if name="Name9" func="var" arg="dir" op="equ" val="norm">
+                <dgm:alg type="hierChild">
+                  <dgm:param type="linDir" val="fromT"/>
+                  <dgm:param type="chAlign" val="l"/>
+                </dgm:alg>
+              </dgm:if>
+              <dgm:else name="Name10">
+                <dgm:alg type="hierChild">
+                  <dgm:param type="linDir" val="fromT"/>
+                  <dgm:param type="chAlign" val="r"/>
+                </dgm:alg>
+              </dgm:else>
+            </dgm:choose>
+            <dgm:shape xmlns:r="http://schemas.openxmlformats.org/officeDocument/2006/relationships" r:blip="">
+              <dgm:adjLst/>
+            </dgm:shape>
+            <dgm:presOf/>
+            <dgm:constrLst/>
+            <dgm:ruleLst/>
+            <dgm:forEach name="repeat" axis="ch">
+              <dgm:forEach name="Name11" axis="self" ptType="parTrans" cnt="1">
+                <dgm:layoutNode name="conn2-1">
+                  <dgm:choose name="Name12">
+                    <dgm:if name="Name13" func="var" arg="dir" op="equ" val="norm">
+                      <dgm:alg type="conn">
+                        <dgm:param type="dim" val="1D"/>
+                        <dgm:param type="begPts" val="midR"/>
+                        <dgm:param type="endPts" val="midL"/>
+                        <dgm:param type="endSty" val="noArr"/>
+                      </dgm:alg>
+                    </dgm:if>
+                    <dgm:else name="Name14">
+                      <dgm:alg type="conn">
+                        <dgm:param type="dim" val="1D"/>
+                        <dgm:param type="begPts" val="midL"/>
+                        <dgm:param type="endPts" val="midR"/>
+                        <dgm:param type="endSty" val="noArr"/>
+                      </dgm:alg>
+                    </dgm:else>
+                  </dgm:choose>
+                  <dgm:shape xmlns:r="http://schemas.openxmlformats.org/officeDocument/2006/relationships" type="conn" r:blip="">
+                    <dgm:adjLst/>
+                  </dgm:shape>
+                  <dgm:presOf axis="self"/>
+                  <dgm:constrLst>
+                    <dgm:constr type="w" val="1"/>
+                    <dgm:constr type="h" val="5"/>
+                    <dgm:constr type="connDist"/>
+                    <dgm:constr type="begPad"/>
+                    <dgm:constr type="endPad"/>
+                    <dgm:constr type="userA" for="ch" refType="connDist"/>
+                  </dgm:constrLst>
+                  <dgm:ruleLst/>
+                  <dgm:layoutNode name="connTx">
+                    <dgm:alg type="tx">
+                      <dgm:param type="autoTxRot" val="grav"/>
+                    </dgm:alg>
+                    <dgm:shape xmlns:r="http://schemas.openxmlformats.org/officeDocument/2006/relationships" type="rect" r:blip="" hideGeom="1">
+                      <dgm:adjLst/>
+                    </dgm:shape>
+                    <dgm:presOf axis="self"/>
+                    <dgm:constrLst>
+                      <dgm:constr type="userA"/>
+                      <dgm:constr type="w" refType="userA" fact="0.05"/>
+                      <dgm:constr type="h" refType="userA" fact="0.05"/>
+                      <dgm:constr type="lMarg" val="1"/>
+                      <dgm:constr type="rMarg" val="1"/>
+                      <dgm:constr type="tMarg"/>
+                      <dgm:constr type="bMarg"/>
+                    </dgm:constrLst>
+                    <dgm:ruleLst>
+                      <dgm:rule type="h" val="NaN" fact="0.25" max="NaN"/>
+                      <dgm:rule type="w" val="NaN" fact="0.8" max="NaN"/>
+                      <dgm:rule type="primFontSz" val="5" fact="NaN" max="NaN"/>
+                    </dgm:ruleLst>
+                  </dgm:layoutNode>
+                </dgm:layoutNode>
+              </dgm:forEach>
+              <dgm:forEach name="Name15" axis="self" ptType="node">
+                <dgm:layoutNode name="root2">
+                  <dgm:choose name="Name16">
+                    <dgm:if name="Name17" func="var" arg="dir" op="equ" val="norm">
+                      <dgm:alg type="hierRoot">
+                        <dgm:param type="hierAlign" val="lCtrCh"/>
+                      </dgm:alg>
+                    </dgm:if>
+                    <dgm:else name="Name18">
+                      <dgm:alg type="hierRoot">
+                        <dgm:param type="hierAlign" val="rCtrCh"/>
+                      </dgm:alg>
+                    </dgm:else>
+                  </dgm:choose>
+                  <dgm:shape xmlns:r="http://schemas.openxmlformats.org/officeDocument/2006/relationships" r:blip="">
+                    <dgm:adjLst/>
+                  </dgm:shape>
+                  <dgm:presOf/>
+                  <dgm:constrLst/>
+                  <dgm:ruleLst/>
+                  <dgm:layoutNode name="LevelTwoTextNode">
+                    <dgm:varLst>
+                      <dgm:chPref val="3"/>
+                    </dgm:varLst>
+                    <dgm:alg type="tx"/>
+                    <dgm:shape xmlns:r="http://schemas.openxmlformats.org/officeDocument/2006/relationships" type="roundRect" r:blip="">
+                      <dgm:adjLst>
+                        <dgm:adj idx="1" val="0.1"/>
+                      </dgm:adjLst>
+                    </dgm:shape>
+                    <dgm:presOf axis="self"/>
+                    <dgm:constrLst>
+                      <dgm:constr type="tMarg" refType="primFontSz" fact="0.05"/>
+                      <dgm:constr type="bMarg" refType="primFontSz" fact="0.05"/>
+                      <dgm:constr type="lMarg" refType="primFontSz" fact="0.05"/>
+                      <dgm:constr type="rMarg" refType="primFontSz" fact="0.05"/>
+                    </dgm:constrLst>
+                    <dgm:ruleLst>
+                      <dgm:rule type="primFontSz" val="5" fact="NaN" max="NaN"/>
+                    </dgm:ruleLst>
+                  </dgm:layoutNode>
+                  <dgm:layoutNode name="level3hierChild">
+                    <dgm:choose name="Name19">
+                      <dgm:if name="Name20" func="var" arg="dir" op="equ" val="norm">
+                        <dgm:alg type="hierChild">
+                          <dgm:param type="linDir" val="fromT"/>
+                          <dgm:param type="chAlign" val="l"/>
+                        </dgm:alg>
+                      </dgm:if>
+                      <dgm:else name="Name21">
+                        <dgm:alg type="hierChild">
+                          <dgm:param type="linDir" val="fromT"/>
+                          <dgm:param type="chAlign" val="r"/>
+                        </dgm:alg>
+                      </dgm:else>
+                    </dgm:choose>
+                    <dgm:shape xmlns:r="http://schemas.openxmlformats.org/officeDocument/2006/relationships" r:blip="">
+                      <dgm:adjLst/>
+                    </dgm:shape>
+                    <dgm:presOf/>
+                    <dgm:constrLst/>
+                    <dgm:ruleLst/>
+                    <dgm:forEach name="Name22" ref="repeat"/>
+                  </dgm:layoutNode>
+                </dgm:layoutNode>
+              </dgm:forEach>
+            </dgm:forEach>
+          </dgm:layoutNode>
+        </dgm:layoutNode>
+      </dgm:forEach>
+    </dgm:forEach>
+  </dgm:layoutNode>
+</dgm:layoutDef>
+</file>
+
+<file path=ppt/diagrams/layout6.xml><?xml version="1.0" encoding="utf-8"?>
+<dgm:layoutDef xmlns:dgm="http://schemas.openxmlformats.org/drawingml/2006/diagram" xmlns:a="http://schemas.openxmlformats.org/drawingml/2006/main" uniqueId="urn:microsoft.com/office/officeart/2005/8/layout/default">
+  <dgm:title val=""/>
+  <dgm:desc val=""/>
+  <dgm:catLst>
+    <dgm:cat type="list" pri="400"/>
+  </dgm:catLst>
+  <dgm:sampData>
+    <dgm:dataModel>
+      <dgm:ptLst>
+        <dgm:pt modelId="0" type="doc"/>
+        <dgm:pt modelId="1">
+          <dgm:prSet phldr="1"/>
+        </dgm:pt>
+        <dgm:pt modelId="2">
+          <dgm:prSet phldr="1"/>
+        </dgm:pt>
+        <dgm:pt modelId="3">
+          <dgm:prSet phldr="1"/>
+        </dgm:pt>
+        <dgm:pt modelId="4">
+          <dgm:prSet phldr="1"/>
+        </dgm:pt>
+        <dgm:pt modelId="5">
+          <dgm:prSet phldr="1"/>
+        </dgm:pt>
+      </dgm:ptLst>
+      <dgm:cxnLst>
+        <dgm:cxn modelId="6" srcId="0" destId="1" srcOrd="0" destOrd="0"/>
+        <dgm:cxn modelId="7" srcId="0" destId="2" srcOrd="1" destOrd="0"/>
+        <dgm:cxn modelId="8" srcId="0" destId="3" srcOrd="2" destOrd="0"/>
+        <dgm:cxn modelId="9" srcId="0" destId="4" srcOrd="3" destOrd="0"/>
+        <dgm:cxn modelId="10" srcId="0" destId="5" srcOrd="4" destOrd="0"/>
+      </dgm:cxnLst>
+      <dgm:bg/>
+      <dgm:whole/>
+    </dgm:dataModel>
+  </dgm:sampData>
+  <dgm:styleData>
+    <dgm:dataModel>
+      <dgm:ptLst>
+        <dgm:pt modelId="0" type="doc"/>
+        <dgm:pt modelId="1"/>
+        <dgm:pt modelId="2"/>
+      </dgm:ptLst>
+      <dgm:cxnLst>
+        <dgm:cxn modelId="3" srcId="0" destId="1" srcOrd="0" destOrd="0"/>
+        <dgm:cxn modelId="4" srcId="0" destId="2" srcOrd="1" destOrd="0"/>
+      </dgm:cxnLst>
+      <dgm:bg/>
+      <dgm:whole/>
+    </dgm:dataModel>
+  </dgm:styleData>
+  <dgm:clrData>
+    <dgm:dataModel>
+      <dgm:ptLst>
+        <dgm:pt modelId="0" type="doc"/>
+        <dgm:pt modelId="1"/>
+        <dgm:pt modelId="2"/>
+        <dgm:pt modelId="3"/>
+        <dgm:pt modelId="4"/>
+        <dgm:pt modelId="5"/>
+        <dgm:pt modelId="6"/>
+      </dgm:ptLst>
+      <dgm:cxnLst>
+        <dgm:cxn modelId="7" srcId="0" destId="1" srcOrd="0" destOrd="0"/>
+        <dgm:cxn modelId="8" srcId="0" destId="2" srcOrd="1" destOrd="0"/>
+        <dgm:cxn modelId="9" srcId="0" destId="3" srcOrd="2" destOrd="0"/>
+        <dgm:cxn modelId="10" srcId="0" destId="4" srcOrd="3" destOrd="0"/>
+        <dgm:cxn modelId="11" srcId="0" destId="5" srcOrd="4" destOrd="0"/>
+        <dgm:cxn modelId="12" srcId="0" destId="6" srcOrd="5" destOrd="0"/>
+      </dgm:cxnLst>
+      <dgm:bg/>
+      <dgm:whole/>
+    </dgm:dataModel>
+  </dgm:clrData>
+  <dgm:layoutNode name="diagram">
+    <dgm:varLst>
+      <dgm:dir/>
+      <dgm:resizeHandles val="exact"/>
+    </dgm:varLst>
+    <dgm:choose name="Name0">
+      <dgm:if name="Name1" func="var" arg="dir" op="equ" val="norm">
+        <dgm:alg type="snake">
+          <dgm:param type="grDir" val="tL"/>
+          <dgm:param type="flowDir" val="row"/>
+          <dgm:param type="contDir" val="sameDir"/>
+          <dgm:param type="off" val="ctr"/>
+        </dgm:alg>
+      </dgm:if>
+      <dgm:else name="Name2">
+        <dgm:alg type="snake">
+          <dgm:param type="grDir" val="tR"/>
+          <dgm:param type="flowDir" val="row"/>
+          <dgm:param type="contDir" val="sameDir"/>
+          <dgm:param type="off" val="ctr"/>
+        </dgm:alg>
+      </dgm:else>
+    </dgm:choose>
+    <dgm:shape xmlns:r="http://schemas.openxmlformats.org/officeDocument/2006/relationships" r:blip="">
+      <dgm:adjLst/>
+    </dgm:shape>
+    <dgm:presOf/>
+    <dgm:constrLst>
+      <dgm:constr type="w" for="ch" forName="node" refType="w"/>
+      <dgm:constr type="h" for="ch" forName="node" refType="w" refFor="ch" refForName="node" fact="0.6"/>
+      <dgm:constr type="w" for="ch" forName="sibTrans" refType="w" refFor="ch" refForName="node" fact="0.1"/>
+      <dgm:constr type="sp" refType="w" refFor="ch" refForName="sibTrans"/>
+      <dgm:constr type="primFontSz" for="ch" forName="node" op="equ" val="65"/>
+    </dgm:constrLst>
+    <dgm:ruleLst/>
+    <dgm:forEach name="Name3" axis="ch" ptType="node">
+      <dgm:layoutNode name="node">
+        <dgm:varLst>
+          <dgm:bulletEnabled val="1"/>
+        </dgm:varLst>
+        <dgm:alg type="tx"/>
+        <dgm:shape xmlns:r="http://schemas.openxmlformats.org/officeDocument/2006/relationships" type="rect" r:blip="">
+          <dgm:adjLst/>
+        </dgm:shape>
+        <dgm:presOf axis="desOrSelf" ptType="node"/>
+        <dgm:constrLst>
+          <dgm:constr type="lMarg" refType="primFontSz" fact="0.3"/>
+          <dgm:constr type="rMarg" refType="primFontSz" fact="0.3"/>
+          <dgm:constr type="tMarg" refType="primFontSz" fact="0.3"/>
+          <dgm:constr type="bMarg" refType="primFontSz" fact="0.3"/>
+        </dgm:constrLst>
+        <dgm:ruleLst>
+          <dgm:rule type="primFontSz" val="5" fact="NaN" max="NaN"/>
+        </dgm:ruleLst>
+      </dgm:layoutNode>
+      <dgm:forEach name="Name4" axis="followSib" ptType="sibTrans" cnt="1">
+        <dgm:layoutNode name="sibTrans">
+          <dgm:alg type="sp"/>
+          <dgm:shape xmlns:r="http://schemas.openxmlformats.org/officeDocument/2006/relationships" r:blip="">
+            <dgm:adjLst/>
+          </dgm:shape>
+          <dgm:presOf/>
+          <dgm:constrLst/>
+          <dgm:ruleLst/>
+        </dgm:layoutNode>
+      </dgm:forEach>
+    </dgm:forEach>
+  </dgm:layoutNode>
+</dgm:layoutDef>
+</file>
+
+<file path=ppt/diagrams/layout7.xml><?xml version="1.0" encoding="utf-8"?>
+<dgm:layoutDef xmlns:dgm="http://schemas.openxmlformats.org/drawingml/2006/diagram" xmlns:a="http://schemas.openxmlformats.org/drawingml/2006/main" uniqueId="urn:microsoft.com/office/officeart/2005/8/layout/default">
+  <dgm:title val=""/>
+  <dgm:desc val=""/>
+  <dgm:catLst>
+    <dgm:cat type="list" pri="400"/>
+  </dgm:catLst>
+  <dgm:sampData>
+    <dgm:dataModel>
+      <dgm:ptLst>
+        <dgm:pt modelId="0" type="doc"/>
+        <dgm:pt modelId="1">
+          <dgm:prSet phldr="1"/>
+        </dgm:pt>
+        <dgm:pt modelId="2">
+          <dgm:prSet phldr="1"/>
+        </dgm:pt>
+        <dgm:pt modelId="3">
+          <dgm:prSet phldr="1"/>
+        </dgm:pt>
+        <dgm:pt modelId="4">
+          <dgm:prSet phldr="1"/>
+        </dgm:pt>
+        <dgm:pt modelId="5">
+          <dgm:prSet phldr="1"/>
+        </dgm:pt>
+      </dgm:ptLst>
+      <dgm:cxnLst>
+        <dgm:cxn modelId="6" srcId="0" destId="1" srcOrd="0" destOrd="0"/>
+        <dgm:cxn modelId="7" srcId="0" destId="2" srcOrd="1" destOrd="0"/>
+        <dgm:cxn modelId="8" srcId="0" destId="3" srcOrd="2" destOrd="0"/>
+        <dgm:cxn modelId="9" srcId="0" destId="4" srcOrd="3" destOrd="0"/>
+        <dgm:cxn modelId="10" srcId="0" destId="5" srcOrd="4" destOrd="0"/>
+      </dgm:cxnLst>
+      <dgm:bg/>
+      <dgm:whole/>
+    </dgm:dataModel>
+  </dgm:sampData>
+  <dgm:styleData>
+    <dgm:dataModel>
+      <dgm:ptLst>
+        <dgm:pt modelId="0" type="doc"/>
+        <dgm:pt modelId="1"/>
+        <dgm:pt modelId="2"/>
+      </dgm:ptLst>
+      <dgm:cxnLst>
+        <dgm:cxn modelId="3" srcId="0" destId="1" srcOrd="0" destOrd="0"/>
+        <dgm:cxn modelId="4" srcId="0" destId="2" srcOrd="1" destOrd="0"/>
+      </dgm:cxnLst>
+      <dgm:bg/>
+      <dgm:whole/>
+    </dgm:dataModel>
+  </dgm:styleData>
+  <dgm:clrData>
+    <dgm:dataModel>
+      <dgm:ptLst>
+        <dgm:pt modelId="0" type="doc"/>
+        <dgm:pt modelId="1"/>
+        <dgm:pt modelId="2"/>
+        <dgm:pt modelId="3"/>
+        <dgm:pt modelId="4"/>
+        <dgm:pt modelId="5"/>
+        <dgm:pt modelId="6"/>
+      </dgm:ptLst>
+      <dgm:cxnLst>
+        <dgm:cxn modelId="7" srcId="0" destId="1" srcOrd="0" destOrd="0"/>
+        <dgm:cxn modelId="8" srcId="0" destId="2" srcOrd="1" destOrd="0"/>
+        <dgm:cxn modelId="9" srcId="0" destId="3" srcOrd="2" destOrd="0"/>
+        <dgm:cxn modelId="10" srcId="0" destId="4" srcOrd="3" destOrd="0"/>
+        <dgm:cxn modelId="11" srcId="0" destId="5" srcOrd="4" destOrd="0"/>
+        <dgm:cxn modelId="12" srcId="0" destId="6" srcOrd="5" destOrd="0"/>
+      </dgm:cxnLst>
+      <dgm:bg/>
+      <dgm:whole/>
+    </dgm:dataModel>
+  </dgm:clrData>
+  <dgm:layoutNode name="diagram">
+    <dgm:varLst>
+      <dgm:dir/>
+      <dgm:resizeHandles val="exact"/>
+    </dgm:varLst>
+    <dgm:choose name="Name0">
+      <dgm:if name="Name1" func="var" arg="dir" op="equ" val="norm">
+        <dgm:alg type="snake">
+          <dgm:param type="grDir" val="tL"/>
+          <dgm:param type="flowDir" val="row"/>
+          <dgm:param type="contDir" val="sameDir"/>
+          <dgm:param type="off" val="ctr"/>
+        </dgm:alg>
+      </dgm:if>
+      <dgm:else name="Name2">
+        <dgm:alg type="snake">
+          <dgm:param type="grDir" val="tR"/>
+          <dgm:param type="flowDir" val="row"/>
+          <dgm:param type="contDir" val="sameDir"/>
+          <dgm:param type="off" val="ctr"/>
+        </dgm:alg>
+      </dgm:else>
+    </dgm:choose>
+    <dgm:shape xmlns:r="http://schemas.openxmlformats.org/officeDocument/2006/relationships" r:blip="">
+      <dgm:adjLst/>
+    </dgm:shape>
+    <dgm:presOf/>
+    <dgm:constrLst>
+      <dgm:constr type="w" for="ch" forName="node" refType="w"/>
+      <dgm:constr type="h" for="ch" forName="node" refType="w" refFor="ch" refForName="node" fact="0.6"/>
+      <dgm:constr type="w" for="ch" forName="sibTrans" refType="w" refFor="ch" refForName="node" fact="0.1"/>
+      <dgm:constr type="sp" refType="w" refFor="ch" refForName="sibTrans"/>
+      <dgm:constr type="primFontSz" for="ch" forName="node" op="equ" val="65"/>
+    </dgm:constrLst>
+    <dgm:ruleLst/>
+    <dgm:forEach name="Name3" axis="ch" ptType="node">
+      <dgm:layoutNode name="node">
+        <dgm:varLst>
+          <dgm:bulletEnabled val="1"/>
+        </dgm:varLst>
+        <dgm:alg type="tx"/>
+        <dgm:shape xmlns:r="http://schemas.openxmlformats.org/officeDocument/2006/relationships" type="rect" r:blip="">
+          <dgm:adjLst/>
+        </dgm:shape>
+        <dgm:presOf axis="desOrSelf" ptType="node"/>
+        <dgm:constrLst>
+          <dgm:constr type="lMarg" refType="primFontSz" fact="0.3"/>
+          <dgm:constr type="rMarg" refType="primFontSz" fact="0.3"/>
+          <dgm:constr type="tMarg" refType="primFontSz" fact="0.3"/>
+          <dgm:constr type="bMarg" refType="primFontSz" fact="0.3"/>
+        </dgm:constrLst>
+        <dgm:ruleLst>
+          <dgm:rule type="primFontSz" val="5" fact="NaN" max="NaN"/>
+        </dgm:ruleLst>
+      </dgm:layoutNode>
+      <dgm:forEach name="Name4" axis="followSib" ptType="sibTrans" cnt="1">
+        <dgm:layoutNode name="sibTrans">
+          <dgm:alg type="sp"/>
+          <dgm:shape xmlns:r="http://schemas.openxmlformats.org/officeDocument/2006/relationships" r:blip="">
+            <dgm:adjLst/>
+          </dgm:shape>
+          <dgm:presOf/>
+          <dgm:constrLst/>
+          <dgm:ruleLst/>
+        </dgm:layoutNode>
+      </dgm:forEach>
+    </dgm:forEach>
+  </dgm:layoutNode>
+</dgm:layoutDef>
+</file>
+
 <file path=ppt/diagrams/quickStyle1.xml><?xml version="1.0" encoding="utf-8"?>
 <dgm:styleDef xmlns:dgm="http://schemas.openxmlformats.org/drawingml/2006/diagram" xmlns:a="http://schemas.openxmlformats.org/drawingml/2006/main" uniqueId="urn:microsoft.com/office/officeart/2005/8/quickstyle/simple1">
   <dgm:title val=""/>
@@ -11797,6 +16317,3108 @@
 </file>
 
 <file path=ppt/diagrams/quickStyle4.xml><?xml version="1.0" encoding="utf-8"?>
+<dgm:styleDef xmlns:dgm="http://schemas.openxmlformats.org/drawingml/2006/diagram" xmlns:a="http://schemas.openxmlformats.org/drawingml/2006/main" uniqueId="urn:microsoft.com/office/officeart/2005/8/quickstyle/simple1">
+  <dgm:title val=""/>
+  <dgm:desc val=""/>
+  <dgm:catLst>
+    <dgm:cat type="simple" pri="10100"/>
+  </dgm:catLst>
+  <dgm:scene3d>
+    <a:camera prst="orthographicFront"/>
+    <a:lightRig rig="threePt" dir="t"/>
+  </dgm:scene3d>
+  <dgm:styleLbl name="node0">
+    <dgm:scene3d>
+      <a:camera prst="orthographicFront"/>
+      <a:lightRig rig="threePt" dir="t"/>
+    </dgm:scene3d>
+    <dgm:sp3d/>
+    <dgm:txPr/>
+    <dgm:style>
+      <a:lnRef idx="2">
+        <a:scrgbClr r="0" g="0" b="0"/>
+      </a:lnRef>
+      <a:fillRef idx="1">
+        <a:scrgbClr r="0" g="0" b="0"/>
+      </a:fillRef>
+      <a:effectRef idx="0">
+        <a:scrgbClr r="0" g="0" b="0"/>
+      </a:effectRef>
+      <a:fontRef idx="minor">
+        <a:schemeClr val="lt1"/>
+      </a:fontRef>
+    </dgm:style>
+  </dgm:styleLbl>
+  <dgm:styleLbl name="lnNode1">
+    <dgm:scene3d>
+      <a:camera prst="orthographicFront"/>
+      <a:lightRig rig="threePt" dir="t"/>
+    </dgm:scene3d>
+    <dgm:sp3d/>
+    <dgm:txPr/>
+    <dgm:style>
+      <a:lnRef idx="2">
+        <a:scrgbClr r="0" g="0" b="0"/>
+      </a:lnRef>
+      <a:fillRef idx="1">
+        <a:scrgbClr r="0" g="0" b="0"/>
+      </a:fillRef>
+      <a:effectRef idx="0">
+        <a:scrgbClr r="0" g="0" b="0"/>
+      </a:effectRef>
+      <a:fontRef idx="minor">
+        <a:schemeClr val="lt1"/>
+      </a:fontRef>
+    </dgm:style>
+  </dgm:styleLbl>
+  <dgm:styleLbl name="vennNode1">
+    <dgm:scene3d>
+      <a:camera prst="orthographicFront"/>
+      <a:lightRig rig="threePt" dir="t"/>
+    </dgm:scene3d>
+    <dgm:sp3d/>
+    <dgm:txPr/>
+    <dgm:style>
+      <a:lnRef idx="2">
+        <a:scrgbClr r="0" g="0" b="0"/>
+      </a:lnRef>
+      <a:fillRef idx="1">
+        <a:scrgbClr r="0" g="0" b="0"/>
+      </a:fillRef>
+      <a:effectRef idx="0">
+        <a:scrgbClr r="0" g="0" b="0"/>
+      </a:effectRef>
+      <a:fontRef idx="minor">
+        <a:schemeClr val="tx1"/>
+      </a:fontRef>
+    </dgm:style>
+  </dgm:styleLbl>
+  <dgm:styleLbl name="alignNode1">
+    <dgm:scene3d>
+      <a:camera prst="orthographicFront"/>
+      <a:lightRig rig="threePt" dir="t"/>
+    </dgm:scene3d>
+    <dgm:sp3d/>
+    <dgm:txPr/>
+    <dgm:style>
+      <a:lnRef idx="2">
+        <a:scrgbClr r="0" g="0" b="0"/>
+      </a:lnRef>
+      <a:fillRef idx="1">
+        <a:scrgbClr r="0" g="0" b="0"/>
+      </a:fillRef>
+      <a:effectRef idx="0">
+        <a:scrgbClr r="0" g="0" b="0"/>
+      </a:effectRef>
+      <a:fontRef idx="minor">
+        <a:schemeClr val="lt1"/>
+      </a:fontRef>
+    </dgm:style>
+  </dgm:styleLbl>
+  <dgm:styleLbl name="node1">
+    <dgm:scene3d>
+      <a:camera prst="orthographicFront"/>
+      <a:lightRig rig="threePt" dir="t"/>
+    </dgm:scene3d>
+    <dgm:sp3d/>
+    <dgm:txPr/>
+    <dgm:style>
+      <a:lnRef idx="2">
+        <a:scrgbClr r="0" g="0" b="0"/>
+      </a:lnRef>
+      <a:fillRef idx="1">
+        <a:scrgbClr r="0" g="0" b="0"/>
+      </a:fillRef>
+      <a:effectRef idx="0">
+        <a:scrgbClr r="0" g="0" b="0"/>
+      </a:effectRef>
+      <a:fontRef idx="minor">
+        <a:schemeClr val="lt1"/>
+      </a:fontRef>
+    </dgm:style>
+  </dgm:styleLbl>
+  <dgm:styleLbl name="node2">
+    <dgm:scene3d>
+      <a:camera prst="orthographicFront"/>
+      <a:lightRig rig="threePt" dir="t"/>
+    </dgm:scene3d>
+    <dgm:sp3d/>
+    <dgm:txPr/>
+    <dgm:style>
+      <a:lnRef idx="2">
+        <a:scrgbClr r="0" g="0" b="0"/>
+      </a:lnRef>
+      <a:fillRef idx="1">
+        <a:scrgbClr r="0" g="0" b="0"/>
+      </a:fillRef>
+      <a:effectRef idx="0">
+        <a:scrgbClr r="0" g="0" b="0"/>
+      </a:effectRef>
+      <a:fontRef idx="minor">
+        <a:schemeClr val="lt1"/>
+      </a:fontRef>
+    </dgm:style>
+  </dgm:styleLbl>
+  <dgm:styleLbl name="node3">
+    <dgm:scene3d>
+      <a:camera prst="orthographicFront"/>
+      <a:lightRig rig="threePt" dir="t"/>
+    </dgm:scene3d>
+    <dgm:sp3d/>
+    <dgm:txPr/>
+    <dgm:style>
+      <a:lnRef idx="2">
+        <a:scrgbClr r="0" g="0" b="0"/>
+      </a:lnRef>
+      <a:fillRef idx="1">
+        <a:scrgbClr r="0" g="0" b="0"/>
+      </a:fillRef>
+      <a:effectRef idx="0">
+        <a:scrgbClr r="0" g="0" b="0"/>
+      </a:effectRef>
+      <a:fontRef idx="minor">
+        <a:schemeClr val="lt1"/>
+      </a:fontRef>
+    </dgm:style>
+  </dgm:styleLbl>
+  <dgm:styleLbl name="node4">
+    <dgm:scene3d>
+      <a:camera prst="orthographicFront"/>
+      <a:lightRig rig="threePt" dir="t"/>
+    </dgm:scene3d>
+    <dgm:sp3d/>
+    <dgm:txPr/>
+    <dgm:style>
+      <a:lnRef idx="2">
+        <a:scrgbClr r="0" g="0" b="0"/>
+      </a:lnRef>
+      <a:fillRef idx="1">
+        <a:scrgbClr r="0" g="0" b="0"/>
+      </a:fillRef>
+      <a:effectRef idx="0">
+        <a:scrgbClr r="0" g="0" b="0"/>
+      </a:effectRef>
+      <a:fontRef idx="minor">
+        <a:schemeClr val="lt1"/>
+      </a:fontRef>
+    </dgm:style>
+  </dgm:styleLbl>
+  <dgm:styleLbl name="fgImgPlace1">
+    <dgm:scene3d>
+      <a:camera prst="orthographicFront"/>
+      <a:lightRig rig="threePt" dir="t"/>
+    </dgm:scene3d>
+    <dgm:sp3d/>
+    <dgm:txPr/>
+    <dgm:style>
+      <a:lnRef idx="2">
+        <a:scrgbClr r="0" g="0" b="0"/>
+      </a:lnRef>
+      <a:fillRef idx="1">
+        <a:scrgbClr r="0" g="0" b="0"/>
+      </a:fillRef>
+      <a:effectRef idx="0">
+        <a:scrgbClr r="0" g="0" b="0"/>
+      </a:effectRef>
+      <a:fontRef idx="minor"/>
+    </dgm:style>
+  </dgm:styleLbl>
+  <dgm:styleLbl name="alignImgPlace1">
+    <dgm:scene3d>
+      <a:camera prst="orthographicFront"/>
+      <a:lightRig rig="threePt" dir="t"/>
+    </dgm:scene3d>
+    <dgm:sp3d/>
+    <dgm:txPr/>
+    <dgm:style>
+      <a:lnRef idx="2">
+        <a:scrgbClr r="0" g="0" b="0"/>
+      </a:lnRef>
+      <a:fillRef idx="1">
+        <a:scrgbClr r="0" g="0" b="0"/>
+      </a:fillRef>
+      <a:effectRef idx="0">
+        <a:scrgbClr r="0" g="0" b="0"/>
+      </a:effectRef>
+      <a:fontRef idx="minor"/>
+    </dgm:style>
+  </dgm:styleLbl>
+  <dgm:styleLbl name="bgImgPlace1">
+    <dgm:scene3d>
+      <a:camera prst="orthographicFront"/>
+      <a:lightRig rig="threePt" dir="t"/>
+    </dgm:scene3d>
+    <dgm:sp3d/>
+    <dgm:txPr/>
+    <dgm:style>
+      <a:lnRef idx="2">
+        <a:scrgbClr r="0" g="0" b="0"/>
+      </a:lnRef>
+      <a:fillRef idx="1">
+        <a:scrgbClr r="0" g="0" b="0"/>
+      </a:fillRef>
+      <a:effectRef idx="0">
+        <a:scrgbClr r="0" g="0" b="0"/>
+      </a:effectRef>
+      <a:fontRef idx="minor"/>
+    </dgm:style>
+  </dgm:styleLbl>
+  <dgm:styleLbl name="sibTrans2D1">
+    <dgm:scene3d>
+      <a:camera prst="orthographicFront"/>
+      <a:lightRig rig="threePt" dir="t"/>
+    </dgm:scene3d>
+    <dgm:sp3d/>
+    <dgm:txPr/>
+    <dgm:style>
+      <a:lnRef idx="0">
+        <a:scrgbClr r="0" g="0" b="0"/>
+      </a:lnRef>
+      <a:fillRef idx="1">
+        <a:scrgbClr r="0" g="0" b="0"/>
+      </a:fillRef>
+      <a:effectRef idx="0">
+        <a:scrgbClr r="0" g="0" b="0"/>
+      </a:effectRef>
+      <a:fontRef idx="minor">
+        <a:schemeClr val="lt1"/>
+      </a:fontRef>
+    </dgm:style>
+  </dgm:styleLbl>
+  <dgm:styleLbl name="fgSibTrans2D1">
+    <dgm:scene3d>
+      <a:camera prst="orthographicFront"/>
+      <a:lightRig rig="threePt" dir="t"/>
+    </dgm:scene3d>
+    <dgm:sp3d/>
+    <dgm:txPr/>
+    <dgm:style>
+      <a:lnRef idx="0">
+        <a:scrgbClr r="0" g="0" b="0"/>
+      </a:lnRef>
+      <a:fillRef idx="1">
+        <a:scrgbClr r="0" g="0" b="0"/>
+      </a:fillRef>
+      <a:effectRef idx="0">
+        <a:scrgbClr r="0" g="0" b="0"/>
+      </a:effectRef>
+      <a:fontRef idx="minor">
+        <a:schemeClr val="lt1"/>
+      </a:fontRef>
+    </dgm:style>
+  </dgm:styleLbl>
+  <dgm:styleLbl name="bgSibTrans2D1">
+    <dgm:scene3d>
+      <a:camera prst="orthographicFront"/>
+      <a:lightRig rig="threePt" dir="t"/>
+    </dgm:scene3d>
+    <dgm:sp3d/>
+    <dgm:txPr/>
+    <dgm:style>
+      <a:lnRef idx="0">
+        <a:scrgbClr r="0" g="0" b="0"/>
+      </a:lnRef>
+      <a:fillRef idx="1">
+        <a:scrgbClr r="0" g="0" b="0"/>
+      </a:fillRef>
+      <a:effectRef idx="0">
+        <a:scrgbClr r="0" g="0" b="0"/>
+      </a:effectRef>
+      <a:fontRef idx="minor">
+        <a:schemeClr val="lt1"/>
+      </a:fontRef>
+    </dgm:style>
+  </dgm:styleLbl>
+  <dgm:styleLbl name="sibTrans1D1">
+    <dgm:scene3d>
+      <a:camera prst="orthographicFront"/>
+      <a:lightRig rig="threePt" dir="t"/>
+    </dgm:scene3d>
+    <dgm:sp3d/>
+    <dgm:txPr/>
+    <dgm:style>
+      <a:lnRef idx="1">
+        <a:scrgbClr r="0" g="0" b="0"/>
+      </a:lnRef>
+      <a:fillRef idx="0">
+        <a:scrgbClr r="0" g="0" b="0"/>
+      </a:fillRef>
+      <a:effectRef idx="0">
+        <a:scrgbClr r="0" g="0" b="0"/>
+      </a:effectRef>
+      <a:fontRef idx="minor"/>
+    </dgm:style>
+  </dgm:styleLbl>
+  <dgm:styleLbl name="callout">
+    <dgm:scene3d>
+      <a:camera prst="orthographicFront"/>
+      <a:lightRig rig="threePt" dir="t"/>
+    </dgm:scene3d>
+    <dgm:sp3d/>
+    <dgm:txPr/>
+    <dgm:style>
+      <a:lnRef idx="2">
+        <a:scrgbClr r="0" g="0" b="0"/>
+      </a:lnRef>
+      <a:fillRef idx="1">
+        <a:scrgbClr r="0" g="0" b="0"/>
+      </a:fillRef>
+      <a:effectRef idx="0">
+        <a:scrgbClr r="0" g="0" b="0"/>
+      </a:effectRef>
+      <a:fontRef idx="minor"/>
+    </dgm:style>
+  </dgm:styleLbl>
+  <dgm:styleLbl name="asst0">
+    <dgm:scene3d>
+      <a:camera prst="orthographicFront"/>
+      <a:lightRig rig="threePt" dir="t"/>
+    </dgm:scene3d>
+    <dgm:sp3d/>
+    <dgm:txPr/>
+    <dgm:style>
+      <a:lnRef idx="2">
+        <a:scrgbClr r="0" g="0" b="0"/>
+      </a:lnRef>
+      <a:fillRef idx="1">
+        <a:scrgbClr r="0" g="0" b="0"/>
+      </a:fillRef>
+      <a:effectRef idx="0">
+        <a:scrgbClr r="0" g="0" b="0"/>
+      </a:effectRef>
+      <a:fontRef idx="minor">
+        <a:schemeClr val="lt1"/>
+      </a:fontRef>
+    </dgm:style>
+  </dgm:styleLbl>
+  <dgm:styleLbl name="asst1">
+    <dgm:scene3d>
+      <a:camera prst="orthographicFront"/>
+      <a:lightRig rig="threePt" dir="t"/>
+    </dgm:scene3d>
+    <dgm:sp3d/>
+    <dgm:txPr/>
+    <dgm:style>
+      <a:lnRef idx="2">
+        <a:scrgbClr r="0" g="0" b="0"/>
+      </a:lnRef>
+      <a:fillRef idx="1">
+        <a:scrgbClr r="0" g="0" b="0"/>
+      </a:fillRef>
+      <a:effectRef idx="0">
+        <a:scrgbClr r="0" g="0" b="0"/>
+      </a:effectRef>
+      <a:fontRef idx="minor">
+        <a:schemeClr val="lt1"/>
+      </a:fontRef>
+    </dgm:style>
+  </dgm:styleLbl>
+  <dgm:styleLbl name="asst2">
+    <dgm:scene3d>
+      <a:camera prst="orthographicFront"/>
+      <a:lightRig rig="threePt" dir="t"/>
+    </dgm:scene3d>
+    <dgm:sp3d/>
+    <dgm:txPr/>
+    <dgm:style>
+      <a:lnRef idx="2">
+        <a:scrgbClr r="0" g="0" b="0"/>
+      </a:lnRef>
+      <a:fillRef idx="1">
+        <a:scrgbClr r="0" g="0" b="0"/>
+      </a:fillRef>
+      <a:effectRef idx="0">
+        <a:scrgbClr r="0" g="0" b="0"/>
+      </a:effectRef>
+      <a:fontRef idx="minor">
+        <a:schemeClr val="lt1"/>
+      </a:fontRef>
+    </dgm:style>
+  </dgm:styleLbl>
+  <dgm:styleLbl name="asst3">
+    <dgm:scene3d>
+      <a:camera prst="orthographicFront"/>
+      <a:lightRig rig="threePt" dir="t"/>
+    </dgm:scene3d>
+    <dgm:sp3d/>
+    <dgm:txPr/>
+    <dgm:style>
+      <a:lnRef idx="2">
+        <a:scrgbClr r="0" g="0" b="0"/>
+      </a:lnRef>
+      <a:fillRef idx="1">
+        <a:scrgbClr r="0" g="0" b="0"/>
+      </a:fillRef>
+      <a:effectRef idx="0">
+        <a:scrgbClr r="0" g="0" b="0"/>
+      </a:effectRef>
+      <a:fontRef idx="minor">
+        <a:schemeClr val="lt1"/>
+      </a:fontRef>
+    </dgm:style>
+  </dgm:styleLbl>
+  <dgm:styleLbl name="asst4">
+    <dgm:scene3d>
+      <a:camera prst="orthographicFront"/>
+      <a:lightRig rig="threePt" dir="t"/>
+    </dgm:scene3d>
+    <dgm:sp3d/>
+    <dgm:txPr/>
+    <dgm:style>
+      <a:lnRef idx="2">
+        <a:scrgbClr r="0" g="0" b="0"/>
+      </a:lnRef>
+      <a:fillRef idx="1">
+        <a:scrgbClr r="0" g="0" b="0"/>
+      </a:fillRef>
+      <a:effectRef idx="0">
+        <a:scrgbClr r="0" g="0" b="0"/>
+      </a:effectRef>
+      <a:fontRef idx="minor">
+        <a:schemeClr val="lt1"/>
+      </a:fontRef>
+    </dgm:style>
+  </dgm:styleLbl>
+  <dgm:styleLbl name="parChTrans2D1">
+    <dgm:scene3d>
+      <a:camera prst="orthographicFront"/>
+      <a:lightRig rig="threePt" dir="t"/>
+    </dgm:scene3d>
+    <dgm:sp3d/>
+    <dgm:txPr/>
+    <dgm:style>
+      <a:lnRef idx="2">
+        <a:scrgbClr r="0" g="0" b="0"/>
+      </a:lnRef>
+      <a:fillRef idx="1">
+        <a:scrgbClr r="0" g="0" b="0"/>
+      </a:fillRef>
+      <a:effectRef idx="0">
+        <a:scrgbClr r="0" g="0" b="0"/>
+      </a:effectRef>
+      <a:fontRef idx="minor">
+        <a:schemeClr val="lt1"/>
+      </a:fontRef>
+    </dgm:style>
+  </dgm:styleLbl>
+  <dgm:styleLbl name="parChTrans2D2">
+    <dgm:scene3d>
+      <a:camera prst="orthographicFront"/>
+      <a:lightRig rig="threePt" dir="t"/>
+    </dgm:scene3d>
+    <dgm:sp3d/>
+    <dgm:txPr/>
+    <dgm:style>
+      <a:lnRef idx="2">
+        <a:scrgbClr r="0" g="0" b="0"/>
+      </a:lnRef>
+      <a:fillRef idx="1">
+        <a:scrgbClr r="0" g="0" b="0"/>
+      </a:fillRef>
+      <a:effectRef idx="0">
+        <a:scrgbClr r="0" g="0" b="0"/>
+      </a:effectRef>
+      <a:fontRef idx="minor">
+        <a:schemeClr val="lt1"/>
+      </a:fontRef>
+    </dgm:style>
+  </dgm:styleLbl>
+  <dgm:styleLbl name="parChTrans2D3">
+    <dgm:scene3d>
+      <a:camera prst="orthographicFront"/>
+      <a:lightRig rig="threePt" dir="t"/>
+    </dgm:scene3d>
+    <dgm:sp3d/>
+    <dgm:txPr/>
+    <dgm:style>
+      <a:lnRef idx="2">
+        <a:scrgbClr r="0" g="0" b="0"/>
+      </a:lnRef>
+      <a:fillRef idx="1">
+        <a:scrgbClr r="0" g="0" b="0"/>
+      </a:fillRef>
+      <a:effectRef idx="0">
+        <a:scrgbClr r="0" g="0" b="0"/>
+      </a:effectRef>
+      <a:fontRef idx="minor">
+        <a:schemeClr val="lt1"/>
+      </a:fontRef>
+    </dgm:style>
+  </dgm:styleLbl>
+  <dgm:styleLbl name="parChTrans2D4">
+    <dgm:scene3d>
+      <a:camera prst="orthographicFront"/>
+      <a:lightRig rig="threePt" dir="t"/>
+    </dgm:scene3d>
+    <dgm:sp3d/>
+    <dgm:txPr/>
+    <dgm:style>
+      <a:lnRef idx="2">
+        <a:scrgbClr r="0" g="0" b="0"/>
+      </a:lnRef>
+      <a:fillRef idx="1">
+        <a:scrgbClr r="0" g="0" b="0"/>
+      </a:fillRef>
+      <a:effectRef idx="0">
+        <a:scrgbClr r="0" g="0" b="0"/>
+      </a:effectRef>
+      <a:fontRef idx="minor">
+        <a:schemeClr val="lt1"/>
+      </a:fontRef>
+    </dgm:style>
+  </dgm:styleLbl>
+  <dgm:styleLbl name="parChTrans1D1">
+    <dgm:scene3d>
+      <a:camera prst="orthographicFront"/>
+      <a:lightRig rig="threePt" dir="t"/>
+    </dgm:scene3d>
+    <dgm:sp3d/>
+    <dgm:txPr/>
+    <dgm:style>
+      <a:lnRef idx="2">
+        <a:scrgbClr r="0" g="0" b="0"/>
+      </a:lnRef>
+      <a:fillRef idx="0">
+        <a:scrgbClr r="0" g="0" b="0"/>
+      </a:fillRef>
+      <a:effectRef idx="0">
+        <a:scrgbClr r="0" g="0" b="0"/>
+      </a:effectRef>
+      <a:fontRef idx="minor"/>
+    </dgm:style>
+  </dgm:styleLbl>
+  <dgm:styleLbl name="parChTrans1D2">
+    <dgm:scene3d>
+      <a:camera prst="orthographicFront"/>
+      <a:lightRig rig="threePt" dir="t"/>
+    </dgm:scene3d>
+    <dgm:sp3d/>
+    <dgm:txPr/>
+    <dgm:style>
+      <a:lnRef idx="2">
+        <a:scrgbClr r="0" g="0" b="0"/>
+      </a:lnRef>
+      <a:fillRef idx="0">
+        <a:scrgbClr r="0" g="0" b="0"/>
+      </a:fillRef>
+      <a:effectRef idx="0">
+        <a:scrgbClr r="0" g="0" b="0"/>
+      </a:effectRef>
+      <a:fontRef idx="minor"/>
+    </dgm:style>
+  </dgm:styleLbl>
+  <dgm:styleLbl name="parChTrans1D3">
+    <dgm:scene3d>
+      <a:camera prst="orthographicFront"/>
+      <a:lightRig rig="threePt" dir="t"/>
+    </dgm:scene3d>
+    <dgm:sp3d/>
+    <dgm:txPr/>
+    <dgm:style>
+      <a:lnRef idx="2">
+        <a:scrgbClr r="0" g="0" b="0"/>
+      </a:lnRef>
+      <a:fillRef idx="0">
+        <a:scrgbClr r="0" g="0" b="0"/>
+      </a:fillRef>
+      <a:effectRef idx="0">
+        <a:scrgbClr r="0" g="0" b="0"/>
+      </a:effectRef>
+      <a:fontRef idx="minor"/>
+    </dgm:style>
+  </dgm:styleLbl>
+  <dgm:styleLbl name="parChTrans1D4">
+    <dgm:scene3d>
+      <a:camera prst="orthographicFront"/>
+      <a:lightRig rig="threePt" dir="t"/>
+    </dgm:scene3d>
+    <dgm:sp3d/>
+    <dgm:txPr/>
+    <dgm:style>
+      <a:lnRef idx="2">
+        <a:scrgbClr r="0" g="0" b="0"/>
+      </a:lnRef>
+      <a:fillRef idx="0">
+        <a:scrgbClr r="0" g="0" b="0"/>
+      </a:fillRef>
+      <a:effectRef idx="0">
+        <a:scrgbClr r="0" g="0" b="0"/>
+      </a:effectRef>
+      <a:fontRef idx="minor"/>
+    </dgm:style>
+  </dgm:styleLbl>
+  <dgm:styleLbl name="fgAcc1">
+    <dgm:scene3d>
+      <a:camera prst="orthographicFront"/>
+      <a:lightRig rig="threePt" dir="t"/>
+    </dgm:scene3d>
+    <dgm:sp3d/>
+    <dgm:txPr/>
+    <dgm:style>
+      <a:lnRef idx="2">
+        <a:scrgbClr r="0" g="0" b="0"/>
+      </a:lnRef>
+      <a:fillRef idx="1">
+        <a:scrgbClr r="0" g="0" b="0"/>
+      </a:fillRef>
+      <a:effectRef idx="0">
+        <a:scrgbClr r="0" g="0" b="0"/>
+      </a:effectRef>
+      <a:fontRef idx="minor"/>
+    </dgm:style>
+  </dgm:styleLbl>
+  <dgm:styleLbl name="conFgAcc1">
+    <dgm:scene3d>
+      <a:camera prst="orthographicFront"/>
+      <a:lightRig rig="threePt" dir="t"/>
+    </dgm:scene3d>
+    <dgm:sp3d/>
+    <dgm:txPr/>
+    <dgm:style>
+      <a:lnRef idx="2">
+        <a:scrgbClr r="0" g="0" b="0"/>
+      </a:lnRef>
+      <a:fillRef idx="1">
+        <a:scrgbClr r="0" g="0" b="0"/>
+      </a:fillRef>
+      <a:effectRef idx="0">
+        <a:scrgbClr r="0" g="0" b="0"/>
+      </a:effectRef>
+      <a:fontRef idx="minor"/>
+    </dgm:style>
+  </dgm:styleLbl>
+  <dgm:styleLbl name="alignAcc1">
+    <dgm:scene3d>
+      <a:camera prst="orthographicFront"/>
+      <a:lightRig rig="threePt" dir="t"/>
+    </dgm:scene3d>
+    <dgm:sp3d/>
+    <dgm:txPr/>
+    <dgm:style>
+      <a:lnRef idx="2">
+        <a:scrgbClr r="0" g="0" b="0"/>
+      </a:lnRef>
+      <a:fillRef idx="1">
+        <a:scrgbClr r="0" g="0" b="0"/>
+      </a:fillRef>
+      <a:effectRef idx="0">
+        <a:scrgbClr r="0" g="0" b="0"/>
+      </a:effectRef>
+      <a:fontRef idx="minor"/>
+    </dgm:style>
+  </dgm:styleLbl>
+  <dgm:styleLbl name="trAlignAcc1">
+    <dgm:scene3d>
+      <a:camera prst="orthographicFront"/>
+      <a:lightRig rig="threePt" dir="t"/>
+    </dgm:scene3d>
+    <dgm:sp3d/>
+    <dgm:txPr/>
+    <dgm:style>
+      <a:lnRef idx="1">
+        <a:scrgbClr r="0" g="0" b="0"/>
+      </a:lnRef>
+      <a:fillRef idx="1">
+        <a:scrgbClr r="0" g="0" b="0"/>
+      </a:fillRef>
+      <a:effectRef idx="0">
+        <a:scrgbClr r="0" g="0" b="0"/>
+      </a:effectRef>
+      <a:fontRef idx="minor"/>
+    </dgm:style>
+  </dgm:styleLbl>
+  <dgm:styleLbl name="bgAcc1">
+    <dgm:scene3d>
+      <a:camera prst="orthographicFront"/>
+      <a:lightRig rig="threePt" dir="t"/>
+    </dgm:scene3d>
+    <dgm:sp3d/>
+    <dgm:txPr/>
+    <dgm:style>
+      <a:lnRef idx="2">
+        <a:scrgbClr r="0" g="0" b="0"/>
+      </a:lnRef>
+      <a:fillRef idx="1">
+        <a:scrgbClr r="0" g="0" b="0"/>
+      </a:fillRef>
+      <a:effectRef idx="0">
+        <a:scrgbClr r="0" g="0" b="0"/>
+      </a:effectRef>
+      <a:fontRef idx="minor"/>
+    </dgm:style>
+  </dgm:styleLbl>
+  <dgm:styleLbl name="solidFgAcc1">
+    <dgm:scene3d>
+      <a:camera prst="orthographicFront"/>
+      <a:lightRig rig="threePt" dir="t"/>
+    </dgm:scene3d>
+    <dgm:sp3d/>
+    <dgm:txPr/>
+    <dgm:style>
+      <a:lnRef idx="2">
+        <a:scrgbClr r="0" g="0" b="0"/>
+      </a:lnRef>
+      <a:fillRef idx="1">
+        <a:scrgbClr r="0" g="0" b="0"/>
+      </a:fillRef>
+      <a:effectRef idx="0">
+        <a:scrgbClr r="0" g="0" b="0"/>
+      </a:effectRef>
+      <a:fontRef idx="minor"/>
+    </dgm:style>
+  </dgm:styleLbl>
+  <dgm:styleLbl name="solidAlignAcc1">
+    <dgm:scene3d>
+      <a:camera prst="orthographicFront"/>
+      <a:lightRig rig="threePt" dir="t"/>
+    </dgm:scene3d>
+    <dgm:sp3d/>
+    <dgm:txPr/>
+    <dgm:style>
+      <a:lnRef idx="2">
+        <a:scrgbClr r="0" g="0" b="0"/>
+      </a:lnRef>
+      <a:fillRef idx="1">
+        <a:scrgbClr r="0" g="0" b="0"/>
+      </a:fillRef>
+      <a:effectRef idx="0">
+        <a:scrgbClr r="0" g="0" b="0"/>
+      </a:effectRef>
+      <a:fontRef idx="minor"/>
+    </dgm:style>
+  </dgm:styleLbl>
+  <dgm:styleLbl name="solidBgAcc1">
+    <dgm:scene3d>
+      <a:camera prst="orthographicFront"/>
+      <a:lightRig rig="threePt" dir="t"/>
+    </dgm:scene3d>
+    <dgm:sp3d/>
+    <dgm:txPr/>
+    <dgm:style>
+      <a:lnRef idx="2">
+        <a:scrgbClr r="0" g="0" b="0"/>
+      </a:lnRef>
+      <a:fillRef idx="1">
+        <a:scrgbClr r="0" g="0" b="0"/>
+      </a:fillRef>
+      <a:effectRef idx="0">
+        <a:scrgbClr r="0" g="0" b="0"/>
+      </a:effectRef>
+      <a:fontRef idx="minor"/>
+    </dgm:style>
+  </dgm:styleLbl>
+  <dgm:styleLbl name="fgAccFollowNode1">
+    <dgm:scene3d>
+      <a:camera prst="orthographicFront"/>
+      <a:lightRig rig="threePt" dir="t"/>
+    </dgm:scene3d>
+    <dgm:sp3d/>
+    <dgm:txPr/>
+    <dgm:style>
+      <a:lnRef idx="2">
+        <a:scrgbClr r="0" g="0" b="0"/>
+      </a:lnRef>
+      <a:fillRef idx="1">
+        <a:scrgbClr r="0" g="0" b="0"/>
+      </a:fillRef>
+      <a:effectRef idx="0">
+        <a:scrgbClr r="0" g="0" b="0"/>
+      </a:effectRef>
+      <a:fontRef idx="minor"/>
+    </dgm:style>
+  </dgm:styleLbl>
+  <dgm:styleLbl name="alignAccFollowNode1">
+    <dgm:scene3d>
+      <a:camera prst="orthographicFront"/>
+      <a:lightRig rig="threePt" dir="t"/>
+    </dgm:scene3d>
+    <dgm:sp3d/>
+    <dgm:txPr/>
+    <dgm:style>
+      <a:lnRef idx="2">
+        <a:scrgbClr r="0" g="0" b="0"/>
+      </a:lnRef>
+      <a:fillRef idx="1">
+        <a:scrgbClr r="0" g="0" b="0"/>
+      </a:fillRef>
+      <a:effectRef idx="0">
+        <a:scrgbClr r="0" g="0" b="0"/>
+      </a:effectRef>
+      <a:fontRef idx="minor"/>
+    </dgm:style>
+  </dgm:styleLbl>
+  <dgm:styleLbl name="bgAccFollowNode1">
+    <dgm:scene3d>
+      <a:camera prst="orthographicFront"/>
+      <a:lightRig rig="threePt" dir="t"/>
+    </dgm:scene3d>
+    <dgm:sp3d/>
+    <dgm:txPr/>
+    <dgm:style>
+      <a:lnRef idx="2">
+        <a:scrgbClr r="0" g="0" b="0"/>
+      </a:lnRef>
+      <a:fillRef idx="1">
+        <a:scrgbClr r="0" g="0" b="0"/>
+      </a:fillRef>
+      <a:effectRef idx="0">
+        <a:scrgbClr r="0" g="0" b="0"/>
+      </a:effectRef>
+      <a:fontRef idx="minor"/>
+    </dgm:style>
+  </dgm:styleLbl>
+  <dgm:styleLbl name="fgAcc0">
+    <dgm:scene3d>
+      <a:camera prst="orthographicFront"/>
+      <a:lightRig rig="threePt" dir="t"/>
+    </dgm:scene3d>
+    <dgm:sp3d/>
+    <dgm:txPr/>
+    <dgm:style>
+      <a:lnRef idx="2">
+        <a:scrgbClr r="0" g="0" b="0"/>
+      </a:lnRef>
+      <a:fillRef idx="1">
+        <a:scrgbClr r="0" g="0" b="0"/>
+      </a:fillRef>
+      <a:effectRef idx="0">
+        <a:scrgbClr r="0" g="0" b="0"/>
+      </a:effectRef>
+      <a:fontRef idx="minor"/>
+    </dgm:style>
+  </dgm:styleLbl>
+  <dgm:styleLbl name="fgAcc2">
+    <dgm:scene3d>
+      <a:camera prst="orthographicFront"/>
+      <a:lightRig rig="threePt" dir="t"/>
+    </dgm:scene3d>
+    <dgm:sp3d/>
+    <dgm:txPr/>
+    <dgm:style>
+      <a:lnRef idx="2">
+        <a:scrgbClr r="0" g="0" b="0"/>
+      </a:lnRef>
+      <a:fillRef idx="1">
+        <a:scrgbClr r="0" g="0" b="0"/>
+      </a:fillRef>
+      <a:effectRef idx="0">
+        <a:scrgbClr r="0" g="0" b="0"/>
+      </a:effectRef>
+      <a:fontRef idx="minor"/>
+    </dgm:style>
+  </dgm:styleLbl>
+  <dgm:styleLbl name="fgAcc3">
+    <dgm:scene3d>
+      <a:camera prst="orthographicFront"/>
+      <a:lightRig rig="threePt" dir="t"/>
+    </dgm:scene3d>
+    <dgm:sp3d/>
+    <dgm:txPr/>
+    <dgm:style>
+      <a:lnRef idx="2">
+        <a:scrgbClr r="0" g="0" b="0"/>
+      </a:lnRef>
+      <a:fillRef idx="1">
+        <a:scrgbClr r="0" g="0" b="0"/>
+      </a:fillRef>
+      <a:effectRef idx="0">
+        <a:scrgbClr r="0" g="0" b="0"/>
+      </a:effectRef>
+      <a:fontRef idx="minor"/>
+    </dgm:style>
+  </dgm:styleLbl>
+  <dgm:styleLbl name="fgAcc4">
+    <dgm:scene3d>
+      <a:camera prst="orthographicFront"/>
+      <a:lightRig rig="threePt" dir="t"/>
+    </dgm:scene3d>
+    <dgm:sp3d/>
+    <dgm:txPr/>
+    <dgm:style>
+      <a:lnRef idx="2">
+        <a:scrgbClr r="0" g="0" b="0"/>
+      </a:lnRef>
+      <a:fillRef idx="1">
+        <a:scrgbClr r="0" g="0" b="0"/>
+      </a:fillRef>
+      <a:effectRef idx="0">
+        <a:scrgbClr r="0" g="0" b="0"/>
+      </a:effectRef>
+      <a:fontRef idx="minor"/>
+    </dgm:style>
+  </dgm:styleLbl>
+  <dgm:styleLbl name="bgShp">
+    <dgm:scene3d>
+      <a:camera prst="orthographicFront"/>
+      <a:lightRig rig="threePt" dir="t"/>
+    </dgm:scene3d>
+    <dgm:sp3d/>
+    <dgm:txPr/>
+    <dgm:style>
+      <a:lnRef idx="0">
+        <a:scrgbClr r="0" g="0" b="0"/>
+      </a:lnRef>
+      <a:fillRef idx="1">
+        <a:scrgbClr r="0" g="0" b="0"/>
+      </a:fillRef>
+      <a:effectRef idx="0">
+        <a:scrgbClr r="0" g="0" b="0"/>
+      </a:effectRef>
+      <a:fontRef idx="minor"/>
+    </dgm:style>
+  </dgm:styleLbl>
+  <dgm:styleLbl name="dkBgShp">
+    <dgm:scene3d>
+      <a:camera prst="orthographicFront"/>
+      <a:lightRig rig="threePt" dir="t"/>
+    </dgm:scene3d>
+    <dgm:sp3d/>
+    <dgm:txPr/>
+    <dgm:style>
+      <a:lnRef idx="0">
+        <a:scrgbClr r="0" g="0" b="0"/>
+      </a:lnRef>
+      <a:fillRef idx="1">
+        <a:scrgbClr r="0" g="0" b="0"/>
+      </a:fillRef>
+      <a:effectRef idx="0">
+        <a:scrgbClr r="0" g="0" b="0"/>
+      </a:effectRef>
+      <a:fontRef idx="minor"/>
+    </dgm:style>
+  </dgm:styleLbl>
+  <dgm:styleLbl name="trBgShp">
+    <dgm:scene3d>
+      <a:camera prst="orthographicFront"/>
+      <a:lightRig rig="threePt" dir="t"/>
+    </dgm:scene3d>
+    <dgm:sp3d/>
+    <dgm:txPr/>
+    <dgm:style>
+      <a:lnRef idx="0">
+        <a:scrgbClr r="0" g="0" b="0"/>
+      </a:lnRef>
+      <a:fillRef idx="1">
+        <a:scrgbClr r="0" g="0" b="0"/>
+      </a:fillRef>
+      <a:effectRef idx="0">
+        <a:scrgbClr r="0" g="0" b="0"/>
+      </a:effectRef>
+      <a:fontRef idx="minor"/>
+    </dgm:style>
+  </dgm:styleLbl>
+  <dgm:styleLbl name="fgShp">
+    <dgm:scene3d>
+      <a:camera prst="orthographicFront"/>
+      <a:lightRig rig="threePt" dir="t"/>
+    </dgm:scene3d>
+    <dgm:sp3d/>
+    <dgm:txPr/>
+    <dgm:style>
+      <a:lnRef idx="2">
+        <a:scrgbClr r="0" g="0" b="0"/>
+      </a:lnRef>
+      <a:fillRef idx="1">
+        <a:scrgbClr r="0" g="0" b="0"/>
+      </a:fillRef>
+      <a:effectRef idx="0">
+        <a:scrgbClr r="0" g="0" b="0"/>
+      </a:effectRef>
+      <a:fontRef idx="minor"/>
+    </dgm:style>
+  </dgm:styleLbl>
+  <dgm:styleLbl name="revTx">
+    <dgm:scene3d>
+      <a:camera prst="orthographicFront"/>
+      <a:lightRig rig="threePt" dir="t"/>
+    </dgm:scene3d>
+    <dgm:sp3d/>
+    <dgm:txPr/>
+    <dgm:style>
+      <a:lnRef idx="0">
+        <a:scrgbClr r="0" g="0" b="0"/>
+      </a:lnRef>
+      <a:fillRef idx="0">
+        <a:scrgbClr r="0" g="0" b="0"/>
+      </a:fillRef>
+      <a:effectRef idx="0">
+        <a:scrgbClr r="0" g="0" b="0"/>
+      </a:effectRef>
+      <a:fontRef idx="minor"/>
+    </dgm:style>
+  </dgm:styleLbl>
+</dgm:styleDef>
+</file>
+
+<file path=ppt/diagrams/quickStyle5.xml><?xml version="1.0" encoding="utf-8"?>
+<dgm:styleDef xmlns:dgm="http://schemas.openxmlformats.org/drawingml/2006/diagram" xmlns:a="http://schemas.openxmlformats.org/drawingml/2006/main" uniqueId="urn:microsoft.com/office/officeart/2005/8/quickstyle/simple1">
+  <dgm:title val=""/>
+  <dgm:desc val=""/>
+  <dgm:catLst>
+    <dgm:cat type="simple" pri="10100"/>
+  </dgm:catLst>
+  <dgm:scene3d>
+    <a:camera prst="orthographicFront"/>
+    <a:lightRig rig="threePt" dir="t"/>
+  </dgm:scene3d>
+  <dgm:styleLbl name="node0">
+    <dgm:scene3d>
+      <a:camera prst="orthographicFront"/>
+      <a:lightRig rig="threePt" dir="t"/>
+    </dgm:scene3d>
+    <dgm:sp3d/>
+    <dgm:txPr/>
+    <dgm:style>
+      <a:lnRef idx="2">
+        <a:scrgbClr r="0" g="0" b="0"/>
+      </a:lnRef>
+      <a:fillRef idx="1">
+        <a:scrgbClr r="0" g="0" b="0"/>
+      </a:fillRef>
+      <a:effectRef idx="0">
+        <a:scrgbClr r="0" g="0" b="0"/>
+      </a:effectRef>
+      <a:fontRef idx="minor">
+        <a:schemeClr val="lt1"/>
+      </a:fontRef>
+    </dgm:style>
+  </dgm:styleLbl>
+  <dgm:styleLbl name="lnNode1">
+    <dgm:scene3d>
+      <a:camera prst="orthographicFront"/>
+      <a:lightRig rig="threePt" dir="t"/>
+    </dgm:scene3d>
+    <dgm:sp3d/>
+    <dgm:txPr/>
+    <dgm:style>
+      <a:lnRef idx="2">
+        <a:scrgbClr r="0" g="0" b="0"/>
+      </a:lnRef>
+      <a:fillRef idx="1">
+        <a:scrgbClr r="0" g="0" b="0"/>
+      </a:fillRef>
+      <a:effectRef idx="0">
+        <a:scrgbClr r="0" g="0" b="0"/>
+      </a:effectRef>
+      <a:fontRef idx="minor">
+        <a:schemeClr val="lt1"/>
+      </a:fontRef>
+    </dgm:style>
+  </dgm:styleLbl>
+  <dgm:styleLbl name="vennNode1">
+    <dgm:scene3d>
+      <a:camera prst="orthographicFront"/>
+      <a:lightRig rig="threePt" dir="t"/>
+    </dgm:scene3d>
+    <dgm:sp3d/>
+    <dgm:txPr/>
+    <dgm:style>
+      <a:lnRef idx="2">
+        <a:scrgbClr r="0" g="0" b="0"/>
+      </a:lnRef>
+      <a:fillRef idx="1">
+        <a:scrgbClr r="0" g="0" b="0"/>
+      </a:fillRef>
+      <a:effectRef idx="0">
+        <a:scrgbClr r="0" g="0" b="0"/>
+      </a:effectRef>
+      <a:fontRef idx="minor">
+        <a:schemeClr val="tx1"/>
+      </a:fontRef>
+    </dgm:style>
+  </dgm:styleLbl>
+  <dgm:styleLbl name="alignNode1">
+    <dgm:scene3d>
+      <a:camera prst="orthographicFront"/>
+      <a:lightRig rig="threePt" dir="t"/>
+    </dgm:scene3d>
+    <dgm:sp3d/>
+    <dgm:txPr/>
+    <dgm:style>
+      <a:lnRef idx="2">
+        <a:scrgbClr r="0" g="0" b="0"/>
+      </a:lnRef>
+      <a:fillRef idx="1">
+        <a:scrgbClr r="0" g="0" b="0"/>
+      </a:fillRef>
+      <a:effectRef idx="0">
+        <a:scrgbClr r="0" g="0" b="0"/>
+      </a:effectRef>
+      <a:fontRef idx="minor">
+        <a:schemeClr val="lt1"/>
+      </a:fontRef>
+    </dgm:style>
+  </dgm:styleLbl>
+  <dgm:styleLbl name="node1">
+    <dgm:scene3d>
+      <a:camera prst="orthographicFront"/>
+      <a:lightRig rig="threePt" dir="t"/>
+    </dgm:scene3d>
+    <dgm:sp3d/>
+    <dgm:txPr/>
+    <dgm:style>
+      <a:lnRef idx="2">
+        <a:scrgbClr r="0" g="0" b="0"/>
+      </a:lnRef>
+      <a:fillRef idx="1">
+        <a:scrgbClr r="0" g="0" b="0"/>
+      </a:fillRef>
+      <a:effectRef idx="0">
+        <a:scrgbClr r="0" g="0" b="0"/>
+      </a:effectRef>
+      <a:fontRef idx="minor">
+        <a:schemeClr val="lt1"/>
+      </a:fontRef>
+    </dgm:style>
+  </dgm:styleLbl>
+  <dgm:styleLbl name="node2">
+    <dgm:scene3d>
+      <a:camera prst="orthographicFront"/>
+      <a:lightRig rig="threePt" dir="t"/>
+    </dgm:scene3d>
+    <dgm:sp3d/>
+    <dgm:txPr/>
+    <dgm:style>
+      <a:lnRef idx="2">
+        <a:scrgbClr r="0" g="0" b="0"/>
+      </a:lnRef>
+      <a:fillRef idx="1">
+        <a:scrgbClr r="0" g="0" b="0"/>
+      </a:fillRef>
+      <a:effectRef idx="0">
+        <a:scrgbClr r="0" g="0" b="0"/>
+      </a:effectRef>
+      <a:fontRef idx="minor">
+        <a:schemeClr val="lt1"/>
+      </a:fontRef>
+    </dgm:style>
+  </dgm:styleLbl>
+  <dgm:styleLbl name="node3">
+    <dgm:scene3d>
+      <a:camera prst="orthographicFront"/>
+      <a:lightRig rig="threePt" dir="t"/>
+    </dgm:scene3d>
+    <dgm:sp3d/>
+    <dgm:txPr/>
+    <dgm:style>
+      <a:lnRef idx="2">
+        <a:scrgbClr r="0" g="0" b="0"/>
+      </a:lnRef>
+      <a:fillRef idx="1">
+        <a:scrgbClr r="0" g="0" b="0"/>
+      </a:fillRef>
+      <a:effectRef idx="0">
+        <a:scrgbClr r="0" g="0" b="0"/>
+      </a:effectRef>
+      <a:fontRef idx="minor">
+        <a:schemeClr val="lt1"/>
+      </a:fontRef>
+    </dgm:style>
+  </dgm:styleLbl>
+  <dgm:styleLbl name="node4">
+    <dgm:scene3d>
+      <a:camera prst="orthographicFront"/>
+      <a:lightRig rig="threePt" dir="t"/>
+    </dgm:scene3d>
+    <dgm:sp3d/>
+    <dgm:txPr/>
+    <dgm:style>
+      <a:lnRef idx="2">
+        <a:scrgbClr r="0" g="0" b="0"/>
+      </a:lnRef>
+      <a:fillRef idx="1">
+        <a:scrgbClr r="0" g="0" b="0"/>
+      </a:fillRef>
+      <a:effectRef idx="0">
+        <a:scrgbClr r="0" g="0" b="0"/>
+      </a:effectRef>
+      <a:fontRef idx="minor">
+        <a:schemeClr val="lt1"/>
+      </a:fontRef>
+    </dgm:style>
+  </dgm:styleLbl>
+  <dgm:styleLbl name="fgImgPlace1">
+    <dgm:scene3d>
+      <a:camera prst="orthographicFront"/>
+      <a:lightRig rig="threePt" dir="t"/>
+    </dgm:scene3d>
+    <dgm:sp3d/>
+    <dgm:txPr/>
+    <dgm:style>
+      <a:lnRef idx="2">
+        <a:scrgbClr r="0" g="0" b="0"/>
+      </a:lnRef>
+      <a:fillRef idx="1">
+        <a:scrgbClr r="0" g="0" b="0"/>
+      </a:fillRef>
+      <a:effectRef idx="0">
+        <a:scrgbClr r="0" g="0" b="0"/>
+      </a:effectRef>
+      <a:fontRef idx="minor"/>
+    </dgm:style>
+  </dgm:styleLbl>
+  <dgm:styleLbl name="alignImgPlace1">
+    <dgm:scene3d>
+      <a:camera prst="orthographicFront"/>
+      <a:lightRig rig="threePt" dir="t"/>
+    </dgm:scene3d>
+    <dgm:sp3d/>
+    <dgm:txPr/>
+    <dgm:style>
+      <a:lnRef idx="2">
+        <a:scrgbClr r="0" g="0" b="0"/>
+      </a:lnRef>
+      <a:fillRef idx="1">
+        <a:scrgbClr r="0" g="0" b="0"/>
+      </a:fillRef>
+      <a:effectRef idx="0">
+        <a:scrgbClr r="0" g="0" b="0"/>
+      </a:effectRef>
+      <a:fontRef idx="minor"/>
+    </dgm:style>
+  </dgm:styleLbl>
+  <dgm:styleLbl name="bgImgPlace1">
+    <dgm:scene3d>
+      <a:camera prst="orthographicFront"/>
+      <a:lightRig rig="threePt" dir="t"/>
+    </dgm:scene3d>
+    <dgm:sp3d/>
+    <dgm:txPr/>
+    <dgm:style>
+      <a:lnRef idx="2">
+        <a:scrgbClr r="0" g="0" b="0"/>
+      </a:lnRef>
+      <a:fillRef idx="1">
+        <a:scrgbClr r="0" g="0" b="0"/>
+      </a:fillRef>
+      <a:effectRef idx="0">
+        <a:scrgbClr r="0" g="0" b="0"/>
+      </a:effectRef>
+      <a:fontRef idx="minor"/>
+    </dgm:style>
+  </dgm:styleLbl>
+  <dgm:styleLbl name="sibTrans2D1">
+    <dgm:scene3d>
+      <a:camera prst="orthographicFront"/>
+      <a:lightRig rig="threePt" dir="t"/>
+    </dgm:scene3d>
+    <dgm:sp3d/>
+    <dgm:txPr/>
+    <dgm:style>
+      <a:lnRef idx="0">
+        <a:scrgbClr r="0" g="0" b="0"/>
+      </a:lnRef>
+      <a:fillRef idx="1">
+        <a:scrgbClr r="0" g="0" b="0"/>
+      </a:fillRef>
+      <a:effectRef idx="0">
+        <a:scrgbClr r="0" g="0" b="0"/>
+      </a:effectRef>
+      <a:fontRef idx="minor">
+        <a:schemeClr val="lt1"/>
+      </a:fontRef>
+    </dgm:style>
+  </dgm:styleLbl>
+  <dgm:styleLbl name="fgSibTrans2D1">
+    <dgm:scene3d>
+      <a:camera prst="orthographicFront"/>
+      <a:lightRig rig="threePt" dir="t"/>
+    </dgm:scene3d>
+    <dgm:sp3d/>
+    <dgm:txPr/>
+    <dgm:style>
+      <a:lnRef idx="0">
+        <a:scrgbClr r="0" g="0" b="0"/>
+      </a:lnRef>
+      <a:fillRef idx="1">
+        <a:scrgbClr r="0" g="0" b="0"/>
+      </a:fillRef>
+      <a:effectRef idx="0">
+        <a:scrgbClr r="0" g="0" b="0"/>
+      </a:effectRef>
+      <a:fontRef idx="minor">
+        <a:schemeClr val="lt1"/>
+      </a:fontRef>
+    </dgm:style>
+  </dgm:styleLbl>
+  <dgm:styleLbl name="bgSibTrans2D1">
+    <dgm:scene3d>
+      <a:camera prst="orthographicFront"/>
+      <a:lightRig rig="threePt" dir="t"/>
+    </dgm:scene3d>
+    <dgm:sp3d/>
+    <dgm:txPr/>
+    <dgm:style>
+      <a:lnRef idx="0">
+        <a:scrgbClr r="0" g="0" b="0"/>
+      </a:lnRef>
+      <a:fillRef idx="1">
+        <a:scrgbClr r="0" g="0" b="0"/>
+      </a:fillRef>
+      <a:effectRef idx="0">
+        <a:scrgbClr r="0" g="0" b="0"/>
+      </a:effectRef>
+      <a:fontRef idx="minor">
+        <a:schemeClr val="lt1"/>
+      </a:fontRef>
+    </dgm:style>
+  </dgm:styleLbl>
+  <dgm:styleLbl name="sibTrans1D1">
+    <dgm:scene3d>
+      <a:camera prst="orthographicFront"/>
+      <a:lightRig rig="threePt" dir="t"/>
+    </dgm:scene3d>
+    <dgm:sp3d/>
+    <dgm:txPr/>
+    <dgm:style>
+      <a:lnRef idx="1">
+        <a:scrgbClr r="0" g="0" b="0"/>
+      </a:lnRef>
+      <a:fillRef idx="0">
+        <a:scrgbClr r="0" g="0" b="0"/>
+      </a:fillRef>
+      <a:effectRef idx="0">
+        <a:scrgbClr r="0" g="0" b="0"/>
+      </a:effectRef>
+      <a:fontRef idx="minor"/>
+    </dgm:style>
+  </dgm:styleLbl>
+  <dgm:styleLbl name="callout">
+    <dgm:scene3d>
+      <a:camera prst="orthographicFront"/>
+      <a:lightRig rig="threePt" dir="t"/>
+    </dgm:scene3d>
+    <dgm:sp3d/>
+    <dgm:txPr/>
+    <dgm:style>
+      <a:lnRef idx="2">
+        <a:scrgbClr r="0" g="0" b="0"/>
+      </a:lnRef>
+      <a:fillRef idx="1">
+        <a:scrgbClr r="0" g="0" b="0"/>
+      </a:fillRef>
+      <a:effectRef idx="0">
+        <a:scrgbClr r="0" g="0" b="0"/>
+      </a:effectRef>
+      <a:fontRef idx="minor"/>
+    </dgm:style>
+  </dgm:styleLbl>
+  <dgm:styleLbl name="asst0">
+    <dgm:scene3d>
+      <a:camera prst="orthographicFront"/>
+      <a:lightRig rig="threePt" dir="t"/>
+    </dgm:scene3d>
+    <dgm:sp3d/>
+    <dgm:txPr/>
+    <dgm:style>
+      <a:lnRef idx="2">
+        <a:scrgbClr r="0" g="0" b="0"/>
+      </a:lnRef>
+      <a:fillRef idx="1">
+        <a:scrgbClr r="0" g="0" b="0"/>
+      </a:fillRef>
+      <a:effectRef idx="0">
+        <a:scrgbClr r="0" g="0" b="0"/>
+      </a:effectRef>
+      <a:fontRef idx="minor">
+        <a:schemeClr val="lt1"/>
+      </a:fontRef>
+    </dgm:style>
+  </dgm:styleLbl>
+  <dgm:styleLbl name="asst1">
+    <dgm:scene3d>
+      <a:camera prst="orthographicFront"/>
+      <a:lightRig rig="threePt" dir="t"/>
+    </dgm:scene3d>
+    <dgm:sp3d/>
+    <dgm:txPr/>
+    <dgm:style>
+      <a:lnRef idx="2">
+        <a:scrgbClr r="0" g="0" b="0"/>
+      </a:lnRef>
+      <a:fillRef idx="1">
+        <a:scrgbClr r="0" g="0" b="0"/>
+      </a:fillRef>
+      <a:effectRef idx="0">
+        <a:scrgbClr r="0" g="0" b="0"/>
+      </a:effectRef>
+      <a:fontRef idx="minor">
+        <a:schemeClr val="lt1"/>
+      </a:fontRef>
+    </dgm:style>
+  </dgm:styleLbl>
+  <dgm:styleLbl name="asst2">
+    <dgm:scene3d>
+      <a:camera prst="orthographicFront"/>
+      <a:lightRig rig="threePt" dir="t"/>
+    </dgm:scene3d>
+    <dgm:sp3d/>
+    <dgm:txPr/>
+    <dgm:style>
+      <a:lnRef idx="2">
+        <a:scrgbClr r="0" g="0" b="0"/>
+      </a:lnRef>
+      <a:fillRef idx="1">
+        <a:scrgbClr r="0" g="0" b="0"/>
+      </a:fillRef>
+      <a:effectRef idx="0">
+        <a:scrgbClr r="0" g="0" b="0"/>
+      </a:effectRef>
+      <a:fontRef idx="minor">
+        <a:schemeClr val="lt1"/>
+      </a:fontRef>
+    </dgm:style>
+  </dgm:styleLbl>
+  <dgm:styleLbl name="asst3">
+    <dgm:scene3d>
+      <a:camera prst="orthographicFront"/>
+      <a:lightRig rig="threePt" dir="t"/>
+    </dgm:scene3d>
+    <dgm:sp3d/>
+    <dgm:txPr/>
+    <dgm:style>
+      <a:lnRef idx="2">
+        <a:scrgbClr r="0" g="0" b="0"/>
+      </a:lnRef>
+      <a:fillRef idx="1">
+        <a:scrgbClr r="0" g="0" b="0"/>
+      </a:fillRef>
+      <a:effectRef idx="0">
+        <a:scrgbClr r="0" g="0" b="0"/>
+      </a:effectRef>
+      <a:fontRef idx="minor">
+        <a:schemeClr val="lt1"/>
+      </a:fontRef>
+    </dgm:style>
+  </dgm:styleLbl>
+  <dgm:styleLbl name="asst4">
+    <dgm:scene3d>
+      <a:camera prst="orthographicFront"/>
+      <a:lightRig rig="threePt" dir="t"/>
+    </dgm:scene3d>
+    <dgm:sp3d/>
+    <dgm:txPr/>
+    <dgm:style>
+      <a:lnRef idx="2">
+        <a:scrgbClr r="0" g="0" b="0"/>
+      </a:lnRef>
+      <a:fillRef idx="1">
+        <a:scrgbClr r="0" g="0" b="0"/>
+      </a:fillRef>
+      <a:effectRef idx="0">
+        <a:scrgbClr r="0" g="0" b="0"/>
+      </a:effectRef>
+      <a:fontRef idx="minor">
+        <a:schemeClr val="lt1"/>
+      </a:fontRef>
+    </dgm:style>
+  </dgm:styleLbl>
+  <dgm:styleLbl name="parChTrans2D1">
+    <dgm:scene3d>
+      <a:camera prst="orthographicFront"/>
+      <a:lightRig rig="threePt" dir="t"/>
+    </dgm:scene3d>
+    <dgm:sp3d/>
+    <dgm:txPr/>
+    <dgm:style>
+      <a:lnRef idx="2">
+        <a:scrgbClr r="0" g="0" b="0"/>
+      </a:lnRef>
+      <a:fillRef idx="1">
+        <a:scrgbClr r="0" g="0" b="0"/>
+      </a:fillRef>
+      <a:effectRef idx="0">
+        <a:scrgbClr r="0" g="0" b="0"/>
+      </a:effectRef>
+      <a:fontRef idx="minor">
+        <a:schemeClr val="lt1"/>
+      </a:fontRef>
+    </dgm:style>
+  </dgm:styleLbl>
+  <dgm:styleLbl name="parChTrans2D2">
+    <dgm:scene3d>
+      <a:camera prst="orthographicFront"/>
+      <a:lightRig rig="threePt" dir="t"/>
+    </dgm:scene3d>
+    <dgm:sp3d/>
+    <dgm:txPr/>
+    <dgm:style>
+      <a:lnRef idx="2">
+        <a:scrgbClr r="0" g="0" b="0"/>
+      </a:lnRef>
+      <a:fillRef idx="1">
+        <a:scrgbClr r="0" g="0" b="0"/>
+      </a:fillRef>
+      <a:effectRef idx="0">
+        <a:scrgbClr r="0" g="0" b="0"/>
+      </a:effectRef>
+      <a:fontRef idx="minor">
+        <a:schemeClr val="lt1"/>
+      </a:fontRef>
+    </dgm:style>
+  </dgm:styleLbl>
+  <dgm:styleLbl name="parChTrans2D3">
+    <dgm:scene3d>
+      <a:camera prst="orthographicFront"/>
+      <a:lightRig rig="threePt" dir="t"/>
+    </dgm:scene3d>
+    <dgm:sp3d/>
+    <dgm:txPr/>
+    <dgm:style>
+      <a:lnRef idx="2">
+        <a:scrgbClr r="0" g="0" b="0"/>
+      </a:lnRef>
+      <a:fillRef idx="1">
+        <a:scrgbClr r="0" g="0" b="0"/>
+      </a:fillRef>
+      <a:effectRef idx="0">
+        <a:scrgbClr r="0" g="0" b="0"/>
+      </a:effectRef>
+      <a:fontRef idx="minor">
+        <a:schemeClr val="lt1"/>
+      </a:fontRef>
+    </dgm:style>
+  </dgm:styleLbl>
+  <dgm:styleLbl name="parChTrans2D4">
+    <dgm:scene3d>
+      <a:camera prst="orthographicFront"/>
+      <a:lightRig rig="threePt" dir="t"/>
+    </dgm:scene3d>
+    <dgm:sp3d/>
+    <dgm:txPr/>
+    <dgm:style>
+      <a:lnRef idx="2">
+        <a:scrgbClr r="0" g="0" b="0"/>
+      </a:lnRef>
+      <a:fillRef idx="1">
+        <a:scrgbClr r="0" g="0" b="0"/>
+      </a:fillRef>
+      <a:effectRef idx="0">
+        <a:scrgbClr r="0" g="0" b="0"/>
+      </a:effectRef>
+      <a:fontRef idx="minor">
+        <a:schemeClr val="lt1"/>
+      </a:fontRef>
+    </dgm:style>
+  </dgm:styleLbl>
+  <dgm:styleLbl name="parChTrans1D1">
+    <dgm:scene3d>
+      <a:camera prst="orthographicFront"/>
+      <a:lightRig rig="threePt" dir="t"/>
+    </dgm:scene3d>
+    <dgm:sp3d/>
+    <dgm:txPr/>
+    <dgm:style>
+      <a:lnRef idx="2">
+        <a:scrgbClr r="0" g="0" b="0"/>
+      </a:lnRef>
+      <a:fillRef idx="0">
+        <a:scrgbClr r="0" g="0" b="0"/>
+      </a:fillRef>
+      <a:effectRef idx="0">
+        <a:scrgbClr r="0" g="0" b="0"/>
+      </a:effectRef>
+      <a:fontRef idx="minor"/>
+    </dgm:style>
+  </dgm:styleLbl>
+  <dgm:styleLbl name="parChTrans1D2">
+    <dgm:scene3d>
+      <a:camera prst="orthographicFront"/>
+      <a:lightRig rig="threePt" dir="t"/>
+    </dgm:scene3d>
+    <dgm:sp3d/>
+    <dgm:txPr/>
+    <dgm:style>
+      <a:lnRef idx="2">
+        <a:scrgbClr r="0" g="0" b="0"/>
+      </a:lnRef>
+      <a:fillRef idx="0">
+        <a:scrgbClr r="0" g="0" b="0"/>
+      </a:fillRef>
+      <a:effectRef idx="0">
+        <a:scrgbClr r="0" g="0" b="0"/>
+      </a:effectRef>
+      <a:fontRef idx="minor"/>
+    </dgm:style>
+  </dgm:styleLbl>
+  <dgm:styleLbl name="parChTrans1D3">
+    <dgm:scene3d>
+      <a:camera prst="orthographicFront"/>
+      <a:lightRig rig="threePt" dir="t"/>
+    </dgm:scene3d>
+    <dgm:sp3d/>
+    <dgm:txPr/>
+    <dgm:style>
+      <a:lnRef idx="2">
+        <a:scrgbClr r="0" g="0" b="0"/>
+      </a:lnRef>
+      <a:fillRef idx="0">
+        <a:scrgbClr r="0" g="0" b="0"/>
+      </a:fillRef>
+      <a:effectRef idx="0">
+        <a:scrgbClr r="0" g="0" b="0"/>
+      </a:effectRef>
+      <a:fontRef idx="minor"/>
+    </dgm:style>
+  </dgm:styleLbl>
+  <dgm:styleLbl name="parChTrans1D4">
+    <dgm:scene3d>
+      <a:camera prst="orthographicFront"/>
+      <a:lightRig rig="threePt" dir="t"/>
+    </dgm:scene3d>
+    <dgm:sp3d/>
+    <dgm:txPr/>
+    <dgm:style>
+      <a:lnRef idx="2">
+        <a:scrgbClr r="0" g="0" b="0"/>
+      </a:lnRef>
+      <a:fillRef idx="0">
+        <a:scrgbClr r="0" g="0" b="0"/>
+      </a:fillRef>
+      <a:effectRef idx="0">
+        <a:scrgbClr r="0" g="0" b="0"/>
+      </a:effectRef>
+      <a:fontRef idx="minor"/>
+    </dgm:style>
+  </dgm:styleLbl>
+  <dgm:styleLbl name="fgAcc1">
+    <dgm:scene3d>
+      <a:camera prst="orthographicFront"/>
+      <a:lightRig rig="threePt" dir="t"/>
+    </dgm:scene3d>
+    <dgm:sp3d/>
+    <dgm:txPr/>
+    <dgm:style>
+      <a:lnRef idx="2">
+        <a:scrgbClr r="0" g="0" b="0"/>
+      </a:lnRef>
+      <a:fillRef idx="1">
+        <a:scrgbClr r="0" g="0" b="0"/>
+      </a:fillRef>
+      <a:effectRef idx="0">
+        <a:scrgbClr r="0" g="0" b="0"/>
+      </a:effectRef>
+      <a:fontRef idx="minor"/>
+    </dgm:style>
+  </dgm:styleLbl>
+  <dgm:styleLbl name="conFgAcc1">
+    <dgm:scene3d>
+      <a:camera prst="orthographicFront"/>
+      <a:lightRig rig="threePt" dir="t"/>
+    </dgm:scene3d>
+    <dgm:sp3d/>
+    <dgm:txPr/>
+    <dgm:style>
+      <a:lnRef idx="2">
+        <a:scrgbClr r="0" g="0" b="0"/>
+      </a:lnRef>
+      <a:fillRef idx="1">
+        <a:scrgbClr r="0" g="0" b="0"/>
+      </a:fillRef>
+      <a:effectRef idx="0">
+        <a:scrgbClr r="0" g="0" b="0"/>
+      </a:effectRef>
+      <a:fontRef idx="minor"/>
+    </dgm:style>
+  </dgm:styleLbl>
+  <dgm:styleLbl name="alignAcc1">
+    <dgm:scene3d>
+      <a:camera prst="orthographicFront"/>
+      <a:lightRig rig="threePt" dir="t"/>
+    </dgm:scene3d>
+    <dgm:sp3d/>
+    <dgm:txPr/>
+    <dgm:style>
+      <a:lnRef idx="2">
+        <a:scrgbClr r="0" g="0" b="0"/>
+      </a:lnRef>
+      <a:fillRef idx="1">
+        <a:scrgbClr r="0" g="0" b="0"/>
+      </a:fillRef>
+      <a:effectRef idx="0">
+        <a:scrgbClr r="0" g="0" b="0"/>
+      </a:effectRef>
+      <a:fontRef idx="minor"/>
+    </dgm:style>
+  </dgm:styleLbl>
+  <dgm:styleLbl name="trAlignAcc1">
+    <dgm:scene3d>
+      <a:camera prst="orthographicFront"/>
+      <a:lightRig rig="threePt" dir="t"/>
+    </dgm:scene3d>
+    <dgm:sp3d/>
+    <dgm:txPr/>
+    <dgm:style>
+      <a:lnRef idx="1">
+        <a:scrgbClr r="0" g="0" b="0"/>
+      </a:lnRef>
+      <a:fillRef idx="1">
+        <a:scrgbClr r="0" g="0" b="0"/>
+      </a:fillRef>
+      <a:effectRef idx="0">
+        <a:scrgbClr r="0" g="0" b="0"/>
+      </a:effectRef>
+      <a:fontRef idx="minor"/>
+    </dgm:style>
+  </dgm:styleLbl>
+  <dgm:styleLbl name="bgAcc1">
+    <dgm:scene3d>
+      <a:camera prst="orthographicFront"/>
+      <a:lightRig rig="threePt" dir="t"/>
+    </dgm:scene3d>
+    <dgm:sp3d/>
+    <dgm:txPr/>
+    <dgm:style>
+      <a:lnRef idx="2">
+        <a:scrgbClr r="0" g="0" b="0"/>
+      </a:lnRef>
+      <a:fillRef idx="1">
+        <a:scrgbClr r="0" g="0" b="0"/>
+      </a:fillRef>
+      <a:effectRef idx="0">
+        <a:scrgbClr r="0" g="0" b="0"/>
+      </a:effectRef>
+      <a:fontRef idx="minor"/>
+    </dgm:style>
+  </dgm:styleLbl>
+  <dgm:styleLbl name="solidFgAcc1">
+    <dgm:scene3d>
+      <a:camera prst="orthographicFront"/>
+      <a:lightRig rig="threePt" dir="t"/>
+    </dgm:scene3d>
+    <dgm:sp3d/>
+    <dgm:txPr/>
+    <dgm:style>
+      <a:lnRef idx="2">
+        <a:scrgbClr r="0" g="0" b="0"/>
+      </a:lnRef>
+      <a:fillRef idx="1">
+        <a:scrgbClr r="0" g="0" b="0"/>
+      </a:fillRef>
+      <a:effectRef idx="0">
+        <a:scrgbClr r="0" g="0" b="0"/>
+      </a:effectRef>
+      <a:fontRef idx="minor"/>
+    </dgm:style>
+  </dgm:styleLbl>
+  <dgm:styleLbl name="solidAlignAcc1">
+    <dgm:scene3d>
+      <a:camera prst="orthographicFront"/>
+      <a:lightRig rig="threePt" dir="t"/>
+    </dgm:scene3d>
+    <dgm:sp3d/>
+    <dgm:txPr/>
+    <dgm:style>
+      <a:lnRef idx="2">
+        <a:scrgbClr r="0" g="0" b="0"/>
+      </a:lnRef>
+      <a:fillRef idx="1">
+        <a:scrgbClr r="0" g="0" b="0"/>
+      </a:fillRef>
+      <a:effectRef idx="0">
+        <a:scrgbClr r="0" g="0" b="0"/>
+      </a:effectRef>
+      <a:fontRef idx="minor"/>
+    </dgm:style>
+  </dgm:styleLbl>
+  <dgm:styleLbl name="solidBgAcc1">
+    <dgm:scene3d>
+      <a:camera prst="orthographicFront"/>
+      <a:lightRig rig="threePt" dir="t"/>
+    </dgm:scene3d>
+    <dgm:sp3d/>
+    <dgm:txPr/>
+    <dgm:style>
+      <a:lnRef idx="2">
+        <a:scrgbClr r="0" g="0" b="0"/>
+      </a:lnRef>
+      <a:fillRef idx="1">
+        <a:scrgbClr r="0" g="0" b="0"/>
+      </a:fillRef>
+      <a:effectRef idx="0">
+        <a:scrgbClr r="0" g="0" b="0"/>
+      </a:effectRef>
+      <a:fontRef idx="minor"/>
+    </dgm:style>
+  </dgm:styleLbl>
+  <dgm:styleLbl name="fgAccFollowNode1">
+    <dgm:scene3d>
+      <a:camera prst="orthographicFront"/>
+      <a:lightRig rig="threePt" dir="t"/>
+    </dgm:scene3d>
+    <dgm:sp3d/>
+    <dgm:txPr/>
+    <dgm:style>
+      <a:lnRef idx="2">
+        <a:scrgbClr r="0" g="0" b="0"/>
+      </a:lnRef>
+      <a:fillRef idx="1">
+        <a:scrgbClr r="0" g="0" b="0"/>
+      </a:fillRef>
+      <a:effectRef idx="0">
+        <a:scrgbClr r="0" g="0" b="0"/>
+      </a:effectRef>
+      <a:fontRef idx="minor"/>
+    </dgm:style>
+  </dgm:styleLbl>
+  <dgm:styleLbl name="alignAccFollowNode1">
+    <dgm:scene3d>
+      <a:camera prst="orthographicFront"/>
+      <a:lightRig rig="threePt" dir="t"/>
+    </dgm:scene3d>
+    <dgm:sp3d/>
+    <dgm:txPr/>
+    <dgm:style>
+      <a:lnRef idx="2">
+        <a:scrgbClr r="0" g="0" b="0"/>
+      </a:lnRef>
+      <a:fillRef idx="1">
+        <a:scrgbClr r="0" g="0" b="0"/>
+      </a:fillRef>
+      <a:effectRef idx="0">
+        <a:scrgbClr r="0" g="0" b="0"/>
+      </a:effectRef>
+      <a:fontRef idx="minor"/>
+    </dgm:style>
+  </dgm:styleLbl>
+  <dgm:styleLbl name="bgAccFollowNode1">
+    <dgm:scene3d>
+      <a:camera prst="orthographicFront"/>
+      <a:lightRig rig="threePt" dir="t"/>
+    </dgm:scene3d>
+    <dgm:sp3d/>
+    <dgm:txPr/>
+    <dgm:style>
+      <a:lnRef idx="2">
+        <a:scrgbClr r="0" g="0" b="0"/>
+      </a:lnRef>
+      <a:fillRef idx="1">
+        <a:scrgbClr r="0" g="0" b="0"/>
+      </a:fillRef>
+      <a:effectRef idx="0">
+        <a:scrgbClr r="0" g="0" b="0"/>
+      </a:effectRef>
+      <a:fontRef idx="minor"/>
+    </dgm:style>
+  </dgm:styleLbl>
+  <dgm:styleLbl name="fgAcc0">
+    <dgm:scene3d>
+      <a:camera prst="orthographicFront"/>
+      <a:lightRig rig="threePt" dir="t"/>
+    </dgm:scene3d>
+    <dgm:sp3d/>
+    <dgm:txPr/>
+    <dgm:style>
+      <a:lnRef idx="2">
+        <a:scrgbClr r="0" g="0" b="0"/>
+      </a:lnRef>
+      <a:fillRef idx="1">
+        <a:scrgbClr r="0" g="0" b="0"/>
+      </a:fillRef>
+      <a:effectRef idx="0">
+        <a:scrgbClr r="0" g="0" b="0"/>
+      </a:effectRef>
+      <a:fontRef idx="minor"/>
+    </dgm:style>
+  </dgm:styleLbl>
+  <dgm:styleLbl name="fgAcc2">
+    <dgm:scene3d>
+      <a:camera prst="orthographicFront"/>
+      <a:lightRig rig="threePt" dir="t"/>
+    </dgm:scene3d>
+    <dgm:sp3d/>
+    <dgm:txPr/>
+    <dgm:style>
+      <a:lnRef idx="2">
+        <a:scrgbClr r="0" g="0" b="0"/>
+      </a:lnRef>
+      <a:fillRef idx="1">
+        <a:scrgbClr r="0" g="0" b="0"/>
+      </a:fillRef>
+      <a:effectRef idx="0">
+        <a:scrgbClr r="0" g="0" b="0"/>
+      </a:effectRef>
+      <a:fontRef idx="minor"/>
+    </dgm:style>
+  </dgm:styleLbl>
+  <dgm:styleLbl name="fgAcc3">
+    <dgm:scene3d>
+      <a:camera prst="orthographicFront"/>
+      <a:lightRig rig="threePt" dir="t"/>
+    </dgm:scene3d>
+    <dgm:sp3d/>
+    <dgm:txPr/>
+    <dgm:style>
+      <a:lnRef idx="2">
+        <a:scrgbClr r="0" g="0" b="0"/>
+      </a:lnRef>
+      <a:fillRef idx="1">
+        <a:scrgbClr r="0" g="0" b="0"/>
+      </a:fillRef>
+      <a:effectRef idx="0">
+        <a:scrgbClr r="0" g="0" b="0"/>
+      </a:effectRef>
+      <a:fontRef idx="minor"/>
+    </dgm:style>
+  </dgm:styleLbl>
+  <dgm:styleLbl name="fgAcc4">
+    <dgm:scene3d>
+      <a:camera prst="orthographicFront"/>
+      <a:lightRig rig="threePt" dir="t"/>
+    </dgm:scene3d>
+    <dgm:sp3d/>
+    <dgm:txPr/>
+    <dgm:style>
+      <a:lnRef idx="2">
+        <a:scrgbClr r="0" g="0" b="0"/>
+      </a:lnRef>
+      <a:fillRef idx="1">
+        <a:scrgbClr r="0" g="0" b="0"/>
+      </a:fillRef>
+      <a:effectRef idx="0">
+        <a:scrgbClr r="0" g="0" b="0"/>
+      </a:effectRef>
+      <a:fontRef idx="minor"/>
+    </dgm:style>
+  </dgm:styleLbl>
+  <dgm:styleLbl name="bgShp">
+    <dgm:scene3d>
+      <a:camera prst="orthographicFront"/>
+      <a:lightRig rig="threePt" dir="t"/>
+    </dgm:scene3d>
+    <dgm:sp3d/>
+    <dgm:txPr/>
+    <dgm:style>
+      <a:lnRef idx="0">
+        <a:scrgbClr r="0" g="0" b="0"/>
+      </a:lnRef>
+      <a:fillRef idx="1">
+        <a:scrgbClr r="0" g="0" b="0"/>
+      </a:fillRef>
+      <a:effectRef idx="0">
+        <a:scrgbClr r="0" g="0" b="0"/>
+      </a:effectRef>
+      <a:fontRef idx="minor"/>
+    </dgm:style>
+  </dgm:styleLbl>
+  <dgm:styleLbl name="dkBgShp">
+    <dgm:scene3d>
+      <a:camera prst="orthographicFront"/>
+      <a:lightRig rig="threePt" dir="t"/>
+    </dgm:scene3d>
+    <dgm:sp3d/>
+    <dgm:txPr/>
+    <dgm:style>
+      <a:lnRef idx="0">
+        <a:scrgbClr r="0" g="0" b="0"/>
+      </a:lnRef>
+      <a:fillRef idx="1">
+        <a:scrgbClr r="0" g="0" b="0"/>
+      </a:fillRef>
+      <a:effectRef idx="0">
+        <a:scrgbClr r="0" g="0" b="0"/>
+      </a:effectRef>
+      <a:fontRef idx="minor"/>
+    </dgm:style>
+  </dgm:styleLbl>
+  <dgm:styleLbl name="trBgShp">
+    <dgm:scene3d>
+      <a:camera prst="orthographicFront"/>
+      <a:lightRig rig="threePt" dir="t"/>
+    </dgm:scene3d>
+    <dgm:sp3d/>
+    <dgm:txPr/>
+    <dgm:style>
+      <a:lnRef idx="0">
+        <a:scrgbClr r="0" g="0" b="0"/>
+      </a:lnRef>
+      <a:fillRef idx="1">
+        <a:scrgbClr r="0" g="0" b="0"/>
+      </a:fillRef>
+      <a:effectRef idx="0">
+        <a:scrgbClr r="0" g="0" b="0"/>
+      </a:effectRef>
+      <a:fontRef idx="minor"/>
+    </dgm:style>
+  </dgm:styleLbl>
+  <dgm:styleLbl name="fgShp">
+    <dgm:scene3d>
+      <a:camera prst="orthographicFront"/>
+      <a:lightRig rig="threePt" dir="t"/>
+    </dgm:scene3d>
+    <dgm:sp3d/>
+    <dgm:txPr/>
+    <dgm:style>
+      <a:lnRef idx="2">
+        <a:scrgbClr r="0" g="0" b="0"/>
+      </a:lnRef>
+      <a:fillRef idx="1">
+        <a:scrgbClr r="0" g="0" b="0"/>
+      </a:fillRef>
+      <a:effectRef idx="0">
+        <a:scrgbClr r="0" g="0" b="0"/>
+      </a:effectRef>
+      <a:fontRef idx="minor"/>
+    </dgm:style>
+  </dgm:styleLbl>
+  <dgm:styleLbl name="revTx">
+    <dgm:scene3d>
+      <a:camera prst="orthographicFront"/>
+      <a:lightRig rig="threePt" dir="t"/>
+    </dgm:scene3d>
+    <dgm:sp3d/>
+    <dgm:txPr/>
+    <dgm:style>
+      <a:lnRef idx="0">
+        <a:scrgbClr r="0" g="0" b="0"/>
+      </a:lnRef>
+      <a:fillRef idx="0">
+        <a:scrgbClr r="0" g="0" b="0"/>
+      </a:fillRef>
+      <a:effectRef idx="0">
+        <a:scrgbClr r="0" g="0" b="0"/>
+      </a:effectRef>
+      <a:fontRef idx="minor"/>
+    </dgm:style>
+  </dgm:styleLbl>
+</dgm:styleDef>
+</file>
+
+<file path=ppt/diagrams/quickStyle6.xml><?xml version="1.0" encoding="utf-8"?>
+<dgm:styleDef xmlns:dgm="http://schemas.openxmlformats.org/drawingml/2006/diagram" xmlns:a="http://schemas.openxmlformats.org/drawingml/2006/main" uniqueId="urn:microsoft.com/office/officeart/2005/8/quickstyle/simple1">
+  <dgm:title val=""/>
+  <dgm:desc val=""/>
+  <dgm:catLst>
+    <dgm:cat type="simple" pri="10100"/>
+  </dgm:catLst>
+  <dgm:scene3d>
+    <a:camera prst="orthographicFront"/>
+    <a:lightRig rig="threePt" dir="t"/>
+  </dgm:scene3d>
+  <dgm:styleLbl name="node0">
+    <dgm:scene3d>
+      <a:camera prst="orthographicFront"/>
+      <a:lightRig rig="threePt" dir="t"/>
+    </dgm:scene3d>
+    <dgm:sp3d/>
+    <dgm:txPr/>
+    <dgm:style>
+      <a:lnRef idx="2">
+        <a:scrgbClr r="0" g="0" b="0"/>
+      </a:lnRef>
+      <a:fillRef idx="1">
+        <a:scrgbClr r="0" g="0" b="0"/>
+      </a:fillRef>
+      <a:effectRef idx="0">
+        <a:scrgbClr r="0" g="0" b="0"/>
+      </a:effectRef>
+      <a:fontRef idx="minor">
+        <a:schemeClr val="lt1"/>
+      </a:fontRef>
+    </dgm:style>
+  </dgm:styleLbl>
+  <dgm:styleLbl name="lnNode1">
+    <dgm:scene3d>
+      <a:camera prst="orthographicFront"/>
+      <a:lightRig rig="threePt" dir="t"/>
+    </dgm:scene3d>
+    <dgm:sp3d/>
+    <dgm:txPr/>
+    <dgm:style>
+      <a:lnRef idx="2">
+        <a:scrgbClr r="0" g="0" b="0"/>
+      </a:lnRef>
+      <a:fillRef idx="1">
+        <a:scrgbClr r="0" g="0" b="0"/>
+      </a:fillRef>
+      <a:effectRef idx="0">
+        <a:scrgbClr r="0" g="0" b="0"/>
+      </a:effectRef>
+      <a:fontRef idx="minor">
+        <a:schemeClr val="lt1"/>
+      </a:fontRef>
+    </dgm:style>
+  </dgm:styleLbl>
+  <dgm:styleLbl name="vennNode1">
+    <dgm:scene3d>
+      <a:camera prst="orthographicFront"/>
+      <a:lightRig rig="threePt" dir="t"/>
+    </dgm:scene3d>
+    <dgm:sp3d/>
+    <dgm:txPr/>
+    <dgm:style>
+      <a:lnRef idx="2">
+        <a:scrgbClr r="0" g="0" b="0"/>
+      </a:lnRef>
+      <a:fillRef idx="1">
+        <a:scrgbClr r="0" g="0" b="0"/>
+      </a:fillRef>
+      <a:effectRef idx="0">
+        <a:scrgbClr r="0" g="0" b="0"/>
+      </a:effectRef>
+      <a:fontRef idx="minor">
+        <a:schemeClr val="tx1"/>
+      </a:fontRef>
+    </dgm:style>
+  </dgm:styleLbl>
+  <dgm:styleLbl name="alignNode1">
+    <dgm:scene3d>
+      <a:camera prst="orthographicFront"/>
+      <a:lightRig rig="threePt" dir="t"/>
+    </dgm:scene3d>
+    <dgm:sp3d/>
+    <dgm:txPr/>
+    <dgm:style>
+      <a:lnRef idx="2">
+        <a:scrgbClr r="0" g="0" b="0"/>
+      </a:lnRef>
+      <a:fillRef idx="1">
+        <a:scrgbClr r="0" g="0" b="0"/>
+      </a:fillRef>
+      <a:effectRef idx="0">
+        <a:scrgbClr r="0" g="0" b="0"/>
+      </a:effectRef>
+      <a:fontRef idx="minor">
+        <a:schemeClr val="lt1"/>
+      </a:fontRef>
+    </dgm:style>
+  </dgm:styleLbl>
+  <dgm:styleLbl name="node1">
+    <dgm:scene3d>
+      <a:camera prst="orthographicFront"/>
+      <a:lightRig rig="threePt" dir="t"/>
+    </dgm:scene3d>
+    <dgm:sp3d/>
+    <dgm:txPr/>
+    <dgm:style>
+      <a:lnRef idx="2">
+        <a:scrgbClr r="0" g="0" b="0"/>
+      </a:lnRef>
+      <a:fillRef idx="1">
+        <a:scrgbClr r="0" g="0" b="0"/>
+      </a:fillRef>
+      <a:effectRef idx="0">
+        <a:scrgbClr r="0" g="0" b="0"/>
+      </a:effectRef>
+      <a:fontRef idx="minor">
+        <a:schemeClr val="lt1"/>
+      </a:fontRef>
+    </dgm:style>
+  </dgm:styleLbl>
+  <dgm:styleLbl name="node2">
+    <dgm:scene3d>
+      <a:camera prst="orthographicFront"/>
+      <a:lightRig rig="threePt" dir="t"/>
+    </dgm:scene3d>
+    <dgm:sp3d/>
+    <dgm:txPr/>
+    <dgm:style>
+      <a:lnRef idx="2">
+        <a:scrgbClr r="0" g="0" b="0"/>
+      </a:lnRef>
+      <a:fillRef idx="1">
+        <a:scrgbClr r="0" g="0" b="0"/>
+      </a:fillRef>
+      <a:effectRef idx="0">
+        <a:scrgbClr r="0" g="0" b="0"/>
+      </a:effectRef>
+      <a:fontRef idx="minor">
+        <a:schemeClr val="lt1"/>
+      </a:fontRef>
+    </dgm:style>
+  </dgm:styleLbl>
+  <dgm:styleLbl name="node3">
+    <dgm:scene3d>
+      <a:camera prst="orthographicFront"/>
+      <a:lightRig rig="threePt" dir="t"/>
+    </dgm:scene3d>
+    <dgm:sp3d/>
+    <dgm:txPr/>
+    <dgm:style>
+      <a:lnRef idx="2">
+        <a:scrgbClr r="0" g="0" b="0"/>
+      </a:lnRef>
+      <a:fillRef idx="1">
+        <a:scrgbClr r="0" g="0" b="0"/>
+      </a:fillRef>
+      <a:effectRef idx="0">
+        <a:scrgbClr r="0" g="0" b="0"/>
+      </a:effectRef>
+      <a:fontRef idx="minor">
+        <a:schemeClr val="lt1"/>
+      </a:fontRef>
+    </dgm:style>
+  </dgm:styleLbl>
+  <dgm:styleLbl name="node4">
+    <dgm:scene3d>
+      <a:camera prst="orthographicFront"/>
+      <a:lightRig rig="threePt" dir="t"/>
+    </dgm:scene3d>
+    <dgm:sp3d/>
+    <dgm:txPr/>
+    <dgm:style>
+      <a:lnRef idx="2">
+        <a:scrgbClr r="0" g="0" b="0"/>
+      </a:lnRef>
+      <a:fillRef idx="1">
+        <a:scrgbClr r="0" g="0" b="0"/>
+      </a:fillRef>
+      <a:effectRef idx="0">
+        <a:scrgbClr r="0" g="0" b="0"/>
+      </a:effectRef>
+      <a:fontRef idx="minor">
+        <a:schemeClr val="lt1"/>
+      </a:fontRef>
+    </dgm:style>
+  </dgm:styleLbl>
+  <dgm:styleLbl name="fgImgPlace1">
+    <dgm:scene3d>
+      <a:camera prst="orthographicFront"/>
+      <a:lightRig rig="threePt" dir="t"/>
+    </dgm:scene3d>
+    <dgm:sp3d/>
+    <dgm:txPr/>
+    <dgm:style>
+      <a:lnRef idx="2">
+        <a:scrgbClr r="0" g="0" b="0"/>
+      </a:lnRef>
+      <a:fillRef idx="1">
+        <a:scrgbClr r="0" g="0" b="0"/>
+      </a:fillRef>
+      <a:effectRef idx="0">
+        <a:scrgbClr r="0" g="0" b="0"/>
+      </a:effectRef>
+      <a:fontRef idx="minor"/>
+    </dgm:style>
+  </dgm:styleLbl>
+  <dgm:styleLbl name="alignImgPlace1">
+    <dgm:scene3d>
+      <a:camera prst="orthographicFront"/>
+      <a:lightRig rig="threePt" dir="t"/>
+    </dgm:scene3d>
+    <dgm:sp3d/>
+    <dgm:txPr/>
+    <dgm:style>
+      <a:lnRef idx="2">
+        <a:scrgbClr r="0" g="0" b="0"/>
+      </a:lnRef>
+      <a:fillRef idx="1">
+        <a:scrgbClr r="0" g="0" b="0"/>
+      </a:fillRef>
+      <a:effectRef idx="0">
+        <a:scrgbClr r="0" g="0" b="0"/>
+      </a:effectRef>
+      <a:fontRef idx="minor"/>
+    </dgm:style>
+  </dgm:styleLbl>
+  <dgm:styleLbl name="bgImgPlace1">
+    <dgm:scene3d>
+      <a:camera prst="orthographicFront"/>
+      <a:lightRig rig="threePt" dir="t"/>
+    </dgm:scene3d>
+    <dgm:sp3d/>
+    <dgm:txPr/>
+    <dgm:style>
+      <a:lnRef idx="2">
+        <a:scrgbClr r="0" g="0" b="0"/>
+      </a:lnRef>
+      <a:fillRef idx="1">
+        <a:scrgbClr r="0" g="0" b="0"/>
+      </a:fillRef>
+      <a:effectRef idx="0">
+        <a:scrgbClr r="0" g="0" b="0"/>
+      </a:effectRef>
+      <a:fontRef idx="minor"/>
+    </dgm:style>
+  </dgm:styleLbl>
+  <dgm:styleLbl name="sibTrans2D1">
+    <dgm:scene3d>
+      <a:camera prst="orthographicFront"/>
+      <a:lightRig rig="threePt" dir="t"/>
+    </dgm:scene3d>
+    <dgm:sp3d/>
+    <dgm:txPr/>
+    <dgm:style>
+      <a:lnRef idx="0">
+        <a:scrgbClr r="0" g="0" b="0"/>
+      </a:lnRef>
+      <a:fillRef idx="1">
+        <a:scrgbClr r="0" g="0" b="0"/>
+      </a:fillRef>
+      <a:effectRef idx="0">
+        <a:scrgbClr r="0" g="0" b="0"/>
+      </a:effectRef>
+      <a:fontRef idx="minor">
+        <a:schemeClr val="lt1"/>
+      </a:fontRef>
+    </dgm:style>
+  </dgm:styleLbl>
+  <dgm:styleLbl name="fgSibTrans2D1">
+    <dgm:scene3d>
+      <a:camera prst="orthographicFront"/>
+      <a:lightRig rig="threePt" dir="t"/>
+    </dgm:scene3d>
+    <dgm:sp3d/>
+    <dgm:txPr/>
+    <dgm:style>
+      <a:lnRef idx="0">
+        <a:scrgbClr r="0" g="0" b="0"/>
+      </a:lnRef>
+      <a:fillRef idx="1">
+        <a:scrgbClr r="0" g="0" b="0"/>
+      </a:fillRef>
+      <a:effectRef idx="0">
+        <a:scrgbClr r="0" g="0" b="0"/>
+      </a:effectRef>
+      <a:fontRef idx="minor">
+        <a:schemeClr val="lt1"/>
+      </a:fontRef>
+    </dgm:style>
+  </dgm:styleLbl>
+  <dgm:styleLbl name="bgSibTrans2D1">
+    <dgm:scene3d>
+      <a:camera prst="orthographicFront"/>
+      <a:lightRig rig="threePt" dir="t"/>
+    </dgm:scene3d>
+    <dgm:sp3d/>
+    <dgm:txPr/>
+    <dgm:style>
+      <a:lnRef idx="0">
+        <a:scrgbClr r="0" g="0" b="0"/>
+      </a:lnRef>
+      <a:fillRef idx="1">
+        <a:scrgbClr r="0" g="0" b="0"/>
+      </a:fillRef>
+      <a:effectRef idx="0">
+        <a:scrgbClr r="0" g="0" b="0"/>
+      </a:effectRef>
+      <a:fontRef idx="minor">
+        <a:schemeClr val="lt1"/>
+      </a:fontRef>
+    </dgm:style>
+  </dgm:styleLbl>
+  <dgm:styleLbl name="sibTrans1D1">
+    <dgm:scene3d>
+      <a:camera prst="orthographicFront"/>
+      <a:lightRig rig="threePt" dir="t"/>
+    </dgm:scene3d>
+    <dgm:sp3d/>
+    <dgm:txPr/>
+    <dgm:style>
+      <a:lnRef idx="1">
+        <a:scrgbClr r="0" g="0" b="0"/>
+      </a:lnRef>
+      <a:fillRef idx="0">
+        <a:scrgbClr r="0" g="0" b="0"/>
+      </a:fillRef>
+      <a:effectRef idx="0">
+        <a:scrgbClr r="0" g="0" b="0"/>
+      </a:effectRef>
+      <a:fontRef idx="minor"/>
+    </dgm:style>
+  </dgm:styleLbl>
+  <dgm:styleLbl name="callout">
+    <dgm:scene3d>
+      <a:camera prst="orthographicFront"/>
+      <a:lightRig rig="threePt" dir="t"/>
+    </dgm:scene3d>
+    <dgm:sp3d/>
+    <dgm:txPr/>
+    <dgm:style>
+      <a:lnRef idx="2">
+        <a:scrgbClr r="0" g="0" b="0"/>
+      </a:lnRef>
+      <a:fillRef idx="1">
+        <a:scrgbClr r="0" g="0" b="0"/>
+      </a:fillRef>
+      <a:effectRef idx="0">
+        <a:scrgbClr r="0" g="0" b="0"/>
+      </a:effectRef>
+      <a:fontRef idx="minor"/>
+    </dgm:style>
+  </dgm:styleLbl>
+  <dgm:styleLbl name="asst0">
+    <dgm:scene3d>
+      <a:camera prst="orthographicFront"/>
+      <a:lightRig rig="threePt" dir="t"/>
+    </dgm:scene3d>
+    <dgm:sp3d/>
+    <dgm:txPr/>
+    <dgm:style>
+      <a:lnRef idx="2">
+        <a:scrgbClr r="0" g="0" b="0"/>
+      </a:lnRef>
+      <a:fillRef idx="1">
+        <a:scrgbClr r="0" g="0" b="0"/>
+      </a:fillRef>
+      <a:effectRef idx="0">
+        <a:scrgbClr r="0" g="0" b="0"/>
+      </a:effectRef>
+      <a:fontRef idx="minor">
+        <a:schemeClr val="lt1"/>
+      </a:fontRef>
+    </dgm:style>
+  </dgm:styleLbl>
+  <dgm:styleLbl name="asst1">
+    <dgm:scene3d>
+      <a:camera prst="orthographicFront"/>
+      <a:lightRig rig="threePt" dir="t"/>
+    </dgm:scene3d>
+    <dgm:sp3d/>
+    <dgm:txPr/>
+    <dgm:style>
+      <a:lnRef idx="2">
+        <a:scrgbClr r="0" g="0" b="0"/>
+      </a:lnRef>
+      <a:fillRef idx="1">
+        <a:scrgbClr r="0" g="0" b="0"/>
+      </a:fillRef>
+      <a:effectRef idx="0">
+        <a:scrgbClr r="0" g="0" b="0"/>
+      </a:effectRef>
+      <a:fontRef idx="minor">
+        <a:schemeClr val="lt1"/>
+      </a:fontRef>
+    </dgm:style>
+  </dgm:styleLbl>
+  <dgm:styleLbl name="asst2">
+    <dgm:scene3d>
+      <a:camera prst="orthographicFront"/>
+      <a:lightRig rig="threePt" dir="t"/>
+    </dgm:scene3d>
+    <dgm:sp3d/>
+    <dgm:txPr/>
+    <dgm:style>
+      <a:lnRef idx="2">
+        <a:scrgbClr r="0" g="0" b="0"/>
+      </a:lnRef>
+      <a:fillRef idx="1">
+        <a:scrgbClr r="0" g="0" b="0"/>
+      </a:fillRef>
+      <a:effectRef idx="0">
+        <a:scrgbClr r="0" g="0" b="0"/>
+      </a:effectRef>
+      <a:fontRef idx="minor">
+        <a:schemeClr val="lt1"/>
+      </a:fontRef>
+    </dgm:style>
+  </dgm:styleLbl>
+  <dgm:styleLbl name="asst3">
+    <dgm:scene3d>
+      <a:camera prst="orthographicFront"/>
+      <a:lightRig rig="threePt" dir="t"/>
+    </dgm:scene3d>
+    <dgm:sp3d/>
+    <dgm:txPr/>
+    <dgm:style>
+      <a:lnRef idx="2">
+        <a:scrgbClr r="0" g="0" b="0"/>
+      </a:lnRef>
+      <a:fillRef idx="1">
+        <a:scrgbClr r="0" g="0" b="0"/>
+      </a:fillRef>
+      <a:effectRef idx="0">
+        <a:scrgbClr r="0" g="0" b="0"/>
+      </a:effectRef>
+      <a:fontRef idx="minor">
+        <a:schemeClr val="lt1"/>
+      </a:fontRef>
+    </dgm:style>
+  </dgm:styleLbl>
+  <dgm:styleLbl name="asst4">
+    <dgm:scene3d>
+      <a:camera prst="orthographicFront"/>
+      <a:lightRig rig="threePt" dir="t"/>
+    </dgm:scene3d>
+    <dgm:sp3d/>
+    <dgm:txPr/>
+    <dgm:style>
+      <a:lnRef idx="2">
+        <a:scrgbClr r="0" g="0" b="0"/>
+      </a:lnRef>
+      <a:fillRef idx="1">
+        <a:scrgbClr r="0" g="0" b="0"/>
+      </a:fillRef>
+      <a:effectRef idx="0">
+        <a:scrgbClr r="0" g="0" b="0"/>
+      </a:effectRef>
+      <a:fontRef idx="minor">
+        <a:schemeClr val="lt1"/>
+      </a:fontRef>
+    </dgm:style>
+  </dgm:styleLbl>
+  <dgm:styleLbl name="parChTrans2D1">
+    <dgm:scene3d>
+      <a:camera prst="orthographicFront"/>
+      <a:lightRig rig="threePt" dir="t"/>
+    </dgm:scene3d>
+    <dgm:sp3d/>
+    <dgm:txPr/>
+    <dgm:style>
+      <a:lnRef idx="2">
+        <a:scrgbClr r="0" g="0" b="0"/>
+      </a:lnRef>
+      <a:fillRef idx="1">
+        <a:scrgbClr r="0" g="0" b="0"/>
+      </a:fillRef>
+      <a:effectRef idx="0">
+        <a:scrgbClr r="0" g="0" b="0"/>
+      </a:effectRef>
+      <a:fontRef idx="minor">
+        <a:schemeClr val="lt1"/>
+      </a:fontRef>
+    </dgm:style>
+  </dgm:styleLbl>
+  <dgm:styleLbl name="parChTrans2D2">
+    <dgm:scene3d>
+      <a:camera prst="orthographicFront"/>
+      <a:lightRig rig="threePt" dir="t"/>
+    </dgm:scene3d>
+    <dgm:sp3d/>
+    <dgm:txPr/>
+    <dgm:style>
+      <a:lnRef idx="2">
+        <a:scrgbClr r="0" g="0" b="0"/>
+      </a:lnRef>
+      <a:fillRef idx="1">
+        <a:scrgbClr r="0" g="0" b="0"/>
+      </a:fillRef>
+      <a:effectRef idx="0">
+        <a:scrgbClr r="0" g="0" b="0"/>
+      </a:effectRef>
+      <a:fontRef idx="minor">
+        <a:schemeClr val="lt1"/>
+      </a:fontRef>
+    </dgm:style>
+  </dgm:styleLbl>
+  <dgm:styleLbl name="parChTrans2D3">
+    <dgm:scene3d>
+      <a:camera prst="orthographicFront"/>
+      <a:lightRig rig="threePt" dir="t"/>
+    </dgm:scene3d>
+    <dgm:sp3d/>
+    <dgm:txPr/>
+    <dgm:style>
+      <a:lnRef idx="2">
+        <a:scrgbClr r="0" g="0" b="0"/>
+      </a:lnRef>
+      <a:fillRef idx="1">
+        <a:scrgbClr r="0" g="0" b="0"/>
+      </a:fillRef>
+      <a:effectRef idx="0">
+        <a:scrgbClr r="0" g="0" b="0"/>
+      </a:effectRef>
+      <a:fontRef idx="minor">
+        <a:schemeClr val="lt1"/>
+      </a:fontRef>
+    </dgm:style>
+  </dgm:styleLbl>
+  <dgm:styleLbl name="parChTrans2D4">
+    <dgm:scene3d>
+      <a:camera prst="orthographicFront"/>
+      <a:lightRig rig="threePt" dir="t"/>
+    </dgm:scene3d>
+    <dgm:sp3d/>
+    <dgm:txPr/>
+    <dgm:style>
+      <a:lnRef idx="2">
+        <a:scrgbClr r="0" g="0" b="0"/>
+      </a:lnRef>
+      <a:fillRef idx="1">
+        <a:scrgbClr r="0" g="0" b="0"/>
+      </a:fillRef>
+      <a:effectRef idx="0">
+        <a:scrgbClr r="0" g="0" b="0"/>
+      </a:effectRef>
+      <a:fontRef idx="minor">
+        <a:schemeClr val="lt1"/>
+      </a:fontRef>
+    </dgm:style>
+  </dgm:styleLbl>
+  <dgm:styleLbl name="parChTrans1D1">
+    <dgm:scene3d>
+      <a:camera prst="orthographicFront"/>
+      <a:lightRig rig="threePt" dir="t"/>
+    </dgm:scene3d>
+    <dgm:sp3d/>
+    <dgm:txPr/>
+    <dgm:style>
+      <a:lnRef idx="2">
+        <a:scrgbClr r="0" g="0" b="0"/>
+      </a:lnRef>
+      <a:fillRef idx="0">
+        <a:scrgbClr r="0" g="0" b="0"/>
+      </a:fillRef>
+      <a:effectRef idx="0">
+        <a:scrgbClr r="0" g="0" b="0"/>
+      </a:effectRef>
+      <a:fontRef idx="minor"/>
+    </dgm:style>
+  </dgm:styleLbl>
+  <dgm:styleLbl name="parChTrans1D2">
+    <dgm:scene3d>
+      <a:camera prst="orthographicFront"/>
+      <a:lightRig rig="threePt" dir="t"/>
+    </dgm:scene3d>
+    <dgm:sp3d/>
+    <dgm:txPr/>
+    <dgm:style>
+      <a:lnRef idx="2">
+        <a:scrgbClr r="0" g="0" b="0"/>
+      </a:lnRef>
+      <a:fillRef idx="0">
+        <a:scrgbClr r="0" g="0" b="0"/>
+      </a:fillRef>
+      <a:effectRef idx="0">
+        <a:scrgbClr r="0" g="0" b="0"/>
+      </a:effectRef>
+      <a:fontRef idx="minor"/>
+    </dgm:style>
+  </dgm:styleLbl>
+  <dgm:styleLbl name="parChTrans1D3">
+    <dgm:scene3d>
+      <a:camera prst="orthographicFront"/>
+      <a:lightRig rig="threePt" dir="t"/>
+    </dgm:scene3d>
+    <dgm:sp3d/>
+    <dgm:txPr/>
+    <dgm:style>
+      <a:lnRef idx="2">
+        <a:scrgbClr r="0" g="0" b="0"/>
+      </a:lnRef>
+      <a:fillRef idx="0">
+        <a:scrgbClr r="0" g="0" b="0"/>
+      </a:fillRef>
+      <a:effectRef idx="0">
+        <a:scrgbClr r="0" g="0" b="0"/>
+      </a:effectRef>
+      <a:fontRef idx="minor"/>
+    </dgm:style>
+  </dgm:styleLbl>
+  <dgm:styleLbl name="parChTrans1D4">
+    <dgm:scene3d>
+      <a:camera prst="orthographicFront"/>
+      <a:lightRig rig="threePt" dir="t"/>
+    </dgm:scene3d>
+    <dgm:sp3d/>
+    <dgm:txPr/>
+    <dgm:style>
+      <a:lnRef idx="2">
+        <a:scrgbClr r="0" g="0" b="0"/>
+      </a:lnRef>
+      <a:fillRef idx="0">
+        <a:scrgbClr r="0" g="0" b="0"/>
+      </a:fillRef>
+      <a:effectRef idx="0">
+        <a:scrgbClr r="0" g="0" b="0"/>
+      </a:effectRef>
+      <a:fontRef idx="minor"/>
+    </dgm:style>
+  </dgm:styleLbl>
+  <dgm:styleLbl name="fgAcc1">
+    <dgm:scene3d>
+      <a:camera prst="orthographicFront"/>
+      <a:lightRig rig="threePt" dir="t"/>
+    </dgm:scene3d>
+    <dgm:sp3d/>
+    <dgm:txPr/>
+    <dgm:style>
+      <a:lnRef idx="2">
+        <a:scrgbClr r="0" g="0" b="0"/>
+      </a:lnRef>
+      <a:fillRef idx="1">
+        <a:scrgbClr r="0" g="0" b="0"/>
+      </a:fillRef>
+      <a:effectRef idx="0">
+        <a:scrgbClr r="0" g="0" b="0"/>
+      </a:effectRef>
+      <a:fontRef idx="minor"/>
+    </dgm:style>
+  </dgm:styleLbl>
+  <dgm:styleLbl name="conFgAcc1">
+    <dgm:scene3d>
+      <a:camera prst="orthographicFront"/>
+      <a:lightRig rig="threePt" dir="t"/>
+    </dgm:scene3d>
+    <dgm:sp3d/>
+    <dgm:txPr/>
+    <dgm:style>
+      <a:lnRef idx="2">
+        <a:scrgbClr r="0" g="0" b="0"/>
+      </a:lnRef>
+      <a:fillRef idx="1">
+        <a:scrgbClr r="0" g="0" b="0"/>
+      </a:fillRef>
+      <a:effectRef idx="0">
+        <a:scrgbClr r="0" g="0" b="0"/>
+      </a:effectRef>
+      <a:fontRef idx="minor"/>
+    </dgm:style>
+  </dgm:styleLbl>
+  <dgm:styleLbl name="alignAcc1">
+    <dgm:scene3d>
+      <a:camera prst="orthographicFront"/>
+      <a:lightRig rig="threePt" dir="t"/>
+    </dgm:scene3d>
+    <dgm:sp3d/>
+    <dgm:txPr/>
+    <dgm:style>
+      <a:lnRef idx="2">
+        <a:scrgbClr r="0" g="0" b="0"/>
+      </a:lnRef>
+      <a:fillRef idx="1">
+        <a:scrgbClr r="0" g="0" b="0"/>
+      </a:fillRef>
+      <a:effectRef idx="0">
+        <a:scrgbClr r="0" g="0" b="0"/>
+      </a:effectRef>
+      <a:fontRef idx="minor"/>
+    </dgm:style>
+  </dgm:styleLbl>
+  <dgm:styleLbl name="trAlignAcc1">
+    <dgm:scene3d>
+      <a:camera prst="orthographicFront"/>
+      <a:lightRig rig="threePt" dir="t"/>
+    </dgm:scene3d>
+    <dgm:sp3d/>
+    <dgm:txPr/>
+    <dgm:style>
+      <a:lnRef idx="1">
+        <a:scrgbClr r="0" g="0" b="0"/>
+      </a:lnRef>
+      <a:fillRef idx="1">
+        <a:scrgbClr r="0" g="0" b="0"/>
+      </a:fillRef>
+      <a:effectRef idx="0">
+        <a:scrgbClr r="0" g="0" b="0"/>
+      </a:effectRef>
+      <a:fontRef idx="minor"/>
+    </dgm:style>
+  </dgm:styleLbl>
+  <dgm:styleLbl name="bgAcc1">
+    <dgm:scene3d>
+      <a:camera prst="orthographicFront"/>
+      <a:lightRig rig="threePt" dir="t"/>
+    </dgm:scene3d>
+    <dgm:sp3d/>
+    <dgm:txPr/>
+    <dgm:style>
+      <a:lnRef idx="2">
+        <a:scrgbClr r="0" g="0" b="0"/>
+      </a:lnRef>
+      <a:fillRef idx="1">
+        <a:scrgbClr r="0" g="0" b="0"/>
+      </a:fillRef>
+      <a:effectRef idx="0">
+        <a:scrgbClr r="0" g="0" b="0"/>
+      </a:effectRef>
+      <a:fontRef idx="minor"/>
+    </dgm:style>
+  </dgm:styleLbl>
+  <dgm:styleLbl name="solidFgAcc1">
+    <dgm:scene3d>
+      <a:camera prst="orthographicFront"/>
+      <a:lightRig rig="threePt" dir="t"/>
+    </dgm:scene3d>
+    <dgm:sp3d/>
+    <dgm:txPr/>
+    <dgm:style>
+      <a:lnRef idx="2">
+        <a:scrgbClr r="0" g="0" b="0"/>
+      </a:lnRef>
+      <a:fillRef idx="1">
+        <a:scrgbClr r="0" g="0" b="0"/>
+      </a:fillRef>
+      <a:effectRef idx="0">
+        <a:scrgbClr r="0" g="0" b="0"/>
+      </a:effectRef>
+      <a:fontRef idx="minor"/>
+    </dgm:style>
+  </dgm:styleLbl>
+  <dgm:styleLbl name="solidAlignAcc1">
+    <dgm:scene3d>
+      <a:camera prst="orthographicFront"/>
+      <a:lightRig rig="threePt" dir="t"/>
+    </dgm:scene3d>
+    <dgm:sp3d/>
+    <dgm:txPr/>
+    <dgm:style>
+      <a:lnRef idx="2">
+        <a:scrgbClr r="0" g="0" b="0"/>
+      </a:lnRef>
+      <a:fillRef idx="1">
+        <a:scrgbClr r="0" g="0" b="0"/>
+      </a:fillRef>
+      <a:effectRef idx="0">
+        <a:scrgbClr r="0" g="0" b="0"/>
+      </a:effectRef>
+      <a:fontRef idx="minor"/>
+    </dgm:style>
+  </dgm:styleLbl>
+  <dgm:styleLbl name="solidBgAcc1">
+    <dgm:scene3d>
+      <a:camera prst="orthographicFront"/>
+      <a:lightRig rig="threePt" dir="t"/>
+    </dgm:scene3d>
+    <dgm:sp3d/>
+    <dgm:txPr/>
+    <dgm:style>
+      <a:lnRef idx="2">
+        <a:scrgbClr r="0" g="0" b="0"/>
+      </a:lnRef>
+      <a:fillRef idx="1">
+        <a:scrgbClr r="0" g="0" b="0"/>
+      </a:fillRef>
+      <a:effectRef idx="0">
+        <a:scrgbClr r="0" g="0" b="0"/>
+      </a:effectRef>
+      <a:fontRef idx="minor"/>
+    </dgm:style>
+  </dgm:styleLbl>
+  <dgm:styleLbl name="fgAccFollowNode1">
+    <dgm:scene3d>
+      <a:camera prst="orthographicFront"/>
+      <a:lightRig rig="threePt" dir="t"/>
+    </dgm:scene3d>
+    <dgm:sp3d/>
+    <dgm:txPr/>
+    <dgm:style>
+      <a:lnRef idx="2">
+        <a:scrgbClr r="0" g="0" b="0"/>
+      </a:lnRef>
+      <a:fillRef idx="1">
+        <a:scrgbClr r="0" g="0" b="0"/>
+      </a:fillRef>
+      <a:effectRef idx="0">
+        <a:scrgbClr r="0" g="0" b="0"/>
+      </a:effectRef>
+      <a:fontRef idx="minor"/>
+    </dgm:style>
+  </dgm:styleLbl>
+  <dgm:styleLbl name="alignAccFollowNode1">
+    <dgm:scene3d>
+      <a:camera prst="orthographicFront"/>
+      <a:lightRig rig="threePt" dir="t"/>
+    </dgm:scene3d>
+    <dgm:sp3d/>
+    <dgm:txPr/>
+    <dgm:style>
+      <a:lnRef idx="2">
+        <a:scrgbClr r="0" g="0" b="0"/>
+      </a:lnRef>
+      <a:fillRef idx="1">
+        <a:scrgbClr r="0" g="0" b="0"/>
+      </a:fillRef>
+      <a:effectRef idx="0">
+        <a:scrgbClr r="0" g="0" b="0"/>
+      </a:effectRef>
+      <a:fontRef idx="minor"/>
+    </dgm:style>
+  </dgm:styleLbl>
+  <dgm:styleLbl name="bgAccFollowNode1">
+    <dgm:scene3d>
+      <a:camera prst="orthographicFront"/>
+      <a:lightRig rig="threePt" dir="t"/>
+    </dgm:scene3d>
+    <dgm:sp3d/>
+    <dgm:txPr/>
+    <dgm:style>
+      <a:lnRef idx="2">
+        <a:scrgbClr r="0" g="0" b="0"/>
+      </a:lnRef>
+      <a:fillRef idx="1">
+        <a:scrgbClr r="0" g="0" b="0"/>
+      </a:fillRef>
+      <a:effectRef idx="0">
+        <a:scrgbClr r="0" g="0" b="0"/>
+      </a:effectRef>
+      <a:fontRef idx="minor"/>
+    </dgm:style>
+  </dgm:styleLbl>
+  <dgm:styleLbl name="fgAcc0">
+    <dgm:scene3d>
+      <a:camera prst="orthographicFront"/>
+      <a:lightRig rig="threePt" dir="t"/>
+    </dgm:scene3d>
+    <dgm:sp3d/>
+    <dgm:txPr/>
+    <dgm:style>
+      <a:lnRef idx="2">
+        <a:scrgbClr r="0" g="0" b="0"/>
+      </a:lnRef>
+      <a:fillRef idx="1">
+        <a:scrgbClr r="0" g="0" b="0"/>
+      </a:fillRef>
+      <a:effectRef idx="0">
+        <a:scrgbClr r="0" g="0" b="0"/>
+      </a:effectRef>
+      <a:fontRef idx="minor"/>
+    </dgm:style>
+  </dgm:styleLbl>
+  <dgm:styleLbl name="fgAcc2">
+    <dgm:scene3d>
+      <a:camera prst="orthographicFront"/>
+      <a:lightRig rig="threePt" dir="t"/>
+    </dgm:scene3d>
+    <dgm:sp3d/>
+    <dgm:txPr/>
+    <dgm:style>
+      <a:lnRef idx="2">
+        <a:scrgbClr r="0" g="0" b="0"/>
+      </a:lnRef>
+      <a:fillRef idx="1">
+        <a:scrgbClr r="0" g="0" b="0"/>
+      </a:fillRef>
+      <a:effectRef idx="0">
+        <a:scrgbClr r="0" g="0" b="0"/>
+      </a:effectRef>
+      <a:fontRef idx="minor"/>
+    </dgm:style>
+  </dgm:styleLbl>
+  <dgm:styleLbl name="fgAcc3">
+    <dgm:scene3d>
+      <a:camera prst="orthographicFront"/>
+      <a:lightRig rig="threePt" dir="t"/>
+    </dgm:scene3d>
+    <dgm:sp3d/>
+    <dgm:txPr/>
+    <dgm:style>
+      <a:lnRef idx="2">
+        <a:scrgbClr r="0" g="0" b="0"/>
+      </a:lnRef>
+      <a:fillRef idx="1">
+        <a:scrgbClr r="0" g="0" b="0"/>
+      </a:fillRef>
+      <a:effectRef idx="0">
+        <a:scrgbClr r="0" g="0" b="0"/>
+      </a:effectRef>
+      <a:fontRef idx="minor"/>
+    </dgm:style>
+  </dgm:styleLbl>
+  <dgm:styleLbl name="fgAcc4">
+    <dgm:scene3d>
+      <a:camera prst="orthographicFront"/>
+      <a:lightRig rig="threePt" dir="t"/>
+    </dgm:scene3d>
+    <dgm:sp3d/>
+    <dgm:txPr/>
+    <dgm:style>
+      <a:lnRef idx="2">
+        <a:scrgbClr r="0" g="0" b="0"/>
+      </a:lnRef>
+      <a:fillRef idx="1">
+        <a:scrgbClr r="0" g="0" b="0"/>
+      </a:fillRef>
+      <a:effectRef idx="0">
+        <a:scrgbClr r="0" g="0" b="0"/>
+      </a:effectRef>
+      <a:fontRef idx="minor"/>
+    </dgm:style>
+  </dgm:styleLbl>
+  <dgm:styleLbl name="bgShp">
+    <dgm:scene3d>
+      <a:camera prst="orthographicFront"/>
+      <a:lightRig rig="threePt" dir="t"/>
+    </dgm:scene3d>
+    <dgm:sp3d/>
+    <dgm:txPr/>
+    <dgm:style>
+      <a:lnRef idx="0">
+        <a:scrgbClr r="0" g="0" b="0"/>
+      </a:lnRef>
+      <a:fillRef idx="1">
+        <a:scrgbClr r="0" g="0" b="0"/>
+      </a:fillRef>
+      <a:effectRef idx="0">
+        <a:scrgbClr r="0" g="0" b="0"/>
+      </a:effectRef>
+      <a:fontRef idx="minor"/>
+    </dgm:style>
+  </dgm:styleLbl>
+  <dgm:styleLbl name="dkBgShp">
+    <dgm:scene3d>
+      <a:camera prst="orthographicFront"/>
+      <a:lightRig rig="threePt" dir="t"/>
+    </dgm:scene3d>
+    <dgm:sp3d/>
+    <dgm:txPr/>
+    <dgm:style>
+      <a:lnRef idx="0">
+        <a:scrgbClr r="0" g="0" b="0"/>
+      </a:lnRef>
+      <a:fillRef idx="1">
+        <a:scrgbClr r="0" g="0" b="0"/>
+      </a:fillRef>
+      <a:effectRef idx="0">
+        <a:scrgbClr r="0" g="0" b="0"/>
+      </a:effectRef>
+      <a:fontRef idx="minor"/>
+    </dgm:style>
+  </dgm:styleLbl>
+  <dgm:styleLbl name="trBgShp">
+    <dgm:scene3d>
+      <a:camera prst="orthographicFront"/>
+      <a:lightRig rig="threePt" dir="t"/>
+    </dgm:scene3d>
+    <dgm:sp3d/>
+    <dgm:txPr/>
+    <dgm:style>
+      <a:lnRef idx="0">
+        <a:scrgbClr r="0" g="0" b="0"/>
+      </a:lnRef>
+      <a:fillRef idx="1">
+        <a:scrgbClr r="0" g="0" b="0"/>
+      </a:fillRef>
+      <a:effectRef idx="0">
+        <a:scrgbClr r="0" g="0" b="0"/>
+      </a:effectRef>
+      <a:fontRef idx="minor"/>
+    </dgm:style>
+  </dgm:styleLbl>
+  <dgm:styleLbl name="fgShp">
+    <dgm:scene3d>
+      <a:camera prst="orthographicFront"/>
+      <a:lightRig rig="threePt" dir="t"/>
+    </dgm:scene3d>
+    <dgm:sp3d/>
+    <dgm:txPr/>
+    <dgm:style>
+      <a:lnRef idx="2">
+        <a:scrgbClr r="0" g="0" b="0"/>
+      </a:lnRef>
+      <a:fillRef idx="1">
+        <a:scrgbClr r="0" g="0" b="0"/>
+      </a:fillRef>
+      <a:effectRef idx="0">
+        <a:scrgbClr r="0" g="0" b="0"/>
+      </a:effectRef>
+      <a:fontRef idx="minor"/>
+    </dgm:style>
+  </dgm:styleLbl>
+  <dgm:styleLbl name="revTx">
+    <dgm:scene3d>
+      <a:camera prst="orthographicFront"/>
+      <a:lightRig rig="threePt" dir="t"/>
+    </dgm:scene3d>
+    <dgm:sp3d/>
+    <dgm:txPr/>
+    <dgm:style>
+      <a:lnRef idx="0">
+        <a:scrgbClr r="0" g="0" b="0"/>
+      </a:lnRef>
+      <a:fillRef idx="0">
+        <a:scrgbClr r="0" g="0" b="0"/>
+      </a:fillRef>
+      <a:effectRef idx="0">
+        <a:scrgbClr r="0" g="0" b="0"/>
+      </a:effectRef>
+      <a:fontRef idx="minor"/>
+    </dgm:style>
+  </dgm:styleLbl>
+</dgm:styleDef>
+</file>
+
+<file path=ppt/diagrams/quickStyle7.xml><?xml version="1.0" encoding="utf-8"?>
 <dgm:styleDef xmlns:dgm="http://schemas.openxmlformats.org/drawingml/2006/diagram" xmlns:a="http://schemas.openxmlformats.org/drawingml/2006/main" uniqueId="urn:microsoft.com/office/officeart/2005/8/quickstyle/simple1">
   <dgm:title val=""/>
   <dgm:desc val=""/>
@@ -12926,7 +20548,7 @@
             <a:pPr rtl="0"/>
             <a:fld id="{43367168-A7C3-4A51-ACFE-4D76B720982F}" type="datetime1">
               <a:rPr lang="fr-FR" smtClean="0"/>
-              <a:t>17/01/2023</a:t>
+              <a:t>27/01/2023</a:t>
             </a:fld>
             <a:endParaRPr lang="fr-FR"/>
           </a:p>
@@ -13108,7 +20730,7 @@
             <a:pPr rtl="0"/>
             <a:fld id="{CB4F1169-1988-463B-A52C-EF5C9A50040C}" type="datetime1">
               <a:rPr lang="fr-FR" noProof="0" smtClean="0"/>
-              <a:t>17/01/2023</a:t>
+              <a:t>27/01/2023</a:t>
             </a:fld>
             <a:endParaRPr lang="fr-FR" noProof="0"/>
           </a:p>
@@ -13713,7 +21335,7 @@
     </p:spTree>
     <p:extLst>
       <p:ext uri="{BB962C8B-B14F-4D97-AF65-F5344CB8AC3E}">
-        <p14:creationId xmlns:p14="http://schemas.microsoft.com/office/powerpoint/2010/main" val="3380540632"/>
+        <p14:creationId xmlns:p14="http://schemas.microsoft.com/office/powerpoint/2010/main" val="2672160338"/>
       </p:ext>
     </p:extLst>
   </p:cSld>
@@ -13791,6 +21413,178 @@
             <a:fld id="{C6B3AB32-59DF-41F1-9618-EDFBF5049629}" type="slidenum">
               <a:rPr lang="fr-FR" smtClean="0"/>
               <a:t>13</a:t>
+            </a:fld>
+            <a:endParaRPr lang="fr-FR"/>
+          </a:p>
+        </p:txBody>
+      </p:sp>
+    </p:spTree>
+    <p:extLst>
+      <p:ext uri="{BB962C8B-B14F-4D97-AF65-F5344CB8AC3E}">
+        <p14:creationId xmlns:p14="http://schemas.microsoft.com/office/powerpoint/2010/main" val="3380540632"/>
+      </p:ext>
+    </p:extLst>
+  </p:cSld>
+  <p:clrMapOvr>
+    <a:masterClrMapping/>
+  </p:clrMapOvr>
+</p:notes>
+</file>
+
+<file path=ppt/notesSlides/notesSlide14.xml><?xml version="1.0" encoding="utf-8"?>
+<p:notes xmlns:a="http://schemas.openxmlformats.org/drawingml/2006/main" xmlns:r="http://schemas.openxmlformats.org/officeDocument/2006/relationships" xmlns:p="http://schemas.openxmlformats.org/presentationml/2006/main">
+  <p:cSld>
+    <p:spTree>
+      <p:nvGrpSpPr>
+        <p:cNvPr id="1" name=""/>
+        <p:cNvGrpSpPr/>
+        <p:nvPr/>
+      </p:nvGrpSpPr>
+      <p:grpSpPr>
+        <a:xfrm>
+          <a:off x="0" y="0"/>
+          <a:ext cx="0" cy="0"/>
+          <a:chOff x="0" y="0"/>
+          <a:chExt cx="0" cy="0"/>
+        </a:xfrm>
+      </p:grpSpPr>
+      <p:sp>
+        <p:nvSpPr>
+          <p:cNvPr id="2" name="Espace réservé de l’image des diapositives 1"/>
+          <p:cNvSpPr>
+            <a:spLocks noGrp="1" noRot="1" noChangeAspect="1"/>
+          </p:cNvSpPr>
+          <p:nvPr>
+            <p:ph type="sldImg"/>
+          </p:nvPr>
+        </p:nvSpPr>
+        <p:spPr/>
+      </p:sp>
+      <p:sp>
+        <p:nvSpPr>
+          <p:cNvPr id="3" name="Espace réservé des commentaires 2"/>
+          <p:cNvSpPr>
+            <a:spLocks noGrp="1"/>
+          </p:cNvSpPr>
+          <p:nvPr>
+            <p:ph type="body" idx="1"/>
+          </p:nvPr>
+        </p:nvSpPr>
+        <p:spPr/>
+        <p:txBody>
+          <a:bodyPr rtlCol="0"/>
+          <a:lstStyle/>
+          <a:p>
+            <a:pPr rtl="0"/>
+            <a:endParaRPr lang="fr-FR"/>
+          </a:p>
+        </p:txBody>
+      </p:sp>
+      <p:sp>
+        <p:nvSpPr>
+          <p:cNvPr id="4" name="Espace réservé du numéro de diapositive 3"/>
+          <p:cNvSpPr>
+            <a:spLocks noGrp="1"/>
+          </p:cNvSpPr>
+          <p:nvPr>
+            <p:ph type="sldNum" sz="quarter" idx="5"/>
+          </p:nvPr>
+        </p:nvSpPr>
+        <p:spPr/>
+        <p:txBody>
+          <a:bodyPr rtlCol="0"/>
+          <a:lstStyle/>
+          <a:p>
+            <a:pPr rtl="0"/>
+            <a:fld id="{C6B3AB32-59DF-41F1-9618-EDFBF5049629}" type="slidenum">
+              <a:rPr lang="fr-FR" smtClean="0"/>
+              <a:t>14</a:t>
+            </a:fld>
+            <a:endParaRPr lang="fr-FR"/>
+          </a:p>
+        </p:txBody>
+      </p:sp>
+    </p:spTree>
+    <p:extLst>
+      <p:ext uri="{BB962C8B-B14F-4D97-AF65-F5344CB8AC3E}">
+        <p14:creationId xmlns:p14="http://schemas.microsoft.com/office/powerpoint/2010/main" val="3785813047"/>
+      </p:ext>
+    </p:extLst>
+  </p:cSld>
+  <p:clrMapOvr>
+    <a:masterClrMapping/>
+  </p:clrMapOvr>
+</p:notes>
+</file>
+
+<file path=ppt/notesSlides/notesSlide15.xml><?xml version="1.0" encoding="utf-8"?>
+<p:notes xmlns:a="http://schemas.openxmlformats.org/drawingml/2006/main" xmlns:r="http://schemas.openxmlformats.org/officeDocument/2006/relationships" xmlns:p="http://schemas.openxmlformats.org/presentationml/2006/main">
+  <p:cSld>
+    <p:spTree>
+      <p:nvGrpSpPr>
+        <p:cNvPr id="1" name=""/>
+        <p:cNvGrpSpPr/>
+        <p:nvPr/>
+      </p:nvGrpSpPr>
+      <p:grpSpPr>
+        <a:xfrm>
+          <a:off x="0" y="0"/>
+          <a:ext cx="0" cy="0"/>
+          <a:chOff x="0" y="0"/>
+          <a:chExt cx="0" cy="0"/>
+        </a:xfrm>
+      </p:grpSpPr>
+      <p:sp>
+        <p:nvSpPr>
+          <p:cNvPr id="2" name="Espace réservé de l’image des diapositives 1"/>
+          <p:cNvSpPr>
+            <a:spLocks noGrp="1" noRot="1" noChangeAspect="1"/>
+          </p:cNvSpPr>
+          <p:nvPr>
+            <p:ph type="sldImg"/>
+          </p:nvPr>
+        </p:nvSpPr>
+        <p:spPr/>
+      </p:sp>
+      <p:sp>
+        <p:nvSpPr>
+          <p:cNvPr id="3" name="Espace réservé des commentaires 2"/>
+          <p:cNvSpPr>
+            <a:spLocks noGrp="1"/>
+          </p:cNvSpPr>
+          <p:nvPr>
+            <p:ph type="body" idx="1"/>
+          </p:nvPr>
+        </p:nvSpPr>
+        <p:spPr/>
+        <p:txBody>
+          <a:bodyPr rtlCol="0"/>
+          <a:lstStyle/>
+          <a:p>
+            <a:pPr rtl="0"/>
+            <a:endParaRPr lang="fr-FR"/>
+          </a:p>
+        </p:txBody>
+      </p:sp>
+      <p:sp>
+        <p:nvSpPr>
+          <p:cNvPr id="4" name="Espace réservé du numéro de diapositive 3"/>
+          <p:cNvSpPr>
+            <a:spLocks noGrp="1"/>
+          </p:cNvSpPr>
+          <p:nvPr>
+            <p:ph type="sldNum" sz="quarter" idx="5"/>
+          </p:nvPr>
+        </p:nvSpPr>
+        <p:spPr/>
+        <p:txBody>
+          <a:bodyPr rtlCol="0"/>
+          <a:lstStyle/>
+          <a:p>
+            <a:pPr rtl="0"/>
+            <a:fld id="{C6B3AB32-59DF-41F1-9618-EDFBF5049629}" type="slidenum">
+              <a:rPr lang="fr-FR" smtClean="0"/>
+              <a:t>15</a:t>
             </a:fld>
             <a:endParaRPr lang="fr-FR"/>
           </a:p>
@@ -14743,7 +22537,7 @@
             <a:pPr rtl="0"/>
             <a:fld id="{35C062F6-048D-43E1-9421-310A959C2460}" type="datetime1">
               <a:rPr lang="fr-FR" noProof="0" smtClean="0"/>
-              <a:t>17/01/2023</a:t>
+              <a:t>27/01/2023</a:t>
             </a:fld>
             <a:endParaRPr lang="fr-FR" noProof="0"/>
           </a:p>
@@ -15008,7 +22802,7 @@
             <a:pPr rtl="0"/>
             <a:fld id="{A800B85E-6377-463E-8BAF-21D07E5C1BDA}" type="datetime1">
               <a:rPr lang="fr-FR" noProof="0" smtClean="0"/>
-              <a:t>17/01/2023</a:t>
+              <a:t>27/01/2023</a:t>
             </a:fld>
             <a:endParaRPr lang="fr-FR" noProof="0"/>
           </a:p>
@@ -15246,7 +23040,7 @@
             <a:pPr rtl="0"/>
             <a:fld id="{E2AAF351-2C30-4D6C-B7DE-96577B0251FC}" type="datetime1">
               <a:rPr lang="fr-FR" noProof="0" smtClean="0"/>
-              <a:t>17/01/2023</a:t>
+              <a:t>27/01/2023</a:t>
             </a:fld>
             <a:endParaRPr lang="fr-FR" noProof="0"/>
           </a:p>
@@ -15489,7 +23283,7 @@
             <a:pPr rtl="0"/>
             <a:fld id="{93C74C58-CBD0-4144-9DCC-1ECF431AE22A}" type="datetime1">
               <a:rPr lang="fr-FR" noProof="0" smtClean="0"/>
-              <a:t>17/01/2023</a:t>
+              <a:t>27/01/2023</a:t>
             </a:fld>
             <a:endParaRPr lang="fr-FR" noProof="0"/>
           </a:p>
@@ -15800,7 +23594,7 @@
             <a:pPr rtl="0"/>
             <a:fld id="{064A691B-BC57-4AEC-A116-60539F31CC44}" type="datetime1">
               <a:rPr lang="fr-FR" noProof="0" smtClean="0"/>
-              <a:t>17/01/2023</a:t>
+              <a:t>27/01/2023</a:t>
             </a:fld>
             <a:endParaRPr lang="fr-FR" noProof="0"/>
           </a:p>
@@ -16104,7 +23898,7 @@
             <a:pPr rtl="0"/>
             <a:fld id="{79F6ACEE-1712-4ED7-B144-C18A050A7794}" type="datetime1">
               <a:rPr lang="fr-FR" noProof="0" smtClean="0"/>
-              <a:t>17/01/2023</a:t>
+              <a:t>27/01/2023</a:t>
             </a:fld>
             <a:endParaRPr lang="fr-FR" noProof="0"/>
           </a:p>
@@ -16528,7 +24322,7 @@
             <a:pPr rtl="0"/>
             <a:fld id="{61FF0944-073E-491D-A7B0-13948020ED4E}" type="datetime1">
               <a:rPr lang="fr-FR" noProof="0" smtClean="0"/>
-              <a:t>17/01/2023</a:t>
+              <a:t>27/01/2023</a:t>
             </a:fld>
             <a:endParaRPr lang="fr-FR" noProof="0"/>
           </a:p>
@@ -16627,7 +24421,7 @@
             <a:pPr rtl="0"/>
             <a:fld id="{60ED5FBE-C222-432E-9DE4-A4A28F7412E7}" type="datetime1">
               <a:rPr lang="fr-FR" noProof="0" smtClean="0"/>
-              <a:t>17/01/2023</a:t>
+              <a:t>27/01/2023</a:t>
             </a:fld>
             <a:endParaRPr lang="fr-FR" noProof="0"/>
           </a:p>
@@ -16793,7 +24587,7 @@
             <a:pPr rtl="0"/>
             <a:fld id="{F6C753CC-395F-409E-BC4F-EE7AF818EF32}" type="datetime1">
               <a:rPr lang="fr-FR" noProof="0" smtClean="0"/>
-              <a:t>17/01/2023</a:t>
+              <a:t>27/01/2023</a:t>
             </a:fld>
             <a:endParaRPr lang="fr-FR" noProof="0"/>
           </a:p>
@@ -17174,7 +24968,7 @@
             <a:pPr rtl="0"/>
             <a:fld id="{62289CB0-6DCB-4A98-9878-C6B76F298FAD}" type="datetime1">
               <a:rPr lang="fr-FR" noProof="0" smtClean="0"/>
-              <a:t>17/01/2023</a:t>
+              <a:t>27/01/2023</a:t>
             </a:fld>
             <a:endParaRPr lang="fr-FR" noProof="0"/>
           </a:p>
@@ -17467,7 +25261,7 @@
             <a:pPr rtl="0"/>
             <a:fld id="{9E4F4CCC-E008-44B3-87E3-99448D11823D}" type="datetime1">
               <a:rPr lang="fr-FR" noProof="0" smtClean="0"/>
-              <a:t>17/01/2023</a:t>
+              <a:t>27/01/2023</a:t>
             </a:fld>
             <a:endParaRPr lang="fr-FR" noProof="0"/>
           </a:p>
@@ -17681,7 +25475,7 @@
             <a:pPr rtl="0"/>
             <a:fld id="{AC537E22-ABC5-4E47-91E1-4FF82510A641}" type="datetime1">
               <a:rPr lang="fr-FR" noProof="0" smtClean="0"/>
-              <a:t>17/01/2023</a:t>
+              <a:t>27/01/2023</a:t>
             </a:fld>
             <a:endParaRPr lang="fr-FR" noProof="0"/>
           </a:p>
@@ -19828,6 +27622,364 @@
           </a:p>
         </p:txBody>
       </p:sp>
+      <p:graphicFrame>
+        <p:nvGraphicFramePr>
+          <p:cNvPr id="11" name="Diagramme 10">
+            <a:extLst>
+              <a:ext uri="{FF2B5EF4-FFF2-40B4-BE49-F238E27FC236}">
+                <a16:creationId xmlns:a16="http://schemas.microsoft.com/office/drawing/2014/main" id="{0E476031-30B2-1F0E-0623-39D31F4C99DD}"/>
+              </a:ext>
+            </a:extLst>
+          </p:cNvPr>
+          <p:cNvGraphicFramePr/>
+          <p:nvPr>
+            <p:extLst>
+              <p:ext uri="{D42A27DB-BD31-4B8C-83A1-F6EECF244321}">
+                <p14:modId xmlns:p14="http://schemas.microsoft.com/office/powerpoint/2010/main" val="1520331147"/>
+              </p:ext>
+            </p:extLst>
+          </p:nvPr>
+        </p:nvGraphicFramePr>
+        <p:xfrm>
+          <a:off x="2914490" y="2935041"/>
+          <a:ext cx="8475601" cy="2773680"/>
+        </p:xfrm>
+        <a:graphic>
+          <a:graphicData uri="http://schemas.openxmlformats.org/drawingml/2006/diagram">
+            <dgm:relIds xmlns:dgm="http://schemas.openxmlformats.org/drawingml/2006/diagram" xmlns:r="http://schemas.openxmlformats.org/officeDocument/2006/relationships" r:dm="rId3" r:lo="rId4" r:qs="rId5" r:cs="rId6"/>
+          </a:graphicData>
+        </a:graphic>
+      </p:graphicFrame>
+      <p:graphicFrame>
+        <p:nvGraphicFramePr>
+          <p:cNvPr id="12" name="Diagramme 11">
+            <a:extLst>
+              <a:ext uri="{FF2B5EF4-FFF2-40B4-BE49-F238E27FC236}">
+                <a16:creationId xmlns:a16="http://schemas.microsoft.com/office/drawing/2014/main" id="{838B2CAC-3C19-9034-2912-C72301FBEA02}"/>
+              </a:ext>
+            </a:extLst>
+          </p:cNvPr>
+          <p:cNvGraphicFramePr/>
+          <p:nvPr>
+            <p:extLst>
+              <p:ext uri="{D42A27DB-BD31-4B8C-83A1-F6EECF244321}">
+                <p14:modId xmlns:p14="http://schemas.microsoft.com/office/powerpoint/2010/main" val="2863184976"/>
+              </p:ext>
+            </p:extLst>
+          </p:nvPr>
+        </p:nvGraphicFramePr>
+        <p:xfrm>
+          <a:off x="223842" y="2133600"/>
+          <a:ext cx="1982952" cy="4376562"/>
+        </p:xfrm>
+        <a:graphic>
+          <a:graphicData uri="http://schemas.openxmlformats.org/drawingml/2006/diagram">
+            <dgm:relIds xmlns:dgm="http://schemas.openxmlformats.org/drawingml/2006/diagram" xmlns:r="http://schemas.openxmlformats.org/officeDocument/2006/relationships" r:dm="rId8" r:lo="rId9" r:qs="rId10" r:cs="rId11"/>
+          </a:graphicData>
+        </a:graphic>
+      </p:graphicFrame>
+    </p:spTree>
+    <p:extLst>
+      <p:ext uri="{BB962C8B-B14F-4D97-AF65-F5344CB8AC3E}">
+        <p14:creationId xmlns:p14="http://schemas.microsoft.com/office/powerpoint/2010/main" val="3945536907"/>
+      </p:ext>
+    </p:extLst>
+  </p:cSld>
+  <p:clrMapOvr>
+    <a:masterClrMapping/>
+  </p:clrMapOvr>
+</p:sld>
+</file>
+
+<file path=ppt/slides/slide13.xml><?xml version="1.0" encoding="utf-8"?>
+<p:sld xmlns:a="http://schemas.openxmlformats.org/drawingml/2006/main" xmlns:r="http://schemas.openxmlformats.org/officeDocument/2006/relationships" xmlns:p="http://schemas.openxmlformats.org/presentationml/2006/main">
+  <p:cSld>
+    <p:spTree>
+      <p:nvGrpSpPr>
+        <p:cNvPr id="1" name=""/>
+        <p:cNvGrpSpPr/>
+        <p:nvPr/>
+      </p:nvGrpSpPr>
+      <p:grpSpPr>
+        <a:xfrm>
+          <a:off x="0" y="0"/>
+          <a:ext cx="0" cy="0"/>
+          <a:chOff x="0" y="0"/>
+          <a:chExt cx="0" cy="0"/>
+        </a:xfrm>
+      </p:grpSpPr>
+      <p:sp>
+        <p:nvSpPr>
+          <p:cNvPr id="2" name="Titre 1">
+            <a:extLst>
+              <a:ext uri="{FF2B5EF4-FFF2-40B4-BE49-F238E27FC236}">
+                <a16:creationId xmlns:a16="http://schemas.microsoft.com/office/drawing/2014/main" id="{5B040558-A365-4CCE-92FA-5A48CD98F9C9}"/>
+              </a:ext>
+            </a:extLst>
+          </p:cNvPr>
+          <p:cNvSpPr>
+            <a:spLocks noGrp="1"/>
+          </p:cNvSpPr>
+          <p:nvPr>
+            <p:ph type="title"/>
+          </p:nvPr>
+        </p:nvSpPr>
+        <p:spPr>
+          <a:xfrm>
+            <a:off x="581192" y="702156"/>
+            <a:ext cx="11029616" cy="1013800"/>
+          </a:xfrm>
+        </p:spPr>
+        <p:txBody>
+          <a:bodyPr rtlCol="0" anchor="b">
+            <a:normAutofit/>
+          </a:bodyPr>
+          <a:lstStyle/>
+          <a:p>
+            <a:pPr rtl="0"/>
+            <a:r>
+              <a:rPr lang="fr-FR" dirty="0"/>
+              <a:t>METHODE APPRENTISSAGE Supervisées</a:t>
+            </a:r>
+          </a:p>
+        </p:txBody>
+      </p:sp>
+      <p:sp>
+        <p:nvSpPr>
+          <p:cNvPr id="3" name="Espace réservé du numéro de diapositive 2">
+            <a:extLst>
+              <a:ext uri="{FF2B5EF4-FFF2-40B4-BE49-F238E27FC236}">
+                <a16:creationId xmlns:a16="http://schemas.microsoft.com/office/drawing/2014/main" id="{ACF70E5E-1076-94AD-5E11-F292199DD68E}"/>
+              </a:ext>
+            </a:extLst>
+          </p:cNvPr>
+          <p:cNvSpPr>
+            <a:spLocks noGrp="1"/>
+          </p:cNvSpPr>
+          <p:nvPr>
+            <p:ph type="sldNum" sz="quarter" idx="12"/>
+          </p:nvPr>
+        </p:nvSpPr>
+        <p:spPr/>
+        <p:txBody>
+          <a:bodyPr/>
+          <a:lstStyle/>
+          <a:p>
+            <a:pPr rtl="0"/>
+            <a:fld id="{D57F1E4F-1CFF-5643-939E-217C01CDF565}" type="slidenum">
+              <a:rPr lang="fr-FR" noProof="0" smtClean="0"/>
+              <a:pPr rtl="0"/>
+              <a:t>13</a:t>
+            </a:fld>
+            <a:endParaRPr lang="fr-FR" noProof="0"/>
+          </a:p>
+        </p:txBody>
+      </p:sp>
+      <p:pic>
+        <p:nvPicPr>
+          <p:cNvPr id="9" name="Image 8">
+            <a:extLst>
+              <a:ext uri="{FF2B5EF4-FFF2-40B4-BE49-F238E27FC236}">
+                <a16:creationId xmlns:a16="http://schemas.microsoft.com/office/drawing/2014/main" id="{292A08FB-BB32-8DDC-9811-CEF17FF88F7C}"/>
+              </a:ext>
+            </a:extLst>
+          </p:cNvPr>
+          <p:cNvPicPr>
+            <a:picLocks noChangeAspect="1"/>
+          </p:cNvPicPr>
+          <p:nvPr/>
+        </p:nvPicPr>
+        <p:blipFill>
+          <a:blip r:embed="rId3"/>
+          <a:stretch>
+            <a:fillRect/>
+          </a:stretch>
+        </p:blipFill>
+        <p:spPr>
+          <a:xfrm>
+            <a:off x="174556" y="3697867"/>
+            <a:ext cx="5769044" cy="2781220"/>
+          </a:xfrm>
+          <a:prstGeom prst="rect">
+            <a:avLst/>
+          </a:prstGeom>
+        </p:spPr>
+      </p:pic>
+      <p:sp>
+        <p:nvSpPr>
+          <p:cNvPr id="10" name="ZoneTexte 9">
+            <a:extLst>
+              <a:ext uri="{FF2B5EF4-FFF2-40B4-BE49-F238E27FC236}">
+                <a16:creationId xmlns:a16="http://schemas.microsoft.com/office/drawing/2014/main" id="{11A0C5FB-3C8B-E5A0-E286-1242B9B23F64}"/>
+              </a:ext>
+            </a:extLst>
+          </p:cNvPr>
+          <p:cNvSpPr txBox="1"/>
+          <p:nvPr/>
+        </p:nvSpPr>
+        <p:spPr>
+          <a:xfrm flipH="1">
+            <a:off x="340007" y="2191153"/>
+            <a:ext cx="11400047" cy="646331"/>
+          </a:xfrm>
+          <a:prstGeom prst="rect">
+            <a:avLst/>
+          </a:prstGeom>
+          <a:noFill/>
+        </p:spPr>
+        <p:txBody>
+          <a:bodyPr wrap="square" rtlCol="0">
+            <a:spAutoFit/>
+          </a:bodyPr>
+          <a:lstStyle/>
+          <a:p>
+            <a:r>
+              <a:rPr lang="fr-FR" dirty="0"/>
+              <a:t>Dans notre cas les meilleurs modèles sont les modèles avec qui utilisent la régression logistique comme estimateur.</a:t>
+            </a:r>
+          </a:p>
+          <a:p>
+            <a:r>
+              <a:rPr lang="fr-FR" dirty="0"/>
+              <a:t> </a:t>
+            </a:r>
+          </a:p>
+        </p:txBody>
+      </p:sp>
+      <p:sp>
+        <p:nvSpPr>
+          <p:cNvPr id="11" name="ZoneTexte 10">
+            <a:extLst>
+              <a:ext uri="{FF2B5EF4-FFF2-40B4-BE49-F238E27FC236}">
+                <a16:creationId xmlns:a16="http://schemas.microsoft.com/office/drawing/2014/main" id="{ACAA4E6B-73CD-62E7-D697-056A7CFCD87F}"/>
+              </a:ext>
+            </a:extLst>
+          </p:cNvPr>
+          <p:cNvSpPr txBox="1"/>
+          <p:nvPr/>
+        </p:nvSpPr>
+        <p:spPr>
+          <a:xfrm flipH="1">
+            <a:off x="0" y="3244334"/>
+            <a:ext cx="6942872" cy="369332"/>
+          </a:xfrm>
+          <a:prstGeom prst="rect">
+            <a:avLst/>
+          </a:prstGeom>
+          <a:noFill/>
+        </p:spPr>
+        <p:txBody>
+          <a:bodyPr wrap="square" rtlCol="0">
+            <a:spAutoFit/>
+          </a:bodyPr>
+          <a:lstStyle/>
+          <a:p>
+            <a:r>
+              <a:rPr lang="fr-FR" b="1" dirty="0"/>
+              <a:t>Comparaison des modèles </a:t>
+            </a:r>
+            <a:r>
+              <a:rPr lang="fr-FR" dirty="0"/>
+              <a:t>en fonction du choix de vectorisation</a:t>
+            </a:r>
+          </a:p>
+        </p:txBody>
+      </p:sp>
+      <p:sp>
+        <p:nvSpPr>
+          <p:cNvPr id="12" name="Flèche : droite 11">
+            <a:extLst>
+              <a:ext uri="{FF2B5EF4-FFF2-40B4-BE49-F238E27FC236}">
+                <a16:creationId xmlns:a16="http://schemas.microsoft.com/office/drawing/2014/main" id="{36179013-40C4-28A9-3DE6-DEE5DB7BD303}"/>
+              </a:ext>
+            </a:extLst>
+          </p:cNvPr>
+          <p:cNvSpPr/>
+          <p:nvPr/>
+        </p:nvSpPr>
+        <p:spPr>
+          <a:xfrm>
+            <a:off x="6096000" y="4903811"/>
+            <a:ext cx="1313793" cy="369332"/>
+          </a:xfrm>
+          <a:prstGeom prst="rightArrow">
+            <a:avLst/>
+          </a:prstGeom>
+        </p:spPr>
+        <p:style>
+          <a:lnRef idx="2">
+            <a:schemeClr val="accent1">
+              <a:shade val="50000"/>
+            </a:schemeClr>
+          </a:lnRef>
+          <a:fillRef idx="1">
+            <a:schemeClr val="accent1"/>
+          </a:fillRef>
+          <a:effectRef idx="0">
+            <a:schemeClr val="accent1"/>
+          </a:effectRef>
+          <a:fontRef idx="minor">
+            <a:schemeClr val="lt1"/>
+          </a:fontRef>
+        </p:style>
+        <p:txBody>
+          <a:bodyPr rtlCol="0" anchor="ctr"/>
+          <a:lstStyle/>
+          <a:p>
+            <a:pPr algn="ctr"/>
+            <a:endParaRPr lang="fr-FR"/>
+          </a:p>
+        </p:txBody>
+      </p:sp>
+      <p:sp>
+        <p:nvSpPr>
+          <p:cNvPr id="13" name="Ellipse 12">
+            <a:extLst>
+              <a:ext uri="{FF2B5EF4-FFF2-40B4-BE49-F238E27FC236}">
+                <a16:creationId xmlns:a16="http://schemas.microsoft.com/office/drawing/2014/main" id="{A1B1207D-D272-B35A-08DF-85208A0D6F86}"/>
+              </a:ext>
+            </a:extLst>
+          </p:cNvPr>
+          <p:cNvSpPr/>
+          <p:nvPr/>
+        </p:nvSpPr>
+        <p:spPr>
+          <a:xfrm>
+            <a:off x="7714593" y="4435366"/>
+            <a:ext cx="3896215" cy="1292772"/>
+          </a:xfrm>
+          <a:prstGeom prst="ellipse">
+            <a:avLst/>
+          </a:prstGeom>
+        </p:spPr>
+        <p:style>
+          <a:lnRef idx="2">
+            <a:schemeClr val="accent1">
+              <a:shade val="50000"/>
+            </a:schemeClr>
+          </a:lnRef>
+          <a:fillRef idx="1">
+            <a:schemeClr val="accent1"/>
+          </a:fillRef>
+          <a:effectRef idx="0">
+            <a:schemeClr val="accent1"/>
+          </a:effectRef>
+          <a:fontRef idx="minor">
+            <a:schemeClr val="lt1"/>
+          </a:fontRef>
+        </p:style>
+        <p:txBody>
+          <a:bodyPr rtlCol="0" anchor="ctr"/>
+          <a:lstStyle/>
+          <a:p>
+            <a:pPr algn="ctr"/>
+            <a:r>
+              <a:rPr lang="fr-FR" dirty="0"/>
+              <a:t>Les modèles sont plus performants en utilisant la vectorisation USE</a:t>
+            </a:r>
+          </a:p>
+        </p:txBody>
+      </p:sp>
     </p:spTree>
     <p:extLst>
       <p:ext uri="{BB962C8B-B14F-4D97-AF65-F5344CB8AC3E}">
@@ -19841,7 +27993,192 @@
 </p:sld>
 </file>
 
-<file path=ppt/slides/slide13.xml><?xml version="1.0" encoding="utf-8"?>
+<file path=ppt/slides/slide14.xml><?xml version="1.0" encoding="utf-8"?>
+<p:sld xmlns:a="http://schemas.openxmlformats.org/drawingml/2006/main" xmlns:r="http://schemas.openxmlformats.org/officeDocument/2006/relationships" xmlns:p="http://schemas.openxmlformats.org/presentationml/2006/main">
+  <p:cSld>
+    <p:spTree>
+      <p:nvGrpSpPr>
+        <p:cNvPr id="1" name=""/>
+        <p:cNvGrpSpPr/>
+        <p:nvPr/>
+      </p:nvGrpSpPr>
+      <p:grpSpPr>
+        <a:xfrm>
+          <a:off x="0" y="0"/>
+          <a:ext cx="0" cy="0"/>
+          <a:chOff x="0" y="0"/>
+          <a:chExt cx="0" cy="0"/>
+        </a:xfrm>
+      </p:grpSpPr>
+      <p:sp>
+        <p:nvSpPr>
+          <p:cNvPr id="2" name="Titre 1">
+            <a:extLst>
+              <a:ext uri="{FF2B5EF4-FFF2-40B4-BE49-F238E27FC236}">
+                <a16:creationId xmlns:a16="http://schemas.microsoft.com/office/drawing/2014/main" id="{5B040558-A365-4CCE-92FA-5A48CD98F9C9}"/>
+              </a:ext>
+            </a:extLst>
+          </p:cNvPr>
+          <p:cNvSpPr>
+            <a:spLocks noGrp="1"/>
+          </p:cNvSpPr>
+          <p:nvPr>
+            <p:ph type="title"/>
+          </p:nvPr>
+        </p:nvSpPr>
+        <p:spPr>
+          <a:xfrm>
+            <a:off x="581192" y="702156"/>
+            <a:ext cx="11029616" cy="1013800"/>
+          </a:xfrm>
+        </p:spPr>
+        <p:txBody>
+          <a:bodyPr rtlCol="0" anchor="b">
+            <a:normAutofit/>
+          </a:bodyPr>
+          <a:lstStyle/>
+          <a:p>
+            <a:pPr rtl="0"/>
+            <a:r>
+              <a:rPr lang="fr-FR" dirty="0"/>
+              <a:t>API de prédiction de tags</a:t>
+            </a:r>
+          </a:p>
+        </p:txBody>
+      </p:sp>
+      <p:sp>
+        <p:nvSpPr>
+          <p:cNvPr id="3" name="Espace réservé du numéro de diapositive 2">
+            <a:extLst>
+              <a:ext uri="{FF2B5EF4-FFF2-40B4-BE49-F238E27FC236}">
+                <a16:creationId xmlns:a16="http://schemas.microsoft.com/office/drawing/2014/main" id="{ACF70E5E-1076-94AD-5E11-F292199DD68E}"/>
+              </a:ext>
+            </a:extLst>
+          </p:cNvPr>
+          <p:cNvSpPr>
+            <a:spLocks noGrp="1"/>
+          </p:cNvSpPr>
+          <p:nvPr>
+            <p:ph type="sldNum" sz="quarter" idx="12"/>
+          </p:nvPr>
+        </p:nvSpPr>
+        <p:spPr/>
+        <p:txBody>
+          <a:bodyPr/>
+          <a:lstStyle/>
+          <a:p>
+            <a:pPr rtl="0"/>
+            <a:fld id="{D57F1E4F-1CFF-5643-939E-217C01CDF565}" type="slidenum">
+              <a:rPr lang="fr-FR" noProof="0" smtClean="0"/>
+              <a:pPr rtl="0"/>
+              <a:t>14</a:t>
+            </a:fld>
+            <a:endParaRPr lang="fr-FR" noProof="0"/>
+          </a:p>
+        </p:txBody>
+      </p:sp>
+      <p:pic>
+        <p:nvPicPr>
+          <p:cNvPr id="6" name="Image 5">
+            <a:extLst>
+              <a:ext uri="{FF2B5EF4-FFF2-40B4-BE49-F238E27FC236}">
+                <a16:creationId xmlns:a16="http://schemas.microsoft.com/office/drawing/2014/main" id="{52E84957-06C9-95A3-D0BA-3283B90C38F0}"/>
+              </a:ext>
+            </a:extLst>
+          </p:cNvPr>
+          <p:cNvPicPr>
+            <a:picLocks noChangeAspect="1"/>
+          </p:cNvPicPr>
+          <p:nvPr/>
+        </p:nvPicPr>
+        <p:blipFill>
+          <a:blip r:embed="rId3"/>
+          <a:stretch>
+            <a:fillRect/>
+          </a:stretch>
+        </p:blipFill>
+        <p:spPr>
+          <a:xfrm>
+            <a:off x="3051635" y="1884321"/>
+            <a:ext cx="8168165" cy="3017904"/>
+          </a:xfrm>
+          <a:prstGeom prst="rect">
+            <a:avLst/>
+          </a:prstGeom>
+        </p:spPr>
+      </p:pic>
+      <p:pic>
+        <p:nvPicPr>
+          <p:cNvPr id="10" name="Image 9">
+            <a:extLst>
+              <a:ext uri="{FF2B5EF4-FFF2-40B4-BE49-F238E27FC236}">
+                <a16:creationId xmlns:a16="http://schemas.microsoft.com/office/drawing/2014/main" id="{312B47D7-CC60-693A-CAAC-16F10C6ABB50}"/>
+              </a:ext>
+            </a:extLst>
+          </p:cNvPr>
+          <p:cNvPicPr>
+            <a:picLocks noChangeAspect="1"/>
+          </p:cNvPicPr>
+          <p:nvPr/>
+        </p:nvPicPr>
+        <p:blipFill>
+          <a:blip r:embed="rId4"/>
+          <a:stretch>
+            <a:fillRect/>
+          </a:stretch>
+        </p:blipFill>
+        <p:spPr>
+          <a:xfrm>
+            <a:off x="2936015" y="4996815"/>
+            <a:ext cx="8168165" cy="1787410"/>
+          </a:xfrm>
+          <a:prstGeom prst="rect">
+            <a:avLst/>
+          </a:prstGeom>
+        </p:spPr>
+      </p:pic>
+      <p:graphicFrame>
+        <p:nvGraphicFramePr>
+          <p:cNvPr id="11" name="Diagramme 10">
+            <a:extLst>
+              <a:ext uri="{FF2B5EF4-FFF2-40B4-BE49-F238E27FC236}">
+                <a16:creationId xmlns:a16="http://schemas.microsoft.com/office/drawing/2014/main" id="{6D77C248-9325-5FEF-72C7-F630112B538E}"/>
+              </a:ext>
+            </a:extLst>
+          </p:cNvPr>
+          <p:cNvGraphicFramePr/>
+          <p:nvPr>
+            <p:extLst>
+              <p:ext uri="{D42A27DB-BD31-4B8C-83A1-F6EECF244321}">
+                <p14:modId xmlns:p14="http://schemas.microsoft.com/office/powerpoint/2010/main" val="2328603495"/>
+              </p:ext>
+            </p:extLst>
+          </p:nvPr>
+        </p:nvGraphicFramePr>
+        <p:xfrm>
+          <a:off x="0" y="2602496"/>
+          <a:ext cx="3223172" cy="3536203"/>
+        </p:xfrm>
+        <a:graphic>
+          <a:graphicData uri="http://schemas.openxmlformats.org/drawingml/2006/diagram">
+            <dgm:relIds xmlns:dgm="http://schemas.openxmlformats.org/drawingml/2006/diagram" xmlns:r="http://schemas.openxmlformats.org/officeDocument/2006/relationships" r:dm="rId5" r:lo="rId6" r:qs="rId7" r:cs="rId8"/>
+          </a:graphicData>
+        </a:graphic>
+      </p:graphicFrame>
+    </p:spTree>
+    <p:extLst>
+      <p:ext uri="{BB962C8B-B14F-4D97-AF65-F5344CB8AC3E}">
+        <p14:creationId xmlns:p14="http://schemas.microsoft.com/office/powerpoint/2010/main" val="1455177520"/>
+      </p:ext>
+    </p:extLst>
+  </p:cSld>
+  <p:clrMapOvr>
+    <a:masterClrMapping/>
+  </p:clrMapOvr>
+</p:sld>
+</file>
+
+<file path=ppt/slides/slide15.xml><?xml version="1.0" encoding="utf-8"?>
 <p:sld xmlns:a="http://schemas.openxmlformats.org/drawingml/2006/main" xmlns:r="http://schemas.openxmlformats.org/officeDocument/2006/relationships" xmlns:p="http://schemas.openxmlformats.org/presentationml/2006/main">
   <p:cSld>
     <p:bg>
@@ -20427,7 +28764,7 @@
             <p:nvPr>
               <p:extLst>
                 <p:ext uri="{D42A27DB-BD31-4B8C-83A1-F6EECF244321}">
-                  <p14:modId xmlns:p14="http://schemas.microsoft.com/office/powerpoint/2010/main" val="540903167"/>
+                  <p14:modId xmlns:p14="http://schemas.microsoft.com/office/powerpoint/2010/main" val="1838824631"/>
                 </p:ext>
               </p:extLst>
             </p:nvPr>
@@ -20538,15 +28875,21 @@
             <a:p>
               <a:pPr algn="ctr"/>
               <a:r>
-                <a:rPr lang="fr-FR" sz="2500" b="1" cap="none" spc="0" dirty="0">
+                <a:rPr lang="fr-FR" sz="2500" b="1" dirty="0">
                   <a:ln/>
                   <a:solidFill>
                     <a:srgbClr val="002060"/>
                   </a:solidFill>
-                  <a:effectLst/>
                 </a:rPr>
-                <a:t>4</a:t>
+                <a:t>5</a:t>
               </a:r>
+              <a:endParaRPr lang="fr-FR" sz="2500" b="1" cap="none" spc="0" dirty="0">
+                <a:ln/>
+                <a:solidFill>
+                  <a:srgbClr val="002060"/>
+                </a:solidFill>
+                <a:effectLst/>
+              </a:endParaRPr>
             </a:p>
           </p:txBody>
         </p:sp>
@@ -20599,7 +28942,7 @@
                   </a:solidFill>
                   <a:effectLst/>
                 </a:rPr>
-                <a:t>5</a:t>
+                <a:t>6</a:t>
               </a:r>
             </a:p>
           </p:txBody>
@@ -20653,7 +28996,7 @@
                   </a:solidFill>
                   <a:effectLst/>
                 </a:rPr>
-                <a:t>6</a:t>
+                <a:t>8</a:t>
               </a:r>
             </a:p>
           </p:txBody>
@@ -20700,15 +29043,21 @@
             <a:p>
               <a:pPr algn="ctr"/>
               <a:r>
-                <a:rPr lang="fr-FR" sz="2500" b="1" cap="none" spc="0" dirty="0">
+                <a:rPr lang="fr-FR" sz="2500" b="1" dirty="0">
                   <a:ln/>
                   <a:solidFill>
                     <a:srgbClr val="002060"/>
                   </a:solidFill>
-                  <a:effectLst/>
                 </a:rPr>
-                <a:t>8</a:t>
+                <a:t>9</a:t>
               </a:r>
+              <a:endParaRPr lang="fr-FR" sz="2500" b="1" cap="none" spc="0" dirty="0">
+                <a:ln/>
+                <a:solidFill>
+                  <a:srgbClr val="002060"/>
+                </a:solidFill>
+                <a:effectLst/>
+              </a:endParaRPr>
             </a:p>
           </p:txBody>
         </p:sp>
@@ -20754,15 +29103,21 @@
             <a:p>
               <a:pPr algn="ctr"/>
               <a:r>
-                <a:rPr lang="fr-FR" sz="2500" b="1" cap="none" spc="0" dirty="0">
+                <a:rPr lang="fr-FR" sz="2500" b="1" dirty="0">
                   <a:ln/>
                   <a:solidFill>
                     <a:srgbClr val="002060"/>
                   </a:solidFill>
-                  <a:effectLst/>
                 </a:rPr>
-                <a:t>9</a:t>
+                <a:t>12</a:t>
               </a:r>
+              <a:endParaRPr lang="fr-FR" sz="2500" b="1" cap="none" spc="0" dirty="0">
+                <a:ln/>
+                <a:solidFill>
+                  <a:srgbClr val="002060"/>
+                </a:solidFill>
+                <a:effectLst/>
+              </a:endParaRPr>
             </a:p>
           </p:txBody>
         </p:sp>
@@ -20815,7 +29170,7 @@
                   </a:solidFill>
                   <a:effectLst/>
                 </a:rPr>
-                <a:t>11</a:t>
+                <a:t>14</a:t>
               </a:r>
             </a:p>
           </p:txBody>
